--- a/GitFlow useful scenarios.pptx
+++ b/GitFlow useful scenarios.pptx
@@ -819,7 +819,7 @@
       </p:grpSpPr>
       <p:sp>
         <p:nvSpPr>
-          <p:cNvPr id="88" name="Google Shape;88;gb4a436c93f_0_1516:notes"/>
+          <p:cNvPr id="88" name="Google Shape;88;gb4a436c93f_0_660:notes"/>
           <p:cNvSpPr/>
           <p:nvPr>
             <p:ph idx="2" type="sldImg"/>
@@ -854,7 +854,7 @@
       </p:sp>
       <p:sp>
         <p:nvSpPr>
-          <p:cNvPr id="89" name="Google Shape;89;gb4a436c93f_0_1516:notes"/>
+          <p:cNvPr id="89" name="Google Shape;89;gb4a436c93f_0_660:notes"/>
           <p:cNvSpPr txBox="1"/>
           <p:nvPr>
             <p:ph idx="1" type="body"/>
@@ -918,7 +918,7 @@
       </p:grpSpPr>
       <p:sp>
         <p:nvSpPr>
-          <p:cNvPr id="95" name="Google Shape;95;gb4a436c93f_0_660:notes"/>
+          <p:cNvPr id="95" name="Google Shape;95;gb4a436c93f_0_3282:notes"/>
           <p:cNvSpPr/>
           <p:nvPr>
             <p:ph idx="2" type="sldImg"/>
@@ -953,7 +953,7 @@
       </p:sp>
       <p:sp>
         <p:nvSpPr>
-          <p:cNvPr id="96" name="Google Shape;96;gb4a436c93f_0_660:notes"/>
+          <p:cNvPr id="96" name="Google Shape;96;gb4a436c93f_0_3282:notes"/>
           <p:cNvSpPr txBox="1"/>
           <p:nvPr>
             <p:ph idx="1" type="body"/>
@@ -1003,7 +1003,7 @@
   <p:cSld>
     <p:spTree>
       <p:nvGrpSpPr>
-        <p:cNvPr id="101" name="Shape 101"/>
+        <p:cNvPr id="136" name="Shape 136"/>
         <p:cNvGrpSpPr/>
         <p:nvPr/>
       </p:nvGrpSpPr>
@@ -1017,7 +1017,7 @@
       </p:grpSpPr>
       <p:sp>
         <p:nvSpPr>
-          <p:cNvPr id="102" name="Google Shape;102;gb4a436c93f_0_1522:notes"/>
+          <p:cNvPr id="137" name="Google Shape;137;gb4aba6a4ba_0_25:notes"/>
           <p:cNvSpPr/>
           <p:nvPr>
             <p:ph idx="2" type="sldImg"/>
@@ -1052,7 +1052,7 @@
       </p:sp>
       <p:sp>
         <p:nvSpPr>
-          <p:cNvPr id="103" name="Google Shape;103;gb4a436c93f_0_1522:notes"/>
+          <p:cNvPr id="138" name="Google Shape;138;gb4aba6a4ba_0_25:notes"/>
           <p:cNvSpPr txBox="1"/>
           <p:nvPr>
             <p:ph idx="1" type="body"/>
@@ -1102,7 +1102,7 @@
   <p:cSld>
     <p:spTree>
       <p:nvGrpSpPr>
-        <p:cNvPr id="107" name="Shape 107"/>
+        <p:cNvPr id="172" name="Shape 172"/>
         <p:cNvGrpSpPr/>
         <p:nvPr/>
       </p:nvGrpSpPr>
@@ -1116,7 +1116,7 @@
       </p:grpSpPr>
       <p:sp>
         <p:nvSpPr>
-          <p:cNvPr id="108" name="Google Shape;108;gb4a436c93f_0_3282:notes"/>
+          <p:cNvPr id="173" name="Google Shape;173;gb4a436c93f_0_1522:notes"/>
           <p:cNvSpPr/>
           <p:nvPr>
             <p:ph idx="2" type="sldImg"/>
@@ -1151,7 +1151,7 @@
       </p:sp>
       <p:sp>
         <p:nvSpPr>
-          <p:cNvPr id="109" name="Google Shape;109;gb4a436c93f_0_3282:notes"/>
+          <p:cNvPr id="174" name="Google Shape;174;gb4a436c93f_0_1522:notes"/>
           <p:cNvSpPr txBox="1"/>
           <p:nvPr>
             <p:ph idx="1" type="body"/>
@@ -1201,7 +1201,7 @@
   <p:cSld>
     <p:spTree>
       <p:nvGrpSpPr>
-        <p:cNvPr id="112" name="Shape 112"/>
+        <p:cNvPr id="178" name="Shape 178"/>
         <p:cNvGrpSpPr/>
         <p:nvPr/>
       </p:nvGrpSpPr>
@@ -1215,7 +1215,7 @@
       </p:grpSpPr>
       <p:sp>
         <p:nvSpPr>
-          <p:cNvPr id="113" name="Google Shape;113;gb4a436c93f_0_665:notes"/>
+          <p:cNvPr id="179" name="Google Shape;179;gb4a436c93f_0_665:notes"/>
           <p:cNvSpPr/>
           <p:nvPr>
             <p:ph idx="2" type="sldImg"/>
@@ -1250,7 +1250,7 @@
       </p:sp>
       <p:sp>
         <p:nvSpPr>
-          <p:cNvPr id="114" name="Google Shape;114;gb4a436c93f_0_665:notes"/>
+          <p:cNvPr id="180" name="Google Shape;180;gb4a436c93f_0_665:notes"/>
           <p:cNvSpPr txBox="1"/>
           <p:nvPr>
             <p:ph idx="1" type="body"/>
@@ -1300,7 +1300,7 @@
   <p:cSld>
     <p:spTree>
       <p:nvGrpSpPr>
-        <p:cNvPr id="117" name="Shape 117"/>
+        <p:cNvPr id="183" name="Shape 183"/>
         <p:cNvGrpSpPr/>
         <p:nvPr/>
       </p:nvGrpSpPr>
@@ -1314,7 +1314,7 @@
       </p:grpSpPr>
       <p:sp>
         <p:nvSpPr>
-          <p:cNvPr id="118" name="Google Shape;118;gb4a436c93f_0_899:notes"/>
+          <p:cNvPr id="184" name="Google Shape;184;gb4a436c93f_0_899:notes"/>
           <p:cNvSpPr/>
           <p:nvPr>
             <p:ph idx="2" type="sldImg"/>
@@ -1349,7 +1349,7 @@
       </p:sp>
       <p:sp>
         <p:nvSpPr>
-          <p:cNvPr id="119" name="Google Shape;119;gb4a436c93f_0_899:notes"/>
+          <p:cNvPr id="185" name="Google Shape;185;gb4a436c93f_0_899:notes"/>
           <p:cNvSpPr txBox="1"/>
           <p:nvPr>
             <p:ph idx="1" type="body"/>
@@ -8194,22 +8194,10 @@
               <a:buChar char="●"/>
             </a:pPr>
             <a:r>
-              <a:rPr lang="en"/>
-              <a:t>Is the </a:t>
+              <a:rPr lang="en" sz="1400"/>
+              <a:t>Is the typical clustered environment that relies on an structure like:</a:t>
             </a:r>
-            <a:r>
-              <a:rPr lang="en"/>
-              <a:t>typical</a:t>
-            </a:r>
-            <a:r>
-              <a:rPr lang="en"/>
-              <a:t> clustered</a:t>
-            </a:r>
-            <a:r>
-              <a:rPr lang="en"/>
-              <a:t> environment that relies on an structure like:</a:t>
-            </a:r>
-            <a:endParaRPr/>
+            <a:endParaRPr sz="1400"/>
           </a:p>
           <a:p>
             <a:pPr indent="-304800" lvl="1" marL="914400" rtl="0" algn="l">
@@ -8223,10 +8211,10 @@
               <a:buChar char="○"/>
             </a:pPr>
             <a:r>
-              <a:rPr lang="en"/>
+              <a:rPr lang="en" sz="1200"/>
               <a:t>Development</a:t>
             </a:r>
-            <a:endParaRPr/>
+            <a:endParaRPr sz="1200"/>
           </a:p>
           <a:p>
             <a:pPr indent="-304800" lvl="1" marL="914400" rtl="0" algn="l">
@@ -8240,10 +8228,10 @@
               <a:buChar char="○"/>
             </a:pPr>
             <a:r>
-              <a:rPr lang="en"/>
+              <a:rPr lang="en" sz="1200"/>
               <a:t>Test</a:t>
             </a:r>
-            <a:endParaRPr/>
+            <a:endParaRPr sz="1200"/>
           </a:p>
           <a:p>
             <a:pPr indent="-304800" lvl="1" marL="914400" rtl="0" algn="l">
@@ -8257,10 +8245,10 @@
               <a:buChar char="○"/>
             </a:pPr>
             <a:r>
-              <a:rPr lang="en"/>
+              <a:rPr lang="en" sz="1200"/>
               <a:t>QA</a:t>
             </a:r>
-            <a:endParaRPr/>
+            <a:endParaRPr sz="1200"/>
           </a:p>
           <a:p>
             <a:pPr indent="-304800" lvl="1" marL="914400" rtl="0" algn="l">
@@ -8274,10 +8262,10 @@
               <a:buChar char="○"/>
             </a:pPr>
             <a:r>
-              <a:rPr lang="en"/>
+              <a:rPr lang="en" sz="1200"/>
               <a:t>Pre-Prod</a:t>
             </a:r>
-            <a:endParaRPr/>
+            <a:endParaRPr sz="1200"/>
           </a:p>
           <a:p>
             <a:pPr indent="-304800" lvl="1" marL="914400" rtl="0" algn="l">
@@ -8291,8 +8279,23 @@
               <a:buChar char="○"/>
             </a:pPr>
             <a:r>
-              <a:rPr lang="en"/>
+              <a:rPr lang="en" sz="1200"/>
               <a:t>Prod</a:t>
+            </a:r>
+            <a:endParaRPr sz="1200"/>
+          </a:p>
+          <a:p>
+            <a:pPr indent="0" lvl="0" marL="0" rtl="0" algn="l">
+              <a:spcBef>
+                <a:spcPts val="1600"/>
+              </a:spcBef>
+              <a:spcAft>
+                <a:spcPts val="1600"/>
+              </a:spcAft>
+              <a:buNone/>
+            </a:pPr>
+            <a:r>
+              <a:t/>
             </a:r>
             <a:endParaRPr/>
           </a:p>
@@ -8303,7 +8306,7 @@
           <p:cNvPr id="93" name="Google Shape;93;p14"/>
           <p:cNvSpPr txBox="1"/>
           <p:nvPr>
-            <p:ph idx="2" type="body"/>
+            <p:ph idx="4294967295" type="body"/>
           </p:nvPr>
         </p:nvSpPr>
         <p:spPr>
@@ -8331,15 +8334,108 @@
               <a:buNone/>
             </a:pPr>
             <a:r>
-              <a:rPr b="1" lang="en"/>
+              <a:rPr b="1" lang="en" sz="1400"/>
               <a:t>Problems:</a:t>
+            </a:r>
+            <a:endParaRPr sz="1400"/>
+          </a:p>
+          <a:p>
+            <a:pPr indent="-317500" lvl="0" marL="457200" rtl="0" algn="l">
+              <a:spcBef>
+                <a:spcPts val="1600"/>
+              </a:spcBef>
+              <a:spcAft>
+                <a:spcPts val="0"/>
+              </a:spcAft>
+              <a:buSzPts val="1400"/>
+              <a:buChar char="●"/>
+            </a:pPr>
+            <a:r>
+              <a:rPr lang="en" sz="1400"/>
+              <a:t>It forces to deploy  on One Monolithic Dev environment.</a:t>
+            </a:r>
+            <a:endParaRPr sz="1400"/>
+          </a:p>
+          <a:p>
+            <a:pPr indent="-317500" lvl="0" marL="457200" rtl="0" algn="l">
+              <a:spcBef>
+                <a:spcPts val="0"/>
+              </a:spcBef>
+              <a:spcAft>
+                <a:spcPts val="0"/>
+              </a:spcAft>
+              <a:buSzPts val="1400"/>
+              <a:buChar char="●"/>
+            </a:pPr>
+            <a:r>
+              <a:rPr lang="en" sz="1400"/>
+              <a:t>It forces to merge to master/trunk before feature is completed.</a:t>
+            </a:r>
+            <a:endParaRPr sz="1400"/>
+          </a:p>
+          <a:p>
+            <a:pPr indent="-317500" lvl="0" marL="457200" rtl="0" algn="l">
+              <a:spcBef>
+                <a:spcPts val="0"/>
+              </a:spcBef>
+              <a:spcAft>
+                <a:spcPts val="0"/>
+              </a:spcAft>
+              <a:buSzPts val="1400"/>
+              <a:buChar char="●"/>
+            </a:pPr>
+            <a:r>
+              <a:rPr b="1" lang="en" sz="1400"/>
+              <a:t>Danger</a:t>
+            </a:r>
+            <a:r>
+              <a:rPr lang="en" sz="1400"/>
+              <a:t>:</a:t>
+            </a:r>
+            <a:endParaRPr sz="1400"/>
+          </a:p>
+          <a:p>
+            <a:pPr indent="-304800" lvl="1" marL="914400" rtl="0" algn="l">
+              <a:spcBef>
+                <a:spcPts val="0"/>
+              </a:spcBef>
+              <a:spcAft>
+                <a:spcPts val="0"/>
+              </a:spcAft>
+              <a:buSzPts val="1200"/>
+              <a:buChar char="○"/>
+            </a:pPr>
+            <a:r>
+              <a:rPr lang="en"/>
+              <a:t>O</a:t>
+            </a:r>
+            <a:r>
+              <a:rPr lang="en" sz="1400"/>
+              <a:t>verlapping deployments.</a:t>
+            </a:r>
+            <a:endParaRPr sz="1400"/>
+          </a:p>
+          <a:p>
+            <a:pPr indent="-304800" lvl="1" marL="914400" rtl="0" algn="l">
+              <a:spcBef>
+                <a:spcPts val="0"/>
+              </a:spcBef>
+              <a:spcAft>
+                <a:spcPts val="0"/>
+              </a:spcAft>
+              <a:buSzPts val="1200"/>
+              <a:buChar char="○"/>
+            </a:pPr>
+            <a:r>
+              <a:rPr lang="en"/>
+              <a:t>Hot-fix contamination.</a:t>
             </a:r>
             <a:endParaRPr/>
           </a:p>
           <a:p>
             <a:pPr indent="-317500" lvl="0" marL="457200" rtl="0" algn="l">
               <a:spcBef>
-                <a:spcPts val="1600"/>
+                <a:spcPts val="0"/>
               </a:spcBef>
               <a:spcAft>
                 <a:spcPts val="0"/>
@@ -8348,61 +8444,25 @@
               <a:buChar char="●"/>
             </a:pPr>
             <a:r>
-              <a:rPr lang="en"/>
-              <a:t>It forces to deploy  on One Monolithic Dev environment.</a:t>
+              <a:rPr lang="en" sz="1400"/>
+              <a:t>Non granular/feature oriented deployments.</a:t>
             </a:r>
-            <a:endParaRPr/>
+            <a:endParaRPr sz="1400"/>
           </a:p>
           <a:p>
-            <a:pPr indent="-317500" lvl="0" marL="457200" rtl="0" algn="l">
-              <a:spcBef>
-                <a:spcPts val="0"/>
-              </a:spcBef>
-              <a:spcAft>
-                <a:spcPts val="0"/>
-              </a:spcAft>
-              <a:buSzPts val="1400"/>
-              <a:buChar char="●"/>
+            <a:pPr indent="0" lvl="0" marL="0" rtl="0" algn="l">
+              <a:spcBef>
+                <a:spcPts val="1600"/>
+              </a:spcBef>
+              <a:spcAft>
+                <a:spcPts val="1600"/>
+              </a:spcAft>
+              <a:buNone/>
             </a:pPr>
             <a:r>
-              <a:rPr lang="en"/>
-              <a:t>It forces to merge to master/trunk before feature is completed.</a:t>
+              <a:t/>
             </a:r>
-            <a:endParaRPr/>
-          </a:p>
-          <a:p>
-            <a:pPr indent="-317500" lvl="0" marL="457200" rtl="0" algn="l">
-              <a:spcBef>
-                <a:spcPts val="0"/>
-              </a:spcBef>
-              <a:spcAft>
-                <a:spcPts val="0"/>
-              </a:spcAft>
-              <a:buSzPts val="1400"/>
-              <a:buChar char="●"/>
-            </a:pPr>
-            <a:r>
-              <a:rPr lang="en"/>
-              <a:t>Some danger to overlapping deployments.</a:t>
-            </a:r>
-            <a:endParaRPr/>
-          </a:p>
-          <a:p>
-            <a:pPr indent="-317500" lvl="0" marL="457200" rtl="0" algn="l">
-              <a:spcBef>
-                <a:spcPts val="0"/>
-              </a:spcBef>
-              <a:spcAft>
-                <a:spcPts val="0"/>
-              </a:spcAft>
-              <a:buSzPts val="1400"/>
-              <a:buChar char="●"/>
-            </a:pPr>
-            <a:r>
-              <a:rPr lang="en"/>
-              <a:t>Deployments could not be done on granular/feature oriented.</a:t>
-            </a:r>
-            <a:endParaRPr b="1"/>
+            <a:endParaRPr b="1" sz="1400"/>
           </a:p>
         </p:txBody>
       </p:sp>
@@ -8811,6 +8871,67 @@
                                           </p:stCondLst>
                                         </p:cTn>
                                         <p:tgtEl>
+                                          <p:spTgt spid="92">
+                                            <p:txEl>
+                                              <p:pRg end="6" st="6"/>
+                                            </p:txEl>
+                                          </p:spTgt>
+                                        </p:tgtEl>
+                                        <p:attrNameLst>
+                                          <p:attrName>style.visibility</p:attrName>
+                                        </p:attrNameLst>
+                                      </p:cBhvr>
+                                      <p:to>
+                                        <p:strVal val="visible"/>
+                                      </p:to>
+                                    </p:set>
+                                    <p:animEffect filter="fade" transition="in">
+                                      <p:cBhvr>
+                                        <p:cTn dur="1000"/>
+                                        <p:tgtEl>
+                                          <p:spTgt spid="92">
+                                            <p:txEl>
+                                              <p:pRg end="6" st="6"/>
+                                            </p:txEl>
+                                          </p:spTgt>
+                                        </p:tgtEl>
+                                      </p:cBhvr>
+                                    </p:animEffect>
+                                  </p:childTnLst>
+                                </p:cTn>
+                              </p:par>
+                            </p:childTnLst>
+                          </p:cTn>
+                        </p:par>
+                      </p:childTnLst>
+                    </p:cTn>
+                  </p:par>
+                  <p:par>
+                    <p:cTn fill="hold">
+                      <p:stCondLst>
+                        <p:cond delay="indefinite"/>
+                      </p:stCondLst>
+                      <p:childTnLst>
+                        <p:par>
+                          <p:cTn fill="hold">
+                            <p:stCondLst>
+                              <p:cond delay="0"/>
+                            </p:stCondLst>
+                            <p:childTnLst>
+                              <p:par>
+                                <p:cTn fill="hold" nodeType="clickEffect" presetClass="entr" presetID="10" presetSubtype="0">
+                                  <p:stCondLst>
+                                    <p:cond delay="0"/>
+                                  </p:stCondLst>
+                                  <p:childTnLst>
+                                    <p:set>
+                                      <p:cBhvr>
+                                        <p:cTn dur="1" fill="hold">
+                                          <p:stCondLst>
+                                            <p:cond delay="0"/>
+                                          </p:stCondLst>
+                                        </p:cTn>
+                                        <p:tgtEl>
                                           <p:spTgt spid="93">
                                             <p:txEl>
                                               <p:pRg end="0" st="0"/>
@@ -9090,6 +9211,189 @@
                       </p:childTnLst>
                     </p:cTn>
                   </p:par>
+                  <p:par>
+                    <p:cTn fill="hold">
+                      <p:stCondLst>
+                        <p:cond delay="indefinite"/>
+                      </p:stCondLst>
+                      <p:childTnLst>
+                        <p:par>
+                          <p:cTn fill="hold">
+                            <p:stCondLst>
+                              <p:cond delay="0"/>
+                            </p:stCondLst>
+                            <p:childTnLst>
+                              <p:par>
+                                <p:cTn fill="hold" nodeType="clickEffect" presetClass="entr" presetID="10" presetSubtype="0">
+                                  <p:stCondLst>
+                                    <p:cond delay="0"/>
+                                  </p:stCondLst>
+                                  <p:childTnLst>
+                                    <p:set>
+                                      <p:cBhvr>
+                                        <p:cTn dur="1" fill="hold">
+                                          <p:stCondLst>
+                                            <p:cond delay="0"/>
+                                          </p:stCondLst>
+                                        </p:cTn>
+                                        <p:tgtEl>
+                                          <p:spTgt spid="93">
+                                            <p:txEl>
+                                              <p:pRg end="5" st="5"/>
+                                            </p:txEl>
+                                          </p:spTgt>
+                                        </p:tgtEl>
+                                        <p:attrNameLst>
+                                          <p:attrName>style.visibility</p:attrName>
+                                        </p:attrNameLst>
+                                      </p:cBhvr>
+                                      <p:to>
+                                        <p:strVal val="visible"/>
+                                      </p:to>
+                                    </p:set>
+                                    <p:animEffect filter="fade" transition="in">
+                                      <p:cBhvr>
+                                        <p:cTn dur="1000"/>
+                                        <p:tgtEl>
+                                          <p:spTgt spid="93">
+                                            <p:txEl>
+                                              <p:pRg end="5" st="5"/>
+                                            </p:txEl>
+                                          </p:spTgt>
+                                        </p:tgtEl>
+                                      </p:cBhvr>
+                                    </p:animEffect>
+                                  </p:childTnLst>
+                                </p:cTn>
+                              </p:par>
+                            </p:childTnLst>
+                          </p:cTn>
+                        </p:par>
+                      </p:childTnLst>
+                    </p:cTn>
+                  </p:par>
+                  <p:par>
+                    <p:cTn fill="hold">
+                      <p:stCondLst>
+                        <p:cond delay="indefinite"/>
+                      </p:stCondLst>
+                      <p:childTnLst>
+                        <p:par>
+                          <p:cTn fill="hold">
+                            <p:stCondLst>
+                              <p:cond delay="0"/>
+                            </p:stCondLst>
+                            <p:childTnLst>
+                              <p:par>
+                                <p:cTn fill="hold" nodeType="clickEffect" presetClass="entr" presetID="10" presetSubtype="0">
+                                  <p:stCondLst>
+                                    <p:cond delay="0"/>
+                                  </p:stCondLst>
+                                  <p:childTnLst>
+                                    <p:set>
+                                      <p:cBhvr>
+                                        <p:cTn dur="1" fill="hold">
+                                          <p:stCondLst>
+                                            <p:cond delay="0"/>
+                                          </p:stCondLst>
+                                        </p:cTn>
+                                        <p:tgtEl>
+                                          <p:spTgt spid="93">
+                                            <p:txEl>
+                                              <p:pRg end="6" st="6"/>
+                                            </p:txEl>
+                                          </p:spTgt>
+                                        </p:tgtEl>
+                                        <p:attrNameLst>
+                                          <p:attrName>style.visibility</p:attrName>
+                                        </p:attrNameLst>
+                                      </p:cBhvr>
+                                      <p:to>
+                                        <p:strVal val="visible"/>
+                                      </p:to>
+                                    </p:set>
+                                    <p:animEffect filter="fade" transition="in">
+                                      <p:cBhvr>
+                                        <p:cTn dur="1000"/>
+                                        <p:tgtEl>
+                                          <p:spTgt spid="93">
+                                            <p:txEl>
+                                              <p:pRg end="6" st="6"/>
+                                            </p:txEl>
+                                          </p:spTgt>
+                                        </p:tgtEl>
+                                      </p:cBhvr>
+                                    </p:animEffect>
+                                  </p:childTnLst>
+                                </p:cTn>
+                              </p:par>
+                            </p:childTnLst>
+                          </p:cTn>
+                        </p:par>
+                      </p:childTnLst>
+                    </p:cTn>
+                  </p:par>
+                  <p:par>
+                    <p:cTn fill="hold">
+                      <p:stCondLst>
+                        <p:cond delay="indefinite"/>
+                      </p:stCondLst>
+                      <p:childTnLst>
+                        <p:par>
+                          <p:cTn fill="hold">
+                            <p:stCondLst>
+                              <p:cond delay="0"/>
+                            </p:stCondLst>
+                            <p:childTnLst>
+                              <p:par>
+                                <p:cTn fill="hold" nodeType="clickEffect" presetClass="entr" presetID="10" presetSubtype="0">
+                                  <p:stCondLst>
+                                    <p:cond delay="0"/>
+                                  </p:stCondLst>
+                                  <p:childTnLst>
+                                    <p:set>
+                                      <p:cBhvr>
+                                        <p:cTn dur="1" fill="hold">
+                                          <p:stCondLst>
+                                            <p:cond delay="0"/>
+                                          </p:stCondLst>
+                                        </p:cTn>
+                                        <p:tgtEl>
+                                          <p:spTgt spid="93">
+                                            <p:txEl>
+                                              <p:pRg end="7" st="7"/>
+                                            </p:txEl>
+                                          </p:spTgt>
+                                        </p:tgtEl>
+                                        <p:attrNameLst>
+                                          <p:attrName>style.visibility</p:attrName>
+                                        </p:attrNameLst>
+                                      </p:cBhvr>
+                                      <p:to>
+                                        <p:strVal val="visible"/>
+                                      </p:to>
+                                    </p:set>
+                                    <p:animEffect filter="fade" transition="in">
+                                      <p:cBhvr>
+                                        <p:cTn dur="1000"/>
+                                        <p:tgtEl>
+                                          <p:spTgt spid="93">
+                                            <p:txEl>
+                                              <p:pRg end="7" st="7"/>
+                                            </p:txEl>
+                                          </p:spTgt>
+                                        </p:tgtEl>
+                                      </p:cBhvr>
+                                    </p:animEffect>
+                                  </p:childTnLst>
+                                </p:cTn>
+                              </p:par>
+                            </p:childTnLst>
+                          </p:cTn>
+                        </p:par>
+                      </p:childTnLst>
+                    </p:cTn>
+                  </p:par>
                 </p:childTnLst>
               </p:cTn>
               <p:prevCondLst>
@@ -9166,7 +9470,11 @@
             </a:pPr>
             <a:r>
               <a:rPr lang="en"/>
-              <a:t>Single-one Development Environment</a:t>
+              <a:t>Overlapping</a:t>
+            </a:r>
+            <a:r>
+              <a:rPr lang="en"/>
+              <a:t> Deployments</a:t>
             </a:r>
             <a:endParaRPr/>
           </a:p>
@@ -9175,19 +9483,752 @@
       <p:sp>
         <p:nvSpPr>
           <p:cNvPr id="99" name="Google Shape;99;p15"/>
-          <p:cNvSpPr txBox="1"/>
-          <p:nvPr>
-            <p:ph idx="1" type="body"/>
-          </p:nvPr>
+          <p:cNvSpPr/>
+          <p:nvPr/>
         </p:nvSpPr>
         <p:spPr>
           <a:xfrm>
-            <a:off x="311700" y="1229975"/>
-            <a:ext cx="3999900" cy="3339000"/>
+            <a:off x="378625" y="1732363"/>
+            <a:ext cx="884100" cy="357300"/>
+          </a:xfrm>
+          <a:prstGeom prst="roundRect">
+            <a:avLst>
+              <a:gd fmla="val 16667" name="adj"/>
+            </a:avLst>
+          </a:prstGeom>
+          <a:solidFill>
+            <a:srgbClr val="A4C2F4"/>
+          </a:solidFill>
+          <a:ln cap="flat" cmpd="sng" w="9525">
+            <a:solidFill>
+              <a:schemeClr val="dk2"/>
+            </a:solidFill>
+            <a:prstDash val="solid"/>
+            <a:round/>
+            <a:headEnd len="sm" w="sm" type="none"/>
+            <a:tailEnd len="sm" w="sm" type="none"/>
+          </a:ln>
+        </p:spPr>
+        <p:txBody>
+          <a:bodyPr anchorCtr="0" anchor="ctr" bIns="91425" lIns="91425" spcFirstLastPara="1" rIns="91425" wrap="square" tIns="91425">
+            <a:noAutofit/>
+          </a:bodyPr>
+          <a:lstStyle/>
+          <a:p>
+            <a:pPr indent="0" lvl="0" marL="0" rtl="0" algn="ctr">
+              <a:spcBef>
+                <a:spcPts val="0"/>
+              </a:spcBef>
+              <a:spcAft>
+                <a:spcPts val="0"/>
+              </a:spcAft>
+              <a:buNone/>
+            </a:pPr>
+            <a:r>
+              <a:rPr lang="en" sz="1200">
+                <a:latin typeface="Consolas"/>
+                <a:ea typeface="Consolas"/>
+                <a:cs typeface="Consolas"/>
+                <a:sym typeface="Consolas"/>
+              </a:rPr>
+              <a:t>m</a:t>
+            </a:r>
+            <a:r>
+              <a:rPr lang="en" sz="1200">
+                <a:latin typeface="Consolas"/>
+                <a:ea typeface="Consolas"/>
+                <a:cs typeface="Consolas"/>
+                <a:sym typeface="Consolas"/>
+              </a:rPr>
+              <a:t>aster</a:t>
+            </a:r>
+            <a:endParaRPr sz="1200">
+              <a:latin typeface="Consolas"/>
+              <a:ea typeface="Consolas"/>
+              <a:cs typeface="Consolas"/>
+              <a:sym typeface="Consolas"/>
+            </a:endParaRPr>
+          </a:p>
+        </p:txBody>
+      </p:sp>
+      <p:sp>
+        <p:nvSpPr>
+          <p:cNvPr id="100" name="Google Shape;100;p15"/>
+          <p:cNvSpPr/>
+          <p:nvPr/>
+        </p:nvSpPr>
+        <p:spPr>
+          <a:xfrm>
+            <a:off x="1556725" y="1732363"/>
+            <a:ext cx="884100" cy="357300"/>
+          </a:xfrm>
+          <a:prstGeom prst="roundRect">
+            <a:avLst>
+              <a:gd fmla="val 16667" name="adj"/>
+            </a:avLst>
+          </a:prstGeom>
+          <a:solidFill>
+            <a:srgbClr val="FFE599"/>
+          </a:solidFill>
+          <a:ln cap="flat" cmpd="sng" w="9525">
+            <a:solidFill>
+              <a:schemeClr val="dk2"/>
+            </a:solidFill>
+            <a:prstDash val="solid"/>
+            <a:round/>
+            <a:headEnd len="sm" w="sm" type="none"/>
+            <a:tailEnd len="sm" w="sm" type="none"/>
+          </a:ln>
+        </p:spPr>
+        <p:txBody>
+          <a:bodyPr anchorCtr="0" anchor="ctr" bIns="91425" lIns="91425" spcFirstLastPara="1" rIns="91425" wrap="square" tIns="91425">
+            <a:noAutofit/>
+          </a:bodyPr>
+          <a:lstStyle/>
+          <a:p>
+            <a:pPr indent="0" lvl="0" marL="0" rtl="0" algn="ctr">
+              <a:spcBef>
+                <a:spcPts val="0"/>
+              </a:spcBef>
+              <a:spcAft>
+                <a:spcPts val="0"/>
+              </a:spcAft>
+              <a:buNone/>
+            </a:pPr>
+            <a:r>
+              <a:rPr lang="en" sz="1200">
+                <a:latin typeface="Consolas"/>
+                <a:ea typeface="Consolas"/>
+                <a:cs typeface="Consolas"/>
+                <a:sym typeface="Consolas"/>
+              </a:rPr>
+              <a:t>develop</a:t>
+            </a:r>
+            <a:endParaRPr sz="1200">
+              <a:latin typeface="Consolas"/>
+              <a:ea typeface="Consolas"/>
+              <a:cs typeface="Consolas"/>
+              <a:sym typeface="Consolas"/>
+            </a:endParaRPr>
+          </a:p>
+        </p:txBody>
+      </p:sp>
+      <p:cxnSp>
+        <p:nvCxnSpPr>
+          <p:cNvPr id="101" name="Google Shape;101;p15"/>
+          <p:cNvCxnSpPr>
+            <a:stCxn id="99" idx="3"/>
+            <a:endCxn id="100" idx="1"/>
+          </p:cNvCxnSpPr>
+          <p:nvPr/>
+        </p:nvCxnSpPr>
+        <p:spPr>
+          <a:xfrm>
+            <a:off x="1262725" y="1911013"/>
+            <a:ext cx="294000" cy="600"/>
+          </a:xfrm>
+          <a:prstGeom prst="curvedConnector3">
+            <a:avLst>
+              <a:gd fmla="val 50000" name="adj1"/>
+            </a:avLst>
+          </a:prstGeom>
+          <a:noFill/>
+          <a:ln cap="flat" cmpd="sng" w="9525">
+            <a:solidFill>
+              <a:schemeClr val="dk2"/>
+            </a:solidFill>
+            <a:prstDash val="solid"/>
+            <a:round/>
+            <a:headEnd len="med" w="med" type="none"/>
+            <a:tailEnd len="med" w="med" type="oval"/>
+          </a:ln>
+        </p:spPr>
+      </p:cxnSp>
+      <p:sp>
+        <p:nvSpPr>
+          <p:cNvPr id="102" name="Google Shape;102;p15"/>
+          <p:cNvSpPr/>
+          <p:nvPr/>
+        </p:nvSpPr>
+        <p:spPr>
+          <a:xfrm>
+            <a:off x="1662925" y="2802038"/>
+            <a:ext cx="519300" cy="232200"/>
+          </a:xfrm>
+          <a:prstGeom prst="roundRect">
+            <a:avLst>
+              <a:gd fmla="val 16667" name="adj"/>
+            </a:avLst>
+          </a:prstGeom>
+          <a:solidFill>
+            <a:srgbClr val="B6D7A8"/>
+          </a:solidFill>
+          <a:ln cap="flat" cmpd="sng" w="9525">
+            <a:solidFill>
+              <a:schemeClr val="dk2"/>
+            </a:solidFill>
+            <a:prstDash val="solid"/>
+            <a:round/>
+            <a:headEnd len="sm" w="sm" type="none"/>
+            <a:tailEnd len="sm" w="sm" type="none"/>
+          </a:ln>
+        </p:spPr>
+        <p:txBody>
+          <a:bodyPr anchorCtr="0" anchor="ctr" bIns="91425" lIns="91425" spcFirstLastPara="1" rIns="91425" wrap="square" tIns="91425">
+            <a:noAutofit/>
+          </a:bodyPr>
+          <a:lstStyle/>
+          <a:p>
+            <a:pPr indent="0" lvl="0" marL="0" rtl="0" algn="ctr">
+              <a:spcBef>
+                <a:spcPts val="0"/>
+              </a:spcBef>
+              <a:spcAft>
+                <a:spcPts val="0"/>
+              </a:spcAft>
+              <a:buNone/>
+            </a:pPr>
+            <a:r>
+              <a:rPr lang="en" sz="1100"/>
+              <a:t>f</a:t>
+            </a:r>
+            <a:r>
+              <a:rPr lang="en" sz="1100"/>
+              <a:t>-a</a:t>
+            </a:r>
+            <a:endParaRPr sz="1100"/>
+          </a:p>
+        </p:txBody>
+      </p:sp>
+      <p:sp>
+        <p:nvSpPr>
+          <p:cNvPr id="103" name="Google Shape;103;p15"/>
+          <p:cNvSpPr/>
+          <p:nvPr/>
+        </p:nvSpPr>
+        <p:spPr>
+          <a:xfrm>
+            <a:off x="1662925" y="3248538"/>
+            <a:ext cx="519300" cy="232200"/>
+          </a:xfrm>
+          <a:prstGeom prst="roundRect">
+            <a:avLst>
+              <a:gd fmla="val 16667" name="adj"/>
+            </a:avLst>
+          </a:prstGeom>
+          <a:solidFill>
+            <a:srgbClr val="B6D7A8"/>
+          </a:solidFill>
+          <a:ln cap="flat" cmpd="sng" w="9525">
+            <a:solidFill>
+              <a:schemeClr val="dk2"/>
+            </a:solidFill>
+            <a:prstDash val="solid"/>
+            <a:round/>
+            <a:headEnd len="sm" w="sm" type="none"/>
+            <a:tailEnd len="sm" w="sm" type="none"/>
+          </a:ln>
+        </p:spPr>
+        <p:txBody>
+          <a:bodyPr anchorCtr="0" anchor="ctr" bIns="91425" lIns="91425" spcFirstLastPara="1" rIns="91425" wrap="square" tIns="91425">
+            <a:noAutofit/>
+          </a:bodyPr>
+          <a:lstStyle/>
+          <a:p>
+            <a:pPr indent="0" lvl="0" marL="0" rtl="0" algn="ctr">
+              <a:spcBef>
+                <a:spcPts val="0"/>
+              </a:spcBef>
+              <a:spcAft>
+                <a:spcPts val="0"/>
+              </a:spcAft>
+              <a:buNone/>
+            </a:pPr>
+            <a:r>
+              <a:rPr lang="en" sz="1100"/>
+              <a:t>f</a:t>
+            </a:r>
+            <a:r>
+              <a:rPr lang="en" sz="1100"/>
+              <a:t>-b</a:t>
+            </a:r>
+            <a:endParaRPr sz="1100"/>
+          </a:p>
+        </p:txBody>
+      </p:sp>
+      <p:sp>
+        <p:nvSpPr>
+          <p:cNvPr id="104" name="Google Shape;104;p15"/>
+          <p:cNvSpPr/>
+          <p:nvPr/>
+        </p:nvSpPr>
+        <p:spPr>
+          <a:xfrm>
+            <a:off x="1662925" y="3705738"/>
+            <a:ext cx="519300" cy="232200"/>
+          </a:xfrm>
+          <a:prstGeom prst="roundRect">
+            <a:avLst>
+              <a:gd fmla="val 16667" name="adj"/>
+            </a:avLst>
+          </a:prstGeom>
+          <a:solidFill>
+            <a:srgbClr val="B6D7A8"/>
+          </a:solidFill>
+          <a:ln cap="flat" cmpd="sng" w="9525">
+            <a:solidFill>
+              <a:schemeClr val="dk2"/>
+            </a:solidFill>
+            <a:prstDash val="solid"/>
+            <a:round/>
+            <a:headEnd len="sm" w="sm" type="none"/>
+            <a:tailEnd len="sm" w="sm" type="none"/>
+          </a:ln>
+        </p:spPr>
+        <p:txBody>
+          <a:bodyPr anchorCtr="0" anchor="ctr" bIns="91425" lIns="91425" spcFirstLastPara="1" rIns="91425" wrap="square" tIns="91425">
+            <a:noAutofit/>
+          </a:bodyPr>
+          <a:lstStyle/>
+          <a:p>
+            <a:pPr indent="0" lvl="0" marL="0" rtl="0" algn="ctr">
+              <a:spcBef>
+                <a:spcPts val="0"/>
+              </a:spcBef>
+              <a:spcAft>
+                <a:spcPts val="0"/>
+              </a:spcAft>
+              <a:buNone/>
+            </a:pPr>
+            <a:r>
+              <a:rPr lang="en" sz="1100"/>
+              <a:t>f-c</a:t>
+            </a:r>
+            <a:endParaRPr sz="1100"/>
+          </a:p>
+        </p:txBody>
+      </p:sp>
+      <p:sp>
+        <p:nvSpPr>
+          <p:cNvPr id="105" name="Google Shape;105;p15"/>
+          <p:cNvSpPr/>
+          <p:nvPr/>
+        </p:nvSpPr>
+        <p:spPr>
+          <a:xfrm>
+            <a:off x="1556725" y="2329750"/>
+            <a:ext cx="519300" cy="232200"/>
+          </a:xfrm>
+          <a:prstGeom prst="roundRect">
+            <a:avLst>
+              <a:gd fmla="val 16667" name="adj"/>
+            </a:avLst>
+          </a:prstGeom>
+          <a:solidFill>
+            <a:srgbClr val="A4C2F4"/>
+          </a:solidFill>
+          <a:ln cap="flat" cmpd="sng" w="9525">
+            <a:solidFill>
+              <a:schemeClr val="dk2"/>
+            </a:solidFill>
+            <a:prstDash val="solid"/>
+            <a:round/>
+            <a:headEnd len="sm" w="sm" type="none"/>
+            <a:tailEnd len="sm" w="sm" type="none"/>
+          </a:ln>
+        </p:spPr>
+        <p:txBody>
+          <a:bodyPr anchorCtr="0" anchor="ctr" bIns="91425" lIns="91425" spcFirstLastPara="1" rIns="91425" wrap="square" tIns="91425">
+            <a:noAutofit/>
+          </a:bodyPr>
+          <a:lstStyle/>
+          <a:p>
+            <a:pPr indent="0" lvl="0" marL="0" rtl="0" algn="ctr">
+              <a:spcBef>
+                <a:spcPts val="0"/>
+              </a:spcBef>
+              <a:spcAft>
+                <a:spcPts val="0"/>
+              </a:spcAft>
+              <a:buNone/>
+            </a:pPr>
+            <a:r>
+              <a:rPr lang="en" sz="1100"/>
+              <a:t>v0.1</a:t>
+            </a:r>
+            <a:endParaRPr sz="1100"/>
+          </a:p>
+        </p:txBody>
+      </p:sp>
+      <p:cxnSp>
+        <p:nvCxnSpPr>
+          <p:cNvPr id="106" name="Google Shape;106;p15"/>
+          <p:cNvCxnSpPr>
+            <a:endCxn id="105" idx="0"/>
+          </p:cNvCxnSpPr>
+          <p:nvPr/>
+        </p:nvCxnSpPr>
+        <p:spPr>
+          <a:xfrm rot="5400000">
+            <a:off x="1806025" y="2117800"/>
+            <a:ext cx="222300" cy="201600"/>
+          </a:xfrm>
+          <a:prstGeom prst="curvedConnector3">
+            <a:avLst>
+              <a:gd fmla="val 50000" name="adj1"/>
+            </a:avLst>
+          </a:prstGeom>
+          <a:noFill/>
+          <a:ln cap="flat" cmpd="sng" w="9525">
+            <a:solidFill>
+              <a:schemeClr val="dk2"/>
+            </a:solidFill>
+            <a:prstDash val="solid"/>
+            <a:round/>
+            <a:headEnd len="med" w="med" type="none"/>
+            <a:tailEnd len="med" w="med" type="oval"/>
+          </a:ln>
+        </p:spPr>
+      </p:cxnSp>
+      <p:cxnSp>
+        <p:nvCxnSpPr>
+          <p:cNvPr id="107" name="Google Shape;107;p15"/>
+          <p:cNvCxnSpPr>
+            <a:stCxn id="105" idx="1"/>
+            <a:endCxn id="102" idx="1"/>
+          </p:cNvCxnSpPr>
+          <p:nvPr/>
+        </p:nvCxnSpPr>
+        <p:spPr>
+          <a:xfrm>
+            <a:off x="1556725" y="2445850"/>
+            <a:ext cx="106200" cy="472200"/>
+          </a:xfrm>
+          <a:prstGeom prst="curvedConnector3">
+            <a:avLst>
+              <a:gd fmla="val -224223" name="adj1"/>
+            </a:avLst>
+          </a:prstGeom>
+          <a:noFill/>
+          <a:ln cap="flat" cmpd="sng" w="9525">
+            <a:solidFill>
+              <a:schemeClr val="dk2"/>
+            </a:solidFill>
+            <a:prstDash val="solid"/>
+            <a:round/>
+            <a:headEnd len="med" w="med" type="none"/>
+            <a:tailEnd len="med" w="med" type="oval"/>
+          </a:ln>
+        </p:spPr>
+      </p:cxnSp>
+      <p:cxnSp>
+        <p:nvCxnSpPr>
+          <p:cNvPr id="108" name="Google Shape;108;p15"/>
+          <p:cNvCxnSpPr>
+            <a:stCxn id="105" idx="1"/>
+            <a:endCxn id="103" idx="1"/>
+          </p:cNvCxnSpPr>
+          <p:nvPr/>
+        </p:nvCxnSpPr>
+        <p:spPr>
+          <a:xfrm>
+            <a:off x="1556725" y="2445850"/>
+            <a:ext cx="106200" cy="918900"/>
+          </a:xfrm>
+          <a:prstGeom prst="curvedConnector3">
+            <a:avLst>
+              <a:gd fmla="val -224223" name="adj1"/>
+            </a:avLst>
+          </a:prstGeom>
+          <a:noFill/>
+          <a:ln cap="flat" cmpd="sng" w="9525">
+            <a:solidFill>
+              <a:schemeClr val="dk2"/>
+            </a:solidFill>
+            <a:prstDash val="solid"/>
+            <a:round/>
+            <a:headEnd len="med" w="med" type="none"/>
+            <a:tailEnd len="med" w="med" type="oval"/>
+          </a:ln>
+        </p:spPr>
+      </p:cxnSp>
+      <p:cxnSp>
+        <p:nvCxnSpPr>
+          <p:cNvPr id="109" name="Google Shape;109;p15"/>
+          <p:cNvCxnSpPr>
+            <a:stCxn id="105" idx="1"/>
+            <a:endCxn id="104" idx="1"/>
+          </p:cNvCxnSpPr>
+          <p:nvPr/>
+        </p:nvCxnSpPr>
+        <p:spPr>
+          <a:xfrm>
+            <a:off x="1556725" y="2445850"/>
+            <a:ext cx="106200" cy="1376100"/>
+          </a:xfrm>
+          <a:prstGeom prst="curvedConnector3">
+            <a:avLst>
+              <a:gd fmla="val -224223" name="adj1"/>
+            </a:avLst>
+          </a:prstGeom>
+          <a:noFill/>
+          <a:ln cap="flat" cmpd="sng" w="9525">
+            <a:solidFill>
+              <a:schemeClr val="dk2"/>
+            </a:solidFill>
+            <a:prstDash val="solid"/>
+            <a:round/>
+            <a:headEnd len="med" w="med" type="none"/>
+            <a:tailEnd len="med" w="med" type="oval"/>
+          </a:ln>
+        </p:spPr>
+      </p:cxnSp>
+      <p:grpSp>
+        <p:nvGrpSpPr>
+          <p:cNvPr id="110" name="Google Shape;110;p15"/>
+          <p:cNvGrpSpPr/>
+          <p:nvPr/>
+        </p:nvGrpSpPr>
+        <p:grpSpPr>
+          <a:xfrm>
+            <a:off x="2752700" y="1750138"/>
+            <a:ext cx="884100" cy="811813"/>
+            <a:chOff x="2752700" y="1750138"/>
+            <a:chExt cx="884100" cy="811813"/>
+          </a:xfrm>
+        </p:grpSpPr>
+        <p:sp>
+          <p:nvSpPr>
+            <p:cNvPr id="111" name="Google Shape;111;p15"/>
+            <p:cNvSpPr/>
+            <p:nvPr/>
+          </p:nvSpPr>
+          <p:spPr>
+            <a:xfrm>
+              <a:off x="2752700" y="2329750"/>
+              <a:ext cx="519300" cy="232200"/>
+            </a:xfrm>
+            <a:prstGeom prst="roundRect">
+              <a:avLst>
+                <a:gd fmla="val 16667" name="adj"/>
+              </a:avLst>
+            </a:prstGeom>
+            <a:solidFill>
+              <a:srgbClr val="A4C2F4"/>
+            </a:solidFill>
+            <a:ln cap="flat" cmpd="sng" w="9525">
+              <a:solidFill>
+                <a:schemeClr val="dk2"/>
+              </a:solidFill>
+              <a:prstDash val="solid"/>
+              <a:round/>
+              <a:headEnd len="sm" w="sm" type="none"/>
+              <a:tailEnd len="sm" w="sm" type="none"/>
+            </a:ln>
+          </p:spPr>
+          <p:txBody>
+            <a:bodyPr anchorCtr="0" anchor="ctr" bIns="91425" lIns="91425" spcFirstLastPara="1" rIns="91425" wrap="square" tIns="91425">
+              <a:noAutofit/>
+            </a:bodyPr>
+            <a:lstStyle/>
+            <a:p>
+              <a:pPr indent="0" lvl="0" marL="0" rtl="0" algn="ctr">
+                <a:spcBef>
+                  <a:spcPts val="0"/>
+                </a:spcBef>
+                <a:spcAft>
+                  <a:spcPts val="0"/>
+                </a:spcAft>
+                <a:buNone/>
+              </a:pPr>
+              <a:r>
+                <a:rPr lang="en" sz="1100"/>
+                <a:t>v0.2</a:t>
+              </a:r>
+              <a:endParaRPr sz="1100"/>
+            </a:p>
+          </p:txBody>
+        </p:sp>
+        <p:sp>
+          <p:nvSpPr>
+            <p:cNvPr id="112" name="Google Shape;112;p15"/>
+            <p:cNvSpPr/>
+            <p:nvPr/>
+          </p:nvSpPr>
+          <p:spPr>
+            <a:xfrm>
+              <a:off x="2752700" y="1750138"/>
+              <a:ext cx="884100" cy="357300"/>
+            </a:xfrm>
+            <a:prstGeom prst="roundRect">
+              <a:avLst>
+                <a:gd fmla="val 16667" name="adj"/>
+              </a:avLst>
+            </a:prstGeom>
+            <a:solidFill>
+              <a:srgbClr val="FFE599"/>
+            </a:solidFill>
+            <a:ln cap="flat" cmpd="sng" w="9525">
+              <a:solidFill>
+                <a:schemeClr val="dk2"/>
+              </a:solidFill>
+              <a:prstDash val="solid"/>
+              <a:round/>
+              <a:headEnd len="sm" w="sm" type="none"/>
+              <a:tailEnd len="sm" w="sm" type="none"/>
+            </a:ln>
+          </p:spPr>
+          <p:txBody>
+            <a:bodyPr anchorCtr="0" anchor="ctr" bIns="91425" lIns="91425" spcFirstLastPara="1" rIns="91425" wrap="square" tIns="91425">
+              <a:noAutofit/>
+            </a:bodyPr>
+            <a:lstStyle/>
+            <a:p>
+              <a:pPr indent="0" lvl="0" marL="0" rtl="0" algn="ctr">
+                <a:spcBef>
+                  <a:spcPts val="0"/>
+                </a:spcBef>
+                <a:spcAft>
+                  <a:spcPts val="0"/>
+                </a:spcAft>
+                <a:buNone/>
+              </a:pPr>
+              <a:r>
+                <a:rPr lang="en" sz="1200">
+                  <a:latin typeface="Consolas"/>
+                  <a:ea typeface="Consolas"/>
+                  <a:cs typeface="Consolas"/>
+                  <a:sym typeface="Consolas"/>
+                </a:rPr>
+                <a:t>develop</a:t>
+              </a:r>
+              <a:endParaRPr sz="1200">
+                <a:latin typeface="Consolas"/>
+                <a:ea typeface="Consolas"/>
+                <a:cs typeface="Consolas"/>
+                <a:sym typeface="Consolas"/>
+              </a:endParaRPr>
+            </a:p>
+          </p:txBody>
+        </p:sp>
+      </p:grpSp>
+      <p:cxnSp>
+        <p:nvCxnSpPr>
+          <p:cNvPr id="113" name="Google Shape;113;p15"/>
+          <p:cNvCxnSpPr>
+            <a:stCxn id="102" idx="3"/>
+            <a:endCxn id="111" idx="1"/>
+          </p:cNvCxnSpPr>
+          <p:nvPr/>
+        </p:nvCxnSpPr>
+        <p:spPr>
+          <a:xfrm flipH="1" rot="10800000">
+            <a:off x="2182225" y="2445938"/>
+            <a:ext cx="570600" cy="472200"/>
+          </a:xfrm>
+          <a:prstGeom prst="curvedConnector3">
+            <a:avLst>
+              <a:gd fmla="val 49989" name="adj1"/>
+            </a:avLst>
+          </a:prstGeom>
+          <a:noFill/>
+          <a:ln cap="flat" cmpd="sng" w="9525">
+            <a:solidFill>
+              <a:schemeClr val="dk2"/>
+            </a:solidFill>
+            <a:prstDash val="solid"/>
+            <a:round/>
+            <a:headEnd len="med" w="med" type="none"/>
+            <a:tailEnd len="med" w="med" type="oval"/>
+          </a:ln>
+        </p:spPr>
+      </p:cxnSp>
+      <p:cxnSp>
+        <p:nvCxnSpPr>
+          <p:cNvPr id="114" name="Google Shape;114;p15"/>
+          <p:cNvCxnSpPr>
+            <a:stCxn id="111" idx="3"/>
+            <a:endCxn id="115" idx="1"/>
+          </p:cNvCxnSpPr>
+          <p:nvPr/>
+        </p:nvCxnSpPr>
+        <p:spPr>
+          <a:xfrm flipH="1" rot="10800000">
+            <a:off x="3272000" y="2156050"/>
+            <a:ext cx="1461900" cy="289800"/>
+          </a:xfrm>
+          <a:prstGeom prst="curvedConnector3">
+            <a:avLst>
+              <a:gd fmla="val 49999" name="adj1"/>
+            </a:avLst>
+          </a:prstGeom>
+          <a:noFill/>
+          <a:ln cap="flat" cmpd="sng" w="9525">
+            <a:solidFill>
+              <a:schemeClr val="dk2"/>
+            </a:solidFill>
+            <a:prstDash val="solid"/>
+            <a:round/>
+            <a:headEnd len="med" w="med" type="none"/>
+            <a:tailEnd len="med" w="med" type="oval"/>
+          </a:ln>
+        </p:spPr>
+      </p:cxnSp>
+      <p:cxnSp>
+        <p:nvCxnSpPr>
+          <p:cNvPr id="116" name="Google Shape;116;p15"/>
+          <p:cNvCxnSpPr>
+            <a:stCxn id="103" idx="3"/>
+            <a:endCxn id="111" idx="1"/>
+          </p:cNvCxnSpPr>
+          <p:nvPr/>
+        </p:nvCxnSpPr>
+        <p:spPr>
+          <a:xfrm flipH="1" rot="10800000">
+            <a:off x="2182225" y="2445738"/>
+            <a:ext cx="570600" cy="918900"/>
+          </a:xfrm>
+          <a:prstGeom prst="curvedConnector3">
+            <a:avLst>
+              <a:gd fmla="val 49989" name="adj1"/>
+            </a:avLst>
+          </a:prstGeom>
+          <a:noFill/>
+          <a:ln cap="flat" cmpd="sng" w="9525">
+            <a:solidFill>
+              <a:schemeClr val="dk2"/>
+            </a:solidFill>
+            <a:prstDash val="solid"/>
+            <a:round/>
+            <a:headEnd len="med" w="med" type="none"/>
+            <a:tailEnd len="med" w="med" type="oval"/>
+          </a:ln>
+        </p:spPr>
+      </p:cxnSp>
+      <p:sp>
+        <p:nvSpPr>
+          <p:cNvPr id="117" name="Google Shape;117;p15"/>
+          <p:cNvSpPr/>
+          <p:nvPr/>
+        </p:nvSpPr>
+        <p:spPr>
+          <a:xfrm>
+            <a:off x="4615450" y="1428750"/>
+            <a:ext cx="1194600" cy="2812800"/>
           </a:xfrm>
           <a:prstGeom prst="rect">
             <a:avLst/>
           </a:prstGeom>
+          <a:noFill/>
+          <a:ln cap="flat" cmpd="sng" w="9525">
+            <a:solidFill>
+              <a:schemeClr val="dk2"/>
+            </a:solidFill>
+            <a:prstDash val="dash"/>
+            <a:round/>
+            <a:headEnd len="sm" w="sm" type="none"/>
+            <a:tailEnd len="sm" w="sm" type="none"/>
+          </a:ln>
         </p:spPr>
         <p:txBody>
           <a:bodyPr anchorCtr="0" anchor="t" bIns="91425" lIns="91425" spcFirstLastPara="1" rIns="91425" wrap="square" tIns="91425">
@@ -9195,148 +10236,729 @@
           </a:bodyPr>
           <a:lstStyle/>
           <a:p>
-            <a:pPr indent="-317500" lvl="0" marL="457200" rtl="0" algn="l">
-              <a:spcBef>
-                <a:spcPts val="0"/>
-              </a:spcBef>
-              <a:spcAft>
-                <a:spcPts val="0"/>
-              </a:spcAft>
-              <a:buSzPts val="1400"/>
-              <a:buChar char="●"/>
-            </a:pPr>
-            <a:r>
-              <a:rPr lang="en" sz="1400"/>
-              <a:t>Is the typical clustered environment that relies on an structure like:</a:t>
-            </a:r>
-            <a:endParaRPr sz="1400"/>
-          </a:p>
-          <a:p>
-            <a:pPr indent="-304800" lvl="1" marL="914400" rtl="0" algn="l">
-              <a:spcBef>
-                <a:spcPts val="0"/>
-              </a:spcBef>
-              <a:spcAft>
-                <a:spcPts val="0"/>
-              </a:spcAft>
-              <a:buSzPts val="1200"/>
-              <a:buChar char="○"/>
+            <a:pPr indent="0" lvl="0" marL="0" rtl="0" algn="ctr">
+              <a:spcBef>
+                <a:spcPts val="0"/>
+              </a:spcBef>
+              <a:spcAft>
+                <a:spcPts val="0"/>
+              </a:spcAft>
+              <a:buNone/>
             </a:pPr>
             <a:r>
               <a:rPr lang="en" sz="1200"/>
-              <a:t>Development</a:t>
+              <a:t>Jenkins</a:t>
             </a:r>
             <a:endParaRPr sz="1200"/>
           </a:p>
+        </p:txBody>
+      </p:sp>
+      <p:cxnSp>
+        <p:nvCxnSpPr>
+          <p:cNvPr id="118" name="Google Shape;118;p15"/>
+          <p:cNvCxnSpPr>
+            <a:stCxn id="104" idx="3"/>
+            <a:endCxn id="111" idx="1"/>
+          </p:cNvCxnSpPr>
+          <p:nvPr/>
+        </p:nvCxnSpPr>
+        <p:spPr>
+          <a:xfrm flipH="1" rot="10800000">
+            <a:off x="2182225" y="2445738"/>
+            <a:ext cx="570600" cy="1376100"/>
+          </a:xfrm>
+          <a:prstGeom prst="curvedConnector3">
+            <a:avLst>
+              <a:gd fmla="val 49989" name="adj1"/>
+            </a:avLst>
+          </a:prstGeom>
+          <a:noFill/>
+          <a:ln cap="flat" cmpd="sng" w="9525">
+            <a:solidFill>
+              <a:schemeClr val="dk2"/>
+            </a:solidFill>
+            <a:prstDash val="solid"/>
+            <a:round/>
+            <a:headEnd len="med" w="med" type="none"/>
+            <a:tailEnd len="med" w="med" type="oval"/>
+          </a:ln>
+        </p:spPr>
+      </p:cxnSp>
+      <p:sp>
+        <p:nvSpPr>
+          <p:cNvPr id="115" name="Google Shape;115;p15"/>
+          <p:cNvSpPr/>
+          <p:nvPr/>
+        </p:nvSpPr>
+        <p:spPr>
+          <a:xfrm>
+            <a:off x="4733885" y="2039950"/>
+            <a:ext cx="945300" cy="232200"/>
+          </a:xfrm>
+          <a:prstGeom prst="roundRect">
+            <a:avLst>
+              <a:gd fmla="val 16667" name="adj"/>
+            </a:avLst>
+          </a:prstGeom>
+          <a:solidFill>
+            <a:srgbClr val="FFFF00"/>
+          </a:solidFill>
+          <a:ln cap="flat" cmpd="sng" w="9525">
+            <a:solidFill>
+              <a:schemeClr val="dk2"/>
+            </a:solidFill>
+            <a:prstDash val="solid"/>
+            <a:round/>
+            <a:headEnd len="sm" w="sm" type="none"/>
+            <a:tailEnd len="sm" w="sm" type="none"/>
+          </a:ln>
+        </p:spPr>
+        <p:txBody>
+          <a:bodyPr anchorCtr="0" anchor="ctr" bIns="91425" lIns="91425" spcFirstLastPara="1" rIns="91425" wrap="square" tIns="91425">
+            <a:noAutofit/>
+          </a:bodyPr>
+          <a:lstStyle/>
           <a:p>
-            <a:pPr indent="-304800" lvl="1" marL="914400" rtl="0" algn="l">
-              <a:spcBef>
-                <a:spcPts val="0"/>
-              </a:spcBef>
-              <a:spcAft>
-                <a:spcPts val="0"/>
-              </a:spcAft>
-              <a:buSzPts val="1200"/>
-              <a:buChar char="○"/>
+            <a:pPr indent="0" lvl="0" marL="0" rtl="0" algn="ctr">
+              <a:spcBef>
+                <a:spcPts val="0"/>
+              </a:spcBef>
+              <a:spcAft>
+                <a:spcPts val="0"/>
+              </a:spcAft>
+              <a:buNone/>
             </a:pPr>
             <a:r>
-              <a:rPr lang="en" sz="1200"/>
-              <a:t>Test</a:t>
+              <a:rPr lang="en" sz="1000"/>
+              <a:t>v</a:t>
             </a:r>
-            <a:endParaRPr sz="1200"/>
+            <a:r>
+              <a:rPr lang="en" sz="1000"/>
+              <a:t>0.2  +   </a:t>
+            </a:r>
+            <a:r>
+              <a:rPr b="1" lang="en" sz="1000"/>
+              <a:t>f-a</a:t>
+            </a:r>
+            <a:endParaRPr b="1" sz="1000"/>
           </a:p>
+        </p:txBody>
+      </p:sp>
+      <p:grpSp>
+        <p:nvGrpSpPr>
+          <p:cNvPr id="119" name="Google Shape;119;p15"/>
+          <p:cNvGrpSpPr/>
+          <p:nvPr/>
+        </p:nvGrpSpPr>
+        <p:grpSpPr>
+          <a:xfrm>
+            <a:off x="6063250" y="1428750"/>
+            <a:ext cx="2677542" cy="2812800"/>
+            <a:chOff x="6063250" y="1428750"/>
+            <a:chExt cx="2677542" cy="2812800"/>
+          </a:xfrm>
+        </p:grpSpPr>
+        <p:sp>
+          <p:nvSpPr>
+            <p:cNvPr id="120" name="Google Shape;120;p15"/>
+            <p:cNvSpPr/>
+            <p:nvPr/>
+          </p:nvSpPr>
+          <p:spPr>
+            <a:xfrm>
+              <a:off x="6063250" y="1428750"/>
+              <a:ext cx="1194600" cy="2812800"/>
+            </a:xfrm>
+            <a:prstGeom prst="rect">
+              <a:avLst/>
+            </a:prstGeom>
+            <a:solidFill>
+              <a:srgbClr val="F3F3F3"/>
+            </a:solidFill>
+            <a:ln cap="flat" cmpd="sng" w="9525">
+              <a:solidFill>
+                <a:schemeClr val="dk2"/>
+              </a:solidFill>
+              <a:prstDash val="dash"/>
+              <a:round/>
+              <a:headEnd len="sm" w="sm" type="none"/>
+              <a:tailEnd len="sm" w="sm" type="none"/>
+            </a:ln>
+          </p:spPr>
+          <p:txBody>
+            <a:bodyPr anchorCtr="0" anchor="t" bIns="91425" lIns="91425" spcFirstLastPara="1" rIns="91425" wrap="square" tIns="91425">
+              <a:noAutofit/>
+            </a:bodyPr>
+            <a:lstStyle/>
+            <a:p>
+              <a:pPr indent="0" lvl="0" marL="0" rtl="0" algn="ctr">
+                <a:spcBef>
+                  <a:spcPts val="0"/>
+                </a:spcBef>
+                <a:spcAft>
+                  <a:spcPts val="0"/>
+                </a:spcAft>
+                <a:buNone/>
+              </a:pPr>
+              <a:r>
+                <a:rPr lang="en" sz="1100"/>
+                <a:t>Monolithic-Dev</a:t>
+              </a:r>
+              <a:endParaRPr sz="1100"/>
+            </a:p>
+            <a:p>
+              <a:pPr indent="0" lvl="0" marL="0" rtl="0" algn="ctr">
+                <a:spcBef>
+                  <a:spcPts val="0"/>
+                </a:spcBef>
+                <a:spcAft>
+                  <a:spcPts val="0"/>
+                </a:spcAft>
+                <a:buNone/>
+              </a:pPr>
+              <a:r>
+                <a:t/>
+              </a:r>
+              <a:endParaRPr sz="1100"/>
+            </a:p>
+            <a:p>
+              <a:pPr indent="0" lvl="0" marL="0" rtl="0" algn="ctr">
+                <a:spcBef>
+                  <a:spcPts val="0"/>
+                </a:spcBef>
+                <a:spcAft>
+                  <a:spcPts val="0"/>
+                </a:spcAft>
+                <a:buNone/>
+              </a:pPr>
+              <a:r>
+                <a:t/>
+              </a:r>
+              <a:endParaRPr sz="1100"/>
+            </a:p>
+            <a:p>
+              <a:pPr indent="0" lvl="0" marL="0" rtl="0" algn="ctr">
+                <a:spcBef>
+                  <a:spcPts val="0"/>
+                </a:spcBef>
+                <a:spcAft>
+                  <a:spcPts val="0"/>
+                </a:spcAft>
+                <a:buNone/>
+              </a:pPr>
+              <a:r>
+                <a:t/>
+              </a:r>
+              <a:endParaRPr sz="1100"/>
+            </a:p>
+            <a:p>
+              <a:pPr indent="0" lvl="0" marL="0" rtl="0" algn="ctr">
+                <a:spcBef>
+                  <a:spcPts val="0"/>
+                </a:spcBef>
+                <a:spcAft>
+                  <a:spcPts val="0"/>
+                </a:spcAft>
+                <a:buNone/>
+              </a:pPr>
+              <a:r>
+                <a:t/>
+              </a:r>
+              <a:endParaRPr sz="1100"/>
+            </a:p>
+          </p:txBody>
+        </p:sp>
+        <p:sp>
+          <p:nvSpPr>
+            <p:cNvPr id="121" name="Google Shape;121;p15"/>
+            <p:cNvSpPr/>
+            <p:nvPr/>
+          </p:nvSpPr>
+          <p:spPr>
+            <a:xfrm>
+              <a:off x="7546191" y="1428750"/>
+              <a:ext cx="1194600" cy="2812800"/>
+            </a:xfrm>
+            <a:prstGeom prst="rect">
+              <a:avLst/>
+            </a:prstGeom>
+            <a:solidFill>
+              <a:srgbClr val="F3F3F3"/>
+            </a:solidFill>
+            <a:ln cap="flat" cmpd="sng" w="9525">
+              <a:solidFill>
+                <a:schemeClr val="dk2"/>
+              </a:solidFill>
+              <a:prstDash val="dash"/>
+              <a:round/>
+              <a:headEnd len="sm" w="sm" type="none"/>
+              <a:tailEnd len="sm" w="sm" type="none"/>
+            </a:ln>
+          </p:spPr>
+          <p:txBody>
+            <a:bodyPr anchorCtr="0" anchor="t" bIns="91425" lIns="91425" spcFirstLastPara="1" rIns="91425" wrap="square" tIns="91425">
+              <a:noAutofit/>
+            </a:bodyPr>
+            <a:lstStyle/>
+            <a:p>
+              <a:pPr indent="0" lvl="0" marL="0" rtl="0" algn="ctr">
+                <a:spcBef>
+                  <a:spcPts val="0"/>
+                </a:spcBef>
+                <a:spcAft>
+                  <a:spcPts val="0"/>
+                </a:spcAft>
+                <a:buNone/>
+              </a:pPr>
+              <a:r>
+                <a:rPr lang="en" sz="1100"/>
+                <a:t>Monolithic-Test</a:t>
+              </a:r>
+              <a:endParaRPr sz="1100"/>
+            </a:p>
+            <a:p>
+              <a:pPr indent="0" lvl="0" marL="0" rtl="0" algn="ctr">
+                <a:spcBef>
+                  <a:spcPts val="0"/>
+                </a:spcBef>
+                <a:spcAft>
+                  <a:spcPts val="0"/>
+                </a:spcAft>
+                <a:buNone/>
+              </a:pPr>
+              <a:r>
+                <a:t/>
+              </a:r>
+              <a:endParaRPr sz="1100"/>
+            </a:p>
+            <a:p>
+              <a:pPr indent="0" lvl="0" marL="0" rtl="0" algn="ctr">
+                <a:spcBef>
+                  <a:spcPts val="0"/>
+                </a:spcBef>
+                <a:spcAft>
+                  <a:spcPts val="0"/>
+                </a:spcAft>
+                <a:buNone/>
+              </a:pPr>
+              <a:r>
+                <a:t/>
+              </a:r>
+              <a:endParaRPr sz="1100"/>
+            </a:p>
+            <a:p>
+              <a:pPr indent="0" lvl="0" marL="0" rtl="0" algn="ctr">
+                <a:spcBef>
+                  <a:spcPts val="0"/>
+                </a:spcBef>
+                <a:spcAft>
+                  <a:spcPts val="0"/>
+                </a:spcAft>
+                <a:buNone/>
+              </a:pPr>
+              <a:r>
+                <a:t/>
+              </a:r>
+              <a:endParaRPr sz="1100"/>
+            </a:p>
+            <a:p>
+              <a:pPr indent="0" lvl="0" marL="0" rtl="0" algn="ctr">
+                <a:spcBef>
+                  <a:spcPts val="0"/>
+                </a:spcBef>
+                <a:spcAft>
+                  <a:spcPts val="0"/>
+                </a:spcAft>
+                <a:buNone/>
+              </a:pPr>
+              <a:r>
+                <a:t/>
+              </a:r>
+              <a:endParaRPr sz="1100"/>
+            </a:p>
+          </p:txBody>
+        </p:sp>
+        <p:sp>
+          <p:nvSpPr>
+            <p:cNvPr id="122" name="Google Shape;122;p15"/>
+            <p:cNvSpPr/>
+            <p:nvPr/>
+          </p:nvSpPr>
+          <p:spPr>
+            <a:xfrm>
+              <a:off x="6156550" y="2918050"/>
+              <a:ext cx="1008000" cy="232200"/>
+            </a:xfrm>
+            <a:prstGeom prst="rect">
+              <a:avLst/>
+            </a:prstGeom>
+            <a:solidFill>
+              <a:srgbClr val="D9D9D9"/>
+            </a:solidFill>
+            <a:ln cap="flat" cmpd="sng" w="9525">
+              <a:solidFill>
+                <a:schemeClr val="dk2"/>
+              </a:solidFill>
+              <a:prstDash val="dash"/>
+              <a:round/>
+              <a:headEnd len="sm" w="sm" type="none"/>
+              <a:tailEnd len="sm" w="sm" type="none"/>
+            </a:ln>
+          </p:spPr>
+          <p:txBody>
+            <a:bodyPr anchorCtr="0" anchor="ctr" bIns="91425" lIns="91425" spcFirstLastPara="1" rIns="91425" wrap="square" tIns="91425">
+              <a:noAutofit/>
+            </a:bodyPr>
+            <a:lstStyle/>
+            <a:p>
+              <a:pPr indent="0" lvl="0" marL="0" rtl="0" algn="ctr">
+                <a:spcBef>
+                  <a:spcPts val="0"/>
+                </a:spcBef>
+                <a:spcAft>
+                  <a:spcPts val="0"/>
+                </a:spcAft>
+                <a:buNone/>
+              </a:pPr>
+              <a:r>
+                <a:rPr lang="en" sz="1000"/>
+                <a:t>dev.app.com</a:t>
+              </a:r>
+              <a:endParaRPr sz="1000"/>
+            </a:p>
+          </p:txBody>
+        </p:sp>
+        <p:sp>
+          <p:nvSpPr>
+            <p:cNvPr id="123" name="Google Shape;123;p15"/>
+            <p:cNvSpPr/>
+            <p:nvPr/>
+          </p:nvSpPr>
+          <p:spPr>
+            <a:xfrm>
+              <a:off x="7639500" y="2918050"/>
+              <a:ext cx="1008000" cy="232200"/>
+            </a:xfrm>
+            <a:prstGeom prst="rect">
+              <a:avLst/>
+            </a:prstGeom>
+            <a:solidFill>
+              <a:srgbClr val="D9D9D9"/>
+            </a:solidFill>
+            <a:ln cap="flat" cmpd="sng" w="9525">
+              <a:solidFill>
+                <a:schemeClr val="dk2"/>
+              </a:solidFill>
+              <a:prstDash val="dash"/>
+              <a:round/>
+              <a:headEnd len="sm" w="sm" type="none"/>
+              <a:tailEnd len="sm" w="sm" type="none"/>
+            </a:ln>
+          </p:spPr>
+          <p:txBody>
+            <a:bodyPr anchorCtr="0" anchor="ctr" bIns="91425" lIns="91425" spcFirstLastPara="1" rIns="91425" wrap="square" tIns="91425">
+              <a:noAutofit/>
+            </a:bodyPr>
+            <a:lstStyle/>
+            <a:p>
+              <a:pPr indent="0" lvl="0" marL="0" rtl="0" algn="ctr">
+                <a:spcBef>
+                  <a:spcPts val="0"/>
+                </a:spcBef>
+                <a:spcAft>
+                  <a:spcPts val="0"/>
+                </a:spcAft>
+                <a:buNone/>
+              </a:pPr>
+              <a:r>
+                <a:rPr lang="en" sz="1000"/>
+                <a:t>test</a:t>
+              </a:r>
+              <a:r>
+                <a:rPr lang="en" sz="1000"/>
+                <a:t>.app.com</a:t>
+              </a:r>
+              <a:endParaRPr sz="1000"/>
+            </a:p>
+          </p:txBody>
+        </p:sp>
+      </p:grpSp>
+      <p:cxnSp>
+        <p:nvCxnSpPr>
+          <p:cNvPr id="124" name="Google Shape;124;p15"/>
+          <p:cNvCxnSpPr>
+            <a:stCxn id="122" idx="3"/>
+            <a:endCxn id="123" idx="1"/>
+          </p:cNvCxnSpPr>
+          <p:nvPr/>
+        </p:nvCxnSpPr>
+        <p:spPr>
+          <a:xfrm>
+            <a:off x="7164550" y="3034150"/>
+            <a:ext cx="474900" cy="600"/>
+          </a:xfrm>
+          <a:prstGeom prst="curvedConnector3">
+            <a:avLst>
+              <a:gd fmla="val 50005" name="adj1"/>
+            </a:avLst>
+          </a:prstGeom>
+          <a:noFill/>
+          <a:ln cap="flat" cmpd="sng" w="9525">
+            <a:solidFill>
+              <a:schemeClr val="dk2"/>
+            </a:solidFill>
+            <a:prstDash val="solid"/>
+            <a:round/>
+            <a:headEnd len="med" w="med" type="none"/>
+            <a:tailEnd len="med" w="med" type="oval"/>
+          </a:ln>
+        </p:spPr>
+      </p:cxnSp>
+      <p:cxnSp>
+        <p:nvCxnSpPr>
+          <p:cNvPr id="125" name="Google Shape;125;p15"/>
+          <p:cNvCxnSpPr>
+            <a:stCxn id="115" idx="3"/>
+            <a:endCxn id="122" idx="1"/>
+          </p:cNvCxnSpPr>
+          <p:nvPr/>
+        </p:nvCxnSpPr>
+        <p:spPr>
+          <a:xfrm>
+            <a:off x="5679185" y="2156050"/>
+            <a:ext cx="477300" cy="878100"/>
+          </a:xfrm>
+          <a:prstGeom prst="curvedConnector3">
+            <a:avLst>
+              <a:gd fmla="val 50007" name="adj1"/>
+            </a:avLst>
+          </a:prstGeom>
+          <a:noFill/>
+          <a:ln cap="flat" cmpd="sng" w="9525">
+            <a:solidFill>
+              <a:schemeClr val="dk2"/>
+            </a:solidFill>
+            <a:prstDash val="solid"/>
+            <a:round/>
+            <a:headEnd len="med" w="med" type="none"/>
+            <a:tailEnd len="med" w="med" type="oval"/>
+          </a:ln>
+        </p:spPr>
+      </p:cxnSp>
+      <p:sp>
+        <p:nvSpPr>
+          <p:cNvPr id="126" name="Google Shape;126;p15"/>
+          <p:cNvSpPr/>
+          <p:nvPr/>
+        </p:nvSpPr>
+        <p:spPr>
+          <a:xfrm>
+            <a:off x="4733875" y="3123450"/>
+            <a:ext cx="945300" cy="357300"/>
+          </a:xfrm>
+          <a:prstGeom prst="roundRect">
+            <a:avLst>
+              <a:gd fmla="val 16667" name="adj"/>
+            </a:avLst>
+          </a:prstGeom>
+          <a:solidFill>
+            <a:srgbClr val="FFFF00"/>
+          </a:solidFill>
+          <a:ln cap="flat" cmpd="sng" w="9525">
+            <a:solidFill>
+              <a:schemeClr val="dk2"/>
+            </a:solidFill>
+            <a:prstDash val="solid"/>
+            <a:round/>
+            <a:headEnd len="sm" w="sm" type="none"/>
+            <a:tailEnd len="sm" w="sm" type="none"/>
+          </a:ln>
+        </p:spPr>
+        <p:txBody>
+          <a:bodyPr anchorCtr="0" anchor="ctr" bIns="91425" lIns="91425" spcFirstLastPara="1" rIns="91425" wrap="square" tIns="91425">
+            <a:noAutofit/>
+          </a:bodyPr>
+          <a:lstStyle/>
           <a:p>
-            <a:pPr indent="-304800" lvl="1" marL="914400" rtl="0" algn="l">
-              <a:spcBef>
-                <a:spcPts val="0"/>
-              </a:spcBef>
-              <a:spcAft>
-                <a:spcPts val="0"/>
-              </a:spcAft>
-              <a:buSzPts val="1200"/>
-              <a:buChar char="○"/>
+            <a:pPr indent="0" lvl="0" marL="0" rtl="0" algn="ctr">
+              <a:spcBef>
+                <a:spcPts val="0"/>
+              </a:spcBef>
+              <a:spcAft>
+                <a:spcPts val="0"/>
+              </a:spcAft>
+              <a:buNone/>
             </a:pPr>
             <a:r>
-              <a:rPr lang="en" sz="1200"/>
-              <a:t>QA</a:t>
+              <a:rPr lang="en" sz="1000"/>
+              <a:t>v</a:t>
             </a:r>
-            <a:endParaRPr sz="1200"/>
+            <a:r>
+              <a:rPr lang="en" sz="1000"/>
+              <a:t>0.2 + </a:t>
+            </a:r>
+            <a:r>
+              <a:rPr b="1" lang="en" sz="1000"/>
+              <a:t>f-ab</a:t>
+            </a:r>
+            <a:r>
+              <a:rPr b="1" lang="en" sz="1000"/>
+              <a:t>c</a:t>
+            </a:r>
+            <a:endParaRPr b="1" sz="1000"/>
           </a:p>
+        </p:txBody>
+      </p:sp>
+      <p:cxnSp>
+        <p:nvCxnSpPr>
+          <p:cNvPr id="127" name="Google Shape;127;p15"/>
+          <p:cNvCxnSpPr>
+            <a:stCxn id="111" idx="3"/>
+            <a:endCxn id="126" idx="1"/>
+          </p:cNvCxnSpPr>
+          <p:nvPr/>
+        </p:nvCxnSpPr>
+        <p:spPr>
+          <a:xfrm>
+            <a:off x="3272000" y="2445850"/>
+            <a:ext cx="1461900" cy="856200"/>
+          </a:xfrm>
+          <a:prstGeom prst="curvedConnector3">
+            <a:avLst>
+              <a:gd fmla="val 49999" name="adj1"/>
+            </a:avLst>
+          </a:prstGeom>
+          <a:noFill/>
+          <a:ln cap="flat" cmpd="sng" w="9525">
+            <a:solidFill>
+              <a:schemeClr val="dk2"/>
+            </a:solidFill>
+            <a:prstDash val="solid"/>
+            <a:round/>
+            <a:headEnd len="med" w="med" type="none"/>
+            <a:tailEnd len="med" w="med" type="oval"/>
+          </a:ln>
+        </p:spPr>
+      </p:cxnSp>
+      <p:cxnSp>
+        <p:nvCxnSpPr>
+          <p:cNvPr id="128" name="Google Shape;128;p15"/>
+          <p:cNvCxnSpPr>
+            <a:stCxn id="126" idx="3"/>
+            <a:endCxn id="122" idx="1"/>
+          </p:cNvCxnSpPr>
+          <p:nvPr/>
+        </p:nvCxnSpPr>
+        <p:spPr>
+          <a:xfrm flipH="1" rot="10800000">
+            <a:off x="5679175" y="3034200"/>
+            <a:ext cx="477300" cy="267900"/>
+          </a:xfrm>
+          <a:prstGeom prst="curvedConnector3">
+            <a:avLst>
+              <a:gd fmla="val 50008" name="adj1"/>
+            </a:avLst>
+          </a:prstGeom>
+          <a:noFill/>
+          <a:ln cap="flat" cmpd="sng" w="9525">
+            <a:solidFill>
+              <a:schemeClr val="dk2"/>
+            </a:solidFill>
+            <a:prstDash val="solid"/>
+            <a:round/>
+            <a:headEnd len="med" w="med" type="none"/>
+            <a:tailEnd len="med" w="med" type="oval"/>
+          </a:ln>
+        </p:spPr>
+      </p:cxnSp>
+      <p:sp>
+        <p:nvSpPr>
+          <p:cNvPr id="129" name="Google Shape;129;p15"/>
+          <p:cNvSpPr/>
+          <p:nvPr/>
+        </p:nvSpPr>
+        <p:spPr>
+          <a:xfrm>
+            <a:off x="1662925" y="4609438"/>
+            <a:ext cx="519300" cy="232200"/>
+          </a:xfrm>
+          <a:prstGeom prst="roundRect">
+            <a:avLst>
+              <a:gd fmla="val 16667" name="adj"/>
+            </a:avLst>
+          </a:prstGeom>
+          <a:solidFill>
+            <a:srgbClr val="FF0000"/>
+          </a:solidFill>
+          <a:ln cap="flat" cmpd="sng" w="9525">
+            <a:solidFill>
+              <a:schemeClr val="dk2"/>
+            </a:solidFill>
+            <a:prstDash val="solid"/>
+            <a:round/>
+            <a:headEnd len="sm" w="sm" type="none"/>
+            <a:tailEnd len="sm" w="sm" type="none"/>
+          </a:ln>
+        </p:spPr>
+        <p:txBody>
+          <a:bodyPr anchorCtr="0" anchor="ctr" bIns="91425" lIns="91425" spcFirstLastPara="1" rIns="91425" wrap="square" tIns="91425">
+            <a:noAutofit/>
+          </a:bodyPr>
+          <a:lstStyle/>
           <a:p>
-            <a:pPr indent="-304800" lvl="1" marL="914400" rtl="0" algn="l">
-              <a:spcBef>
-                <a:spcPts val="0"/>
-              </a:spcBef>
-              <a:spcAft>
-                <a:spcPts val="0"/>
-              </a:spcAft>
-              <a:buSzPts val="1200"/>
-              <a:buChar char="○"/>
+            <a:pPr indent="0" lvl="0" marL="0" rtl="0" algn="ctr">
+              <a:spcBef>
+                <a:spcPts val="0"/>
+              </a:spcBef>
+              <a:spcAft>
+                <a:spcPts val="0"/>
+              </a:spcAft>
+              <a:buNone/>
             </a:pPr>
             <a:r>
-              <a:rPr lang="en" sz="1200"/>
-              <a:t>Pre-Prod</a:t>
+              <a:rPr lang="en" sz="1100"/>
+              <a:t>f-d</a:t>
             </a:r>
-            <a:endParaRPr sz="1200"/>
-          </a:p>
-          <a:p>
-            <a:pPr indent="-304800" lvl="1" marL="914400" rtl="0" algn="l">
-              <a:spcBef>
-                <a:spcPts val="0"/>
-              </a:spcBef>
-              <a:spcAft>
-                <a:spcPts val="0"/>
-              </a:spcAft>
-              <a:buSzPts val="1200"/>
-              <a:buChar char="○"/>
-            </a:pPr>
-            <a:r>
-              <a:rPr lang="en" sz="1200"/>
-              <a:t>Prod</a:t>
-            </a:r>
-            <a:endParaRPr sz="1200"/>
-          </a:p>
-          <a:p>
-            <a:pPr indent="0" lvl="0" marL="0" rtl="0" algn="l">
-              <a:spcBef>
-                <a:spcPts val="1600"/>
-              </a:spcBef>
-              <a:spcAft>
-                <a:spcPts val="1600"/>
-              </a:spcAft>
-              <a:buNone/>
-            </a:pPr>
-            <a:r>
-              <a:t/>
-            </a:r>
-            <a:endParaRPr/>
+            <a:endParaRPr sz="1100"/>
           </a:p>
         </p:txBody>
       </p:sp>
       <p:sp>
         <p:nvSpPr>
-          <p:cNvPr id="100" name="Google Shape;100;p15"/>
-          <p:cNvSpPr txBox="1"/>
-          <p:nvPr>
-            <p:ph idx="4294967295" type="body"/>
-          </p:nvPr>
+          <p:cNvPr id="130" name="Google Shape;130;p15"/>
+          <p:cNvSpPr/>
+          <p:nvPr/>
         </p:nvSpPr>
         <p:spPr>
           <a:xfrm>
-            <a:off x="4832400" y="1229975"/>
-            <a:ext cx="3999900" cy="3339000"/>
+            <a:off x="4740110" y="3755050"/>
+            <a:ext cx="945300" cy="232200"/>
           </a:xfrm>
-          <a:prstGeom prst="rect">
-            <a:avLst/>
+          <a:prstGeom prst="roundRect">
+            <a:avLst>
+              <a:gd fmla="val 16667" name="adj"/>
+            </a:avLst>
           </a:prstGeom>
+          <a:solidFill>
+            <a:srgbClr val="FF0000"/>
+          </a:solidFill>
+          <a:ln cap="flat" cmpd="sng" w="9525">
+            <a:solidFill>
+              <a:schemeClr val="dk2"/>
+            </a:solidFill>
+            <a:prstDash val="solid"/>
+            <a:round/>
+            <a:headEnd len="sm" w="sm" type="none"/>
+            <a:tailEnd len="sm" w="sm" type="none"/>
+          </a:ln>
         </p:spPr>
         <p:txBody>
-          <a:bodyPr anchorCtr="0" anchor="t" bIns="91425" lIns="91425" spcFirstLastPara="1" rIns="91425" wrap="square" tIns="91425">
+          <a:bodyPr anchorCtr="0" anchor="ctr" bIns="91425" lIns="91425" spcFirstLastPara="1" rIns="91425" wrap="square" tIns="91425">
             <a:noAutofit/>
           </a:bodyPr>
           <a:lstStyle/>
           <a:p>
-            <a:pPr indent="0" lvl="0" marL="0" rtl="0" algn="l">
+            <a:pPr indent="0" lvl="0" marL="0" rtl="0" algn="ctr">
               <a:spcBef>
                 <a:spcPts val="0"/>
               </a:spcBef>
@@ -9346,96 +10968,197 @@
               <a:buNone/>
             </a:pPr>
             <a:r>
-              <a:rPr b="1" lang="en" sz="1400"/>
-              <a:t>Problems:</a:t>
+              <a:rPr lang="en" sz="1000"/>
+              <a:t>v0.1  +   </a:t>
             </a:r>
-            <a:endParaRPr sz="1400"/>
-          </a:p>
-          <a:p>
-            <a:pPr indent="-317500" lvl="0" marL="457200" rtl="0" algn="l">
-              <a:spcBef>
-                <a:spcPts val="1600"/>
-              </a:spcBef>
-              <a:spcAft>
-                <a:spcPts val="0"/>
-              </a:spcAft>
-              <a:buSzPts val="1400"/>
-              <a:buChar char="●"/>
-            </a:pPr>
             <a:r>
-              <a:rPr lang="en" sz="1400"/>
-              <a:t>It forces to deploy  on One Monolithic Dev environment.</a:t>
+              <a:rPr b="1" lang="en" sz="1000"/>
+              <a:t>f-d</a:t>
             </a:r>
-            <a:endParaRPr sz="1400"/>
-          </a:p>
-          <a:p>
-            <a:pPr indent="-317500" lvl="0" marL="457200" rtl="0" algn="l">
-              <a:spcBef>
-                <a:spcPts val="0"/>
-              </a:spcBef>
-              <a:spcAft>
-                <a:spcPts val="0"/>
-              </a:spcAft>
-              <a:buSzPts val="1400"/>
-              <a:buChar char="●"/>
-            </a:pPr>
-            <a:r>
-              <a:rPr lang="en" sz="1400"/>
-              <a:t>It forces to merge to master/trunk before feature is completed.</a:t>
-            </a:r>
-            <a:endParaRPr sz="1400"/>
-          </a:p>
-          <a:p>
-            <a:pPr indent="-317500" lvl="0" marL="457200" rtl="0" algn="l">
-              <a:spcBef>
-                <a:spcPts val="0"/>
-              </a:spcBef>
-              <a:spcAft>
-                <a:spcPts val="0"/>
-              </a:spcAft>
-              <a:buSzPts val="1400"/>
-              <a:buChar char="●"/>
-            </a:pPr>
-            <a:r>
-              <a:rPr lang="en" sz="1400"/>
-              <a:t>Some danger to overlapping deployments.</a:t>
-            </a:r>
-            <a:endParaRPr sz="1400"/>
-          </a:p>
-          <a:p>
-            <a:pPr indent="-317500" lvl="0" marL="457200" rtl="0" algn="l">
-              <a:spcBef>
-                <a:spcPts val="0"/>
-              </a:spcBef>
-              <a:spcAft>
-                <a:spcPts val="0"/>
-              </a:spcAft>
-              <a:buSzPts val="1400"/>
-              <a:buChar char="●"/>
-            </a:pPr>
-            <a:r>
-              <a:rPr lang="en" sz="1400"/>
-              <a:t>Deployments could not be done on granular/feature oriented.</a:t>
-            </a:r>
-            <a:endParaRPr sz="1400"/>
-          </a:p>
-          <a:p>
-            <a:pPr indent="0" lvl="0" marL="0" rtl="0" algn="l">
-              <a:spcBef>
-                <a:spcPts val="1600"/>
-              </a:spcBef>
-              <a:spcAft>
-                <a:spcPts val="1600"/>
-              </a:spcAft>
-              <a:buNone/>
-            </a:pPr>
-            <a:r>
-              <a:t/>
-            </a:r>
-            <a:endParaRPr b="1" sz="1400"/>
+            <a:endParaRPr b="1" sz="1000"/>
           </a:p>
         </p:txBody>
       </p:sp>
+      <p:cxnSp>
+        <p:nvCxnSpPr>
+          <p:cNvPr id="131" name="Google Shape;131;p15"/>
+          <p:cNvCxnSpPr>
+            <a:stCxn id="129" idx="3"/>
+            <a:endCxn id="130" idx="1"/>
+          </p:cNvCxnSpPr>
+          <p:nvPr/>
+        </p:nvCxnSpPr>
+        <p:spPr>
+          <a:xfrm flipH="1" rot="10800000">
+            <a:off x="2182225" y="3871138"/>
+            <a:ext cx="2557800" cy="854400"/>
+          </a:xfrm>
+          <a:prstGeom prst="curvedConnector3">
+            <a:avLst>
+              <a:gd fmla="val 50002" name="adj1"/>
+            </a:avLst>
+          </a:prstGeom>
+          <a:noFill/>
+          <a:ln cap="flat" cmpd="sng" w="9525">
+            <a:solidFill>
+              <a:schemeClr val="dk2"/>
+            </a:solidFill>
+            <a:prstDash val="solid"/>
+            <a:round/>
+            <a:headEnd len="med" w="med" type="none"/>
+            <a:tailEnd len="med" w="med" type="oval"/>
+          </a:ln>
+        </p:spPr>
+      </p:cxnSp>
+      <p:cxnSp>
+        <p:nvCxnSpPr>
+          <p:cNvPr id="132" name="Google Shape;132;p15"/>
+          <p:cNvCxnSpPr>
+            <a:stCxn id="130" idx="3"/>
+            <a:endCxn id="122" idx="1"/>
+          </p:cNvCxnSpPr>
+          <p:nvPr/>
+        </p:nvCxnSpPr>
+        <p:spPr>
+          <a:xfrm flipH="1" rot="10800000">
+            <a:off x="5685410" y="3034150"/>
+            <a:ext cx="471000" cy="837000"/>
+          </a:xfrm>
+          <a:prstGeom prst="curvedConnector3">
+            <a:avLst>
+              <a:gd fmla="val 50015" name="adj1"/>
+            </a:avLst>
+          </a:prstGeom>
+          <a:noFill/>
+          <a:ln cap="flat" cmpd="sng" w="9525">
+            <a:solidFill>
+              <a:schemeClr val="dk2"/>
+            </a:solidFill>
+            <a:prstDash val="solid"/>
+            <a:round/>
+            <a:headEnd len="med" w="med" type="none"/>
+            <a:tailEnd len="med" w="med" type="oval"/>
+          </a:ln>
+        </p:spPr>
+      </p:cxnSp>
+      <p:sp>
+        <p:nvSpPr>
+          <p:cNvPr id="133" name="Google Shape;133;p15"/>
+          <p:cNvSpPr/>
+          <p:nvPr/>
+        </p:nvSpPr>
+        <p:spPr>
+          <a:xfrm>
+            <a:off x="4733885" y="2573350"/>
+            <a:ext cx="945300" cy="232200"/>
+          </a:xfrm>
+          <a:prstGeom prst="roundRect">
+            <a:avLst>
+              <a:gd fmla="val 16667" name="adj"/>
+            </a:avLst>
+          </a:prstGeom>
+          <a:solidFill>
+            <a:srgbClr val="FFFF00"/>
+          </a:solidFill>
+          <a:ln cap="flat" cmpd="sng" w="9525">
+            <a:solidFill>
+              <a:schemeClr val="dk2"/>
+            </a:solidFill>
+            <a:prstDash val="solid"/>
+            <a:round/>
+            <a:headEnd len="sm" w="sm" type="none"/>
+            <a:tailEnd len="sm" w="sm" type="none"/>
+          </a:ln>
+        </p:spPr>
+        <p:txBody>
+          <a:bodyPr anchorCtr="0" anchor="ctr" bIns="91425" lIns="91425" spcFirstLastPara="1" rIns="91425" wrap="square" tIns="91425">
+            <a:noAutofit/>
+          </a:bodyPr>
+          <a:lstStyle/>
+          <a:p>
+            <a:pPr indent="0" lvl="0" marL="0" rtl="0" algn="ctr">
+              <a:spcBef>
+                <a:spcPts val="0"/>
+              </a:spcBef>
+              <a:spcAft>
+                <a:spcPts val="0"/>
+              </a:spcAft>
+              <a:buNone/>
+            </a:pPr>
+            <a:r>
+              <a:rPr lang="en" sz="1000"/>
+              <a:t>v0.2  +   </a:t>
+            </a:r>
+            <a:r>
+              <a:rPr b="1" lang="en" sz="1000"/>
+              <a:t>f-ab</a:t>
+            </a:r>
+            <a:endParaRPr b="1" sz="1000"/>
+          </a:p>
+        </p:txBody>
+      </p:sp>
+      <p:cxnSp>
+        <p:nvCxnSpPr>
+          <p:cNvPr id="134" name="Google Shape;134;p15"/>
+          <p:cNvCxnSpPr>
+            <a:stCxn id="111" idx="3"/>
+            <a:endCxn id="133" idx="1"/>
+          </p:cNvCxnSpPr>
+          <p:nvPr/>
+        </p:nvCxnSpPr>
+        <p:spPr>
+          <a:xfrm>
+            <a:off x="3272000" y="2445850"/>
+            <a:ext cx="1461900" cy="243600"/>
+          </a:xfrm>
+          <a:prstGeom prst="curvedConnector3">
+            <a:avLst>
+              <a:gd fmla="val 49999" name="adj1"/>
+            </a:avLst>
+          </a:prstGeom>
+          <a:noFill/>
+          <a:ln cap="flat" cmpd="sng" w="9525">
+            <a:solidFill>
+              <a:schemeClr val="dk2"/>
+            </a:solidFill>
+            <a:prstDash val="solid"/>
+            <a:round/>
+            <a:headEnd len="med" w="med" type="none"/>
+            <a:tailEnd len="med" w="med" type="oval"/>
+          </a:ln>
+        </p:spPr>
+      </p:cxnSp>
+      <p:cxnSp>
+        <p:nvCxnSpPr>
+          <p:cNvPr id="135" name="Google Shape;135;p15"/>
+          <p:cNvCxnSpPr>
+            <a:stCxn id="133" idx="3"/>
+            <a:endCxn id="122" idx="1"/>
+          </p:cNvCxnSpPr>
+          <p:nvPr/>
+        </p:nvCxnSpPr>
+        <p:spPr>
+          <a:xfrm>
+            <a:off x="5679185" y="2689450"/>
+            <a:ext cx="477300" cy="344700"/>
+          </a:xfrm>
+          <a:prstGeom prst="curvedConnector3">
+            <a:avLst>
+              <a:gd fmla="val 50007" name="adj1"/>
+            </a:avLst>
+          </a:prstGeom>
+          <a:noFill/>
+          <a:ln cap="flat" cmpd="sng" w="9525">
+            <a:solidFill>
+              <a:schemeClr val="dk2"/>
+            </a:solidFill>
+            <a:prstDash val="solid"/>
+            <a:round/>
+            <a:headEnd len="med" w="med" type="none"/>
+            <a:tailEnd len="med" w="med" type="oval"/>
+          </a:ln>
+        </p:spPr>
+      </p:cxnSp>
     </p:spTree>
   </p:cSld>
   <p:clrMapOvr>
@@ -9475,11 +11198,7 @@
                                           </p:stCondLst>
                                         </p:cTn>
                                         <p:tgtEl>
-                                          <p:spTgt spid="99">
-                                            <p:txEl>
-                                              <p:pRg end="0" st="0"/>
-                                            </p:txEl>
-                                          </p:spTgt>
+                                          <p:spTgt spid="99"/>
                                         </p:tgtEl>
                                         <p:attrNameLst>
                                           <p:attrName>style.visibility</p:attrName>
@@ -9493,11 +11212,51 @@
                                       <p:cBhvr>
                                         <p:cTn dur="1000"/>
                                         <p:tgtEl>
-                                          <p:spTgt spid="99">
-                                            <p:txEl>
-                                              <p:pRg end="0" st="0"/>
-                                            </p:txEl>
-                                          </p:spTgt>
+                                          <p:spTgt spid="99"/>
+                                        </p:tgtEl>
+                                      </p:cBhvr>
+                                    </p:animEffect>
+                                  </p:childTnLst>
+                                </p:cTn>
+                              </p:par>
+                            </p:childTnLst>
+                          </p:cTn>
+                        </p:par>
+                        <p:par>
+                          <p:cTn fill="hold">
+                            <p:stCondLst>
+                              <p:cond delay="1000"/>
+                            </p:stCondLst>
+                            <p:childTnLst>
+                              <p:par>
+                                <p:cTn fill="hold" nodeType="afterEffect" presetClass="entr" presetID="10" presetSubtype="0">
+                                  <p:stCondLst>
+                                    <p:cond delay="0"/>
+                                  </p:stCondLst>
+                                  <p:childTnLst>
+                                    <p:set>
+                                      <p:cBhvr>
+                                        <p:cTn dur="1" fill="hold">
+                                          <p:stCondLst>
+                                            <p:cond delay="0"/>
+                                          </p:stCondLst>
+                                        </p:cTn>
+                                        <p:tgtEl>
+                                          <p:spTgt spid="119"/>
+                                        </p:tgtEl>
+                                        <p:attrNameLst>
+                                          <p:attrName>style.visibility</p:attrName>
+                                        </p:attrNameLst>
+                                      </p:cBhvr>
+                                      <p:to>
+                                        <p:strVal val="visible"/>
+                                      </p:to>
+                                    </p:set>
+                                    <p:animEffect filter="fade" transition="in">
+                                      <p:cBhvr>
+                                        <p:cTn dur="1000"/>
+                                        <p:tgtEl>
+                                          <p:spTgt spid="119"/>
                                         </p:tgtEl>
                                       </p:cBhvr>
                                     </p:animEffect>
@@ -9536,11 +11295,7 @@
                                           </p:stCondLst>
                                         </p:cTn>
                                         <p:tgtEl>
-                                          <p:spTgt spid="99">
-                                            <p:txEl>
-                                              <p:pRg end="1" st="1"/>
-                                            </p:txEl>
-                                          </p:spTgt>
+                                          <p:spTgt spid="101"/>
                                         </p:tgtEl>
                                         <p:attrNameLst>
                                           <p:attrName>style.visibility</p:attrName>
@@ -9554,11 +11309,42 @@
                                       <p:cBhvr>
                                         <p:cTn dur="1000"/>
                                         <p:tgtEl>
-                                          <p:spTgt spid="99">
-                                            <p:txEl>
-                                              <p:pRg end="1" st="1"/>
-                                            </p:txEl>
-                                          </p:spTgt>
+                                          <p:spTgt spid="101"/>
+                                        </p:tgtEl>
+                                      </p:cBhvr>
+                                    </p:animEffect>
+                                  </p:childTnLst>
+                                </p:cTn>
+                              </p:par>
+                              <p:par>
+                                <p:cTn fill="hold" nodeType="withEffect" presetClass="entr" presetID="10" presetSubtype="0">
+                                  <p:stCondLst>
+                                    <p:cond delay="0"/>
+                                  </p:stCondLst>
+                                  <p:childTnLst>
+                                    <p:set>
+                                      <p:cBhvr>
+                                        <p:cTn dur="1" fill="hold">
+                                          <p:stCondLst>
+                                            <p:cond delay="0"/>
+                                          </p:stCondLst>
+                                        </p:cTn>
+                                        <p:tgtEl>
+                                          <p:spTgt spid="100"/>
+                                        </p:tgtEl>
+                                        <p:attrNameLst>
+                                          <p:attrName>style.visibility</p:attrName>
+                                        </p:attrNameLst>
+                                      </p:cBhvr>
+                                      <p:to>
+                                        <p:strVal val="visible"/>
+                                      </p:to>
+                                    </p:set>
+                                    <p:animEffect filter="fade" transition="in">
+                                      <p:cBhvr>
+                                        <p:cTn dur="1000"/>
+                                        <p:tgtEl>
+                                          <p:spTgt spid="100"/>
                                         </p:tgtEl>
                                       </p:cBhvr>
                                     </p:animEffect>
@@ -9597,11 +11383,7 @@
                                           </p:stCondLst>
                                         </p:cTn>
                                         <p:tgtEl>
-                                          <p:spTgt spid="99">
-                                            <p:txEl>
-                                              <p:pRg end="2" st="2"/>
-                                            </p:txEl>
-                                          </p:spTgt>
+                                          <p:spTgt spid="106"/>
                                         </p:tgtEl>
                                         <p:attrNameLst>
                                           <p:attrName>style.visibility</p:attrName>
@@ -9615,11 +11397,42 @@
                                       <p:cBhvr>
                                         <p:cTn dur="1000"/>
                                         <p:tgtEl>
-                                          <p:spTgt spid="99">
-                                            <p:txEl>
-                                              <p:pRg end="2" st="2"/>
-                                            </p:txEl>
-                                          </p:spTgt>
+                                          <p:spTgt spid="106"/>
+                                        </p:tgtEl>
+                                      </p:cBhvr>
+                                    </p:animEffect>
+                                  </p:childTnLst>
+                                </p:cTn>
+                              </p:par>
+                              <p:par>
+                                <p:cTn fill="hold" nodeType="withEffect" presetClass="entr" presetID="10" presetSubtype="0">
+                                  <p:stCondLst>
+                                    <p:cond delay="0"/>
+                                  </p:stCondLst>
+                                  <p:childTnLst>
+                                    <p:set>
+                                      <p:cBhvr>
+                                        <p:cTn dur="1" fill="hold">
+                                          <p:stCondLst>
+                                            <p:cond delay="0"/>
+                                          </p:stCondLst>
+                                        </p:cTn>
+                                        <p:tgtEl>
+                                          <p:spTgt spid="105"/>
+                                        </p:tgtEl>
+                                        <p:attrNameLst>
+                                          <p:attrName>style.visibility</p:attrName>
+                                        </p:attrNameLst>
+                                      </p:cBhvr>
+                                      <p:to>
+                                        <p:strVal val="visible"/>
+                                      </p:to>
+                                    </p:set>
+                                    <p:animEffect filter="fade" transition="in">
+                                      <p:cBhvr>
+                                        <p:cTn dur="1000"/>
+                                        <p:tgtEl>
+                                          <p:spTgt spid="105"/>
                                         </p:tgtEl>
                                       </p:cBhvr>
                                     </p:animEffect>
@@ -9658,11 +11471,7 @@
                                           </p:stCondLst>
                                         </p:cTn>
                                         <p:tgtEl>
-                                          <p:spTgt spid="99">
-                                            <p:txEl>
-                                              <p:pRg end="3" st="3"/>
-                                            </p:txEl>
-                                          </p:spTgt>
+                                          <p:spTgt spid="102"/>
                                         </p:tgtEl>
                                         <p:attrNameLst>
                                           <p:attrName>style.visibility</p:attrName>
@@ -9676,11 +11485,112 @@
                                       <p:cBhvr>
                                         <p:cTn dur="1000"/>
                                         <p:tgtEl>
-                                          <p:spTgt spid="99">
-                                            <p:txEl>
-                                              <p:pRg end="3" st="3"/>
-                                            </p:txEl>
-                                          </p:spTgt>
+                                          <p:spTgt spid="102"/>
+                                        </p:tgtEl>
+                                      </p:cBhvr>
+                                    </p:animEffect>
+                                  </p:childTnLst>
+                                </p:cTn>
+                              </p:par>
+                              <p:par>
+                                <p:cTn fill="hold" nodeType="withEffect" presetClass="entr" presetID="10" presetSubtype="0">
+                                  <p:stCondLst>
+                                    <p:cond delay="0"/>
+                                  </p:stCondLst>
+                                  <p:childTnLst>
+                                    <p:set>
+                                      <p:cBhvr>
+                                        <p:cTn dur="1" fill="hold">
+                                          <p:stCondLst>
+                                            <p:cond delay="0"/>
+                                          </p:stCondLst>
+                                        </p:cTn>
+                                        <p:tgtEl>
+                                          <p:spTgt spid="103"/>
+                                        </p:tgtEl>
+                                        <p:attrNameLst>
+                                          <p:attrName>style.visibility</p:attrName>
+                                        </p:attrNameLst>
+                                      </p:cBhvr>
+                                      <p:to>
+                                        <p:strVal val="visible"/>
+                                      </p:to>
+                                    </p:set>
+                                    <p:animEffect filter="fade" transition="in">
+                                      <p:cBhvr>
+                                        <p:cTn dur="1000"/>
+                                        <p:tgtEl>
+                                          <p:spTgt spid="103"/>
+                                        </p:tgtEl>
+                                      </p:cBhvr>
+                                    </p:animEffect>
+                                  </p:childTnLst>
+                                </p:cTn>
+                              </p:par>
+                              <p:par>
+                                <p:cTn fill="hold" nodeType="withEffect" presetClass="entr" presetID="10" presetSubtype="0">
+                                  <p:stCondLst>
+                                    <p:cond delay="0"/>
+                                  </p:stCondLst>
+                                  <p:childTnLst>
+                                    <p:set>
+                                      <p:cBhvr>
+                                        <p:cTn dur="1" fill="hold">
+                                          <p:stCondLst>
+                                            <p:cond delay="0"/>
+                                          </p:stCondLst>
+                                        </p:cTn>
+                                        <p:tgtEl>
+                                          <p:spTgt spid="107"/>
+                                        </p:tgtEl>
+                                        <p:attrNameLst>
+                                          <p:attrName>style.visibility</p:attrName>
+                                        </p:attrNameLst>
+                                      </p:cBhvr>
+                                      <p:to>
+                                        <p:strVal val="visible"/>
+                                      </p:to>
+                                    </p:set>
+                                    <p:animEffect filter="fade" transition="in">
+                                      <p:cBhvr>
+                                        <p:cTn dur="1000"/>
+                                        <p:tgtEl>
+                                          <p:spTgt spid="107"/>
+                                        </p:tgtEl>
+                                      </p:cBhvr>
+                                    </p:animEffect>
+                                  </p:childTnLst>
+                                </p:cTn>
+                              </p:par>
+                              <p:par>
+                                <p:cTn fill="hold" nodeType="withEffect" presetClass="entr" presetID="10" presetSubtype="0">
+                                  <p:stCondLst>
+                                    <p:cond delay="0"/>
+                                  </p:stCondLst>
+                                  <p:childTnLst>
+                                    <p:set>
+                                      <p:cBhvr>
+                                        <p:cTn dur="1" fill="hold">
+                                          <p:stCondLst>
+                                            <p:cond delay="0"/>
+                                          </p:stCondLst>
+                                        </p:cTn>
+                                        <p:tgtEl>
+                                          <p:spTgt spid="108"/>
+                                        </p:tgtEl>
+                                        <p:attrNameLst>
+                                          <p:attrName>style.visibility</p:attrName>
+                                        </p:attrNameLst>
+                                      </p:cBhvr>
+                                      <p:to>
+                                        <p:strVal val="visible"/>
+                                      </p:to>
+                                    </p:set>
+                                    <p:animEffect filter="fade" transition="in">
+                                      <p:cBhvr>
+                                        <p:cTn dur="1000"/>
+                                        <p:tgtEl>
+                                          <p:spTgt spid="108"/>
                                         </p:tgtEl>
                                       </p:cBhvr>
                                     </p:animEffect>
@@ -9719,11 +11629,7 @@
                                           </p:stCondLst>
                                         </p:cTn>
                                         <p:tgtEl>
-                                          <p:spTgt spid="99">
-                                            <p:txEl>
-                                              <p:pRg end="4" st="4"/>
-                                            </p:txEl>
-                                          </p:spTgt>
+                                          <p:spTgt spid="110"/>
                                         </p:tgtEl>
                                         <p:attrNameLst>
                                           <p:attrName>style.visibility</p:attrName>
@@ -9737,11 +11643,7 @@
                                       <p:cBhvr>
                                         <p:cTn dur="1000"/>
                                         <p:tgtEl>
-                                          <p:spTgt spid="99">
-                                            <p:txEl>
-                                              <p:pRg end="4" st="4"/>
-                                            </p:txEl>
-                                          </p:spTgt>
+                                          <p:spTgt spid="110"/>
                                         </p:tgtEl>
                                       </p:cBhvr>
                                     </p:animEffect>
@@ -9780,11 +11682,7 @@
                                           </p:stCondLst>
                                         </p:cTn>
                                         <p:tgtEl>
-                                          <p:spTgt spid="99">
-                                            <p:txEl>
-                                              <p:pRg end="5" st="5"/>
-                                            </p:txEl>
-                                          </p:spTgt>
+                                          <p:spTgt spid="116"/>
                                         </p:tgtEl>
                                         <p:attrNameLst>
                                           <p:attrName>style.visibility</p:attrName>
@@ -9798,11 +11696,42 @@
                                       <p:cBhvr>
                                         <p:cTn dur="1000"/>
                                         <p:tgtEl>
-                                          <p:spTgt spid="99">
-                                            <p:txEl>
-                                              <p:pRg end="5" st="5"/>
-                                            </p:txEl>
-                                          </p:spTgt>
+                                          <p:spTgt spid="116"/>
+                                        </p:tgtEl>
+                                      </p:cBhvr>
+                                    </p:animEffect>
+                                  </p:childTnLst>
+                                </p:cTn>
+                              </p:par>
+                              <p:par>
+                                <p:cTn fill="hold" nodeType="withEffect" presetClass="entr" presetID="10" presetSubtype="0">
+                                  <p:stCondLst>
+                                    <p:cond delay="0"/>
+                                  </p:stCondLst>
+                                  <p:childTnLst>
+                                    <p:set>
+                                      <p:cBhvr>
+                                        <p:cTn dur="1" fill="hold">
+                                          <p:stCondLst>
+                                            <p:cond delay="0"/>
+                                          </p:stCondLst>
+                                        </p:cTn>
+                                        <p:tgtEl>
+                                          <p:spTgt spid="113"/>
+                                        </p:tgtEl>
+                                        <p:attrNameLst>
+                                          <p:attrName>style.visibility</p:attrName>
+                                        </p:attrNameLst>
+                                      </p:cBhvr>
+                                      <p:to>
+                                        <p:strVal val="visible"/>
+                                      </p:to>
+                                    </p:set>
+                                    <p:animEffect filter="fade" transition="in">
+                                      <p:cBhvr>
+                                        <p:cTn dur="1000"/>
+                                        <p:tgtEl>
+                                          <p:spTgt spid="113"/>
                                         </p:tgtEl>
                                       </p:cBhvr>
                                     </p:animEffect>
@@ -9841,11 +11770,7 @@
                                           </p:stCondLst>
                                         </p:cTn>
                                         <p:tgtEl>
-                                          <p:spTgt spid="99">
-                                            <p:txEl>
-                                              <p:pRg end="6" st="6"/>
-                                            </p:txEl>
-                                          </p:spTgt>
+                                          <p:spTgt spid="117"/>
                                         </p:tgtEl>
                                         <p:attrNameLst>
                                           <p:attrName>style.visibility</p:attrName>
@@ -9859,11 +11784,77 @@
                                       <p:cBhvr>
                                         <p:cTn dur="1000"/>
                                         <p:tgtEl>
-                                          <p:spTgt spid="99">
-                                            <p:txEl>
-                                              <p:pRg end="6" st="6"/>
-                                            </p:txEl>
-                                          </p:spTgt>
+                                          <p:spTgt spid="117"/>
+                                        </p:tgtEl>
+                                      </p:cBhvr>
+                                    </p:animEffect>
+                                  </p:childTnLst>
+                                </p:cTn>
+                              </p:par>
+                              <p:par>
+                                <p:cTn fill="hold" nodeType="withEffect" presetClass="entr" presetID="10" presetSubtype="0">
+                                  <p:stCondLst>
+                                    <p:cond delay="0"/>
+                                  </p:stCondLst>
+                                  <p:childTnLst>
+                                    <p:set>
+                                      <p:cBhvr>
+                                        <p:cTn dur="1" fill="hold">
+                                          <p:stCondLst>
+                                            <p:cond delay="0"/>
+                                          </p:stCondLst>
+                                        </p:cTn>
+                                        <p:tgtEl>
+                                          <p:spTgt spid="115"/>
+                                        </p:tgtEl>
+                                        <p:attrNameLst>
+                                          <p:attrName>style.visibility</p:attrName>
+                                        </p:attrNameLst>
+                                      </p:cBhvr>
+                                      <p:to>
+                                        <p:strVal val="visible"/>
+                                      </p:to>
+                                    </p:set>
+                                    <p:animEffect filter="fade" transition="in">
+                                      <p:cBhvr>
+                                        <p:cTn dur="1000"/>
+                                        <p:tgtEl>
+                                          <p:spTgt spid="115"/>
+                                        </p:tgtEl>
+                                      </p:cBhvr>
+                                    </p:animEffect>
+                                  </p:childTnLst>
+                                </p:cTn>
+                              </p:par>
+                              <p:par>
+                                <p:cTn fill="hold" nodeType="withEffect" presetClass="entr" presetID="10" presetSubtype="0">
+                                  <p:stCondLst>
+                                    <p:cond delay="0"/>
+                                  </p:stCondLst>
+                                  <p:childTnLst>
+                                    <p:set>
+                                      <p:cBhvr>
+                                        <p:cTn dur="1" fill="hold">
+                                          <p:stCondLst>
+                                            <p:cond delay="0"/>
+                                          </p:stCondLst>
+                                        </p:cTn>
+                                        <p:tgtEl>
+                                          <p:spTgt spid="114"/>
+                                        </p:tgtEl>
+                                        <p:attrNameLst>
+                                          <p:attrName>style.visibility</p:attrName>
+                                        </p:attrNameLst>
+                                      </p:cBhvr>
+                                      <p:to>
+                                        <p:strVal val="visible"/>
+                                      </p:to>
+                                    </p:set>
+                                    <p:animEffect filter="fade" transition="in">
+                                      <p:cBhvr>
+                                        <p:cTn dur="1000"/>
+                                        <p:tgtEl>
+                                          <p:spTgt spid="114"/>
                                         </p:tgtEl>
                                       </p:cBhvr>
                                     </p:animEffect>
@@ -9902,11 +11893,7 @@
                                           </p:stCondLst>
                                         </p:cTn>
                                         <p:tgtEl>
-                                          <p:spTgt spid="100">
-                                            <p:txEl>
-                                              <p:pRg end="0" st="0"/>
-                                            </p:txEl>
-                                          </p:spTgt>
+                                          <p:spTgt spid="125"/>
                                         </p:tgtEl>
                                         <p:attrNameLst>
                                           <p:attrName>style.visibility</p:attrName>
@@ -9920,11 +11907,7 @@
                                       <p:cBhvr>
                                         <p:cTn dur="1000"/>
                                         <p:tgtEl>
-                                          <p:spTgt spid="100">
-                                            <p:txEl>
-                                              <p:pRg end="0" st="0"/>
-                                            </p:txEl>
-                                          </p:spTgt>
+                                          <p:spTgt spid="125"/>
                                         </p:tgtEl>
                                       </p:cBhvr>
                                     </p:animEffect>
@@ -9963,11 +11946,7 @@
                                           </p:stCondLst>
                                         </p:cTn>
                                         <p:tgtEl>
-                                          <p:spTgt spid="100">
-                                            <p:txEl>
-                                              <p:pRg end="1" st="1"/>
-                                            </p:txEl>
-                                          </p:spTgt>
+                                          <p:spTgt spid="134"/>
                                         </p:tgtEl>
                                         <p:attrNameLst>
                                           <p:attrName>style.visibility</p:attrName>
@@ -9981,11 +11960,86 @@
                                       <p:cBhvr>
                                         <p:cTn dur="1000"/>
                                         <p:tgtEl>
-                                          <p:spTgt spid="100">
-                                            <p:txEl>
-                                              <p:pRg end="1" st="1"/>
-                                            </p:txEl>
-                                          </p:spTgt>
+                                          <p:spTgt spid="134"/>
+                                        </p:tgtEl>
+                                      </p:cBhvr>
+                                    </p:animEffect>
+                                  </p:childTnLst>
+                                </p:cTn>
+                              </p:par>
+                              <p:par>
+                                <p:cTn fill="hold" nodeType="withEffect" presetClass="entr" presetID="10" presetSubtype="0">
+                                  <p:stCondLst>
+                                    <p:cond delay="0"/>
+                                  </p:stCondLst>
+                                  <p:childTnLst>
+                                    <p:set>
+                                      <p:cBhvr>
+                                        <p:cTn dur="1" fill="hold">
+                                          <p:stCondLst>
+                                            <p:cond delay="0"/>
+                                          </p:stCondLst>
+                                        </p:cTn>
+                                        <p:tgtEl>
+                                          <p:spTgt spid="133"/>
+                                        </p:tgtEl>
+                                        <p:attrNameLst>
+                                          <p:attrName>style.visibility</p:attrName>
+                                        </p:attrNameLst>
+                                      </p:cBhvr>
+                                      <p:to>
+                                        <p:strVal val="visible"/>
+                                      </p:to>
+                                    </p:set>
+                                    <p:animEffect filter="fade" transition="in">
+                                      <p:cBhvr>
+                                        <p:cTn dur="1000"/>
+                                        <p:tgtEl>
+                                          <p:spTgt spid="133"/>
+                                        </p:tgtEl>
+                                      </p:cBhvr>
+                                    </p:animEffect>
+                                  </p:childTnLst>
+                                </p:cTn>
+                              </p:par>
+                            </p:childTnLst>
+                          </p:cTn>
+                        </p:par>
+                        <p:par>
+                          <p:cTn fill="hold">
+                            <p:stCondLst>
+                              <p:cond delay="1000"/>
+                            </p:stCondLst>
+                            <p:childTnLst>
+                              <p:par>
+                                <p:cTn fill="hold" nodeType="afterEffect" presetClass="entr" presetID="10" presetSubtype="0">
+                                  <p:stCondLst>
+                                    <p:cond delay="0"/>
+                                  </p:stCondLst>
+                                  <p:childTnLst>
+                                    <p:set>
+                                      <p:cBhvr>
+                                        <p:cTn dur="1" fill="hold">
+                                          <p:stCondLst>
+                                            <p:cond delay="0"/>
+                                          </p:stCondLst>
+                                        </p:cTn>
+                                        <p:tgtEl>
+                                          <p:spTgt spid="135"/>
+                                        </p:tgtEl>
+                                        <p:attrNameLst>
+                                          <p:attrName>style.visibility</p:attrName>
+                                        </p:attrNameLst>
+                                      </p:cBhvr>
+                                      <p:to>
+                                        <p:strVal val="visible"/>
+                                      </p:to>
+                                    </p:set>
+                                    <p:animEffect filter="fade" transition="in">
+                                      <p:cBhvr>
+                                        <p:cTn dur="1000"/>
+                                        <p:tgtEl>
+                                          <p:spTgt spid="135"/>
                                         </p:tgtEl>
                                       </p:cBhvr>
                                     </p:animEffect>
@@ -10024,11 +12078,7 @@
                                           </p:stCondLst>
                                         </p:cTn>
                                         <p:tgtEl>
-                                          <p:spTgt spid="100">
-                                            <p:txEl>
-                                              <p:pRg end="2" st="2"/>
-                                            </p:txEl>
-                                          </p:spTgt>
+                                          <p:spTgt spid="124"/>
                                         </p:tgtEl>
                                         <p:attrNameLst>
                                           <p:attrName>style.visibility</p:attrName>
@@ -10042,11 +12092,7 @@
                                       <p:cBhvr>
                                         <p:cTn dur="1000"/>
                                         <p:tgtEl>
-                                          <p:spTgt spid="100">
-                                            <p:txEl>
-                                              <p:pRg end="2" st="2"/>
-                                            </p:txEl>
-                                          </p:spTgt>
+                                          <p:spTgt spid="124"/>
                                         </p:tgtEl>
                                       </p:cBhvr>
                                     </p:animEffect>
@@ -10085,11 +12131,7 @@
                                           </p:stCondLst>
                                         </p:cTn>
                                         <p:tgtEl>
-                                          <p:spTgt spid="100">
-                                            <p:txEl>
-                                              <p:pRg end="3" st="3"/>
-                                            </p:txEl>
-                                          </p:spTgt>
+                                          <p:spTgt spid="104"/>
                                         </p:tgtEl>
                                         <p:attrNameLst>
                                           <p:attrName>style.visibility</p:attrName>
@@ -10103,11 +12145,77 @@
                                       <p:cBhvr>
                                         <p:cTn dur="1000"/>
                                         <p:tgtEl>
-                                          <p:spTgt spid="100">
-                                            <p:txEl>
-                                              <p:pRg end="3" st="3"/>
-                                            </p:txEl>
-                                          </p:spTgt>
+                                          <p:spTgt spid="104"/>
+                                        </p:tgtEl>
+                                      </p:cBhvr>
+                                    </p:animEffect>
+                                  </p:childTnLst>
+                                </p:cTn>
+                              </p:par>
+                              <p:par>
+                                <p:cTn fill="hold" nodeType="withEffect" presetClass="entr" presetID="10" presetSubtype="0">
+                                  <p:stCondLst>
+                                    <p:cond delay="0"/>
+                                  </p:stCondLst>
+                                  <p:childTnLst>
+                                    <p:set>
+                                      <p:cBhvr>
+                                        <p:cTn dur="1" fill="hold">
+                                          <p:stCondLst>
+                                            <p:cond delay="0"/>
+                                          </p:stCondLst>
+                                        </p:cTn>
+                                        <p:tgtEl>
+                                          <p:spTgt spid="109"/>
+                                        </p:tgtEl>
+                                        <p:attrNameLst>
+                                          <p:attrName>style.visibility</p:attrName>
+                                        </p:attrNameLst>
+                                      </p:cBhvr>
+                                      <p:to>
+                                        <p:strVal val="visible"/>
+                                      </p:to>
+                                    </p:set>
+                                    <p:animEffect filter="fade" transition="in">
+                                      <p:cBhvr>
+                                        <p:cTn dur="1000"/>
+                                        <p:tgtEl>
+                                          <p:spTgt spid="109"/>
+                                        </p:tgtEl>
+                                      </p:cBhvr>
+                                    </p:animEffect>
+                                  </p:childTnLst>
+                                </p:cTn>
+                              </p:par>
+                              <p:par>
+                                <p:cTn fill="hold" nodeType="withEffect" presetClass="entr" presetID="10" presetSubtype="0">
+                                  <p:stCondLst>
+                                    <p:cond delay="0"/>
+                                  </p:stCondLst>
+                                  <p:childTnLst>
+                                    <p:set>
+                                      <p:cBhvr>
+                                        <p:cTn dur="1" fill="hold">
+                                          <p:stCondLst>
+                                            <p:cond delay="0"/>
+                                          </p:stCondLst>
+                                        </p:cTn>
+                                        <p:tgtEl>
+                                          <p:spTgt spid="118"/>
+                                        </p:tgtEl>
+                                        <p:attrNameLst>
+                                          <p:attrName>style.visibility</p:attrName>
+                                        </p:attrNameLst>
+                                      </p:cBhvr>
+                                      <p:to>
+                                        <p:strVal val="visible"/>
+                                      </p:to>
+                                    </p:set>
+                                    <p:animEffect filter="fade" transition="in">
+                                      <p:cBhvr>
+                                        <p:cTn dur="1000"/>
+                                        <p:tgtEl>
+                                          <p:spTgt spid="118"/>
                                         </p:tgtEl>
                                       </p:cBhvr>
                                     </p:animEffect>
@@ -10146,11 +12254,7 @@
                                           </p:stCondLst>
                                         </p:cTn>
                                         <p:tgtEl>
-                                          <p:spTgt spid="100">
-                                            <p:txEl>
-                                              <p:pRg end="4" st="4"/>
-                                            </p:txEl>
-                                          </p:spTgt>
+                                          <p:spTgt spid="126"/>
                                         </p:tgtEl>
                                         <p:attrNameLst>
                                           <p:attrName>style.visibility</p:attrName>
@@ -10164,11 +12268,77 @@
                                       <p:cBhvr>
                                         <p:cTn dur="1000"/>
                                         <p:tgtEl>
-                                          <p:spTgt spid="100">
-                                            <p:txEl>
-                                              <p:pRg end="4" st="4"/>
-                                            </p:txEl>
-                                          </p:spTgt>
+                                          <p:spTgt spid="126"/>
+                                        </p:tgtEl>
+                                      </p:cBhvr>
+                                    </p:animEffect>
+                                  </p:childTnLst>
+                                </p:cTn>
+                              </p:par>
+                              <p:par>
+                                <p:cTn fill="hold" nodeType="withEffect" presetClass="entr" presetID="10" presetSubtype="0">
+                                  <p:stCondLst>
+                                    <p:cond delay="0"/>
+                                  </p:stCondLst>
+                                  <p:childTnLst>
+                                    <p:set>
+                                      <p:cBhvr>
+                                        <p:cTn dur="1" fill="hold">
+                                          <p:stCondLst>
+                                            <p:cond delay="0"/>
+                                          </p:stCondLst>
+                                        </p:cTn>
+                                        <p:tgtEl>
+                                          <p:spTgt spid="127"/>
+                                        </p:tgtEl>
+                                        <p:attrNameLst>
+                                          <p:attrName>style.visibility</p:attrName>
+                                        </p:attrNameLst>
+                                      </p:cBhvr>
+                                      <p:to>
+                                        <p:strVal val="visible"/>
+                                      </p:to>
+                                    </p:set>
+                                    <p:animEffect filter="fade" transition="in">
+                                      <p:cBhvr>
+                                        <p:cTn dur="1000"/>
+                                        <p:tgtEl>
+                                          <p:spTgt spid="127"/>
+                                        </p:tgtEl>
+                                      </p:cBhvr>
+                                    </p:animEffect>
+                                  </p:childTnLst>
+                                </p:cTn>
+                              </p:par>
+                              <p:par>
+                                <p:cTn fill="hold" nodeType="withEffect" presetClass="entr" presetID="10" presetSubtype="0">
+                                  <p:stCondLst>
+                                    <p:cond delay="0"/>
+                                  </p:stCondLst>
+                                  <p:childTnLst>
+                                    <p:set>
+                                      <p:cBhvr>
+                                        <p:cTn dur="1" fill="hold">
+                                          <p:stCondLst>
+                                            <p:cond delay="0"/>
+                                          </p:stCondLst>
+                                        </p:cTn>
+                                        <p:tgtEl>
+                                          <p:spTgt spid="128"/>
+                                        </p:tgtEl>
+                                        <p:attrNameLst>
+                                          <p:attrName>style.visibility</p:attrName>
+                                        </p:attrNameLst>
+                                      </p:cBhvr>
+                                      <p:to>
+                                        <p:strVal val="visible"/>
+                                      </p:to>
+                                    </p:set>
+                                    <p:animEffect filter="fade" transition="in">
+                                      <p:cBhvr>
+                                        <p:cTn dur="1000"/>
+                                        <p:tgtEl>
+                                          <p:spTgt spid="128"/>
                                         </p:tgtEl>
                                       </p:cBhvr>
                                     </p:animEffect>
@@ -10207,11 +12377,7 @@
                                           </p:stCondLst>
                                         </p:cTn>
                                         <p:tgtEl>
-                                          <p:spTgt spid="100">
-                                            <p:txEl>
-                                              <p:pRg end="5" st="5"/>
-                                            </p:txEl>
-                                          </p:spTgt>
+                                          <p:spTgt spid="129"/>
                                         </p:tgtEl>
                                         <p:attrNameLst>
                                           <p:attrName>style.visibility</p:attrName>
@@ -10225,11 +12391,148 @@
                                       <p:cBhvr>
                                         <p:cTn dur="1000"/>
                                         <p:tgtEl>
-                                          <p:spTgt spid="100">
-                                            <p:txEl>
-                                              <p:pRg end="5" st="5"/>
-                                            </p:txEl>
-                                          </p:spTgt>
+                                          <p:spTgt spid="129"/>
+                                        </p:tgtEl>
+                                      </p:cBhvr>
+                                    </p:animEffect>
+                                  </p:childTnLst>
+                                </p:cTn>
+                              </p:par>
+                            </p:childTnLst>
+                          </p:cTn>
+                        </p:par>
+                      </p:childTnLst>
+                    </p:cTn>
+                  </p:par>
+                  <p:par>
+                    <p:cTn fill="hold">
+                      <p:stCondLst>
+                        <p:cond delay="indefinite"/>
+                      </p:stCondLst>
+                      <p:childTnLst>
+                        <p:par>
+                          <p:cTn fill="hold">
+                            <p:stCondLst>
+                              <p:cond delay="0"/>
+                            </p:stCondLst>
+                            <p:childTnLst>
+                              <p:par>
+                                <p:cTn fill="hold" nodeType="clickEffect" presetClass="entr" presetID="10" presetSubtype="0">
+                                  <p:stCondLst>
+                                    <p:cond delay="0"/>
+                                  </p:stCondLst>
+                                  <p:childTnLst>
+                                    <p:set>
+                                      <p:cBhvr>
+                                        <p:cTn dur="1" fill="hold">
+                                          <p:stCondLst>
+                                            <p:cond delay="0"/>
+                                          </p:stCondLst>
+                                        </p:cTn>
+                                        <p:tgtEl>
+                                          <p:spTgt spid="131"/>
+                                        </p:tgtEl>
+                                        <p:attrNameLst>
+                                          <p:attrName>style.visibility</p:attrName>
+                                        </p:attrNameLst>
+                                      </p:cBhvr>
+                                      <p:to>
+                                        <p:strVal val="visible"/>
+                                      </p:to>
+                                    </p:set>
+                                    <p:animEffect filter="fade" transition="in">
+                                      <p:cBhvr>
+                                        <p:cTn dur="1000"/>
+                                        <p:tgtEl>
+                                          <p:spTgt spid="131"/>
+                                        </p:tgtEl>
+                                      </p:cBhvr>
+                                    </p:animEffect>
+                                  </p:childTnLst>
+                                </p:cTn>
+                              </p:par>
+                              <p:par>
+                                <p:cTn fill="hold" nodeType="withEffect" presetClass="entr" presetID="10" presetSubtype="0">
+                                  <p:stCondLst>
+                                    <p:cond delay="0"/>
+                                  </p:stCondLst>
+                                  <p:childTnLst>
+                                    <p:set>
+                                      <p:cBhvr>
+                                        <p:cTn dur="1" fill="hold">
+                                          <p:stCondLst>
+                                            <p:cond delay="0"/>
+                                          </p:stCondLst>
+                                        </p:cTn>
+                                        <p:tgtEl>
+                                          <p:spTgt spid="130"/>
+                                        </p:tgtEl>
+                                        <p:attrNameLst>
+                                          <p:attrName>style.visibility</p:attrName>
+                                        </p:attrNameLst>
+                                      </p:cBhvr>
+                                      <p:to>
+                                        <p:strVal val="visible"/>
+                                      </p:to>
+                                    </p:set>
+                                    <p:animEffect filter="fade" transition="in">
+                                      <p:cBhvr>
+                                        <p:cTn dur="1000"/>
+                                        <p:tgtEl>
+                                          <p:spTgt spid="130"/>
+                                        </p:tgtEl>
+                                      </p:cBhvr>
+                                    </p:animEffect>
+                                  </p:childTnLst>
+                                </p:cTn>
+                              </p:par>
+                            </p:childTnLst>
+                          </p:cTn>
+                        </p:par>
+                      </p:childTnLst>
+                    </p:cTn>
+                  </p:par>
+                  <p:par>
+                    <p:cTn fill="hold">
+                      <p:stCondLst>
+                        <p:cond delay="indefinite"/>
+                      </p:stCondLst>
+                      <p:childTnLst>
+                        <p:par>
+                          <p:cTn fill="hold">
+                            <p:stCondLst>
+                              <p:cond delay="0"/>
+                            </p:stCondLst>
+                            <p:childTnLst>
+                              <p:par>
+                                <p:cTn fill="hold" nodeType="clickEffect" presetClass="entr" presetID="10" presetSubtype="0">
+                                  <p:stCondLst>
+                                    <p:cond delay="0"/>
+                                  </p:stCondLst>
+                                  <p:childTnLst>
+                                    <p:set>
+                                      <p:cBhvr>
+                                        <p:cTn dur="1" fill="hold">
+                                          <p:stCondLst>
+                                            <p:cond delay="0"/>
+                                          </p:stCondLst>
+                                        </p:cTn>
+                                        <p:tgtEl>
+                                          <p:spTgt spid="132"/>
+                                        </p:tgtEl>
+                                        <p:attrNameLst>
+                                          <p:attrName>style.visibility</p:attrName>
+                                        </p:attrNameLst>
+                                      </p:cBhvr>
+                                      <p:to>
+                                        <p:strVal val="visible"/>
+                                      </p:to>
+                                    </p:set>
+                                    <p:animEffect filter="fade" transition="in">
+                                      <p:cBhvr>
+                                        <p:cTn dur="1000"/>
+                                        <p:tgtEl>
+                                          <p:spTgt spid="132"/>
                                         </p:tgtEl>
                                       </p:cBhvr>
                                     </p:animEffect>
@@ -10272,7 +12575,7 @@
   <p:cSld>
     <p:spTree>
       <p:nvGrpSpPr>
-        <p:cNvPr id="104" name="Shape 104"/>
+        <p:cNvPr id="139" name="Shape 139"/>
         <p:cNvGrpSpPr/>
         <p:nvPr/>
       </p:nvGrpSpPr>
@@ -10286,7 +12589,7 @@
       </p:grpSpPr>
       <p:sp>
         <p:nvSpPr>
-          <p:cNvPr id="105" name="Google Shape;105;p16"/>
+          <p:cNvPr id="140" name="Google Shape;140;p16"/>
           <p:cNvSpPr txBox="1"/>
           <p:nvPr>
             <p:ph type="title"/>
@@ -10317,6 +12620,2527 @@
               <a:buNone/>
             </a:pPr>
             <a:r>
+              <a:rPr lang="en"/>
+              <a:t>Hot-fix Contamination</a:t>
+            </a:r>
+            <a:endParaRPr/>
+          </a:p>
+        </p:txBody>
+      </p:sp>
+      <p:sp>
+        <p:nvSpPr>
+          <p:cNvPr id="141" name="Google Shape;141;p16"/>
+          <p:cNvSpPr/>
+          <p:nvPr/>
+        </p:nvSpPr>
+        <p:spPr>
+          <a:xfrm>
+            <a:off x="378625" y="1732363"/>
+            <a:ext cx="884100" cy="357300"/>
+          </a:xfrm>
+          <a:prstGeom prst="roundRect">
+            <a:avLst>
+              <a:gd fmla="val 16667" name="adj"/>
+            </a:avLst>
+          </a:prstGeom>
+          <a:solidFill>
+            <a:srgbClr val="A4C2F4"/>
+          </a:solidFill>
+          <a:ln cap="flat" cmpd="sng" w="9525">
+            <a:solidFill>
+              <a:schemeClr val="dk2"/>
+            </a:solidFill>
+            <a:prstDash val="solid"/>
+            <a:round/>
+            <a:headEnd len="sm" w="sm" type="none"/>
+            <a:tailEnd len="sm" w="sm" type="none"/>
+          </a:ln>
+        </p:spPr>
+        <p:txBody>
+          <a:bodyPr anchorCtr="0" anchor="ctr" bIns="91425" lIns="91425" spcFirstLastPara="1" rIns="91425" wrap="square" tIns="91425">
+            <a:noAutofit/>
+          </a:bodyPr>
+          <a:lstStyle/>
+          <a:p>
+            <a:pPr indent="0" lvl="0" marL="0" rtl="0" algn="ctr">
+              <a:spcBef>
+                <a:spcPts val="0"/>
+              </a:spcBef>
+              <a:spcAft>
+                <a:spcPts val="0"/>
+              </a:spcAft>
+              <a:buNone/>
+            </a:pPr>
+            <a:r>
+              <a:rPr lang="en" sz="1200">
+                <a:latin typeface="Consolas"/>
+                <a:ea typeface="Consolas"/>
+                <a:cs typeface="Consolas"/>
+                <a:sym typeface="Consolas"/>
+              </a:rPr>
+              <a:t>master</a:t>
+            </a:r>
+            <a:endParaRPr sz="1200">
+              <a:latin typeface="Consolas"/>
+              <a:ea typeface="Consolas"/>
+              <a:cs typeface="Consolas"/>
+              <a:sym typeface="Consolas"/>
+            </a:endParaRPr>
+          </a:p>
+        </p:txBody>
+      </p:sp>
+      <p:sp>
+        <p:nvSpPr>
+          <p:cNvPr id="142" name="Google Shape;142;p16"/>
+          <p:cNvSpPr/>
+          <p:nvPr/>
+        </p:nvSpPr>
+        <p:spPr>
+          <a:xfrm>
+            <a:off x="1556725" y="1732363"/>
+            <a:ext cx="884100" cy="357300"/>
+          </a:xfrm>
+          <a:prstGeom prst="roundRect">
+            <a:avLst>
+              <a:gd fmla="val 16667" name="adj"/>
+            </a:avLst>
+          </a:prstGeom>
+          <a:solidFill>
+            <a:srgbClr val="FFE599"/>
+          </a:solidFill>
+          <a:ln cap="flat" cmpd="sng" w="9525">
+            <a:solidFill>
+              <a:schemeClr val="dk2"/>
+            </a:solidFill>
+            <a:prstDash val="solid"/>
+            <a:round/>
+            <a:headEnd len="sm" w="sm" type="none"/>
+            <a:tailEnd len="sm" w="sm" type="none"/>
+          </a:ln>
+        </p:spPr>
+        <p:txBody>
+          <a:bodyPr anchorCtr="0" anchor="ctr" bIns="91425" lIns="91425" spcFirstLastPara="1" rIns="91425" wrap="square" tIns="91425">
+            <a:noAutofit/>
+          </a:bodyPr>
+          <a:lstStyle/>
+          <a:p>
+            <a:pPr indent="0" lvl="0" marL="0" rtl="0" algn="ctr">
+              <a:spcBef>
+                <a:spcPts val="0"/>
+              </a:spcBef>
+              <a:spcAft>
+                <a:spcPts val="0"/>
+              </a:spcAft>
+              <a:buNone/>
+            </a:pPr>
+            <a:r>
+              <a:rPr lang="en" sz="1200">
+                <a:latin typeface="Consolas"/>
+                <a:ea typeface="Consolas"/>
+                <a:cs typeface="Consolas"/>
+                <a:sym typeface="Consolas"/>
+              </a:rPr>
+              <a:t>develop</a:t>
+            </a:r>
+            <a:endParaRPr sz="1200">
+              <a:latin typeface="Consolas"/>
+              <a:ea typeface="Consolas"/>
+              <a:cs typeface="Consolas"/>
+              <a:sym typeface="Consolas"/>
+            </a:endParaRPr>
+          </a:p>
+        </p:txBody>
+      </p:sp>
+      <p:cxnSp>
+        <p:nvCxnSpPr>
+          <p:cNvPr id="143" name="Google Shape;143;p16"/>
+          <p:cNvCxnSpPr>
+            <a:stCxn id="141" idx="3"/>
+            <a:endCxn id="142" idx="1"/>
+          </p:cNvCxnSpPr>
+          <p:nvPr/>
+        </p:nvCxnSpPr>
+        <p:spPr>
+          <a:xfrm>
+            <a:off x="1262725" y="1911013"/>
+            <a:ext cx="294000" cy="600"/>
+          </a:xfrm>
+          <a:prstGeom prst="curvedConnector3">
+            <a:avLst>
+              <a:gd fmla="val 50000" name="adj1"/>
+            </a:avLst>
+          </a:prstGeom>
+          <a:noFill/>
+          <a:ln cap="flat" cmpd="sng" w="9525">
+            <a:solidFill>
+              <a:schemeClr val="dk2"/>
+            </a:solidFill>
+            <a:prstDash val="solid"/>
+            <a:round/>
+            <a:headEnd len="med" w="med" type="none"/>
+            <a:tailEnd len="med" w="med" type="oval"/>
+          </a:ln>
+        </p:spPr>
+      </p:cxnSp>
+      <p:sp>
+        <p:nvSpPr>
+          <p:cNvPr id="144" name="Google Shape;144;p16"/>
+          <p:cNvSpPr/>
+          <p:nvPr/>
+        </p:nvSpPr>
+        <p:spPr>
+          <a:xfrm>
+            <a:off x="1662925" y="2802038"/>
+            <a:ext cx="519300" cy="232200"/>
+          </a:xfrm>
+          <a:prstGeom prst="roundRect">
+            <a:avLst>
+              <a:gd fmla="val 16667" name="adj"/>
+            </a:avLst>
+          </a:prstGeom>
+          <a:solidFill>
+            <a:srgbClr val="B6D7A8"/>
+          </a:solidFill>
+          <a:ln cap="flat" cmpd="sng" w="9525">
+            <a:solidFill>
+              <a:schemeClr val="dk2"/>
+            </a:solidFill>
+            <a:prstDash val="solid"/>
+            <a:round/>
+            <a:headEnd len="sm" w="sm" type="none"/>
+            <a:tailEnd len="sm" w="sm" type="none"/>
+          </a:ln>
+        </p:spPr>
+        <p:txBody>
+          <a:bodyPr anchorCtr="0" anchor="ctr" bIns="91425" lIns="91425" spcFirstLastPara="1" rIns="91425" wrap="square" tIns="91425">
+            <a:noAutofit/>
+          </a:bodyPr>
+          <a:lstStyle/>
+          <a:p>
+            <a:pPr indent="0" lvl="0" marL="0" rtl="0" algn="ctr">
+              <a:spcBef>
+                <a:spcPts val="0"/>
+              </a:spcBef>
+              <a:spcAft>
+                <a:spcPts val="0"/>
+              </a:spcAft>
+              <a:buNone/>
+            </a:pPr>
+            <a:r>
+              <a:rPr lang="en" sz="1100"/>
+              <a:t>f-a</a:t>
+            </a:r>
+            <a:endParaRPr sz="1100"/>
+          </a:p>
+        </p:txBody>
+      </p:sp>
+      <p:sp>
+        <p:nvSpPr>
+          <p:cNvPr id="145" name="Google Shape;145;p16"/>
+          <p:cNvSpPr/>
+          <p:nvPr/>
+        </p:nvSpPr>
+        <p:spPr>
+          <a:xfrm>
+            <a:off x="1892575" y="3164788"/>
+            <a:ext cx="519300" cy="232200"/>
+          </a:xfrm>
+          <a:prstGeom prst="roundRect">
+            <a:avLst>
+              <a:gd fmla="val 16667" name="adj"/>
+            </a:avLst>
+          </a:prstGeom>
+          <a:solidFill>
+            <a:srgbClr val="D9EAD3"/>
+          </a:solidFill>
+          <a:ln cap="flat" cmpd="sng" w="9525">
+            <a:solidFill>
+              <a:schemeClr val="dk2"/>
+            </a:solidFill>
+            <a:prstDash val="solid"/>
+            <a:round/>
+            <a:headEnd len="sm" w="sm" type="none"/>
+            <a:tailEnd len="sm" w="sm" type="none"/>
+          </a:ln>
+        </p:spPr>
+        <p:txBody>
+          <a:bodyPr anchorCtr="0" anchor="ctr" bIns="91425" lIns="91425" spcFirstLastPara="1" rIns="91425" wrap="square" tIns="91425">
+            <a:noAutofit/>
+          </a:bodyPr>
+          <a:lstStyle/>
+          <a:p>
+            <a:pPr indent="0" lvl="0" marL="0" rtl="0" algn="ctr">
+              <a:spcBef>
+                <a:spcPts val="0"/>
+              </a:spcBef>
+              <a:spcAft>
+                <a:spcPts val="0"/>
+              </a:spcAft>
+              <a:buNone/>
+            </a:pPr>
+            <a:r>
+              <a:rPr lang="en" sz="1100"/>
+              <a:t>f-a1</a:t>
+            </a:r>
+            <a:endParaRPr sz="1100"/>
+          </a:p>
+        </p:txBody>
+      </p:sp>
+      <p:sp>
+        <p:nvSpPr>
+          <p:cNvPr id="146" name="Google Shape;146;p16"/>
+          <p:cNvSpPr/>
+          <p:nvPr/>
+        </p:nvSpPr>
+        <p:spPr>
+          <a:xfrm>
+            <a:off x="1892575" y="3469588"/>
+            <a:ext cx="519300" cy="232200"/>
+          </a:xfrm>
+          <a:prstGeom prst="roundRect">
+            <a:avLst>
+              <a:gd fmla="val 16667" name="adj"/>
+            </a:avLst>
+          </a:prstGeom>
+          <a:solidFill>
+            <a:srgbClr val="D9EAD3"/>
+          </a:solidFill>
+          <a:ln cap="flat" cmpd="sng" w="9525">
+            <a:solidFill>
+              <a:schemeClr val="dk2"/>
+            </a:solidFill>
+            <a:prstDash val="solid"/>
+            <a:round/>
+            <a:headEnd len="sm" w="sm" type="none"/>
+            <a:tailEnd len="sm" w="sm" type="none"/>
+          </a:ln>
+        </p:spPr>
+        <p:txBody>
+          <a:bodyPr anchorCtr="0" anchor="ctr" bIns="91425" lIns="91425" spcFirstLastPara="1" rIns="91425" wrap="square" tIns="91425">
+            <a:noAutofit/>
+          </a:bodyPr>
+          <a:lstStyle/>
+          <a:p>
+            <a:pPr indent="0" lvl="0" marL="0" rtl="0" algn="ctr">
+              <a:spcBef>
+                <a:spcPts val="0"/>
+              </a:spcBef>
+              <a:spcAft>
+                <a:spcPts val="0"/>
+              </a:spcAft>
+              <a:buNone/>
+            </a:pPr>
+            <a:r>
+              <a:rPr lang="en" sz="1100"/>
+              <a:t>f-a2</a:t>
+            </a:r>
+            <a:endParaRPr sz="1100"/>
+          </a:p>
+        </p:txBody>
+      </p:sp>
+      <p:sp>
+        <p:nvSpPr>
+          <p:cNvPr id="147" name="Google Shape;147;p16"/>
+          <p:cNvSpPr/>
+          <p:nvPr/>
+        </p:nvSpPr>
+        <p:spPr>
+          <a:xfrm>
+            <a:off x="1556725" y="2329750"/>
+            <a:ext cx="519300" cy="232200"/>
+          </a:xfrm>
+          <a:prstGeom prst="roundRect">
+            <a:avLst>
+              <a:gd fmla="val 16667" name="adj"/>
+            </a:avLst>
+          </a:prstGeom>
+          <a:solidFill>
+            <a:srgbClr val="A4C2F4"/>
+          </a:solidFill>
+          <a:ln cap="flat" cmpd="sng" w="9525">
+            <a:solidFill>
+              <a:schemeClr val="dk2"/>
+            </a:solidFill>
+            <a:prstDash val="solid"/>
+            <a:round/>
+            <a:headEnd len="sm" w="sm" type="none"/>
+            <a:tailEnd len="sm" w="sm" type="none"/>
+          </a:ln>
+        </p:spPr>
+        <p:txBody>
+          <a:bodyPr anchorCtr="0" anchor="ctr" bIns="91425" lIns="91425" spcFirstLastPara="1" rIns="91425" wrap="square" tIns="91425">
+            <a:noAutofit/>
+          </a:bodyPr>
+          <a:lstStyle/>
+          <a:p>
+            <a:pPr indent="0" lvl="0" marL="0" rtl="0" algn="ctr">
+              <a:spcBef>
+                <a:spcPts val="0"/>
+              </a:spcBef>
+              <a:spcAft>
+                <a:spcPts val="0"/>
+              </a:spcAft>
+              <a:buNone/>
+            </a:pPr>
+            <a:r>
+              <a:rPr lang="en" sz="1100"/>
+              <a:t>v0.1</a:t>
+            </a:r>
+            <a:endParaRPr sz="1100"/>
+          </a:p>
+        </p:txBody>
+      </p:sp>
+      <p:cxnSp>
+        <p:nvCxnSpPr>
+          <p:cNvPr id="148" name="Google Shape;148;p16"/>
+          <p:cNvCxnSpPr>
+            <a:endCxn id="147" idx="0"/>
+          </p:cNvCxnSpPr>
+          <p:nvPr/>
+        </p:nvCxnSpPr>
+        <p:spPr>
+          <a:xfrm rot="5400000">
+            <a:off x="1806025" y="2117800"/>
+            <a:ext cx="222300" cy="201600"/>
+          </a:xfrm>
+          <a:prstGeom prst="curvedConnector3">
+            <a:avLst>
+              <a:gd fmla="val 50000" name="adj1"/>
+            </a:avLst>
+          </a:prstGeom>
+          <a:noFill/>
+          <a:ln cap="flat" cmpd="sng" w="9525">
+            <a:solidFill>
+              <a:schemeClr val="dk2"/>
+            </a:solidFill>
+            <a:prstDash val="solid"/>
+            <a:round/>
+            <a:headEnd len="med" w="med" type="none"/>
+            <a:tailEnd len="med" w="med" type="oval"/>
+          </a:ln>
+        </p:spPr>
+      </p:cxnSp>
+      <p:cxnSp>
+        <p:nvCxnSpPr>
+          <p:cNvPr id="149" name="Google Shape;149;p16"/>
+          <p:cNvCxnSpPr>
+            <a:stCxn id="147" idx="1"/>
+            <a:endCxn id="144" idx="1"/>
+          </p:cNvCxnSpPr>
+          <p:nvPr/>
+        </p:nvCxnSpPr>
+        <p:spPr>
+          <a:xfrm>
+            <a:off x="1556725" y="2445850"/>
+            <a:ext cx="106200" cy="472200"/>
+          </a:xfrm>
+          <a:prstGeom prst="curvedConnector3">
+            <a:avLst>
+              <a:gd fmla="val -224223" name="adj1"/>
+            </a:avLst>
+          </a:prstGeom>
+          <a:noFill/>
+          <a:ln cap="flat" cmpd="sng" w="9525">
+            <a:solidFill>
+              <a:schemeClr val="dk2"/>
+            </a:solidFill>
+            <a:prstDash val="solid"/>
+            <a:round/>
+            <a:headEnd len="med" w="med" type="none"/>
+            <a:tailEnd len="med" w="med" type="oval"/>
+          </a:ln>
+        </p:spPr>
+      </p:cxnSp>
+      <p:cxnSp>
+        <p:nvCxnSpPr>
+          <p:cNvPr id="150" name="Google Shape;150;p16"/>
+          <p:cNvCxnSpPr>
+            <a:stCxn id="147" idx="1"/>
+            <a:endCxn id="145" idx="1"/>
+          </p:cNvCxnSpPr>
+          <p:nvPr/>
+        </p:nvCxnSpPr>
+        <p:spPr>
+          <a:xfrm>
+            <a:off x="1556725" y="2445850"/>
+            <a:ext cx="336000" cy="834900"/>
+          </a:xfrm>
+          <a:prstGeom prst="curvedConnector3">
+            <a:avLst>
+              <a:gd fmla="val -70871" name="adj1"/>
+            </a:avLst>
+          </a:prstGeom>
+          <a:noFill/>
+          <a:ln cap="flat" cmpd="sng" w="9525">
+            <a:solidFill>
+              <a:schemeClr val="dk2"/>
+            </a:solidFill>
+            <a:prstDash val="solid"/>
+            <a:round/>
+            <a:headEnd len="med" w="med" type="none"/>
+            <a:tailEnd len="med" w="med" type="oval"/>
+          </a:ln>
+        </p:spPr>
+      </p:cxnSp>
+      <p:cxnSp>
+        <p:nvCxnSpPr>
+          <p:cNvPr id="151" name="Google Shape;151;p16"/>
+          <p:cNvCxnSpPr>
+            <a:stCxn id="147" idx="1"/>
+            <a:endCxn id="146" idx="1"/>
+          </p:cNvCxnSpPr>
+          <p:nvPr/>
+        </p:nvCxnSpPr>
+        <p:spPr>
+          <a:xfrm>
+            <a:off x="1556725" y="2445850"/>
+            <a:ext cx="336000" cy="1139700"/>
+          </a:xfrm>
+          <a:prstGeom prst="curvedConnector3">
+            <a:avLst>
+              <a:gd fmla="val -70871" name="adj1"/>
+            </a:avLst>
+          </a:prstGeom>
+          <a:noFill/>
+          <a:ln cap="flat" cmpd="sng" w="9525">
+            <a:solidFill>
+              <a:schemeClr val="dk2"/>
+            </a:solidFill>
+            <a:prstDash val="solid"/>
+            <a:round/>
+            <a:headEnd len="med" w="med" type="none"/>
+            <a:tailEnd len="med" w="med" type="oval"/>
+          </a:ln>
+        </p:spPr>
+      </p:cxnSp>
+      <p:grpSp>
+        <p:nvGrpSpPr>
+          <p:cNvPr id="152" name="Google Shape;152;p16"/>
+          <p:cNvGrpSpPr/>
+          <p:nvPr/>
+        </p:nvGrpSpPr>
+        <p:grpSpPr>
+          <a:xfrm>
+            <a:off x="2752700" y="1750138"/>
+            <a:ext cx="884100" cy="811813"/>
+            <a:chOff x="2752700" y="1750138"/>
+            <a:chExt cx="884100" cy="811813"/>
+          </a:xfrm>
+        </p:grpSpPr>
+        <p:sp>
+          <p:nvSpPr>
+            <p:cNvPr id="153" name="Google Shape;153;p16"/>
+            <p:cNvSpPr/>
+            <p:nvPr/>
+          </p:nvSpPr>
+          <p:spPr>
+            <a:xfrm>
+              <a:off x="2752700" y="2329750"/>
+              <a:ext cx="519300" cy="232200"/>
+            </a:xfrm>
+            <a:prstGeom prst="roundRect">
+              <a:avLst>
+                <a:gd fmla="val 16667" name="adj"/>
+              </a:avLst>
+            </a:prstGeom>
+            <a:solidFill>
+              <a:srgbClr val="A4C2F4"/>
+            </a:solidFill>
+            <a:ln cap="flat" cmpd="sng" w="9525">
+              <a:solidFill>
+                <a:schemeClr val="dk2"/>
+              </a:solidFill>
+              <a:prstDash val="solid"/>
+              <a:round/>
+              <a:headEnd len="sm" w="sm" type="none"/>
+              <a:tailEnd len="sm" w="sm" type="none"/>
+            </a:ln>
+          </p:spPr>
+          <p:txBody>
+            <a:bodyPr anchorCtr="0" anchor="ctr" bIns="91425" lIns="91425" spcFirstLastPara="1" rIns="91425" wrap="square" tIns="91425">
+              <a:noAutofit/>
+            </a:bodyPr>
+            <a:lstStyle/>
+            <a:p>
+              <a:pPr indent="0" lvl="0" marL="0" rtl="0" algn="ctr">
+                <a:spcBef>
+                  <a:spcPts val="0"/>
+                </a:spcBef>
+                <a:spcAft>
+                  <a:spcPts val="0"/>
+                </a:spcAft>
+                <a:buNone/>
+              </a:pPr>
+              <a:r>
+                <a:rPr lang="en" sz="1100"/>
+                <a:t>v0.2</a:t>
+              </a:r>
+              <a:endParaRPr sz="1100"/>
+            </a:p>
+          </p:txBody>
+        </p:sp>
+        <p:sp>
+          <p:nvSpPr>
+            <p:cNvPr id="154" name="Google Shape;154;p16"/>
+            <p:cNvSpPr/>
+            <p:nvPr/>
+          </p:nvSpPr>
+          <p:spPr>
+            <a:xfrm>
+              <a:off x="2752700" y="1750138"/>
+              <a:ext cx="884100" cy="357300"/>
+            </a:xfrm>
+            <a:prstGeom prst="roundRect">
+              <a:avLst>
+                <a:gd fmla="val 16667" name="adj"/>
+              </a:avLst>
+            </a:prstGeom>
+            <a:solidFill>
+              <a:srgbClr val="FFE599"/>
+            </a:solidFill>
+            <a:ln cap="flat" cmpd="sng" w="9525">
+              <a:solidFill>
+                <a:schemeClr val="dk2"/>
+              </a:solidFill>
+              <a:prstDash val="solid"/>
+              <a:round/>
+              <a:headEnd len="sm" w="sm" type="none"/>
+              <a:tailEnd len="sm" w="sm" type="none"/>
+            </a:ln>
+          </p:spPr>
+          <p:txBody>
+            <a:bodyPr anchorCtr="0" anchor="ctr" bIns="91425" lIns="91425" spcFirstLastPara="1" rIns="91425" wrap="square" tIns="91425">
+              <a:noAutofit/>
+            </a:bodyPr>
+            <a:lstStyle/>
+            <a:p>
+              <a:pPr indent="0" lvl="0" marL="0" rtl="0" algn="ctr">
+                <a:spcBef>
+                  <a:spcPts val="0"/>
+                </a:spcBef>
+                <a:spcAft>
+                  <a:spcPts val="0"/>
+                </a:spcAft>
+                <a:buNone/>
+              </a:pPr>
+              <a:r>
+                <a:rPr lang="en" sz="1200">
+                  <a:latin typeface="Consolas"/>
+                  <a:ea typeface="Consolas"/>
+                  <a:cs typeface="Consolas"/>
+                  <a:sym typeface="Consolas"/>
+                </a:rPr>
+                <a:t>develop</a:t>
+              </a:r>
+              <a:endParaRPr sz="1200">
+                <a:latin typeface="Consolas"/>
+                <a:ea typeface="Consolas"/>
+                <a:cs typeface="Consolas"/>
+                <a:sym typeface="Consolas"/>
+              </a:endParaRPr>
+            </a:p>
+          </p:txBody>
+        </p:sp>
+      </p:grpSp>
+      <p:cxnSp>
+        <p:nvCxnSpPr>
+          <p:cNvPr id="155" name="Google Shape;155;p16"/>
+          <p:cNvCxnSpPr>
+            <a:stCxn id="153" idx="3"/>
+            <a:endCxn id="156" idx="1"/>
+          </p:cNvCxnSpPr>
+          <p:nvPr/>
+        </p:nvCxnSpPr>
+        <p:spPr>
+          <a:xfrm flipH="1" rot="10800000">
+            <a:off x="3272000" y="2156050"/>
+            <a:ext cx="1461900" cy="289800"/>
+          </a:xfrm>
+          <a:prstGeom prst="curvedConnector3">
+            <a:avLst>
+              <a:gd fmla="val 49999" name="adj1"/>
+            </a:avLst>
+          </a:prstGeom>
+          <a:noFill/>
+          <a:ln cap="flat" cmpd="sng" w="9525">
+            <a:solidFill>
+              <a:schemeClr val="dk2"/>
+            </a:solidFill>
+            <a:prstDash val="solid"/>
+            <a:round/>
+            <a:headEnd len="med" w="med" type="none"/>
+            <a:tailEnd len="med" w="med" type="oval"/>
+          </a:ln>
+        </p:spPr>
+      </p:cxnSp>
+      <p:cxnSp>
+        <p:nvCxnSpPr>
+          <p:cNvPr id="157" name="Google Shape;157;p16"/>
+          <p:cNvCxnSpPr>
+            <a:stCxn id="145" idx="3"/>
+            <a:endCxn id="153" idx="1"/>
+          </p:cNvCxnSpPr>
+          <p:nvPr/>
+        </p:nvCxnSpPr>
+        <p:spPr>
+          <a:xfrm flipH="1" rot="10800000">
+            <a:off x="2411875" y="2445988"/>
+            <a:ext cx="340800" cy="834900"/>
+          </a:xfrm>
+          <a:prstGeom prst="curvedConnector3">
+            <a:avLst>
+              <a:gd fmla="val 50004" name="adj1"/>
+            </a:avLst>
+          </a:prstGeom>
+          <a:noFill/>
+          <a:ln cap="flat" cmpd="sng" w="9525">
+            <a:solidFill>
+              <a:schemeClr val="dk2"/>
+            </a:solidFill>
+            <a:prstDash val="solid"/>
+            <a:round/>
+            <a:headEnd len="med" w="med" type="none"/>
+            <a:tailEnd len="med" w="med" type="oval"/>
+          </a:ln>
+        </p:spPr>
+      </p:cxnSp>
+      <p:sp>
+        <p:nvSpPr>
+          <p:cNvPr id="158" name="Google Shape;158;p16"/>
+          <p:cNvSpPr/>
+          <p:nvPr/>
+        </p:nvSpPr>
+        <p:spPr>
+          <a:xfrm>
+            <a:off x="4615450" y="1428750"/>
+            <a:ext cx="1194600" cy="2812800"/>
+          </a:xfrm>
+          <a:prstGeom prst="rect">
+            <a:avLst/>
+          </a:prstGeom>
+          <a:noFill/>
+          <a:ln cap="flat" cmpd="sng" w="9525">
+            <a:solidFill>
+              <a:schemeClr val="dk2"/>
+            </a:solidFill>
+            <a:prstDash val="dash"/>
+            <a:round/>
+            <a:headEnd len="sm" w="sm" type="none"/>
+            <a:tailEnd len="sm" w="sm" type="none"/>
+          </a:ln>
+        </p:spPr>
+        <p:txBody>
+          <a:bodyPr anchorCtr="0" anchor="t" bIns="91425" lIns="91425" spcFirstLastPara="1" rIns="91425" wrap="square" tIns="91425">
+            <a:noAutofit/>
+          </a:bodyPr>
+          <a:lstStyle/>
+          <a:p>
+            <a:pPr indent="0" lvl="0" marL="0" rtl="0" algn="ctr">
+              <a:spcBef>
+                <a:spcPts val="0"/>
+              </a:spcBef>
+              <a:spcAft>
+                <a:spcPts val="0"/>
+              </a:spcAft>
+              <a:buNone/>
+            </a:pPr>
+            <a:r>
+              <a:rPr lang="en" sz="1200"/>
+              <a:t>Jenkins</a:t>
+            </a:r>
+            <a:endParaRPr sz="1200"/>
+          </a:p>
+        </p:txBody>
+      </p:sp>
+      <p:sp>
+        <p:nvSpPr>
+          <p:cNvPr id="156" name="Google Shape;156;p16"/>
+          <p:cNvSpPr/>
+          <p:nvPr/>
+        </p:nvSpPr>
+        <p:spPr>
+          <a:xfrm>
+            <a:off x="4733885" y="2039950"/>
+            <a:ext cx="945300" cy="232200"/>
+          </a:xfrm>
+          <a:prstGeom prst="roundRect">
+            <a:avLst>
+              <a:gd fmla="val 16667" name="adj"/>
+            </a:avLst>
+          </a:prstGeom>
+          <a:solidFill>
+            <a:srgbClr val="FFFF00"/>
+          </a:solidFill>
+          <a:ln cap="flat" cmpd="sng" w="9525">
+            <a:solidFill>
+              <a:schemeClr val="dk2"/>
+            </a:solidFill>
+            <a:prstDash val="solid"/>
+            <a:round/>
+            <a:headEnd len="sm" w="sm" type="none"/>
+            <a:tailEnd len="sm" w="sm" type="none"/>
+          </a:ln>
+        </p:spPr>
+        <p:txBody>
+          <a:bodyPr anchorCtr="0" anchor="ctr" bIns="91425" lIns="91425" spcFirstLastPara="1" rIns="91425" wrap="square" tIns="91425">
+            <a:noAutofit/>
+          </a:bodyPr>
+          <a:lstStyle/>
+          <a:p>
+            <a:pPr indent="0" lvl="0" marL="0" rtl="0" algn="ctr">
+              <a:spcBef>
+                <a:spcPts val="0"/>
+              </a:spcBef>
+              <a:spcAft>
+                <a:spcPts val="0"/>
+              </a:spcAft>
+              <a:buNone/>
+            </a:pPr>
+            <a:r>
+              <a:rPr lang="en" sz="1000"/>
+              <a:t>v0.2  +   </a:t>
+            </a:r>
+            <a:r>
+              <a:rPr b="1" lang="en" sz="1000"/>
+              <a:t>f-a1</a:t>
+            </a:r>
+            <a:endParaRPr b="1" sz="1000"/>
+          </a:p>
+        </p:txBody>
+      </p:sp>
+      <p:grpSp>
+        <p:nvGrpSpPr>
+          <p:cNvPr id="159" name="Google Shape;159;p16"/>
+          <p:cNvGrpSpPr/>
+          <p:nvPr/>
+        </p:nvGrpSpPr>
+        <p:grpSpPr>
+          <a:xfrm>
+            <a:off x="6063250" y="1428750"/>
+            <a:ext cx="2677542" cy="2812800"/>
+            <a:chOff x="6063250" y="1428750"/>
+            <a:chExt cx="2677542" cy="2812800"/>
+          </a:xfrm>
+        </p:grpSpPr>
+        <p:sp>
+          <p:nvSpPr>
+            <p:cNvPr id="160" name="Google Shape;160;p16"/>
+            <p:cNvSpPr/>
+            <p:nvPr/>
+          </p:nvSpPr>
+          <p:spPr>
+            <a:xfrm>
+              <a:off x="6063250" y="1428750"/>
+              <a:ext cx="1194600" cy="2812800"/>
+            </a:xfrm>
+            <a:prstGeom prst="rect">
+              <a:avLst/>
+            </a:prstGeom>
+            <a:solidFill>
+              <a:srgbClr val="F3F3F3"/>
+            </a:solidFill>
+            <a:ln cap="flat" cmpd="sng" w="9525">
+              <a:solidFill>
+                <a:schemeClr val="dk2"/>
+              </a:solidFill>
+              <a:prstDash val="dash"/>
+              <a:round/>
+              <a:headEnd len="sm" w="sm" type="none"/>
+              <a:tailEnd len="sm" w="sm" type="none"/>
+            </a:ln>
+          </p:spPr>
+          <p:txBody>
+            <a:bodyPr anchorCtr="0" anchor="t" bIns="91425" lIns="91425" spcFirstLastPara="1" rIns="91425" wrap="square" tIns="91425">
+              <a:noAutofit/>
+            </a:bodyPr>
+            <a:lstStyle/>
+            <a:p>
+              <a:pPr indent="0" lvl="0" marL="0" rtl="0" algn="ctr">
+                <a:spcBef>
+                  <a:spcPts val="0"/>
+                </a:spcBef>
+                <a:spcAft>
+                  <a:spcPts val="0"/>
+                </a:spcAft>
+                <a:buNone/>
+              </a:pPr>
+              <a:r>
+                <a:rPr lang="en" sz="1100"/>
+                <a:t>Monolithic-Dev</a:t>
+              </a:r>
+              <a:endParaRPr sz="1100"/>
+            </a:p>
+            <a:p>
+              <a:pPr indent="0" lvl="0" marL="0" rtl="0" algn="ctr">
+                <a:spcBef>
+                  <a:spcPts val="0"/>
+                </a:spcBef>
+                <a:spcAft>
+                  <a:spcPts val="0"/>
+                </a:spcAft>
+                <a:buNone/>
+              </a:pPr>
+              <a:r>
+                <a:t/>
+              </a:r>
+              <a:endParaRPr sz="1100"/>
+            </a:p>
+            <a:p>
+              <a:pPr indent="0" lvl="0" marL="0" rtl="0" algn="ctr">
+                <a:spcBef>
+                  <a:spcPts val="0"/>
+                </a:spcBef>
+                <a:spcAft>
+                  <a:spcPts val="0"/>
+                </a:spcAft>
+                <a:buNone/>
+              </a:pPr>
+              <a:r>
+                <a:t/>
+              </a:r>
+              <a:endParaRPr sz="1100"/>
+            </a:p>
+            <a:p>
+              <a:pPr indent="0" lvl="0" marL="0" rtl="0" algn="ctr">
+                <a:spcBef>
+                  <a:spcPts val="0"/>
+                </a:spcBef>
+                <a:spcAft>
+                  <a:spcPts val="0"/>
+                </a:spcAft>
+                <a:buNone/>
+              </a:pPr>
+              <a:r>
+                <a:t/>
+              </a:r>
+              <a:endParaRPr sz="1100"/>
+            </a:p>
+            <a:p>
+              <a:pPr indent="0" lvl="0" marL="0" rtl="0" algn="ctr">
+                <a:spcBef>
+                  <a:spcPts val="0"/>
+                </a:spcBef>
+                <a:spcAft>
+                  <a:spcPts val="0"/>
+                </a:spcAft>
+                <a:buNone/>
+              </a:pPr>
+              <a:r>
+                <a:t/>
+              </a:r>
+              <a:endParaRPr sz="1100"/>
+            </a:p>
+          </p:txBody>
+        </p:sp>
+        <p:sp>
+          <p:nvSpPr>
+            <p:cNvPr id="161" name="Google Shape;161;p16"/>
+            <p:cNvSpPr/>
+            <p:nvPr/>
+          </p:nvSpPr>
+          <p:spPr>
+            <a:xfrm>
+              <a:off x="7546191" y="1428750"/>
+              <a:ext cx="1194600" cy="2812800"/>
+            </a:xfrm>
+            <a:prstGeom prst="rect">
+              <a:avLst/>
+            </a:prstGeom>
+            <a:solidFill>
+              <a:srgbClr val="F3F3F3"/>
+            </a:solidFill>
+            <a:ln cap="flat" cmpd="sng" w="9525">
+              <a:solidFill>
+                <a:schemeClr val="dk2"/>
+              </a:solidFill>
+              <a:prstDash val="dash"/>
+              <a:round/>
+              <a:headEnd len="sm" w="sm" type="none"/>
+              <a:tailEnd len="sm" w="sm" type="none"/>
+            </a:ln>
+          </p:spPr>
+          <p:txBody>
+            <a:bodyPr anchorCtr="0" anchor="t" bIns="91425" lIns="91425" spcFirstLastPara="1" rIns="91425" wrap="square" tIns="91425">
+              <a:noAutofit/>
+            </a:bodyPr>
+            <a:lstStyle/>
+            <a:p>
+              <a:pPr indent="0" lvl="0" marL="0" rtl="0" algn="ctr">
+                <a:spcBef>
+                  <a:spcPts val="0"/>
+                </a:spcBef>
+                <a:spcAft>
+                  <a:spcPts val="0"/>
+                </a:spcAft>
+                <a:buNone/>
+              </a:pPr>
+              <a:r>
+                <a:rPr lang="en" sz="1100"/>
+                <a:t>Monolithic-Test</a:t>
+              </a:r>
+              <a:endParaRPr sz="1100"/>
+            </a:p>
+            <a:p>
+              <a:pPr indent="0" lvl="0" marL="0" rtl="0" algn="ctr">
+                <a:spcBef>
+                  <a:spcPts val="0"/>
+                </a:spcBef>
+                <a:spcAft>
+                  <a:spcPts val="0"/>
+                </a:spcAft>
+                <a:buNone/>
+              </a:pPr>
+              <a:r>
+                <a:t/>
+              </a:r>
+              <a:endParaRPr sz="1100"/>
+            </a:p>
+            <a:p>
+              <a:pPr indent="0" lvl="0" marL="0" rtl="0" algn="ctr">
+                <a:spcBef>
+                  <a:spcPts val="0"/>
+                </a:spcBef>
+                <a:spcAft>
+                  <a:spcPts val="0"/>
+                </a:spcAft>
+                <a:buNone/>
+              </a:pPr>
+              <a:r>
+                <a:t/>
+              </a:r>
+              <a:endParaRPr sz="1100"/>
+            </a:p>
+            <a:p>
+              <a:pPr indent="0" lvl="0" marL="0" rtl="0" algn="ctr">
+                <a:spcBef>
+                  <a:spcPts val="0"/>
+                </a:spcBef>
+                <a:spcAft>
+                  <a:spcPts val="0"/>
+                </a:spcAft>
+                <a:buNone/>
+              </a:pPr>
+              <a:r>
+                <a:t/>
+              </a:r>
+              <a:endParaRPr sz="1100"/>
+            </a:p>
+            <a:p>
+              <a:pPr indent="0" lvl="0" marL="0" rtl="0" algn="ctr">
+                <a:spcBef>
+                  <a:spcPts val="0"/>
+                </a:spcBef>
+                <a:spcAft>
+                  <a:spcPts val="0"/>
+                </a:spcAft>
+                <a:buNone/>
+              </a:pPr>
+              <a:r>
+                <a:t/>
+              </a:r>
+              <a:endParaRPr sz="1100"/>
+            </a:p>
+          </p:txBody>
+        </p:sp>
+        <p:sp>
+          <p:nvSpPr>
+            <p:cNvPr id="162" name="Google Shape;162;p16"/>
+            <p:cNvSpPr/>
+            <p:nvPr/>
+          </p:nvSpPr>
+          <p:spPr>
+            <a:xfrm>
+              <a:off x="6156550" y="2918050"/>
+              <a:ext cx="1008000" cy="232200"/>
+            </a:xfrm>
+            <a:prstGeom prst="rect">
+              <a:avLst/>
+            </a:prstGeom>
+            <a:solidFill>
+              <a:srgbClr val="D9D9D9"/>
+            </a:solidFill>
+            <a:ln cap="flat" cmpd="sng" w="9525">
+              <a:solidFill>
+                <a:schemeClr val="dk2"/>
+              </a:solidFill>
+              <a:prstDash val="dash"/>
+              <a:round/>
+              <a:headEnd len="sm" w="sm" type="none"/>
+              <a:tailEnd len="sm" w="sm" type="none"/>
+            </a:ln>
+          </p:spPr>
+          <p:txBody>
+            <a:bodyPr anchorCtr="0" anchor="ctr" bIns="91425" lIns="91425" spcFirstLastPara="1" rIns="91425" wrap="square" tIns="91425">
+              <a:noAutofit/>
+            </a:bodyPr>
+            <a:lstStyle/>
+            <a:p>
+              <a:pPr indent="0" lvl="0" marL="0" rtl="0" algn="ctr">
+                <a:spcBef>
+                  <a:spcPts val="0"/>
+                </a:spcBef>
+                <a:spcAft>
+                  <a:spcPts val="0"/>
+                </a:spcAft>
+                <a:buNone/>
+              </a:pPr>
+              <a:r>
+                <a:rPr lang="en" sz="1000"/>
+                <a:t>dev.app.com</a:t>
+              </a:r>
+              <a:endParaRPr sz="1000"/>
+            </a:p>
+          </p:txBody>
+        </p:sp>
+        <p:sp>
+          <p:nvSpPr>
+            <p:cNvPr id="163" name="Google Shape;163;p16"/>
+            <p:cNvSpPr/>
+            <p:nvPr/>
+          </p:nvSpPr>
+          <p:spPr>
+            <a:xfrm>
+              <a:off x="7639500" y="2918050"/>
+              <a:ext cx="1008000" cy="232200"/>
+            </a:xfrm>
+            <a:prstGeom prst="rect">
+              <a:avLst/>
+            </a:prstGeom>
+            <a:solidFill>
+              <a:srgbClr val="D9D9D9"/>
+            </a:solidFill>
+            <a:ln cap="flat" cmpd="sng" w="9525">
+              <a:solidFill>
+                <a:schemeClr val="dk2"/>
+              </a:solidFill>
+              <a:prstDash val="dash"/>
+              <a:round/>
+              <a:headEnd len="sm" w="sm" type="none"/>
+              <a:tailEnd len="sm" w="sm" type="none"/>
+            </a:ln>
+          </p:spPr>
+          <p:txBody>
+            <a:bodyPr anchorCtr="0" anchor="ctr" bIns="91425" lIns="91425" spcFirstLastPara="1" rIns="91425" wrap="square" tIns="91425">
+              <a:noAutofit/>
+            </a:bodyPr>
+            <a:lstStyle/>
+            <a:p>
+              <a:pPr indent="0" lvl="0" marL="0" rtl="0" algn="ctr">
+                <a:spcBef>
+                  <a:spcPts val="0"/>
+                </a:spcBef>
+                <a:spcAft>
+                  <a:spcPts val="0"/>
+                </a:spcAft>
+                <a:buNone/>
+              </a:pPr>
+              <a:r>
+                <a:rPr lang="en" sz="1000"/>
+                <a:t>test.app.com</a:t>
+              </a:r>
+              <a:endParaRPr sz="1000"/>
+            </a:p>
+          </p:txBody>
+        </p:sp>
+      </p:grpSp>
+      <p:cxnSp>
+        <p:nvCxnSpPr>
+          <p:cNvPr id="164" name="Google Shape;164;p16"/>
+          <p:cNvCxnSpPr>
+            <a:stCxn id="162" idx="3"/>
+            <a:endCxn id="163" idx="1"/>
+          </p:cNvCxnSpPr>
+          <p:nvPr/>
+        </p:nvCxnSpPr>
+        <p:spPr>
+          <a:xfrm>
+            <a:off x="7164550" y="3034150"/>
+            <a:ext cx="474900" cy="600"/>
+          </a:xfrm>
+          <a:prstGeom prst="curvedConnector3">
+            <a:avLst>
+              <a:gd fmla="val 50005" name="adj1"/>
+            </a:avLst>
+          </a:prstGeom>
+          <a:noFill/>
+          <a:ln cap="flat" cmpd="sng" w="9525">
+            <a:solidFill>
+              <a:schemeClr val="dk2"/>
+            </a:solidFill>
+            <a:prstDash val="solid"/>
+            <a:round/>
+            <a:headEnd len="med" w="med" type="none"/>
+            <a:tailEnd len="med" w="med" type="oval"/>
+          </a:ln>
+        </p:spPr>
+      </p:cxnSp>
+      <p:cxnSp>
+        <p:nvCxnSpPr>
+          <p:cNvPr id="165" name="Google Shape;165;p16"/>
+          <p:cNvCxnSpPr>
+            <a:stCxn id="156" idx="3"/>
+            <a:endCxn id="162" idx="1"/>
+          </p:cNvCxnSpPr>
+          <p:nvPr/>
+        </p:nvCxnSpPr>
+        <p:spPr>
+          <a:xfrm>
+            <a:off x="5679185" y="2156050"/>
+            <a:ext cx="477300" cy="878100"/>
+          </a:xfrm>
+          <a:prstGeom prst="curvedConnector3">
+            <a:avLst>
+              <a:gd fmla="val 50007" name="adj1"/>
+            </a:avLst>
+          </a:prstGeom>
+          <a:noFill/>
+          <a:ln cap="flat" cmpd="sng" w="9525">
+            <a:solidFill>
+              <a:schemeClr val="dk2"/>
+            </a:solidFill>
+            <a:prstDash val="solid"/>
+            <a:round/>
+            <a:headEnd len="med" w="med" type="none"/>
+            <a:tailEnd len="med" w="med" type="oval"/>
+          </a:ln>
+        </p:spPr>
+      </p:cxnSp>
+      <p:sp>
+        <p:nvSpPr>
+          <p:cNvPr id="166" name="Google Shape;166;p16"/>
+          <p:cNvSpPr/>
+          <p:nvPr/>
+        </p:nvSpPr>
+        <p:spPr>
+          <a:xfrm>
+            <a:off x="1662925" y="4609438"/>
+            <a:ext cx="519300" cy="232200"/>
+          </a:xfrm>
+          <a:prstGeom prst="roundRect">
+            <a:avLst>
+              <a:gd fmla="val 16667" name="adj"/>
+            </a:avLst>
+          </a:prstGeom>
+          <a:solidFill>
+            <a:srgbClr val="FF0000"/>
+          </a:solidFill>
+          <a:ln cap="flat" cmpd="sng" w="9525">
+            <a:solidFill>
+              <a:schemeClr val="dk2"/>
+            </a:solidFill>
+            <a:prstDash val="solid"/>
+            <a:round/>
+            <a:headEnd len="sm" w="sm" type="none"/>
+            <a:tailEnd len="sm" w="sm" type="none"/>
+          </a:ln>
+        </p:spPr>
+        <p:txBody>
+          <a:bodyPr anchorCtr="0" anchor="ctr" bIns="91425" lIns="91425" spcFirstLastPara="1" rIns="91425" wrap="square" tIns="91425">
+            <a:noAutofit/>
+          </a:bodyPr>
+          <a:lstStyle/>
+          <a:p>
+            <a:pPr indent="0" lvl="0" marL="0" rtl="0" algn="ctr">
+              <a:spcBef>
+                <a:spcPts val="0"/>
+              </a:spcBef>
+              <a:spcAft>
+                <a:spcPts val="0"/>
+              </a:spcAft>
+              <a:buNone/>
+            </a:pPr>
+            <a:r>
+              <a:rPr lang="en" sz="1100"/>
+              <a:t>fix</a:t>
+            </a:r>
+            <a:r>
+              <a:rPr lang="en" sz="1100"/>
+              <a:t>-d</a:t>
+            </a:r>
+            <a:endParaRPr sz="1100"/>
+          </a:p>
+        </p:txBody>
+      </p:sp>
+      <p:sp>
+        <p:nvSpPr>
+          <p:cNvPr id="167" name="Google Shape;167;p16"/>
+          <p:cNvSpPr/>
+          <p:nvPr/>
+        </p:nvSpPr>
+        <p:spPr>
+          <a:xfrm>
+            <a:off x="4740100" y="3469600"/>
+            <a:ext cx="945300" cy="517800"/>
+          </a:xfrm>
+          <a:prstGeom prst="roundRect">
+            <a:avLst>
+              <a:gd fmla="val 16667" name="adj"/>
+            </a:avLst>
+          </a:prstGeom>
+          <a:solidFill>
+            <a:srgbClr val="FF0000"/>
+          </a:solidFill>
+          <a:ln cap="flat" cmpd="sng" w="9525">
+            <a:solidFill>
+              <a:schemeClr val="dk2"/>
+            </a:solidFill>
+            <a:prstDash val="solid"/>
+            <a:round/>
+            <a:headEnd len="sm" w="sm" type="none"/>
+            <a:tailEnd len="sm" w="sm" type="none"/>
+          </a:ln>
+        </p:spPr>
+        <p:txBody>
+          <a:bodyPr anchorCtr="0" anchor="ctr" bIns="91425" lIns="91425" spcFirstLastPara="1" rIns="91425" wrap="square" tIns="91425">
+            <a:noAutofit/>
+          </a:bodyPr>
+          <a:lstStyle/>
+          <a:p>
+            <a:pPr indent="0" lvl="0" marL="0" rtl="0" algn="ctr">
+              <a:spcBef>
+                <a:spcPts val="0"/>
+              </a:spcBef>
+              <a:spcAft>
+                <a:spcPts val="0"/>
+              </a:spcAft>
+              <a:buNone/>
+            </a:pPr>
+            <a:r>
+              <a:rPr lang="en" sz="1000"/>
+              <a:t>v0.1  +   f-a1   +   </a:t>
+            </a:r>
+            <a:r>
+              <a:rPr b="1" lang="en" sz="1000"/>
+              <a:t>fix-d</a:t>
+            </a:r>
+            <a:endParaRPr b="1" sz="1000"/>
+          </a:p>
+        </p:txBody>
+      </p:sp>
+      <p:cxnSp>
+        <p:nvCxnSpPr>
+          <p:cNvPr id="168" name="Google Shape;168;p16"/>
+          <p:cNvCxnSpPr>
+            <a:stCxn id="166" idx="3"/>
+            <a:endCxn id="153" idx="1"/>
+          </p:cNvCxnSpPr>
+          <p:nvPr/>
+        </p:nvCxnSpPr>
+        <p:spPr>
+          <a:xfrm flipH="1" rot="10800000">
+            <a:off x="2182225" y="2445838"/>
+            <a:ext cx="570600" cy="2279700"/>
+          </a:xfrm>
+          <a:prstGeom prst="curvedConnector3">
+            <a:avLst>
+              <a:gd fmla="val 49989" name="adj1"/>
+            </a:avLst>
+          </a:prstGeom>
+          <a:noFill/>
+          <a:ln cap="flat" cmpd="sng" w="9525">
+            <a:solidFill>
+              <a:schemeClr val="dk2"/>
+            </a:solidFill>
+            <a:prstDash val="solid"/>
+            <a:round/>
+            <a:headEnd len="med" w="med" type="none"/>
+            <a:tailEnd len="med" w="med" type="oval"/>
+          </a:ln>
+        </p:spPr>
+      </p:cxnSp>
+      <p:cxnSp>
+        <p:nvCxnSpPr>
+          <p:cNvPr id="169" name="Google Shape;169;p16"/>
+          <p:cNvCxnSpPr>
+            <a:stCxn id="167" idx="3"/>
+            <a:endCxn id="162" idx="1"/>
+          </p:cNvCxnSpPr>
+          <p:nvPr/>
+        </p:nvCxnSpPr>
+        <p:spPr>
+          <a:xfrm flipH="1" rot="10800000">
+            <a:off x="5685400" y="3034300"/>
+            <a:ext cx="471300" cy="694200"/>
+          </a:xfrm>
+          <a:prstGeom prst="curvedConnector3">
+            <a:avLst>
+              <a:gd fmla="val 50016" name="adj1"/>
+            </a:avLst>
+          </a:prstGeom>
+          <a:noFill/>
+          <a:ln cap="flat" cmpd="sng" w="9525">
+            <a:solidFill>
+              <a:schemeClr val="dk2"/>
+            </a:solidFill>
+            <a:prstDash val="solid"/>
+            <a:round/>
+            <a:headEnd len="med" w="med" type="none"/>
+            <a:tailEnd len="med" w="med" type="oval"/>
+          </a:ln>
+        </p:spPr>
+      </p:cxnSp>
+      <p:cxnSp>
+        <p:nvCxnSpPr>
+          <p:cNvPr id="170" name="Google Shape;170;p16"/>
+          <p:cNvCxnSpPr>
+            <a:stCxn id="153" idx="3"/>
+            <a:endCxn id="167" idx="1"/>
+          </p:cNvCxnSpPr>
+          <p:nvPr/>
+        </p:nvCxnSpPr>
+        <p:spPr>
+          <a:xfrm>
+            <a:off x="3272000" y="2445850"/>
+            <a:ext cx="1468200" cy="1282800"/>
+          </a:xfrm>
+          <a:prstGeom prst="curvedConnector3">
+            <a:avLst>
+              <a:gd fmla="val 49997" name="adj1"/>
+            </a:avLst>
+          </a:prstGeom>
+          <a:noFill/>
+          <a:ln cap="flat" cmpd="sng" w="9525">
+            <a:solidFill>
+              <a:schemeClr val="dk2"/>
+            </a:solidFill>
+            <a:prstDash val="solid"/>
+            <a:round/>
+            <a:headEnd len="med" w="med" type="none"/>
+            <a:tailEnd len="med" w="med" type="oval"/>
+          </a:ln>
+        </p:spPr>
+      </p:cxnSp>
+      <p:cxnSp>
+        <p:nvCxnSpPr>
+          <p:cNvPr id="171" name="Google Shape;171;p16"/>
+          <p:cNvCxnSpPr>
+            <a:stCxn id="147" idx="1"/>
+            <a:endCxn id="166" idx="1"/>
+          </p:cNvCxnSpPr>
+          <p:nvPr/>
+        </p:nvCxnSpPr>
+        <p:spPr>
+          <a:xfrm>
+            <a:off x="1556725" y="2445850"/>
+            <a:ext cx="106200" cy="2279700"/>
+          </a:xfrm>
+          <a:prstGeom prst="curvedConnector3">
+            <a:avLst>
+              <a:gd fmla="val -224223" name="adj1"/>
+            </a:avLst>
+          </a:prstGeom>
+          <a:noFill/>
+          <a:ln cap="flat" cmpd="sng" w="9525">
+            <a:solidFill>
+              <a:schemeClr val="dk2"/>
+            </a:solidFill>
+            <a:prstDash val="solid"/>
+            <a:round/>
+            <a:headEnd len="med" w="med" type="none"/>
+            <a:tailEnd len="med" w="med" type="oval"/>
+          </a:ln>
+        </p:spPr>
+      </p:cxnSp>
+    </p:spTree>
+  </p:cSld>
+  <p:clrMapOvr>
+    <a:masterClrMapping/>
+  </p:clrMapOvr>
+  <p:timing>
+    <p:tnLst>
+      <p:par>
+        <p:cTn dur="indefinite" nodeType="tmRoot" restart="never">
+          <p:childTnLst>
+            <p:seq concurrent="1" nextAc="seek">
+              <p:cTn dur="indefinite" id="2" nodeType="mainSeq">
+                <p:childTnLst>
+                  <p:par>
+                    <p:cTn fill="hold">
+                      <p:stCondLst>
+                        <p:cond delay="indefinite"/>
+                      </p:stCondLst>
+                      <p:childTnLst>
+                        <p:par>
+                          <p:cTn fill="hold">
+                            <p:stCondLst>
+                              <p:cond delay="0"/>
+                            </p:stCondLst>
+                            <p:childTnLst>
+                              <p:par>
+                                <p:cTn fill="hold" nodeType="clickEffect" presetClass="entr" presetID="10" presetSubtype="0">
+                                  <p:stCondLst>
+                                    <p:cond delay="0"/>
+                                  </p:stCondLst>
+                                  <p:childTnLst>
+                                    <p:set>
+                                      <p:cBhvr>
+                                        <p:cTn dur="1" fill="hold">
+                                          <p:stCondLst>
+                                            <p:cond delay="0"/>
+                                          </p:stCondLst>
+                                        </p:cTn>
+                                        <p:tgtEl>
+                                          <p:spTgt spid="141"/>
+                                        </p:tgtEl>
+                                        <p:attrNameLst>
+                                          <p:attrName>style.visibility</p:attrName>
+                                        </p:attrNameLst>
+                                      </p:cBhvr>
+                                      <p:to>
+                                        <p:strVal val="visible"/>
+                                      </p:to>
+                                    </p:set>
+                                    <p:animEffect filter="fade" transition="in">
+                                      <p:cBhvr>
+                                        <p:cTn dur="1000"/>
+                                        <p:tgtEl>
+                                          <p:spTgt spid="141"/>
+                                        </p:tgtEl>
+                                      </p:cBhvr>
+                                    </p:animEffect>
+                                  </p:childTnLst>
+                                </p:cTn>
+                              </p:par>
+                            </p:childTnLst>
+                          </p:cTn>
+                        </p:par>
+                        <p:par>
+                          <p:cTn fill="hold">
+                            <p:stCondLst>
+                              <p:cond delay="1000"/>
+                            </p:stCondLst>
+                            <p:childTnLst>
+                              <p:par>
+                                <p:cTn fill="hold" nodeType="afterEffect" presetClass="entr" presetID="10" presetSubtype="0">
+                                  <p:stCondLst>
+                                    <p:cond delay="0"/>
+                                  </p:stCondLst>
+                                  <p:childTnLst>
+                                    <p:set>
+                                      <p:cBhvr>
+                                        <p:cTn dur="1" fill="hold">
+                                          <p:stCondLst>
+                                            <p:cond delay="0"/>
+                                          </p:stCondLst>
+                                        </p:cTn>
+                                        <p:tgtEl>
+                                          <p:spTgt spid="159"/>
+                                        </p:tgtEl>
+                                        <p:attrNameLst>
+                                          <p:attrName>style.visibility</p:attrName>
+                                        </p:attrNameLst>
+                                      </p:cBhvr>
+                                      <p:to>
+                                        <p:strVal val="visible"/>
+                                      </p:to>
+                                    </p:set>
+                                    <p:animEffect filter="fade" transition="in">
+                                      <p:cBhvr>
+                                        <p:cTn dur="1000"/>
+                                        <p:tgtEl>
+                                          <p:spTgt spid="159"/>
+                                        </p:tgtEl>
+                                      </p:cBhvr>
+                                    </p:animEffect>
+                                  </p:childTnLst>
+                                </p:cTn>
+                              </p:par>
+                            </p:childTnLst>
+                          </p:cTn>
+                        </p:par>
+                      </p:childTnLst>
+                    </p:cTn>
+                  </p:par>
+                  <p:par>
+                    <p:cTn fill="hold">
+                      <p:stCondLst>
+                        <p:cond delay="indefinite"/>
+                      </p:stCondLst>
+                      <p:childTnLst>
+                        <p:par>
+                          <p:cTn fill="hold">
+                            <p:stCondLst>
+                              <p:cond delay="0"/>
+                            </p:stCondLst>
+                            <p:childTnLst>
+                              <p:par>
+                                <p:cTn fill="hold" nodeType="clickEffect" presetClass="entr" presetID="10" presetSubtype="0">
+                                  <p:stCondLst>
+                                    <p:cond delay="0"/>
+                                  </p:stCondLst>
+                                  <p:childTnLst>
+                                    <p:set>
+                                      <p:cBhvr>
+                                        <p:cTn dur="1" fill="hold">
+                                          <p:stCondLst>
+                                            <p:cond delay="0"/>
+                                          </p:stCondLst>
+                                        </p:cTn>
+                                        <p:tgtEl>
+                                          <p:spTgt spid="143"/>
+                                        </p:tgtEl>
+                                        <p:attrNameLst>
+                                          <p:attrName>style.visibility</p:attrName>
+                                        </p:attrNameLst>
+                                      </p:cBhvr>
+                                      <p:to>
+                                        <p:strVal val="visible"/>
+                                      </p:to>
+                                    </p:set>
+                                    <p:animEffect filter="fade" transition="in">
+                                      <p:cBhvr>
+                                        <p:cTn dur="1000"/>
+                                        <p:tgtEl>
+                                          <p:spTgt spid="143"/>
+                                        </p:tgtEl>
+                                      </p:cBhvr>
+                                    </p:animEffect>
+                                  </p:childTnLst>
+                                </p:cTn>
+                              </p:par>
+                              <p:par>
+                                <p:cTn fill="hold" nodeType="withEffect" presetClass="entr" presetID="10" presetSubtype="0">
+                                  <p:stCondLst>
+                                    <p:cond delay="0"/>
+                                  </p:stCondLst>
+                                  <p:childTnLst>
+                                    <p:set>
+                                      <p:cBhvr>
+                                        <p:cTn dur="1" fill="hold">
+                                          <p:stCondLst>
+                                            <p:cond delay="0"/>
+                                          </p:stCondLst>
+                                        </p:cTn>
+                                        <p:tgtEl>
+                                          <p:spTgt spid="142"/>
+                                        </p:tgtEl>
+                                        <p:attrNameLst>
+                                          <p:attrName>style.visibility</p:attrName>
+                                        </p:attrNameLst>
+                                      </p:cBhvr>
+                                      <p:to>
+                                        <p:strVal val="visible"/>
+                                      </p:to>
+                                    </p:set>
+                                    <p:animEffect filter="fade" transition="in">
+                                      <p:cBhvr>
+                                        <p:cTn dur="1000"/>
+                                        <p:tgtEl>
+                                          <p:spTgt spid="142"/>
+                                        </p:tgtEl>
+                                      </p:cBhvr>
+                                    </p:animEffect>
+                                  </p:childTnLst>
+                                </p:cTn>
+                              </p:par>
+                            </p:childTnLst>
+                          </p:cTn>
+                        </p:par>
+                      </p:childTnLst>
+                    </p:cTn>
+                  </p:par>
+                  <p:par>
+                    <p:cTn fill="hold">
+                      <p:stCondLst>
+                        <p:cond delay="indefinite"/>
+                      </p:stCondLst>
+                      <p:childTnLst>
+                        <p:par>
+                          <p:cTn fill="hold">
+                            <p:stCondLst>
+                              <p:cond delay="0"/>
+                            </p:stCondLst>
+                            <p:childTnLst>
+                              <p:par>
+                                <p:cTn fill="hold" nodeType="clickEffect" presetClass="entr" presetID="10" presetSubtype="0">
+                                  <p:stCondLst>
+                                    <p:cond delay="0"/>
+                                  </p:stCondLst>
+                                  <p:childTnLst>
+                                    <p:set>
+                                      <p:cBhvr>
+                                        <p:cTn dur="1" fill="hold">
+                                          <p:stCondLst>
+                                            <p:cond delay="0"/>
+                                          </p:stCondLst>
+                                        </p:cTn>
+                                        <p:tgtEl>
+                                          <p:spTgt spid="148"/>
+                                        </p:tgtEl>
+                                        <p:attrNameLst>
+                                          <p:attrName>style.visibility</p:attrName>
+                                        </p:attrNameLst>
+                                      </p:cBhvr>
+                                      <p:to>
+                                        <p:strVal val="visible"/>
+                                      </p:to>
+                                    </p:set>
+                                    <p:animEffect filter="fade" transition="in">
+                                      <p:cBhvr>
+                                        <p:cTn dur="1000"/>
+                                        <p:tgtEl>
+                                          <p:spTgt spid="148"/>
+                                        </p:tgtEl>
+                                      </p:cBhvr>
+                                    </p:animEffect>
+                                  </p:childTnLst>
+                                </p:cTn>
+                              </p:par>
+                              <p:par>
+                                <p:cTn fill="hold" nodeType="withEffect" presetClass="entr" presetID="10" presetSubtype="0">
+                                  <p:stCondLst>
+                                    <p:cond delay="0"/>
+                                  </p:stCondLst>
+                                  <p:childTnLst>
+                                    <p:set>
+                                      <p:cBhvr>
+                                        <p:cTn dur="1" fill="hold">
+                                          <p:stCondLst>
+                                            <p:cond delay="0"/>
+                                          </p:stCondLst>
+                                        </p:cTn>
+                                        <p:tgtEl>
+                                          <p:spTgt spid="147"/>
+                                        </p:tgtEl>
+                                        <p:attrNameLst>
+                                          <p:attrName>style.visibility</p:attrName>
+                                        </p:attrNameLst>
+                                      </p:cBhvr>
+                                      <p:to>
+                                        <p:strVal val="visible"/>
+                                      </p:to>
+                                    </p:set>
+                                    <p:animEffect filter="fade" transition="in">
+                                      <p:cBhvr>
+                                        <p:cTn dur="1000"/>
+                                        <p:tgtEl>
+                                          <p:spTgt spid="147"/>
+                                        </p:tgtEl>
+                                      </p:cBhvr>
+                                    </p:animEffect>
+                                  </p:childTnLst>
+                                </p:cTn>
+                              </p:par>
+                            </p:childTnLst>
+                          </p:cTn>
+                        </p:par>
+                      </p:childTnLst>
+                    </p:cTn>
+                  </p:par>
+                  <p:par>
+                    <p:cTn fill="hold">
+                      <p:stCondLst>
+                        <p:cond delay="indefinite"/>
+                      </p:stCondLst>
+                      <p:childTnLst>
+                        <p:par>
+                          <p:cTn fill="hold">
+                            <p:stCondLst>
+                              <p:cond delay="0"/>
+                            </p:stCondLst>
+                            <p:childTnLst>
+                              <p:par>
+                                <p:cTn fill="hold" nodeType="clickEffect" presetClass="entr" presetID="10" presetSubtype="0">
+                                  <p:stCondLst>
+                                    <p:cond delay="0"/>
+                                  </p:stCondLst>
+                                  <p:childTnLst>
+                                    <p:set>
+                                      <p:cBhvr>
+                                        <p:cTn dur="1" fill="hold">
+                                          <p:stCondLst>
+                                            <p:cond delay="0"/>
+                                          </p:stCondLst>
+                                        </p:cTn>
+                                        <p:tgtEl>
+                                          <p:spTgt spid="144"/>
+                                        </p:tgtEl>
+                                        <p:attrNameLst>
+                                          <p:attrName>style.visibility</p:attrName>
+                                        </p:attrNameLst>
+                                      </p:cBhvr>
+                                      <p:to>
+                                        <p:strVal val="visible"/>
+                                      </p:to>
+                                    </p:set>
+                                    <p:animEffect filter="fade" transition="in">
+                                      <p:cBhvr>
+                                        <p:cTn dur="1000"/>
+                                        <p:tgtEl>
+                                          <p:spTgt spid="144"/>
+                                        </p:tgtEl>
+                                      </p:cBhvr>
+                                    </p:animEffect>
+                                  </p:childTnLst>
+                                </p:cTn>
+                              </p:par>
+                              <p:par>
+                                <p:cTn fill="hold" nodeType="withEffect" presetClass="entr" presetID="10" presetSubtype="0">
+                                  <p:stCondLst>
+                                    <p:cond delay="0"/>
+                                  </p:stCondLst>
+                                  <p:childTnLst>
+                                    <p:set>
+                                      <p:cBhvr>
+                                        <p:cTn dur="1" fill="hold">
+                                          <p:stCondLst>
+                                            <p:cond delay="0"/>
+                                          </p:stCondLst>
+                                        </p:cTn>
+                                        <p:tgtEl>
+                                          <p:spTgt spid="149"/>
+                                        </p:tgtEl>
+                                        <p:attrNameLst>
+                                          <p:attrName>style.visibility</p:attrName>
+                                        </p:attrNameLst>
+                                      </p:cBhvr>
+                                      <p:to>
+                                        <p:strVal val="visible"/>
+                                      </p:to>
+                                    </p:set>
+                                    <p:animEffect filter="fade" transition="in">
+                                      <p:cBhvr>
+                                        <p:cTn dur="1000"/>
+                                        <p:tgtEl>
+                                          <p:spTgt spid="149"/>
+                                        </p:tgtEl>
+                                      </p:cBhvr>
+                                    </p:animEffect>
+                                  </p:childTnLst>
+                                </p:cTn>
+                              </p:par>
+                            </p:childTnLst>
+                          </p:cTn>
+                        </p:par>
+                      </p:childTnLst>
+                    </p:cTn>
+                  </p:par>
+                  <p:par>
+                    <p:cTn fill="hold">
+                      <p:stCondLst>
+                        <p:cond delay="indefinite"/>
+                      </p:stCondLst>
+                      <p:childTnLst>
+                        <p:par>
+                          <p:cTn fill="hold">
+                            <p:stCondLst>
+                              <p:cond delay="0"/>
+                            </p:stCondLst>
+                            <p:childTnLst>
+                              <p:par>
+                                <p:cTn fill="hold" nodeType="clickEffect" presetClass="entr" presetID="10" presetSubtype="0">
+                                  <p:stCondLst>
+                                    <p:cond delay="0"/>
+                                  </p:stCondLst>
+                                  <p:childTnLst>
+                                    <p:set>
+                                      <p:cBhvr>
+                                        <p:cTn dur="1" fill="hold">
+                                          <p:stCondLst>
+                                            <p:cond delay="0"/>
+                                          </p:stCondLst>
+                                        </p:cTn>
+                                        <p:tgtEl>
+                                          <p:spTgt spid="146"/>
+                                        </p:tgtEl>
+                                        <p:attrNameLst>
+                                          <p:attrName>style.visibility</p:attrName>
+                                        </p:attrNameLst>
+                                      </p:cBhvr>
+                                      <p:to>
+                                        <p:strVal val="visible"/>
+                                      </p:to>
+                                    </p:set>
+                                    <p:animEffect filter="fade" transition="in">
+                                      <p:cBhvr>
+                                        <p:cTn dur="1000"/>
+                                        <p:tgtEl>
+                                          <p:spTgt spid="146"/>
+                                        </p:tgtEl>
+                                      </p:cBhvr>
+                                    </p:animEffect>
+                                  </p:childTnLst>
+                                </p:cTn>
+                              </p:par>
+                              <p:par>
+                                <p:cTn fill="hold" nodeType="withEffect" presetClass="entr" presetID="10" presetSubtype="0">
+                                  <p:stCondLst>
+                                    <p:cond delay="0"/>
+                                  </p:stCondLst>
+                                  <p:childTnLst>
+                                    <p:set>
+                                      <p:cBhvr>
+                                        <p:cTn dur="1" fill="hold">
+                                          <p:stCondLst>
+                                            <p:cond delay="0"/>
+                                          </p:stCondLst>
+                                        </p:cTn>
+                                        <p:tgtEl>
+                                          <p:spTgt spid="150"/>
+                                        </p:tgtEl>
+                                        <p:attrNameLst>
+                                          <p:attrName>style.visibility</p:attrName>
+                                        </p:attrNameLst>
+                                      </p:cBhvr>
+                                      <p:to>
+                                        <p:strVal val="visible"/>
+                                      </p:to>
+                                    </p:set>
+                                    <p:animEffect filter="fade" transition="in">
+                                      <p:cBhvr>
+                                        <p:cTn dur="1000"/>
+                                        <p:tgtEl>
+                                          <p:spTgt spid="150"/>
+                                        </p:tgtEl>
+                                      </p:cBhvr>
+                                    </p:animEffect>
+                                  </p:childTnLst>
+                                </p:cTn>
+                              </p:par>
+                              <p:par>
+                                <p:cTn fill="hold" nodeType="withEffect" presetClass="entr" presetID="10" presetSubtype="0">
+                                  <p:stCondLst>
+                                    <p:cond delay="0"/>
+                                  </p:stCondLst>
+                                  <p:childTnLst>
+                                    <p:set>
+                                      <p:cBhvr>
+                                        <p:cTn dur="1" fill="hold">
+                                          <p:stCondLst>
+                                            <p:cond delay="0"/>
+                                          </p:stCondLst>
+                                        </p:cTn>
+                                        <p:tgtEl>
+                                          <p:spTgt spid="151"/>
+                                        </p:tgtEl>
+                                        <p:attrNameLst>
+                                          <p:attrName>style.visibility</p:attrName>
+                                        </p:attrNameLst>
+                                      </p:cBhvr>
+                                      <p:to>
+                                        <p:strVal val="visible"/>
+                                      </p:to>
+                                    </p:set>
+                                    <p:animEffect filter="fade" transition="in">
+                                      <p:cBhvr>
+                                        <p:cTn dur="1000"/>
+                                        <p:tgtEl>
+                                          <p:spTgt spid="151"/>
+                                        </p:tgtEl>
+                                      </p:cBhvr>
+                                    </p:animEffect>
+                                  </p:childTnLst>
+                                </p:cTn>
+                              </p:par>
+                              <p:par>
+                                <p:cTn fill="hold" nodeType="withEffect" presetClass="entr" presetID="10" presetSubtype="0">
+                                  <p:stCondLst>
+                                    <p:cond delay="0"/>
+                                  </p:stCondLst>
+                                  <p:childTnLst>
+                                    <p:set>
+                                      <p:cBhvr>
+                                        <p:cTn dur="1" fill="hold">
+                                          <p:stCondLst>
+                                            <p:cond delay="0"/>
+                                          </p:stCondLst>
+                                        </p:cTn>
+                                        <p:tgtEl>
+                                          <p:spTgt spid="145"/>
+                                        </p:tgtEl>
+                                        <p:attrNameLst>
+                                          <p:attrName>style.visibility</p:attrName>
+                                        </p:attrNameLst>
+                                      </p:cBhvr>
+                                      <p:to>
+                                        <p:strVal val="visible"/>
+                                      </p:to>
+                                    </p:set>
+                                    <p:animEffect filter="fade" transition="in">
+                                      <p:cBhvr>
+                                        <p:cTn dur="1000"/>
+                                        <p:tgtEl>
+                                          <p:spTgt spid="145"/>
+                                        </p:tgtEl>
+                                      </p:cBhvr>
+                                    </p:animEffect>
+                                  </p:childTnLst>
+                                </p:cTn>
+                              </p:par>
+                            </p:childTnLst>
+                          </p:cTn>
+                        </p:par>
+                      </p:childTnLst>
+                    </p:cTn>
+                  </p:par>
+                  <p:par>
+                    <p:cTn fill="hold">
+                      <p:stCondLst>
+                        <p:cond delay="indefinite"/>
+                      </p:stCondLst>
+                      <p:childTnLst>
+                        <p:par>
+                          <p:cTn fill="hold">
+                            <p:stCondLst>
+                              <p:cond delay="0"/>
+                            </p:stCondLst>
+                            <p:childTnLst>
+                              <p:par>
+                                <p:cTn fill="hold" nodeType="clickEffect" presetClass="entr" presetID="10" presetSubtype="0">
+                                  <p:stCondLst>
+                                    <p:cond delay="0"/>
+                                  </p:stCondLst>
+                                  <p:childTnLst>
+                                    <p:set>
+                                      <p:cBhvr>
+                                        <p:cTn dur="1" fill="hold">
+                                          <p:stCondLst>
+                                            <p:cond delay="0"/>
+                                          </p:stCondLst>
+                                        </p:cTn>
+                                        <p:tgtEl>
+                                          <p:spTgt spid="152"/>
+                                        </p:tgtEl>
+                                        <p:attrNameLst>
+                                          <p:attrName>style.visibility</p:attrName>
+                                        </p:attrNameLst>
+                                      </p:cBhvr>
+                                      <p:to>
+                                        <p:strVal val="visible"/>
+                                      </p:to>
+                                    </p:set>
+                                    <p:animEffect filter="fade" transition="in">
+                                      <p:cBhvr>
+                                        <p:cTn dur="1000"/>
+                                        <p:tgtEl>
+                                          <p:spTgt spid="152"/>
+                                        </p:tgtEl>
+                                      </p:cBhvr>
+                                    </p:animEffect>
+                                  </p:childTnLst>
+                                </p:cTn>
+                              </p:par>
+                            </p:childTnLst>
+                          </p:cTn>
+                        </p:par>
+                      </p:childTnLst>
+                    </p:cTn>
+                  </p:par>
+                  <p:par>
+                    <p:cTn fill="hold">
+                      <p:stCondLst>
+                        <p:cond delay="indefinite"/>
+                      </p:stCondLst>
+                      <p:childTnLst>
+                        <p:par>
+                          <p:cTn fill="hold">
+                            <p:stCondLst>
+                              <p:cond delay="0"/>
+                            </p:stCondLst>
+                            <p:childTnLst>
+                              <p:par>
+                                <p:cTn fill="hold" nodeType="clickEffect" presetClass="entr" presetID="10" presetSubtype="0">
+                                  <p:stCondLst>
+                                    <p:cond delay="0"/>
+                                  </p:stCondLst>
+                                  <p:childTnLst>
+                                    <p:set>
+                                      <p:cBhvr>
+                                        <p:cTn dur="1" fill="hold">
+                                          <p:stCondLst>
+                                            <p:cond delay="0"/>
+                                          </p:stCondLst>
+                                        </p:cTn>
+                                        <p:tgtEl>
+                                          <p:spTgt spid="157"/>
+                                        </p:tgtEl>
+                                        <p:attrNameLst>
+                                          <p:attrName>style.visibility</p:attrName>
+                                        </p:attrNameLst>
+                                      </p:cBhvr>
+                                      <p:to>
+                                        <p:strVal val="visible"/>
+                                      </p:to>
+                                    </p:set>
+                                    <p:animEffect filter="fade" transition="in">
+                                      <p:cBhvr>
+                                        <p:cTn dur="1000"/>
+                                        <p:tgtEl>
+                                          <p:spTgt spid="157"/>
+                                        </p:tgtEl>
+                                      </p:cBhvr>
+                                    </p:animEffect>
+                                  </p:childTnLst>
+                                </p:cTn>
+                              </p:par>
+                            </p:childTnLst>
+                          </p:cTn>
+                        </p:par>
+                      </p:childTnLst>
+                    </p:cTn>
+                  </p:par>
+                  <p:par>
+                    <p:cTn fill="hold">
+                      <p:stCondLst>
+                        <p:cond delay="indefinite"/>
+                      </p:stCondLst>
+                      <p:childTnLst>
+                        <p:par>
+                          <p:cTn fill="hold">
+                            <p:stCondLst>
+                              <p:cond delay="0"/>
+                            </p:stCondLst>
+                            <p:childTnLst>
+                              <p:par>
+                                <p:cTn fill="hold" nodeType="clickEffect" presetClass="entr" presetID="10" presetSubtype="0">
+                                  <p:stCondLst>
+                                    <p:cond delay="0"/>
+                                  </p:stCondLst>
+                                  <p:childTnLst>
+                                    <p:set>
+                                      <p:cBhvr>
+                                        <p:cTn dur="1" fill="hold">
+                                          <p:stCondLst>
+                                            <p:cond delay="0"/>
+                                          </p:stCondLst>
+                                        </p:cTn>
+                                        <p:tgtEl>
+                                          <p:spTgt spid="155"/>
+                                        </p:tgtEl>
+                                        <p:attrNameLst>
+                                          <p:attrName>style.visibility</p:attrName>
+                                        </p:attrNameLst>
+                                      </p:cBhvr>
+                                      <p:to>
+                                        <p:strVal val="visible"/>
+                                      </p:to>
+                                    </p:set>
+                                    <p:animEffect filter="fade" transition="in">
+                                      <p:cBhvr>
+                                        <p:cTn dur="1000"/>
+                                        <p:tgtEl>
+                                          <p:spTgt spid="155"/>
+                                        </p:tgtEl>
+                                      </p:cBhvr>
+                                    </p:animEffect>
+                                  </p:childTnLst>
+                                </p:cTn>
+                              </p:par>
+                              <p:par>
+                                <p:cTn fill="hold" nodeType="withEffect" presetClass="entr" presetID="10" presetSubtype="0">
+                                  <p:stCondLst>
+                                    <p:cond delay="0"/>
+                                  </p:stCondLst>
+                                  <p:childTnLst>
+                                    <p:set>
+                                      <p:cBhvr>
+                                        <p:cTn dur="1" fill="hold">
+                                          <p:stCondLst>
+                                            <p:cond delay="0"/>
+                                          </p:stCondLst>
+                                        </p:cTn>
+                                        <p:tgtEl>
+                                          <p:spTgt spid="156"/>
+                                        </p:tgtEl>
+                                        <p:attrNameLst>
+                                          <p:attrName>style.visibility</p:attrName>
+                                        </p:attrNameLst>
+                                      </p:cBhvr>
+                                      <p:to>
+                                        <p:strVal val="visible"/>
+                                      </p:to>
+                                    </p:set>
+                                    <p:animEffect filter="fade" transition="in">
+                                      <p:cBhvr>
+                                        <p:cTn dur="1000"/>
+                                        <p:tgtEl>
+                                          <p:spTgt spid="156"/>
+                                        </p:tgtEl>
+                                      </p:cBhvr>
+                                    </p:animEffect>
+                                  </p:childTnLst>
+                                </p:cTn>
+                              </p:par>
+                              <p:par>
+                                <p:cTn fill="hold" nodeType="withEffect" presetClass="entr" presetID="10" presetSubtype="0">
+                                  <p:stCondLst>
+                                    <p:cond delay="0"/>
+                                  </p:stCondLst>
+                                  <p:childTnLst>
+                                    <p:set>
+                                      <p:cBhvr>
+                                        <p:cTn dur="1" fill="hold">
+                                          <p:stCondLst>
+                                            <p:cond delay="0"/>
+                                          </p:stCondLst>
+                                        </p:cTn>
+                                        <p:tgtEl>
+                                          <p:spTgt spid="165"/>
+                                        </p:tgtEl>
+                                        <p:attrNameLst>
+                                          <p:attrName>style.visibility</p:attrName>
+                                        </p:attrNameLst>
+                                      </p:cBhvr>
+                                      <p:to>
+                                        <p:strVal val="visible"/>
+                                      </p:to>
+                                    </p:set>
+                                    <p:animEffect filter="fade" transition="in">
+                                      <p:cBhvr>
+                                        <p:cTn dur="1000"/>
+                                        <p:tgtEl>
+                                          <p:spTgt spid="165"/>
+                                        </p:tgtEl>
+                                      </p:cBhvr>
+                                    </p:animEffect>
+                                  </p:childTnLst>
+                                </p:cTn>
+                              </p:par>
+                            </p:childTnLst>
+                          </p:cTn>
+                        </p:par>
+                      </p:childTnLst>
+                    </p:cTn>
+                  </p:par>
+                  <p:par>
+                    <p:cTn fill="hold">
+                      <p:stCondLst>
+                        <p:cond delay="indefinite"/>
+                      </p:stCondLst>
+                      <p:childTnLst>
+                        <p:par>
+                          <p:cTn fill="hold">
+                            <p:stCondLst>
+                              <p:cond delay="0"/>
+                            </p:stCondLst>
+                            <p:childTnLst>
+                              <p:par>
+                                <p:cTn fill="hold" nodeType="clickEffect" presetClass="entr" presetID="10" presetSubtype="0">
+                                  <p:stCondLst>
+                                    <p:cond delay="0"/>
+                                  </p:stCondLst>
+                                  <p:childTnLst>
+                                    <p:set>
+                                      <p:cBhvr>
+                                        <p:cTn dur="1" fill="hold">
+                                          <p:stCondLst>
+                                            <p:cond delay="0"/>
+                                          </p:stCondLst>
+                                        </p:cTn>
+                                        <p:tgtEl>
+                                          <p:spTgt spid="171"/>
+                                        </p:tgtEl>
+                                        <p:attrNameLst>
+                                          <p:attrName>style.visibility</p:attrName>
+                                        </p:attrNameLst>
+                                      </p:cBhvr>
+                                      <p:to>
+                                        <p:strVal val="visible"/>
+                                      </p:to>
+                                    </p:set>
+                                    <p:animEffect filter="fade" transition="in">
+                                      <p:cBhvr>
+                                        <p:cTn dur="1000"/>
+                                        <p:tgtEl>
+                                          <p:spTgt spid="171"/>
+                                        </p:tgtEl>
+                                      </p:cBhvr>
+                                    </p:animEffect>
+                                  </p:childTnLst>
+                                </p:cTn>
+                              </p:par>
+                              <p:par>
+                                <p:cTn fill="hold" nodeType="withEffect" presetClass="entr" presetID="10" presetSubtype="0">
+                                  <p:stCondLst>
+                                    <p:cond delay="0"/>
+                                  </p:stCondLst>
+                                  <p:childTnLst>
+                                    <p:set>
+                                      <p:cBhvr>
+                                        <p:cTn dur="1" fill="hold">
+                                          <p:stCondLst>
+                                            <p:cond delay="0"/>
+                                          </p:stCondLst>
+                                        </p:cTn>
+                                        <p:tgtEl>
+                                          <p:spTgt spid="166"/>
+                                        </p:tgtEl>
+                                        <p:attrNameLst>
+                                          <p:attrName>style.visibility</p:attrName>
+                                        </p:attrNameLst>
+                                      </p:cBhvr>
+                                      <p:to>
+                                        <p:strVal val="visible"/>
+                                      </p:to>
+                                    </p:set>
+                                    <p:animEffect filter="fade" transition="in">
+                                      <p:cBhvr>
+                                        <p:cTn dur="1000"/>
+                                        <p:tgtEl>
+                                          <p:spTgt spid="166"/>
+                                        </p:tgtEl>
+                                      </p:cBhvr>
+                                    </p:animEffect>
+                                  </p:childTnLst>
+                                </p:cTn>
+                              </p:par>
+                            </p:childTnLst>
+                          </p:cTn>
+                        </p:par>
+                      </p:childTnLst>
+                    </p:cTn>
+                  </p:par>
+                  <p:par>
+                    <p:cTn fill="hold">
+                      <p:stCondLst>
+                        <p:cond delay="indefinite"/>
+                      </p:stCondLst>
+                      <p:childTnLst>
+                        <p:par>
+                          <p:cTn fill="hold">
+                            <p:stCondLst>
+                              <p:cond delay="0"/>
+                            </p:stCondLst>
+                            <p:childTnLst>
+                              <p:par>
+                                <p:cTn fill="hold" nodeType="clickEffect" presetClass="entr" presetID="10" presetSubtype="0">
+                                  <p:stCondLst>
+                                    <p:cond delay="0"/>
+                                  </p:stCondLst>
+                                  <p:childTnLst>
+                                    <p:set>
+                                      <p:cBhvr>
+                                        <p:cTn dur="1" fill="hold">
+                                          <p:stCondLst>
+                                            <p:cond delay="0"/>
+                                          </p:stCondLst>
+                                        </p:cTn>
+                                        <p:tgtEl>
+                                          <p:spTgt spid="168"/>
+                                        </p:tgtEl>
+                                        <p:attrNameLst>
+                                          <p:attrName>style.visibility</p:attrName>
+                                        </p:attrNameLst>
+                                      </p:cBhvr>
+                                      <p:to>
+                                        <p:strVal val="visible"/>
+                                      </p:to>
+                                    </p:set>
+                                    <p:animEffect filter="fade" transition="in">
+                                      <p:cBhvr>
+                                        <p:cTn dur="1000"/>
+                                        <p:tgtEl>
+                                          <p:spTgt spid="168"/>
+                                        </p:tgtEl>
+                                      </p:cBhvr>
+                                    </p:animEffect>
+                                  </p:childTnLst>
+                                </p:cTn>
+                              </p:par>
+                            </p:childTnLst>
+                          </p:cTn>
+                        </p:par>
+                      </p:childTnLst>
+                    </p:cTn>
+                  </p:par>
+                  <p:par>
+                    <p:cTn fill="hold">
+                      <p:stCondLst>
+                        <p:cond delay="indefinite"/>
+                      </p:stCondLst>
+                      <p:childTnLst>
+                        <p:par>
+                          <p:cTn fill="hold">
+                            <p:stCondLst>
+                              <p:cond delay="0"/>
+                            </p:stCondLst>
+                            <p:childTnLst>
+                              <p:par>
+                                <p:cTn fill="hold" nodeType="clickEffect" presetClass="entr" presetID="10" presetSubtype="0">
+                                  <p:stCondLst>
+                                    <p:cond delay="0"/>
+                                  </p:stCondLst>
+                                  <p:childTnLst>
+                                    <p:set>
+                                      <p:cBhvr>
+                                        <p:cTn dur="1" fill="hold">
+                                          <p:stCondLst>
+                                            <p:cond delay="0"/>
+                                          </p:stCondLst>
+                                        </p:cTn>
+                                        <p:tgtEl>
+                                          <p:spTgt spid="167"/>
+                                        </p:tgtEl>
+                                        <p:attrNameLst>
+                                          <p:attrName>style.visibility</p:attrName>
+                                        </p:attrNameLst>
+                                      </p:cBhvr>
+                                      <p:to>
+                                        <p:strVal val="visible"/>
+                                      </p:to>
+                                    </p:set>
+                                    <p:animEffect filter="fade" transition="in">
+                                      <p:cBhvr>
+                                        <p:cTn dur="1000"/>
+                                        <p:tgtEl>
+                                          <p:spTgt spid="167"/>
+                                        </p:tgtEl>
+                                      </p:cBhvr>
+                                    </p:animEffect>
+                                  </p:childTnLst>
+                                </p:cTn>
+                              </p:par>
+                              <p:par>
+                                <p:cTn fill="hold" nodeType="withEffect" presetClass="entr" presetID="10" presetSubtype="0">
+                                  <p:stCondLst>
+                                    <p:cond delay="0"/>
+                                  </p:stCondLst>
+                                  <p:childTnLst>
+                                    <p:set>
+                                      <p:cBhvr>
+                                        <p:cTn dur="1" fill="hold">
+                                          <p:stCondLst>
+                                            <p:cond delay="0"/>
+                                          </p:stCondLst>
+                                        </p:cTn>
+                                        <p:tgtEl>
+                                          <p:spTgt spid="170"/>
+                                        </p:tgtEl>
+                                        <p:attrNameLst>
+                                          <p:attrName>style.visibility</p:attrName>
+                                        </p:attrNameLst>
+                                      </p:cBhvr>
+                                      <p:to>
+                                        <p:strVal val="visible"/>
+                                      </p:to>
+                                    </p:set>
+                                    <p:animEffect filter="fade" transition="in">
+                                      <p:cBhvr>
+                                        <p:cTn dur="1000"/>
+                                        <p:tgtEl>
+                                          <p:spTgt spid="170"/>
+                                        </p:tgtEl>
+                                      </p:cBhvr>
+                                    </p:animEffect>
+                                  </p:childTnLst>
+                                </p:cTn>
+                              </p:par>
+                              <p:par>
+                                <p:cTn fill="hold" nodeType="withEffect" presetClass="entr" presetID="10" presetSubtype="0">
+                                  <p:stCondLst>
+                                    <p:cond delay="0"/>
+                                  </p:stCondLst>
+                                  <p:childTnLst>
+                                    <p:set>
+                                      <p:cBhvr>
+                                        <p:cTn dur="1" fill="hold">
+                                          <p:stCondLst>
+                                            <p:cond delay="0"/>
+                                          </p:stCondLst>
+                                        </p:cTn>
+                                        <p:tgtEl>
+                                          <p:spTgt spid="169"/>
+                                        </p:tgtEl>
+                                        <p:attrNameLst>
+                                          <p:attrName>style.visibility</p:attrName>
+                                        </p:attrNameLst>
+                                      </p:cBhvr>
+                                      <p:to>
+                                        <p:strVal val="visible"/>
+                                      </p:to>
+                                    </p:set>
+                                    <p:animEffect filter="fade" transition="in">
+                                      <p:cBhvr>
+                                        <p:cTn dur="1000"/>
+                                        <p:tgtEl>
+                                          <p:spTgt spid="169"/>
+                                        </p:tgtEl>
+                                      </p:cBhvr>
+                                    </p:animEffect>
+                                  </p:childTnLst>
+                                </p:cTn>
+                              </p:par>
+                            </p:childTnLst>
+                          </p:cTn>
+                        </p:par>
+                      </p:childTnLst>
+                    </p:cTn>
+                  </p:par>
+                </p:childTnLst>
+              </p:cTn>
+              <p:prevCondLst>
+                <p:cond evt="onPrev">
+                  <p:tgtEl>
+                    <p:sldTgt/>
+                  </p:tgtEl>
+                </p:cond>
+              </p:prevCondLst>
+              <p:nextCondLst>
+                <p:cond evt="onNext">
+                  <p:tgtEl>
+                    <p:sldTgt/>
+                  </p:tgtEl>
+                </p:cond>
+              </p:nextCondLst>
+            </p:seq>
+          </p:childTnLst>
+        </p:cTn>
+      </p:par>
+    </p:tnLst>
+  </p:timing>
+</p:sld>
+</file>
+
+<file path=ppt/slides/slide5.xml><?xml version="1.0" encoding="utf-8"?>
+<p:sld xmlns:a="http://schemas.openxmlformats.org/drawingml/2006/main" xmlns:r="http://schemas.openxmlformats.org/officeDocument/2006/relationships" xmlns:mc="http://schemas.openxmlformats.org/markup-compatibility/2006" xmlns:mv="urn:schemas-microsoft-com:mac:vml" xmlns:p="http://schemas.openxmlformats.org/presentationml/2006/main" xmlns:c="http://schemas.openxmlformats.org/drawingml/2006/chart" xmlns:dgm="http://schemas.openxmlformats.org/drawingml/2006/diagram" xmlns:o="urn:schemas-microsoft-com:office:office" xmlns:v="urn:schemas-microsoft-com:vml" xmlns:pvml="urn:schemas-microsoft-com:office:powerpoint" xmlns:com="http://schemas.openxmlformats.org/drawingml/2006/compatibility" xmlns:p14="http://schemas.microsoft.com/office/powerpoint/2010/main" xmlns:p15="http://schemas.microsoft.com/office/powerpoint/2012/main" xmlns:ahyp="http://schemas.microsoft.com/office/drawing/2018/hyperlinkcolor">
+  <p:cSld>
+    <p:spTree>
+      <p:nvGrpSpPr>
+        <p:cNvPr id="175" name="Shape 175"/>
+        <p:cNvGrpSpPr/>
+        <p:nvPr/>
+      </p:nvGrpSpPr>
+      <p:grpSpPr>
+        <a:xfrm>
+          <a:off x="0" y="0"/>
+          <a:ext cx="0" cy="0"/>
+          <a:chOff x="0" y="0"/>
+          <a:chExt cx="0" cy="0"/>
+        </a:xfrm>
+      </p:grpSpPr>
+      <p:sp>
+        <p:nvSpPr>
+          <p:cNvPr id="176" name="Google Shape;176;p17"/>
+          <p:cNvSpPr txBox="1"/>
+          <p:nvPr>
+            <p:ph type="title"/>
+          </p:nvPr>
+        </p:nvSpPr>
+        <p:spPr>
+          <a:xfrm>
+            <a:off x="311700" y="410000"/>
+            <a:ext cx="8520600" cy="607800"/>
+          </a:xfrm>
+          <a:prstGeom prst="rect">
+            <a:avLst/>
+          </a:prstGeom>
+        </p:spPr>
+        <p:txBody>
+          <a:bodyPr anchorCtr="0" anchor="t" bIns="91425" lIns="91425" spcFirstLastPara="1" rIns="91425" wrap="square" tIns="91425">
+            <a:noAutofit/>
+          </a:bodyPr>
+          <a:lstStyle/>
+          <a:p>
+            <a:pPr indent="0" lvl="0" marL="0" rtl="0" algn="l">
+              <a:spcBef>
+                <a:spcPts val="0"/>
+              </a:spcBef>
+              <a:spcAft>
+                <a:spcPts val="0"/>
+              </a:spcAft>
+              <a:buNone/>
+            </a:pPr>
+            <a:r>
               <a:t/>
             </a:r>
             <a:endParaRPr/>
@@ -10325,7 +15149,7 @@
       </p:sp>
       <p:sp>
         <p:nvSpPr>
-          <p:cNvPr id="106" name="Google Shape;106;p16"/>
+          <p:cNvPr id="177" name="Google Shape;177;p17"/>
           <p:cNvSpPr txBox="1"/>
           <p:nvPr>
             <p:ph idx="1" type="body"/>
@@ -10371,12 +15195,12 @@
 </p:sld>
 </file>
 
-<file path=ppt/slides/slide5.xml><?xml version="1.0" encoding="utf-8"?>
+<file path=ppt/slides/slide6.xml><?xml version="1.0" encoding="utf-8"?>
 <p:sld xmlns:a="http://schemas.openxmlformats.org/drawingml/2006/main" xmlns:r="http://schemas.openxmlformats.org/officeDocument/2006/relationships" xmlns:mc="http://schemas.openxmlformats.org/markup-compatibility/2006" xmlns:mv="urn:schemas-microsoft-com:mac:vml" xmlns:p="http://schemas.openxmlformats.org/presentationml/2006/main" xmlns:c="http://schemas.openxmlformats.org/drawingml/2006/chart" xmlns:dgm="http://schemas.openxmlformats.org/drawingml/2006/diagram" xmlns:o="urn:schemas-microsoft-com:office:office" xmlns:v="urn:schemas-microsoft-com:vml" xmlns:pvml="urn:schemas-microsoft-com:office:powerpoint" xmlns:com="http://schemas.openxmlformats.org/drawingml/2006/compatibility" xmlns:p14="http://schemas.microsoft.com/office/powerpoint/2010/main" xmlns:p15="http://schemas.microsoft.com/office/powerpoint/2012/main" xmlns:ahyp="http://schemas.microsoft.com/office/drawing/2018/hyperlinkcolor">
   <p:cSld>
     <p:spTree>
       <p:nvGrpSpPr>
-        <p:cNvPr id="110" name="Shape 110"/>
+        <p:cNvPr id="181" name="Shape 181"/>
         <p:cNvGrpSpPr/>
         <p:nvPr/>
       </p:nvGrpSpPr>
@@ -10390,76 +15214,7 @@
       </p:grpSpPr>
       <p:sp>
         <p:nvSpPr>
-          <p:cNvPr id="111" name="Google Shape;111;p17"/>
-          <p:cNvSpPr txBox="1"/>
-          <p:nvPr>
-            <p:ph type="title"/>
-          </p:nvPr>
-        </p:nvSpPr>
-        <p:spPr>
-          <a:xfrm>
-            <a:off x="311700" y="410000"/>
-            <a:ext cx="8520600" cy="607800"/>
-          </a:xfrm>
-          <a:prstGeom prst="rect">
-            <a:avLst/>
-          </a:prstGeom>
-        </p:spPr>
-        <p:txBody>
-          <a:bodyPr anchorCtr="0" anchor="t" bIns="91425" lIns="91425" spcFirstLastPara="1" rIns="91425" wrap="square" tIns="91425">
-            <a:noAutofit/>
-          </a:bodyPr>
-          <a:lstStyle/>
-          <a:p>
-            <a:pPr indent="0" lvl="0" marL="0" rtl="0" algn="l">
-              <a:spcBef>
-                <a:spcPts val="0"/>
-              </a:spcBef>
-              <a:spcAft>
-                <a:spcPts val="0"/>
-              </a:spcAft>
-              <a:buNone/>
-            </a:pPr>
-            <a:r>
-              <a:rPr lang="en"/>
-              <a:t>Overlapping</a:t>
-            </a:r>
-            <a:r>
-              <a:rPr lang="en"/>
-              <a:t> Deployments</a:t>
-            </a:r>
-            <a:endParaRPr/>
-          </a:p>
-        </p:txBody>
-      </p:sp>
-    </p:spTree>
-  </p:cSld>
-  <p:clrMapOvr>
-    <a:masterClrMapping/>
-  </p:clrMapOvr>
-</p:sld>
-</file>
-
-<file path=ppt/slides/slide6.xml><?xml version="1.0" encoding="utf-8"?>
-<p:sld xmlns:a="http://schemas.openxmlformats.org/drawingml/2006/main" xmlns:r="http://schemas.openxmlformats.org/officeDocument/2006/relationships" xmlns:mc="http://schemas.openxmlformats.org/markup-compatibility/2006" xmlns:mv="urn:schemas-microsoft-com:mac:vml" xmlns:p="http://schemas.openxmlformats.org/presentationml/2006/main" xmlns:c="http://schemas.openxmlformats.org/drawingml/2006/chart" xmlns:dgm="http://schemas.openxmlformats.org/drawingml/2006/diagram" xmlns:o="urn:schemas-microsoft-com:office:office" xmlns:v="urn:schemas-microsoft-com:vml" xmlns:pvml="urn:schemas-microsoft-com:office:powerpoint" xmlns:com="http://schemas.openxmlformats.org/drawingml/2006/compatibility" xmlns:p14="http://schemas.microsoft.com/office/powerpoint/2010/main" xmlns:p15="http://schemas.microsoft.com/office/powerpoint/2012/main" xmlns:ahyp="http://schemas.microsoft.com/office/drawing/2018/hyperlinkcolor">
-  <p:cSld>
-    <p:spTree>
-      <p:nvGrpSpPr>
-        <p:cNvPr id="115" name="Shape 115"/>
-        <p:cNvGrpSpPr/>
-        <p:nvPr/>
-      </p:nvGrpSpPr>
-      <p:grpSpPr>
-        <a:xfrm>
-          <a:off x="0" y="0"/>
-          <a:ext cx="0" cy="0"/>
-          <a:chOff x="0" y="0"/>
-          <a:chExt cx="0" cy="0"/>
-        </a:xfrm>
-      </p:grpSpPr>
-      <p:sp>
-        <p:nvSpPr>
-          <p:cNvPr id="116" name="Google Shape;116;p18"/>
+          <p:cNvPr id="182" name="Google Shape;182;p18"/>
           <p:cNvSpPr txBox="1"/>
           <p:nvPr>
             <p:ph type="title"/>
@@ -10509,7 +15264,7 @@
   <p:cSld>
     <p:spTree>
       <p:nvGrpSpPr>
-        <p:cNvPr id="120" name="Shape 120"/>
+        <p:cNvPr id="186" name="Shape 186"/>
         <p:cNvGrpSpPr/>
         <p:nvPr/>
       </p:nvGrpSpPr>
@@ -10523,7 +15278,7 @@
       </p:grpSpPr>
       <p:sp>
         <p:nvSpPr>
-          <p:cNvPr id="121" name="Google Shape;121;p19"/>
+          <p:cNvPr id="187" name="Google Shape;187;p19"/>
           <p:cNvSpPr txBox="1"/>
           <p:nvPr>
             <p:ph type="title"/>
@@ -10562,7 +15317,7 @@
       </p:sp>
       <p:sp>
         <p:nvSpPr>
-          <p:cNvPr id="122" name="Google Shape;122;p19"/>
+          <p:cNvPr id="188" name="Google Shape;188;p19"/>
           <p:cNvSpPr txBox="1"/>
           <p:nvPr>
             <p:ph idx="1" type="subTitle"/>
@@ -10601,7 +15356,7 @@
       </p:sp>
       <p:sp>
         <p:nvSpPr>
-          <p:cNvPr id="123" name="Google Shape;123;p19"/>
+          <p:cNvPr id="189" name="Google Shape;189;p19"/>
           <p:cNvSpPr txBox="1"/>
           <p:nvPr>
             <p:ph idx="2" type="body"/>

--- a/GitFlow useful scenarios.pptx
+++ b/GitFlow useful scenarios.pptx
@@ -14,17 +14,16 @@
     <p:sldId id="259" r:id="rId9"/>
     <p:sldId id="260" r:id="rId10"/>
     <p:sldId id="261" r:id="rId11"/>
-    <p:sldId id="262" r:id="rId12"/>
   </p:sldIdLst>
   <p:sldSz cy="5143500" cx="9144000"/>
   <p:notesSz cx="6858000" cy="9144000"/>
   <p:embeddedFontLst>
     <p:embeddedFont>
       <p:font typeface="Roboto"/>
-      <p:regular r:id="rId13"/>
-      <p:bold r:id="rId14"/>
-      <p:italic r:id="rId15"/>
-      <p:boldItalic r:id="rId16"/>
+      <p:regular r:id="rId12"/>
+      <p:bold r:id="rId13"/>
+      <p:italic r:id="rId14"/>
+      <p:boldItalic r:id="rId15"/>
     </p:embeddedFont>
   </p:embeddedFontLst>
   <p:defaultTextStyle>
@@ -1003,7 +1002,7 @@
   <p:cSld>
     <p:spTree>
       <p:nvGrpSpPr>
-        <p:cNvPr id="136" name="Shape 136"/>
+        <p:cNvPr id="137" name="Shape 137"/>
         <p:cNvGrpSpPr/>
         <p:nvPr/>
       </p:nvGrpSpPr>
@@ -1017,7 +1016,7 @@
       </p:grpSpPr>
       <p:sp>
         <p:nvSpPr>
-          <p:cNvPr id="137" name="Google Shape;137;gb4aba6a4ba_0_25:notes"/>
+          <p:cNvPr id="138" name="Google Shape;138;gb4aba6a4ba_0_25:notes"/>
           <p:cNvSpPr/>
           <p:nvPr>
             <p:ph idx="2" type="sldImg"/>
@@ -1052,7 +1051,7 @@
       </p:sp>
       <p:sp>
         <p:nvSpPr>
-          <p:cNvPr id="138" name="Google Shape;138;gb4aba6a4ba_0_25:notes"/>
+          <p:cNvPr id="139" name="Google Shape;139;gb4aba6a4ba_0_25:notes"/>
           <p:cNvSpPr txBox="1"/>
           <p:nvPr>
             <p:ph idx="1" type="body"/>
@@ -1102,7 +1101,7 @@
   <p:cSld>
     <p:spTree>
       <p:nvGrpSpPr>
-        <p:cNvPr id="172" name="Shape 172"/>
+        <p:cNvPr id="174" name="Shape 174"/>
         <p:cNvGrpSpPr/>
         <p:nvPr/>
       </p:nvGrpSpPr>
@@ -1116,7 +1115,7 @@
       </p:grpSpPr>
       <p:sp>
         <p:nvSpPr>
-          <p:cNvPr id="173" name="Google Shape;173;gb4a436c93f_0_1522:notes"/>
+          <p:cNvPr id="175" name="Google Shape;175;gb4aba6a4ba_0_70:notes"/>
           <p:cNvSpPr/>
           <p:nvPr>
             <p:ph idx="2" type="sldImg"/>
@@ -1151,7 +1150,7 @@
       </p:sp>
       <p:sp>
         <p:nvSpPr>
-          <p:cNvPr id="174" name="Google Shape;174;gb4a436c93f_0_1522:notes"/>
+          <p:cNvPr id="176" name="Google Shape;176;gb4aba6a4ba_0_70:notes"/>
           <p:cNvSpPr txBox="1"/>
           <p:nvPr>
             <p:ph idx="1" type="body"/>
@@ -1201,7 +1200,7 @@
   <p:cSld>
     <p:spTree>
       <p:nvGrpSpPr>
-        <p:cNvPr id="178" name="Shape 178"/>
+        <p:cNvPr id="191" name="Shape 191"/>
         <p:cNvGrpSpPr/>
         <p:nvPr/>
       </p:nvGrpSpPr>
@@ -1215,7 +1214,7 @@
       </p:grpSpPr>
       <p:sp>
         <p:nvSpPr>
-          <p:cNvPr id="179" name="Google Shape;179;gb4a436c93f_0_665:notes"/>
+          <p:cNvPr id="192" name="Google Shape;192;gb4aba6a4ba_0_122:notes"/>
           <p:cNvSpPr/>
           <p:nvPr>
             <p:ph idx="2" type="sldImg"/>
@@ -1250,106 +1249,7 @@
       </p:sp>
       <p:sp>
         <p:nvSpPr>
-          <p:cNvPr id="180" name="Google Shape;180;gb4a436c93f_0_665:notes"/>
-          <p:cNvSpPr txBox="1"/>
-          <p:nvPr>
-            <p:ph idx="1" type="body"/>
-          </p:nvPr>
-        </p:nvSpPr>
-        <p:spPr>
-          <a:xfrm>
-            <a:off x="685800" y="4343400"/>
-            <a:ext cx="5486400" cy="4114800"/>
-          </a:xfrm>
-          <a:prstGeom prst="rect">
-            <a:avLst/>
-          </a:prstGeom>
-        </p:spPr>
-        <p:txBody>
-          <a:bodyPr anchorCtr="0" anchor="t" bIns="91425" lIns="91425" spcFirstLastPara="1" rIns="91425" wrap="square" tIns="91425">
-            <a:noAutofit/>
-          </a:bodyPr>
-          <a:lstStyle/>
-          <a:p>
-            <a:pPr indent="0" lvl="0" marL="0" rtl="0" algn="l">
-              <a:spcBef>
-                <a:spcPts val="0"/>
-              </a:spcBef>
-              <a:spcAft>
-                <a:spcPts val="0"/>
-              </a:spcAft>
-              <a:buNone/>
-            </a:pPr>
-            <a:r>
-              <a:t/>
-            </a:r>
-            <a:endParaRPr/>
-          </a:p>
-        </p:txBody>
-      </p:sp>
-    </p:spTree>
-  </p:cSld>
-  <p:clrMapOvr>
-    <a:masterClrMapping/>
-  </p:clrMapOvr>
-</p:notes>
-</file>
-
-<file path=ppt/notesSlides/notesSlide7.xml><?xml version="1.0" encoding="utf-8"?>
-<p:notes xmlns:a="http://schemas.openxmlformats.org/drawingml/2006/main" xmlns:r="http://schemas.openxmlformats.org/officeDocument/2006/relationships" xmlns:mc="http://schemas.openxmlformats.org/markup-compatibility/2006" xmlns:mv="urn:schemas-microsoft-com:mac:vml" xmlns:p="http://schemas.openxmlformats.org/presentationml/2006/main" xmlns:c="http://schemas.openxmlformats.org/drawingml/2006/chart" xmlns:dgm="http://schemas.openxmlformats.org/drawingml/2006/diagram" xmlns:o="urn:schemas-microsoft-com:office:office" xmlns:v="urn:schemas-microsoft-com:vml" xmlns:pvml="urn:schemas-microsoft-com:office:powerpoint" xmlns:com="http://schemas.openxmlformats.org/drawingml/2006/compatibility" xmlns:p14="http://schemas.microsoft.com/office/powerpoint/2010/main" xmlns:p15="http://schemas.microsoft.com/office/powerpoint/2012/main" xmlns:ahyp="http://schemas.microsoft.com/office/drawing/2018/hyperlinkcolor" showMasterPhAnim="0" showMasterSp="0">
-  <p:cSld>
-    <p:spTree>
-      <p:nvGrpSpPr>
-        <p:cNvPr id="183" name="Shape 183"/>
-        <p:cNvGrpSpPr/>
-        <p:nvPr/>
-      </p:nvGrpSpPr>
-      <p:grpSpPr>
-        <a:xfrm>
-          <a:off x="0" y="0"/>
-          <a:ext cx="0" cy="0"/>
-          <a:chOff x="0" y="0"/>
-          <a:chExt cx="0" cy="0"/>
-        </a:xfrm>
-      </p:grpSpPr>
-      <p:sp>
-        <p:nvSpPr>
-          <p:cNvPr id="184" name="Google Shape;184;gb4a436c93f_0_899:notes"/>
-          <p:cNvSpPr/>
-          <p:nvPr>
-            <p:ph idx="2" type="sldImg"/>
-          </p:nvPr>
-        </p:nvSpPr>
-        <p:spPr>
-          <a:xfrm>
-            <a:off x="381300" y="685800"/>
-            <a:ext cx="6096000" cy="3429000"/>
-          </a:xfrm>
-          <a:custGeom>
-            <a:rect b="b" l="l" r="r" t="t"/>
-            <a:pathLst>
-              <a:path extrusionOk="0" h="120000" w="120000">
-                <a:moveTo>
-                  <a:pt x="0" y="0"/>
-                </a:moveTo>
-                <a:lnTo>
-                  <a:pt x="120000" y="0"/>
-                </a:lnTo>
-                <a:lnTo>
-                  <a:pt x="120000" y="120000"/>
-                </a:lnTo>
-                <a:lnTo>
-                  <a:pt x="0" y="120000"/>
-                </a:lnTo>
-                <a:close/>
-              </a:path>
-            </a:pathLst>
-          </a:custGeom>
-        </p:spPr>
-      </p:sp>
-      <p:sp>
-        <p:nvSpPr>
-          <p:cNvPr id="185" name="Google Shape;185;gb4a436c93f_0_899:notes"/>
+          <p:cNvPr id="193" name="Google Shape;193;gb4aba6a4ba_0_122:notes"/>
           <p:cNvSpPr txBox="1"/>
           <p:nvPr>
             <p:ph idx="1" type="body"/>
@@ -8045,7 +7945,7 @@
             </a:pPr>
             <a:r>
               <a:rPr lang="en"/>
-              <a:t>Adopting Git Flow </a:t>
+              <a:t>Adopting GitFlow </a:t>
             </a:r>
             <a:endParaRPr/>
           </a:p>
@@ -8352,7 +8252,7 @@
             </a:pPr>
             <a:r>
               <a:rPr lang="en" sz="1400"/>
-              <a:t>It forces to deploy  on One Monolithic Dev environment.</a:t>
+              <a:t>It forces to deploy  to a single app-name environment.</a:t>
             </a:r>
             <a:endParaRPr sz="1400"/>
           </a:p>
@@ -8369,7 +8269,7 @@
             </a:pPr>
             <a:r>
               <a:rPr lang="en" sz="1400"/>
-              <a:t>It forces to merge to master/trunk before feature is completed.</a:t>
+              <a:t>It forces to merge to develop/release before feature is completed.</a:t>
             </a:r>
             <a:endParaRPr sz="1400"/>
           </a:p>
@@ -8406,12 +8306,26 @@
               <a:buChar char="○"/>
             </a:pPr>
             <a:r>
-              <a:rPr lang="en"/>
+              <a:rPr lang="en" u="sng">
+                <a:solidFill>
+                  <a:schemeClr val="hlink"/>
+                </a:solidFill>
+                <a:hlinkClick action="ppaction://hlinksldjump" r:id="rId3"/>
+              </a:rPr>
               <a:t>O</a:t>
             </a:r>
             <a:r>
+              <a:rPr lang="en" sz="1400" u="sng">
+                <a:solidFill>
+                  <a:schemeClr val="hlink"/>
+                </a:solidFill>
+                <a:hlinkClick action="ppaction://hlinksldjump" r:id="rId4"/>
+              </a:rPr>
+              <a:t>verlapping deployments</a:t>
+            </a:r>
+            <a:r>
               <a:rPr lang="en" sz="1400"/>
-              <a:t>verlapping deployments.</a:t>
+              <a:t>.</a:t>
             </a:r>
             <a:endParaRPr sz="1400"/>
           </a:p>
@@ -8427,8 +8341,13 @@
               <a:buChar char="○"/>
             </a:pPr>
             <a:r>
-              <a:rPr lang="en"/>
-              <a:t>Hot-fix contamination.</a:t>
+              <a:rPr lang="en" u="sng">
+                <a:solidFill>
+                  <a:schemeClr val="hlink"/>
+                </a:solidFill>
+                <a:hlinkClick action="ppaction://hlinksldjump" r:id="rId5"/>
+              </a:rPr>
+              <a:t>Hot-fix contamination if not cloned from master.</a:t>
             </a:r>
             <a:endParaRPr/>
           </a:p>
@@ -8444,8 +8363,17 @@
               <a:buChar char="●"/>
             </a:pPr>
             <a:r>
+              <a:rPr lang="en" sz="1400" u="sng">
+                <a:solidFill>
+                  <a:schemeClr val="hlink"/>
+                </a:solidFill>
+                <a:hlinkClick action="ppaction://hlinksldjump" r:id="rId6"/>
+              </a:rPr>
+              <a:t>Non granular/feature oriented deployments</a:t>
+            </a:r>
+            <a:r>
               <a:rPr lang="en" sz="1400"/>
-              <a:t>Non granular/feature oriented deployments.</a:t>
+              <a:t>.</a:t>
             </a:r>
             <a:endParaRPr sz="1400"/>
           </a:p>
@@ -8505,11 +8433,7 @@
                                           </p:stCondLst>
                                         </p:cTn>
                                         <p:tgtEl>
-                                          <p:spTgt spid="92">
-                                            <p:txEl>
-                                              <p:pRg end="0" st="0"/>
-                                            </p:txEl>
-                                          </p:spTgt>
+                                          <p:spTgt spid="92"/>
                                         </p:tgtEl>
                                         <p:attrNameLst>
                                           <p:attrName>style.visibility</p:attrName>
@@ -8523,377 +8447,7 @@
                                       <p:cBhvr>
                                         <p:cTn dur="1000"/>
                                         <p:tgtEl>
-                                          <p:spTgt spid="92">
-                                            <p:txEl>
-                                              <p:pRg end="0" st="0"/>
-                                            </p:txEl>
-                                          </p:spTgt>
-                                        </p:tgtEl>
-                                      </p:cBhvr>
-                                    </p:animEffect>
-                                  </p:childTnLst>
-                                </p:cTn>
-                              </p:par>
-                            </p:childTnLst>
-                          </p:cTn>
-                        </p:par>
-                      </p:childTnLst>
-                    </p:cTn>
-                  </p:par>
-                  <p:par>
-                    <p:cTn fill="hold">
-                      <p:stCondLst>
-                        <p:cond delay="indefinite"/>
-                      </p:stCondLst>
-                      <p:childTnLst>
-                        <p:par>
-                          <p:cTn fill="hold">
-                            <p:stCondLst>
-                              <p:cond delay="0"/>
-                            </p:stCondLst>
-                            <p:childTnLst>
-                              <p:par>
-                                <p:cTn fill="hold" nodeType="clickEffect" presetClass="entr" presetID="10" presetSubtype="0">
-                                  <p:stCondLst>
-                                    <p:cond delay="0"/>
-                                  </p:stCondLst>
-                                  <p:childTnLst>
-                                    <p:set>
-                                      <p:cBhvr>
-                                        <p:cTn dur="1" fill="hold">
-                                          <p:stCondLst>
-                                            <p:cond delay="0"/>
-                                          </p:stCondLst>
-                                        </p:cTn>
-                                        <p:tgtEl>
-                                          <p:spTgt spid="92">
-                                            <p:txEl>
-                                              <p:pRg end="1" st="1"/>
-                                            </p:txEl>
-                                          </p:spTgt>
-                                        </p:tgtEl>
-                                        <p:attrNameLst>
-                                          <p:attrName>style.visibility</p:attrName>
-                                        </p:attrNameLst>
-                                      </p:cBhvr>
-                                      <p:to>
-                                        <p:strVal val="visible"/>
-                                      </p:to>
-                                    </p:set>
-                                    <p:animEffect filter="fade" transition="in">
-                                      <p:cBhvr>
-                                        <p:cTn dur="1000"/>
-                                        <p:tgtEl>
-                                          <p:spTgt spid="92">
-                                            <p:txEl>
-                                              <p:pRg end="1" st="1"/>
-                                            </p:txEl>
-                                          </p:spTgt>
-                                        </p:tgtEl>
-                                      </p:cBhvr>
-                                    </p:animEffect>
-                                  </p:childTnLst>
-                                </p:cTn>
-                              </p:par>
-                            </p:childTnLst>
-                          </p:cTn>
-                        </p:par>
-                      </p:childTnLst>
-                    </p:cTn>
-                  </p:par>
-                  <p:par>
-                    <p:cTn fill="hold">
-                      <p:stCondLst>
-                        <p:cond delay="indefinite"/>
-                      </p:stCondLst>
-                      <p:childTnLst>
-                        <p:par>
-                          <p:cTn fill="hold">
-                            <p:stCondLst>
-                              <p:cond delay="0"/>
-                            </p:stCondLst>
-                            <p:childTnLst>
-                              <p:par>
-                                <p:cTn fill="hold" nodeType="clickEffect" presetClass="entr" presetID="10" presetSubtype="0">
-                                  <p:stCondLst>
-                                    <p:cond delay="0"/>
-                                  </p:stCondLst>
-                                  <p:childTnLst>
-                                    <p:set>
-                                      <p:cBhvr>
-                                        <p:cTn dur="1" fill="hold">
-                                          <p:stCondLst>
-                                            <p:cond delay="0"/>
-                                          </p:stCondLst>
-                                        </p:cTn>
-                                        <p:tgtEl>
-                                          <p:spTgt spid="92">
-                                            <p:txEl>
-                                              <p:pRg end="2" st="2"/>
-                                            </p:txEl>
-                                          </p:spTgt>
-                                        </p:tgtEl>
-                                        <p:attrNameLst>
-                                          <p:attrName>style.visibility</p:attrName>
-                                        </p:attrNameLst>
-                                      </p:cBhvr>
-                                      <p:to>
-                                        <p:strVal val="visible"/>
-                                      </p:to>
-                                    </p:set>
-                                    <p:animEffect filter="fade" transition="in">
-                                      <p:cBhvr>
-                                        <p:cTn dur="1000"/>
-                                        <p:tgtEl>
-                                          <p:spTgt spid="92">
-                                            <p:txEl>
-                                              <p:pRg end="2" st="2"/>
-                                            </p:txEl>
-                                          </p:spTgt>
-                                        </p:tgtEl>
-                                      </p:cBhvr>
-                                    </p:animEffect>
-                                  </p:childTnLst>
-                                </p:cTn>
-                              </p:par>
-                            </p:childTnLst>
-                          </p:cTn>
-                        </p:par>
-                      </p:childTnLst>
-                    </p:cTn>
-                  </p:par>
-                  <p:par>
-                    <p:cTn fill="hold">
-                      <p:stCondLst>
-                        <p:cond delay="indefinite"/>
-                      </p:stCondLst>
-                      <p:childTnLst>
-                        <p:par>
-                          <p:cTn fill="hold">
-                            <p:stCondLst>
-                              <p:cond delay="0"/>
-                            </p:stCondLst>
-                            <p:childTnLst>
-                              <p:par>
-                                <p:cTn fill="hold" nodeType="clickEffect" presetClass="entr" presetID="10" presetSubtype="0">
-                                  <p:stCondLst>
-                                    <p:cond delay="0"/>
-                                  </p:stCondLst>
-                                  <p:childTnLst>
-                                    <p:set>
-                                      <p:cBhvr>
-                                        <p:cTn dur="1" fill="hold">
-                                          <p:stCondLst>
-                                            <p:cond delay="0"/>
-                                          </p:stCondLst>
-                                        </p:cTn>
-                                        <p:tgtEl>
-                                          <p:spTgt spid="92">
-                                            <p:txEl>
-                                              <p:pRg end="3" st="3"/>
-                                            </p:txEl>
-                                          </p:spTgt>
-                                        </p:tgtEl>
-                                        <p:attrNameLst>
-                                          <p:attrName>style.visibility</p:attrName>
-                                        </p:attrNameLst>
-                                      </p:cBhvr>
-                                      <p:to>
-                                        <p:strVal val="visible"/>
-                                      </p:to>
-                                    </p:set>
-                                    <p:animEffect filter="fade" transition="in">
-                                      <p:cBhvr>
-                                        <p:cTn dur="1000"/>
-                                        <p:tgtEl>
-                                          <p:spTgt spid="92">
-                                            <p:txEl>
-                                              <p:pRg end="3" st="3"/>
-                                            </p:txEl>
-                                          </p:spTgt>
-                                        </p:tgtEl>
-                                      </p:cBhvr>
-                                    </p:animEffect>
-                                  </p:childTnLst>
-                                </p:cTn>
-                              </p:par>
-                            </p:childTnLst>
-                          </p:cTn>
-                        </p:par>
-                      </p:childTnLst>
-                    </p:cTn>
-                  </p:par>
-                  <p:par>
-                    <p:cTn fill="hold">
-                      <p:stCondLst>
-                        <p:cond delay="indefinite"/>
-                      </p:stCondLst>
-                      <p:childTnLst>
-                        <p:par>
-                          <p:cTn fill="hold">
-                            <p:stCondLst>
-                              <p:cond delay="0"/>
-                            </p:stCondLst>
-                            <p:childTnLst>
-                              <p:par>
-                                <p:cTn fill="hold" nodeType="clickEffect" presetClass="entr" presetID="10" presetSubtype="0">
-                                  <p:stCondLst>
-                                    <p:cond delay="0"/>
-                                  </p:stCondLst>
-                                  <p:childTnLst>
-                                    <p:set>
-                                      <p:cBhvr>
-                                        <p:cTn dur="1" fill="hold">
-                                          <p:stCondLst>
-                                            <p:cond delay="0"/>
-                                          </p:stCondLst>
-                                        </p:cTn>
-                                        <p:tgtEl>
-                                          <p:spTgt spid="92">
-                                            <p:txEl>
-                                              <p:pRg end="4" st="4"/>
-                                            </p:txEl>
-                                          </p:spTgt>
-                                        </p:tgtEl>
-                                        <p:attrNameLst>
-                                          <p:attrName>style.visibility</p:attrName>
-                                        </p:attrNameLst>
-                                      </p:cBhvr>
-                                      <p:to>
-                                        <p:strVal val="visible"/>
-                                      </p:to>
-                                    </p:set>
-                                    <p:animEffect filter="fade" transition="in">
-                                      <p:cBhvr>
-                                        <p:cTn dur="1000"/>
-                                        <p:tgtEl>
-                                          <p:spTgt spid="92">
-                                            <p:txEl>
-                                              <p:pRg end="4" st="4"/>
-                                            </p:txEl>
-                                          </p:spTgt>
-                                        </p:tgtEl>
-                                      </p:cBhvr>
-                                    </p:animEffect>
-                                  </p:childTnLst>
-                                </p:cTn>
-                              </p:par>
-                            </p:childTnLst>
-                          </p:cTn>
-                        </p:par>
-                      </p:childTnLst>
-                    </p:cTn>
-                  </p:par>
-                  <p:par>
-                    <p:cTn fill="hold">
-                      <p:stCondLst>
-                        <p:cond delay="indefinite"/>
-                      </p:stCondLst>
-                      <p:childTnLst>
-                        <p:par>
-                          <p:cTn fill="hold">
-                            <p:stCondLst>
-                              <p:cond delay="0"/>
-                            </p:stCondLst>
-                            <p:childTnLst>
-                              <p:par>
-                                <p:cTn fill="hold" nodeType="clickEffect" presetClass="entr" presetID="10" presetSubtype="0">
-                                  <p:stCondLst>
-                                    <p:cond delay="0"/>
-                                  </p:stCondLst>
-                                  <p:childTnLst>
-                                    <p:set>
-                                      <p:cBhvr>
-                                        <p:cTn dur="1" fill="hold">
-                                          <p:stCondLst>
-                                            <p:cond delay="0"/>
-                                          </p:stCondLst>
-                                        </p:cTn>
-                                        <p:tgtEl>
-                                          <p:spTgt spid="92">
-                                            <p:txEl>
-                                              <p:pRg end="5" st="5"/>
-                                            </p:txEl>
-                                          </p:spTgt>
-                                        </p:tgtEl>
-                                        <p:attrNameLst>
-                                          <p:attrName>style.visibility</p:attrName>
-                                        </p:attrNameLst>
-                                      </p:cBhvr>
-                                      <p:to>
-                                        <p:strVal val="visible"/>
-                                      </p:to>
-                                    </p:set>
-                                    <p:animEffect filter="fade" transition="in">
-                                      <p:cBhvr>
-                                        <p:cTn dur="1000"/>
-                                        <p:tgtEl>
-                                          <p:spTgt spid="92">
-                                            <p:txEl>
-                                              <p:pRg end="5" st="5"/>
-                                            </p:txEl>
-                                          </p:spTgt>
-                                        </p:tgtEl>
-                                      </p:cBhvr>
-                                    </p:animEffect>
-                                  </p:childTnLst>
-                                </p:cTn>
-                              </p:par>
-                            </p:childTnLst>
-                          </p:cTn>
-                        </p:par>
-                      </p:childTnLst>
-                    </p:cTn>
-                  </p:par>
-                  <p:par>
-                    <p:cTn fill="hold">
-                      <p:stCondLst>
-                        <p:cond delay="indefinite"/>
-                      </p:stCondLst>
-                      <p:childTnLst>
-                        <p:par>
-                          <p:cTn fill="hold">
-                            <p:stCondLst>
-                              <p:cond delay="0"/>
-                            </p:stCondLst>
-                            <p:childTnLst>
-                              <p:par>
-                                <p:cTn fill="hold" nodeType="clickEffect" presetClass="entr" presetID="10" presetSubtype="0">
-                                  <p:stCondLst>
-                                    <p:cond delay="0"/>
-                                  </p:stCondLst>
-                                  <p:childTnLst>
-                                    <p:set>
-                                      <p:cBhvr>
-                                        <p:cTn dur="1" fill="hold">
-                                          <p:stCondLst>
-                                            <p:cond delay="0"/>
-                                          </p:stCondLst>
-                                        </p:cTn>
-                                        <p:tgtEl>
-                                          <p:spTgt spid="92">
-                                            <p:txEl>
-                                              <p:pRg end="6" st="6"/>
-                                            </p:txEl>
-                                          </p:spTgt>
-                                        </p:tgtEl>
-                                        <p:attrNameLst>
-                                          <p:attrName>style.visibility</p:attrName>
-                                        </p:attrNameLst>
-                                      </p:cBhvr>
-                                      <p:to>
-                                        <p:strVal val="visible"/>
-                                      </p:to>
-                                    </p:set>
-                                    <p:animEffect filter="fade" transition="in">
-                                      <p:cBhvr>
-                                        <p:cTn dur="1000"/>
-                                        <p:tgtEl>
-                                          <p:spTgt spid="92">
-                                            <p:txEl>
-                                              <p:pRg end="6" st="6"/>
-                                            </p:txEl>
-                                          </p:spTgt>
+                                          <p:spTgt spid="92"/>
                                         </p:tgtEl>
                                       </p:cBhvr>
                                     </p:animEffect>
@@ -9497,7 +9051,7 @@
             </a:avLst>
           </a:prstGeom>
           <a:solidFill>
-            <a:srgbClr val="A4C2F4"/>
+            <a:srgbClr val="0B5394"/>
           </a:solidFill>
           <a:ln cap="flat" cmpd="sng" w="9525">
             <a:solidFill>
@@ -9526,6 +9080,9 @@
             </a:pPr>
             <a:r>
               <a:rPr lang="en" sz="1200">
+                <a:solidFill>
+                  <a:srgbClr val="FFFFFF"/>
+                </a:solidFill>
                 <a:latin typeface="Consolas"/>
                 <a:ea typeface="Consolas"/>
                 <a:cs typeface="Consolas"/>
@@ -9535,6 +9092,9 @@
             </a:r>
             <a:r>
               <a:rPr lang="en" sz="1200">
+                <a:solidFill>
+                  <a:srgbClr val="FFFFFF"/>
+                </a:solidFill>
                 <a:latin typeface="Consolas"/>
                 <a:ea typeface="Consolas"/>
                 <a:cs typeface="Consolas"/>
@@ -9543,6 +9103,9 @@
               <a:t>aster</a:t>
             </a:r>
             <a:endParaRPr sz="1200">
+              <a:solidFill>
+                <a:srgbClr val="FFFFFF"/>
+              </a:solidFill>
               <a:latin typeface="Consolas"/>
               <a:ea typeface="Consolas"/>
               <a:cs typeface="Consolas"/>
@@ -10043,7 +9606,7 @@
               </a:pPr>
               <a:r>
                 <a:rPr lang="en" sz="1100"/>
-                <a:t>v0.2</a:t>
+                <a:t>v0.1</a:t>
               </a:r>
               <a:endParaRPr sz="1100"/>
             </a:p>
@@ -10334,7 +9897,7 @@
             </a:r>
             <a:r>
               <a:rPr lang="en" sz="1000"/>
-              <a:t>0.2  +   </a:t>
+              <a:t>0.1  +   </a:t>
             </a:r>
             <a:r>
               <a:rPr b="1" lang="en" sz="1000"/>
@@ -10402,7 +9965,11 @@
               </a:pPr>
               <a:r>
                 <a:rPr lang="en" sz="1100"/>
-                <a:t>Monolithic-Dev</a:t>
+                <a:t>Single</a:t>
+              </a:r>
+              <a:r>
+                <a:rPr lang="en" sz="1100"/>
+                <a:t>-Dev</a:t>
               </a:r>
               <a:endParaRPr sz="1100"/>
             </a:p>
@@ -10512,7 +10079,11 @@
               </a:pPr>
               <a:r>
                 <a:rPr lang="en" sz="1100"/>
-                <a:t>Monolithic-Test</a:t>
+                <a:t>Single</a:t>
+              </a:r>
+              <a:r>
+                <a:rPr lang="en" sz="1100"/>
+                <a:t>-Test</a:t>
               </a:r>
               <a:endParaRPr sz="1100"/>
             </a:p>
@@ -10795,7 +10366,7 @@
             </a:r>
             <a:r>
               <a:rPr lang="en" sz="1000"/>
-              <a:t>0.2 + </a:t>
+              <a:t>0.1 + </a:t>
             </a:r>
             <a:r>
               <a:rPr b="1" lang="en" sz="1000"/>
@@ -11087,7 +10658,7 @@
             </a:pPr>
             <a:r>
               <a:rPr lang="en" sz="1000"/>
-              <a:t>v0.2  +   </a:t>
+              <a:t>v0.1  +   </a:t>
             </a:r>
             <a:r>
               <a:rPr b="1" lang="en" sz="1000"/>
@@ -11159,6 +10730,60 @@
           </a:ln>
         </p:spPr>
       </p:cxnSp>
+      <p:sp>
+        <p:nvSpPr>
+          <p:cNvPr id="136" name="Google Shape;136;p15">
+            <a:hlinkClick action="ppaction://hlinksldjump" r:id="rId3"/>
+          </p:cNvPr>
+          <p:cNvSpPr/>
+          <p:nvPr/>
+        </p:nvSpPr>
+        <p:spPr>
+          <a:xfrm>
+            <a:off x="8600100" y="593300"/>
+            <a:ext cx="232200" cy="241200"/>
+          </a:xfrm>
+          <a:prstGeom prst="leftArrow">
+            <a:avLst>
+              <a:gd fmla="val 50000" name="adj1"/>
+              <a:gd fmla="val 50000" name="adj2"/>
+            </a:avLst>
+          </a:prstGeom>
+          <a:solidFill>
+            <a:srgbClr val="0B5394"/>
+          </a:solidFill>
+          <a:ln cap="flat" cmpd="sng" w="9525">
+            <a:solidFill>
+              <a:schemeClr val="dk2"/>
+            </a:solidFill>
+            <a:prstDash val="solid"/>
+            <a:round/>
+            <a:headEnd len="sm" w="sm" type="none"/>
+            <a:tailEnd len="sm" w="sm" type="none"/>
+          </a:ln>
+        </p:spPr>
+        <p:txBody>
+          <a:bodyPr anchorCtr="0" anchor="ctr" bIns="91425" lIns="91425" spcFirstLastPara="1" rIns="91425" wrap="square" tIns="91425">
+            <a:noAutofit/>
+          </a:bodyPr>
+          <a:lstStyle/>
+          <a:p>
+            <a:pPr indent="0" lvl="0" marL="0" rtl="0" algn="l">
+              <a:spcBef>
+                <a:spcPts val="0"/>
+              </a:spcBef>
+              <a:spcAft>
+                <a:spcPts val="0"/>
+              </a:spcAft>
+              <a:buNone/>
+            </a:pPr>
+            <a:r>
+              <a:t/>
+            </a:r>
+            <a:endParaRPr/>
+          </a:p>
+        </p:txBody>
+      </p:sp>
     </p:spTree>
   </p:cSld>
   <p:clrMapOvr>
@@ -12575,7 +12200,7 @@
   <p:cSld>
     <p:spTree>
       <p:nvGrpSpPr>
-        <p:cNvPr id="139" name="Shape 139"/>
+        <p:cNvPr id="140" name="Shape 140"/>
         <p:cNvGrpSpPr/>
         <p:nvPr/>
       </p:nvGrpSpPr>
@@ -12589,7 +12214,7 @@
       </p:grpSpPr>
       <p:sp>
         <p:nvSpPr>
-          <p:cNvPr id="140" name="Google Shape;140;p16"/>
+          <p:cNvPr id="141" name="Google Shape;141;p16"/>
           <p:cNvSpPr txBox="1"/>
           <p:nvPr>
             <p:ph type="title"/>
@@ -12629,7 +12254,7 @@
       </p:sp>
       <p:sp>
         <p:nvSpPr>
-          <p:cNvPr id="141" name="Google Shape;141;p16"/>
+          <p:cNvPr id="142" name="Google Shape;142;p16"/>
           <p:cNvSpPr/>
           <p:nvPr/>
         </p:nvSpPr>
@@ -12644,7 +12269,7 @@
             </a:avLst>
           </a:prstGeom>
           <a:solidFill>
-            <a:srgbClr val="A4C2F4"/>
+            <a:srgbClr val="0B5394"/>
           </a:solidFill>
           <a:ln cap="flat" cmpd="sng" w="9525">
             <a:solidFill>
@@ -12673,6 +12298,9 @@
             </a:pPr>
             <a:r>
               <a:rPr lang="en" sz="1200">
+                <a:solidFill>
+                  <a:srgbClr val="FFFFFF"/>
+                </a:solidFill>
                 <a:latin typeface="Consolas"/>
                 <a:ea typeface="Consolas"/>
                 <a:cs typeface="Consolas"/>
@@ -12681,6 +12309,9 @@
               <a:t>master</a:t>
             </a:r>
             <a:endParaRPr sz="1200">
+              <a:solidFill>
+                <a:srgbClr val="FFFFFF"/>
+              </a:solidFill>
               <a:latin typeface="Consolas"/>
               <a:ea typeface="Consolas"/>
               <a:cs typeface="Consolas"/>
@@ -12691,7 +12322,7 @@
       </p:sp>
       <p:sp>
         <p:nvSpPr>
-          <p:cNvPr id="142" name="Google Shape;142;p16"/>
+          <p:cNvPr id="143" name="Google Shape;143;p16"/>
           <p:cNvSpPr/>
           <p:nvPr/>
         </p:nvSpPr>
@@ -12753,10 +12384,10 @@
       </p:sp>
       <p:cxnSp>
         <p:nvCxnSpPr>
-          <p:cNvPr id="143" name="Google Shape;143;p16"/>
+          <p:cNvPr id="144" name="Google Shape;144;p16"/>
           <p:cNvCxnSpPr>
-            <a:stCxn id="141" idx="3"/>
-            <a:endCxn id="142" idx="1"/>
+            <a:stCxn id="142" idx="3"/>
+            <a:endCxn id="143" idx="1"/>
           </p:cNvCxnSpPr>
           <p:nvPr/>
         </p:nvCxnSpPr>
@@ -12784,7 +12415,7 @@
       </p:cxnSp>
       <p:sp>
         <p:nvSpPr>
-          <p:cNvPr id="144" name="Google Shape;144;p16"/>
+          <p:cNvPr id="145" name="Google Shape;145;p16"/>
           <p:cNvSpPr/>
           <p:nvPr/>
         </p:nvSpPr>
@@ -12836,7 +12467,7 @@
       </p:sp>
       <p:sp>
         <p:nvSpPr>
-          <p:cNvPr id="145" name="Google Shape;145;p16"/>
+          <p:cNvPr id="146" name="Google Shape;146;p16"/>
           <p:cNvSpPr/>
           <p:nvPr/>
         </p:nvSpPr>
@@ -12888,7 +12519,7 @@
       </p:sp>
       <p:sp>
         <p:nvSpPr>
-          <p:cNvPr id="146" name="Google Shape;146;p16"/>
+          <p:cNvPr id="147" name="Google Shape;147;p16"/>
           <p:cNvSpPr/>
           <p:nvPr/>
         </p:nvSpPr>
@@ -12940,7 +12571,7 @@
       </p:sp>
       <p:sp>
         <p:nvSpPr>
-          <p:cNvPr id="147" name="Google Shape;147;p16"/>
+          <p:cNvPr id="148" name="Google Shape;148;p16"/>
           <p:cNvSpPr/>
           <p:nvPr/>
         </p:nvSpPr>
@@ -12992,9 +12623,9 @@
       </p:sp>
       <p:cxnSp>
         <p:nvCxnSpPr>
-          <p:cNvPr id="148" name="Google Shape;148;p16"/>
+          <p:cNvPr id="149" name="Google Shape;149;p16"/>
           <p:cNvCxnSpPr>
-            <a:endCxn id="147" idx="0"/>
+            <a:endCxn id="148" idx="0"/>
           </p:cNvCxnSpPr>
           <p:nvPr/>
         </p:nvCxnSpPr>
@@ -13022,10 +12653,10 @@
       </p:cxnSp>
       <p:cxnSp>
         <p:nvCxnSpPr>
-          <p:cNvPr id="149" name="Google Shape;149;p16"/>
+          <p:cNvPr id="150" name="Google Shape;150;p16"/>
           <p:cNvCxnSpPr>
-            <a:stCxn id="147" idx="1"/>
-            <a:endCxn id="144" idx="1"/>
+            <a:stCxn id="148" idx="1"/>
+            <a:endCxn id="145" idx="1"/>
           </p:cNvCxnSpPr>
           <p:nvPr/>
         </p:nvCxnSpPr>
@@ -13053,10 +12684,10 @@
       </p:cxnSp>
       <p:cxnSp>
         <p:nvCxnSpPr>
-          <p:cNvPr id="150" name="Google Shape;150;p16"/>
+          <p:cNvPr id="151" name="Google Shape;151;p16"/>
           <p:cNvCxnSpPr>
-            <a:stCxn id="147" idx="1"/>
-            <a:endCxn id="145" idx="1"/>
+            <a:stCxn id="148" idx="1"/>
+            <a:endCxn id="146" idx="1"/>
           </p:cNvCxnSpPr>
           <p:nvPr/>
         </p:nvCxnSpPr>
@@ -13084,10 +12715,10 @@
       </p:cxnSp>
       <p:cxnSp>
         <p:nvCxnSpPr>
-          <p:cNvPr id="151" name="Google Shape;151;p16"/>
+          <p:cNvPr id="152" name="Google Shape;152;p16"/>
           <p:cNvCxnSpPr>
-            <a:stCxn id="147" idx="1"/>
-            <a:endCxn id="146" idx="1"/>
+            <a:stCxn id="148" idx="1"/>
+            <a:endCxn id="147" idx="1"/>
           </p:cNvCxnSpPr>
           <p:nvPr/>
         </p:nvCxnSpPr>
@@ -13115,7 +12746,7 @@
       </p:cxnSp>
       <p:grpSp>
         <p:nvGrpSpPr>
-          <p:cNvPr id="152" name="Google Shape;152;p16"/>
+          <p:cNvPr id="153" name="Google Shape;153;p16"/>
           <p:cNvGrpSpPr/>
           <p:nvPr/>
         </p:nvGrpSpPr>
@@ -13129,7 +12760,7 @@
         </p:grpSpPr>
         <p:sp>
           <p:nvSpPr>
-            <p:cNvPr id="153" name="Google Shape;153;p16"/>
+            <p:cNvPr id="154" name="Google Shape;154;p16"/>
             <p:cNvSpPr/>
             <p:nvPr/>
           </p:nvSpPr>
@@ -13173,7 +12804,7 @@
               </a:pPr>
               <a:r>
                 <a:rPr lang="en" sz="1100"/>
-                <a:t>v0.2</a:t>
+                <a:t>v0.1</a:t>
               </a:r>
               <a:endParaRPr sz="1100"/>
             </a:p>
@@ -13181,7 +12812,7 @@
         </p:sp>
         <p:sp>
           <p:nvSpPr>
-            <p:cNvPr id="154" name="Google Shape;154;p16"/>
+            <p:cNvPr id="155" name="Google Shape;155;p16"/>
             <p:cNvSpPr/>
             <p:nvPr/>
           </p:nvSpPr>
@@ -13244,10 +12875,10 @@
       </p:grpSp>
       <p:cxnSp>
         <p:nvCxnSpPr>
-          <p:cNvPr id="155" name="Google Shape;155;p16"/>
+          <p:cNvPr id="156" name="Google Shape;156;p16"/>
           <p:cNvCxnSpPr>
-            <a:stCxn id="153" idx="3"/>
-            <a:endCxn id="156" idx="1"/>
+            <a:stCxn id="154" idx="3"/>
+            <a:endCxn id="157" idx="1"/>
           </p:cNvCxnSpPr>
           <p:nvPr/>
         </p:nvCxnSpPr>
@@ -13275,10 +12906,10 @@
       </p:cxnSp>
       <p:cxnSp>
         <p:nvCxnSpPr>
-          <p:cNvPr id="157" name="Google Shape;157;p16"/>
+          <p:cNvPr id="158" name="Google Shape;158;p16"/>
           <p:cNvCxnSpPr>
-            <a:stCxn id="145" idx="3"/>
-            <a:endCxn id="153" idx="1"/>
+            <a:stCxn id="146" idx="3"/>
+            <a:endCxn id="154" idx="1"/>
           </p:cNvCxnSpPr>
           <p:nvPr/>
         </p:nvCxnSpPr>
@@ -13306,7 +12937,7 @@
       </p:cxnSp>
       <p:sp>
         <p:nvSpPr>
-          <p:cNvPr id="158" name="Google Shape;158;p16"/>
+          <p:cNvPr id="159" name="Google Shape;159;p16"/>
           <p:cNvSpPr/>
           <p:nvPr/>
         </p:nvSpPr>
@@ -13354,7 +12985,7 @@
       </p:sp>
       <p:sp>
         <p:nvSpPr>
-          <p:cNvPr id="156" name="Google Shape;156;p16"/>
+          <p:cNvPr id="157" name="Google Shape;157;p16"/>
           <p:cNvSpPr/>
           <p:nvPr/>
         </p:nvSpPr>
@@ -13398,7 +13029,7 @@
             </a:pPr>
             <a:r>
               <a:rPr lang="en" sz="1000"/>
-              <a:t>v0.2  +   </a:t>
+              <a:t>v0.1  +   </a:t>
             </a:r>
             <a:r>
               <a:rPr b="1" lang="en" sz="1000"/>
@@ -13410,7 +13041,7 @@
       </p:sp>
       <p:grpSp>
         <p:nvGrpSpPr>
-          <p:cNvPr id="159" name="Google Shape;159;p16"/>
+          <p:cNvPr id="160" name="Google Shape;160;p16"/>
           <p:cNvGrpSpPr/>
           <p:nvPr/>
         </p:nvGrpSpPr>
@@ -13424,7 +13055,7 @@
         </p:grpSpPr>
         <p:sp>
           <p:nvSpPr>
-            <p:cNvPr id="160" name="Google Shape;160;p16"/>
+            <p:cNvPr id="161" name="Google Shape;161;p16"/>
             <p:cNvSpPr/>
             <p:nvPr/>
           </p:nvSpPr>
@@ -13466,117 +13097,11 @@
               </a:pPr>
               <a:r>
                 <a:rPr lang="en" sz="1100"/>
-                <a:t>Monolithic-Dev</a:t>
+                <a:t>Single</a:t>
               </a:r>
-              <a:endParaRPr sz="1100"/>
-            </a:p>
-            <a:p>
-              <a:pPr indent="0" lvl="0" marL="0" rtl="0" algn="ctr">
-                <a:spcBef>
-                  <a:spcPts val="0"/>
-                </a:spcBef>
-                <a:spcAft>
-                  <a:spcPts val="0"/>
-                </a:spcAft>
-                <a:buNone/>
-              </a:pPr>
-              <a:r>
-                <a:t/>
-              </a:r>
-              <a:endParaRPr sz="1100"/>
-            </a:p>
-            <a:p>
-              <a:pPr indent="0" lvl="0" marL="0" rtl="0" algn="ctr">
-                <a:spcBef>
-                  <a:spcPts val="0"/>
-                </a:spcBef>
-                <a:spcAft>
-                  <a:spcPts val="0"/>
-                </a:spcAft>
-                <a:buNone/>
-              </a:pPr>
-              <a:r>
-                <a:t/>
-              </a:r>
-              <a:endParaRPr sz="1100"/>
-            </a:p>
-            <a:p>
-              <a:pPr indent="0" lvl="0" marL="0" rtl="0" algn="ctr">
-                <a:spcBef>
-                  <a:spcPts val="0"/>
-                </a:spcBef>
-                <a:spcAft>
-                  <a:spcPts val="0"/>
-                </a:spcAft>
-                <a:buNone/>
-              </a:pPr>
-              <a:r>
-                <a:t/>
-              </a:r>
-              <a:endParaRPr sz="1100"/>
-            </a:p>
-            <a:p>
-              <a:pPr indent="0" lvl="0" marL="0" rtl="0" algn="ctr">
-                <a:spcBef>
-                  <a:spcPts val="0"/>
-                </a:spcBef>
-                <a:spcAft>
-                  <a:spcPts val="0"/>
-                </a:spcAft>
-                <a:buNone/>
-              </a:pPr>
-              <a:r>
-                <a:t/>
-              </a:r>
-              <a:endParaRPr sz="1100"/>
-            </a:p>
-          </p:txBody>
-        </p:sp>
-        <p:sp>
-          <p:nvSpPr>
-            <p:cNvPr id="161" name="Google Shape;161;p16"/>
-            <p:cNvSpPr/>
-            <p:nvPr/>
-          </p:nvSpPr>
-          <p:spPr>
-            <a:xfrm>
-              <a:off x="7546191" y="1428750"/>
-              <a:ext cx="1194600" cy="2812800"/>
-            </a:xfrm>
-            <a:prstGeom prst="rect">
-              <a:avLst/>
-            </a:prstGeom>
-            <a:solidFill>
-              <a:srgbClr val="F3F3F3"/>
-            </a:solidFill>
-            <a:ln cap="flat" cmpd="sng" w="9525">
-              <a:solidFill>
-                <a:schemeClr val="dk2"/>
-              </a:solidFill>
-              <a:prstDash val="dash"/>
-              <a:round/>
-              <a:headEnd len="sm" w="sm" type="none"/>
-              <a:tailEnd len="sm" w="sm" type="none"/>
-            </a:ln>
-          </p:spPr>
-          <p:txBody>
-            <a:bodyPr anchorCtr="0" anchor="t" bIns="91425" lIns="91425" spcFirstLastPara="1" rIns="91425" wrap="square" tIns="91425">
-              <a:noAutofit/>
-            </a:bodyPr>
-            <a:lstStyle/>
-            <a:p>
-              <a:pPr indent="0" lvl="0" marL="0" rtl="0" algn="ctr">
-                <a:spcBef>
-                  <a:spcPts val="0"/>
-                </a:spcBef>
-                <a:spcAft>
-                  <a:spcPts val="0"/>
-                </a:spcAft>
-                <a:buNone/>
-              </a:pPr>
               <a:r>
                 <a:rPr lang="en" sz="1100"/>
-                <a:t>Monolithic-Test</a:t>
+                <a:t>-Dev</a:t>
               </a:r>
               <a:endParaRPr sz="1100"/>
             </a:p>
@@ -13650,6 +13175,120 @@
           </p:nvSpPr>
           <p:spPr>
             <a:xfrm>
+              <a:off x="7546191" y="1428750"/>
+              <a:ext cx="1194600" cy="2812800"/>
+            </a:xfrm>
+            <a:prstGeom prst="rect">
+              <a:avLst/>
+            </a:prstGeom>
+            <a:solidFill>
+              <a:srgbClr val="F3F3F3"/>
+            </a:solidFill>
+            <a:ln cap="flat" cmpd="sng" w="9525">
+              <a:solidFill>
+                <a:schemeClr val="dk2"/>
+              </a:solidFill>
+              <a:prstDash val="dash"/>
+              <a:round/>
+              <a:headEnd len="sm" w="sm" type="none"/>
+              <a:tailEnd len="sm" w="sm" type="none"/>
+            </a:ln>
+          </p:spPr>
+          <p:txBody>
+            <a:bodyPr anchorCtr="0" anchor="t" bIns="91425" lIns="91425" spcFirstLastPara="1" rIns="91425" wrap="square" tIns="91425">
+              <a:noAutofit/>
+            </a:bodyPr>
+            <a:lstStyle/>
+            <a:p>
+              <a:pPr indent="0" lvl="0" marL="0" rtl="0" algn="ctr">
+                <a:spcBef>
+                  <a:spcPts val="0"/>
+                </a:spcBef>
+                <a:spcAft>
+                  <a:spcPts val="0"/>
+                </a:spcAft>
+                <a:buNone/>
+              </a:pPr>
+              <a:r>
+                <a:rPr lang="en" sz="1100"/>
+                <a:t>Single</a:t>
+              </a:r>
+              <a:r>
+                <a:rPr lang="en" sz="1100"/>
+                <a:t>-Test</a:t>
+              </a:r>
+              <a:endParaRPr sz="1100"/>
+            </a:p>
+            <a:p>
+              <a:pPr indent="0" lvl="0" marL="0" rtl="0" algn="ctr">
+                <a:spcBef>
+                  <a:spcPts val="0"/>
+                </a:spcBef>
+                <a:spcAft>
+                  <a:spcPts val="0"/>
+                </a:spcAft>
+                <a:buNone/>
+              </a:pPr>
+              <a:r>
+                <a:t/>
+              </a:r>
+              <a:endParaRPr sz="1100"/>
+            </a:p>
+            <a:p>
+              <a:pPr indent="0" lvl="0" marL="0" rtl="0" algn="ctr">
+                <a:spcBef>
+                  <a:spcPts val="0"/>
+                </a:spcBef>
+                <a:spcAft>
+                  <a:spcPts val="0"/>
+                </a:spcAft>
+                <a:buNone/>
+              </a:pPr>
+              <a:r>
+                <a:t/>
+              </a:r>
+              <a:endParaRPr sz="1100"/>
+            </a:p>
+            <a:p>
+              <a:pPr indent="0" lvl="0" marL="0" rtl="0" algn="ctr">
+                <a:spcBef>
+                  <a:spcPts val="0"/>
+                </a:spcBef>
+                <a:spcAft>
+                  <a:spcPts val="0"/>
+                </a:spcAft>
+                <a:buNone/>
+              </a:pPr>
+              <a:r>
+                <a:t/>
+              </a:r>
+              <a:endParaRPr sz="1100"/>
+            </a:p>
+            <a:p>
+              <a:pPr indent="0" lvl="0" marL="0" rtl="0" algn="ctr">
+                <a:spcBef>
+                  <a:spcPts val="0"/>
+                </a:spcBef>
+                <a:spcAft>
+                  <a:spcPts val="0"/>
+                </a:spcAft>
+                <a:buNone/>
+              </a:pPr>
+              <a:r>
+                <a:t/>
+              </a:r>
+              <a:endParaRPr sz="1100"/>
+            </a:p>
+          </p:txBody>
+        </p:sp>
+        <p:sp>
+          <p:nvSpPr>
+            <p:cNvPr id="163" name="Google Shape;163;p16"/>
+            <p:cNvSpPr/>
+            <p:nvPr/>
+          </p:nvSpPr>
+          <p:spPr>
+            <a:xfrm>
               <a:off x="6156550" y="2918050"/>
               <a:ext cx="1008000" cy="232200"/>
             </a:xfrm>
@@ -13694,7 +13333,7 @@
         </p:sp>
         <p:sp>
           <p:nvSpPr>
-            <p:cNvPr id="163" name="Google Shape;163;p16"/>
+            <p:cNvPr id="164" name="Google Shape;164;p16"/>
             <p:cNvSpPr/>
             <p:nvPr/>
           </p:nvSpPr>
@@ -13745,10 +13384,10 @@
       </p:grpSp>
       <p:cxnSp>
         <p:nvCxnSpPr>
-          <p:cNvPr id="164" name="Google Shape;164;p16"/>
+          <p:cNvPr id="165" name="Google Shape;165;p16"/>
           <p:cNvCxnSpPr>
-            <a:stCxn id="162" idx="3"/>
-            <a:endCxn id="163" idx="1"/>
+            <a:stCxn id="163" idx="3"/>
+            <a:endCxn id="164" idx="1"/>
           </p:cNvCxnSpPr>
           <p:nvPr/>
         </p:nvCxnSpPr>
@@ -13776,10 +13415,10 @@
       </p:cxnSp>
       <p:cxnSp>
         <p:nvCxnSpPr>
-          <p:cNvPr id="165" name="Google Shape;165;p16"/>
+          <p:cNvPr id="166" name="Google Shape;166;p16"/>
           <p:cNvCxnSpPr>
-            <a:stCxn id="156" idx="3"/>
-            <a:endCxn id="162" idx="1"/>
+            <a:stCxn id="157" idx="3"/>
+            <a:endCxn id="163" idx="1"/>
           </p:cNvCxnSpPr>
           <p:nvPr/>
         </p:nvCxnSpPr>
@@ -13807,7 +13446,7 @@
       </p:cxnSp>
       <p:sp>
         <p:nvSpPr>
-          <p:cNvPr id="166" name="Google Shape;166;p16"/>
+          <p:cNvPr id="167" name="Google Shape;167;p16"/>
           <p:cNvSpPr/>
           <p:nvPr/>
         </p:nvSpPr>
@@ -13863,7 +13502,7 @@
       </p:sp>
       <p:sp>
         <p:nvSpPr>
-          <p:cNvPr id="167" name="Google Shape;167;p16"/>
+          <p:cNvPr id="168" name="Google Shape;168;p16"/>
           <p:cNvSpPr/>
           <p:nvPr/>
         </p:nvSpPr>
@@ -13919,10 +13558,10 @@
       </p:sp>
       <p:cxnSp>
         <p:nvCxnSpPr>
-          <p:cNvPr id="168" name="Google Shape;168;p16"/>
+          <p:cNvPr id="169" name="Google Shape;169;p16"/>
           <p:cNvCxnSpPr>
-            <a:stCxn id="166" idx="3"/>
-            <a:endCxn id="153" idx="1"/>
+            <a:stCxn id="167" idx="3"/>
+            <a:endCxn id="154" idx="1"/>
           </p:cNvCxnSpPr>
           <p:nvPr/>
         </p:nvCxnSpPr>
@@ -13950,10 +13589,10 @@
       </p:cxnSp>
       <p:cxnSp>
         <p:nvCxnSpPr>
-          <p:cNvPr id="169" name="Google Shape;169;p16"/>
+          <p:cNvPr id="170" name="Google Shape;170;p16"/>
           <p:cNvCxnSpPr>
-            <a:stCxn id="167" idx="3"/>
-            <a:endCxn id="162" idx="1"/>
+            <a:stCxn id="168" idx="3"/>
+            <a:endCxn id="163" idx="1"/>
           </p:cNvCxnSpPr>
           <p:nvPr/>
         </p:nvCxnSpPr>
@@ -13981,10 +13620,10 @@
       </p:cxnSp>
       <p:cxnSp>
         <p:nvCxnSpPr>
-          <p:cNvPr id="170" name="Google Shape;170;p16"/>
+          <p:cNvPr id="171" name="Google Shape;171;p16"/>
           <p:cNvCxnSpPr>
-            <a:stCxn id="153" idx="3"/>
-            <a:endCxn id="167" idx="1"/>
+            <a:stCxn id="154" idx="3"/>
+            <a:endCxn id="168" idx="1"/>
           </p:cNvCxnSpPr>
           <p:nvPr/>
         </p:nvCxnSpPr>
@@ -14012,10 +13651,10 @@
       </p:cxnSp>
       <p:cxnSp>
         <p:nvCxnSpPr>
-          <p:cNvPr id="171" name="Google Shape;171;p16"/>
+          <p:cNvPr id="172" name="Google Shape;172;p16"/>
           <p:cNvCxnSpPr>
-            <a:stCxn id="147" idx="1"/>
-            <a:endCxn id="166" idx="1"/>
+            <a:stCxn id="148" idx="1"/>
+            <a:endCxn id="167" idx="1"/>
           </p:cNvCxnSpPr>
           <p:nvPr/>
         </p:nvCxnSpPr>
@@ -14027,6 +13666,5428 @@
           <a:prstGeom prst="curvedConnector3">
             <a:avLst>
               <a:gd fmla="val -224223" name="adj1"/>
+            </a:avLst>
+          </a:prstGeom>
+          <a:noFill/>
+          <a:ln cap="flat" cmpd="sng" w="9525">
+            <a:solidFill>
+              <a:schemeClr val="dk2"/>
+            </a:solidFill>
+            <a:prstDash val="solid"/>
+            <a:round/>
+            <a:headEnd len="med" w="med" type="none"/>
+            <a:tailEnd len="med" w="med" type="oval"/>
+          </a:ln>
+        </p:spPr>
+      </p:cxnSp>
+      <p:sp>
+        <p:nvSpPr>
+          <p:cNvPr id="173" name="Google Shape;173;p16">
+            <a:hlinkClick action="ppaction://hlinksldjump" r:id="rId3"/>
+          </p:cNvPr>
+          <p:cNvSpPr/>
+          <p:nvPr/>
+        </p:nvSpPr>
+        <p:spPr>
+          <a:xfrm>
+            <a:off x="8600100" y="593300"/>
+            <a:ext cx="232200" cy="241200"/>
+          </a:xfrm>
+          <a:prstGeom prst="leftArrow">
+            <a:avLst>
+              <a:gd fmla="val 50000" name="adj1"/>
+              <a:gd fmla="val 50000" name="adj2"/>
+            </a:avLst>
+          </a:prstGeom>
+          <a:solidFill>
+            <a:srgbClr val="0B5394"/>
+          </a:solidFill>
+          <a:ln cap="flat" cmpd="sng" w="9525">
+            <a:solidFill>
+              <a:schemeClr val="dk2"/>
+            </a:solidFill>
+            <a:prstDash val="solid"/>
+            <a:round/>
+            <a:headEnd len="sm" w="sm" type="none"/>
+            <a:tailEnd len="sm" w="sm" type="none"/>
+          </a:ln>
+        </p:spPr>
+        <p:txBody>
+          <a:bodyPr anchorCtr="0" anchor="ctr" bIns="91425" lIns="91425" spcFirstLastPara="1" rIns="91425" wrap="square" tIns="91425">
+            <a:noAutofit/>
+          </a:bodyPr>
+          <a:lstStyle/>
+          <a:p>
+            <a:pPr indent="0" lvl="0" marL="0" rtl="0" algn="l">
+              <a:spcBef>
+                <a:spcPts val="0"/>
+              </a:spcBef>
+              <a:spcAft>
+                <a:spcPts val="0"/>
+              </a:spcAft>
+              <a:buNone/>
+            </a:pPr>
+            <a:r>
+              <a:t/>
+            </a:r>
+            <a:endParaRPr/>
+          </a:p>
+        </p:txBody>
+      </p:sp>
+    </p:spTree>
+  </p:cSld>
+  <p:clrMapOvr>
+    <a:masterClrMapping/>
+  </p:clrMapOvr>
+  <p:timing>
+    <p:tnLst>
+      <p:par>
+        <p:cTn dur="indefinite" nodeType="tmRoot" restart="never">
+          <p:childTnLst>
+            <p:seq concurrent="1" nextAc="seek">
+              <p:cTn dur="indefinite" id="2" nodeType="mainSeq">
+                <p:childTnLst>
+                  <p:par>
+                    <p:cTn fill="hold">
+                      <p:stCondLst>
+                        <p:cond delay="indefinite"/>
+                      </p:stCondLst>
+                      <p:childTnLst>
+                        <p:par>
+                          <p:cTn fill="hold">
+                            <p:stCondLst>
+                              <p:cond delay="0"/>
+                            </p:stCondLst>
+                            <p:childTnLst>
+                              <p:par>
+                                <p:cTn fill="hold" nodeType="clickEffect" presetClass="entr" presetID="10" presetSubtype="0">
+                                  <p:stCondLst>
+                                    <p:cond delay="0"/>
+                                  </p:stCondLst>
+                                  <p:childTnLst>
+                                    <p:set>
+                                      <p:cBhvr>
+                                        <p:cTn dur="1" fill="hold">
+                                          <p:stCondLst>
+                                            <p:cond delay="0"/>
+                                          </p:stCondLst>
+                                        </p:cTn>
+                                        <p:tgtEl>
+                                          <p:spTgt spid="142"/>
+                                        </p:tgtEl>
+                                        <p:attrNameLst>
+                                          <p:attrName>style.visibility</p:attrName>
+                                        </p:attrNameLst>
+                                      </p:cBhvr>
+                                      <p:to>
+                                        <p:strVal val="visible"/>
+                                      </p:to>
+                                    </p:set>
+                                    <p:animEffect filter="fade" transition="in">
+                                      <p:cBhvr>
+                                        <p:cTn dur="1000"/>
+                                        <p:tgtEl>
+                                          <p:spTgt spid="142"/>
+                                        </p:tgtEl>
+                                      </p:cBhvr>
+                                    </p:animEffect>
+                                  </p:childTnLst>
+                                </p:cTn>
+                              </p:par>
+                            </p:childTnLst>
+                          </p:cTn>
+                        </p:par>
+                        <p:par>
+                          <p:cTn fill="hold">
+                            <p:stCondLst>
+                              <p:cond delay="1000"/>
+                            </p:stCondLst>
+                            <p:childTnLst>
+                              <p:par>
+                                <p:cTn fill="hold" nodeType="afterEffect" presetClass="entr" presetID="10" presetSubtype="0">
+                                  <p:stCondLst>
+                                    <p:cond delay="0"/>
+                                  </p:stCondLst>
+                                  <p:childTnLst>
+                                    <p:set>
+                                      <p:cBhvr>
+                                        <p:cTn dur="1" fill="hold">
+                                          <p:stCondLst>
+                                            <p:cond delay="0"/>
+                                          </p:stCondLst>
+                                        </p:cTn>
+                                        <p:tgtEl>
+                                          <p:spTgt spid="160"/>
+                                        </p:tgtEl>
+                                        <p:attrNameLst>
+                                          <p:attrName>style.visibility</p:attrName>
+                                        </p:attrNameLst>
+                                      </p:cBhvr>
+                                      <p:to>
+                                        <p:strVal val="visible"/>
+                                      </p:to>
+                                    </p:set>
+                                    <p:animEffect filter="fade" transition="in">
+                                      <p:cBhvr>
+                                        <p:cTn dur="1000"/>
+                                        <p:tgtEl>
+                                          <p:spTgt spid="160"/>
+                                        </p:tgtEl>
+                                      </p:cBhvr>
+                                    </p:animEffect>
+                                  </p:childTnLst>
+                                </p:cTn>
+                              </p:par>
+                            </p:childTnLst>
+                          </p:cTn>
+                        </p:par>
+                      </p:childTnLst>
+                    </p:cTn>
+                  </p:par>
+                  <p:par>
+                    <p:cTn fill="hold">
+                      <p:stCondLst>
+                        <p:cond delay="indefinite"/>
+                      </p:stCondLst>
+                      <p:childTnLst>
+                        <p:par>
+                          <p:cTn fill="hold">
+                            <p:stCondLst>
+                              <p:cond delay="0"/>
+                            </p:stCondLst>
+                            <p:childTnLst>
+                              <p:par>
+                                <p:cTn fill="hold" nodeType="clickEffect" presetClass="entr" presetID="10" presetSubtype="0">
+                                  <p:stCondLst>
+                                    <p:cond delay="0"/>
+                                  </p:stCondLst>
+                                  <p:childTnLst>
+                                    <p:set>
+                                      <p:cBhvr>
+                                        <p:cTn dur="1" fill="hold">
+                                          <p:stCondLst>
+                                            <p:cond delay="0"/>
+                                          </p:stCondLst>
+                                        </p:cTn>
+                                        <p:tgtEl>
+                                          <p:spTgt spid="144"/>
+                                        </p:tgtEl>
+                                        <p:attrNameLst>
+                                          <p:attrName>style.visibility</p:attrName>
+                                        </p:attrNameLst>
+                                      </p:cBhvr>
+                                      <p:to>
+                                        <p:strVal val="visible"/>
+                                      </p:to>
+                                    </p:set>
+                                    <p:animEffect filter="fade" transition="in">
+                                      <p:cBhvr>
+                                        <p:cTn dur="1000"/>
+                                        <p:tgtEl>
+                                          <p:spTgt spid="144"/>
+                                        </p:tgtEl>
+                                      </p:cBhvr>
+                                    </p:animEffect>
+                                  </p:childTnLst>
+                                </p:cTn>
+                              </p:par>
+                              <p:par>
+                                <p:cTn fill="hold" nodeType="withEffect" presetClass="entr" presetID="10" presetSubtype="0">
+                                  <p:stCondLst>
+                                    <p:cond delay="0"/>
+                                  </p:stCondLst>
+                                  <p:childTnLst>
+                                    <p:set>
+                                      <p:cBhvr>
+                                        <p:cTn dur="1" fill="hold">
+                                          <p:stCondLst>
+                                            <p:cond delay="0"/>
+                                          </p:stCondLst>
+                                        </p:cTn>
+                                        <p:tgtEl>
+                                          <p:spTgt spid="143"/>
+                                        </p:tgtEl>
+                                        <p:attrNameLst>
+                                          <p:attrName>style.visibility</p:attrName>
+                                        </p:attrNameLst>
+                                      </p:cBhvr>
+                                      <p:to>
+                                        <p:strVal val="visible"/>
+                                      </p:to>
+                                    </p:set>
+                                    <p:animEffect filter="fade" transition="in">
+                                      <p:cBhvr>
+                                        <p:cTn dur="1000"/>
+                                        <p:tgtEl>
+                                          <p:spTgt spid="143"/>
+                                        </p:tgtEl>
+                                      </p:cBhvr>
+                                    </p:animEffect>
+                                  </p:childTnLst>
+                                </p:cTn>
+                              </p:par>
+                            </p:childTnLst>
+                          </p:cTn>
+                        </p:par>
+                      </p:childTnLst>
+                    </p:cTn>
+                  </p:par>
+                  <p:par>
+                    <p:cTn fill="hold">
+                      <p:stCondLst>
+                        <p:cond delay="indefinite"/>
+                      </p:stCondLst>
+                      <p:childTnLst>
+                        <p:par>
+                          <p:cTn fill="hold">
+                            <p:stCondLst>
+                              <p:cond delay="0"/>
+                            </p:stCondLst>
+                            <p:childTnLst>
+                              <p:par>
+                                <p:cTn fill="hold" nodeType="clickEffect" presetClass="entr" presetID="10" presetSubtype="0">
+                                  <p:stCondLst>
+                                    <p:cond delay="0"/>
+                                  </p:stCondLst>
+                                  <p:childTnLst>
+                                    <p:set>
+                                      <p:cBhvr>
+                                        <p:cTn dur="1" fill="hold">
+                                          <p:stCondLst>
+                                            <p:cond delay="0"/>
+                                          </p:stCondLst>
+                                        </p:cTn>
+                                        <p:tgtEl>
+                                          <p:spTgt spid="149"/>
+                                        </p:tgtEl>
+                                        <p:attrNameLst>
+                                          <p:attrName>style.visibility</p:attrName>
+                                        </p:attrNameLst>
+                                      </p:cBhvr>
+                                      <p:to>
+                                        <p:strVal val="visible"/>
+                                      </p:to>
+                                    </p:set>
+                                    <p:animEffect filter="fade" transition="in">
+                                      <p:cBhvr>
+                                        <p:cTn dur="1000"/>
+                                        <p:tgtEl>
+                                          <p:spTgt spid="149"/>
+                                        </p:tgtEl>
+                                      </p:cBhvr>
+                                    </p:animEffect>
+                                  </p:childTnLst>
+                                </p:cTn>
+                              </p:par>
+                              <p:par>
+                                <p:cTn fill="hold" nodeType="withEffect" presetClass="entr" presetID="10" presetSubtype="0">
+                                  <p:stCondLst>
+                                    <p:cond delay="0"/>
+                                  </p:stCondLst>
+                                  <p:childTnLst>
+                                    <p:set>
+                                      <p:cBhvr>
+                                        <p:cTn dur="1" fill="hold">
+                                          <p:stCondLst>
+                                            <p:cond delay="0"/>
+                                          </p:stCondLst>
+                                        </p:cTn>
+                                        <p:tgtEl>
+                                          <p:spTgt spid="148"/>
+                                        </p:tgtEl>
+                                        <p:attrNameLst>
+                                          <p:attrName>style.visibility</p:attrName>
+                                        </p:attrNameLst>
+                                      </p:cBhvr>
+                                      <p:to>
+                                        <p:strVal val="visible"/>
+                                      </p:to>
+                                    </p:set>
+                                    <p:animEffect filter="fade" transition="in">
+                                      <p:cBhvr>
+                                        <p:cTn dur="1000"/>
+                                        <p:tgtEl>
+                                          <p:spTgt spid="148"/>
+                                        </p:tgtEl>
+                                      </p:cBhvr>
+                                    </p:animEffect>
+                                  </p:childTnLst>
+                                </p:cTn>
+                              </p:par>
+                            </p:childTnLst>
+                          </p:cTn>
+                        </p:par>
+                      </p:childTnLst>
+                    </p:cTn>
+                  </p:par>
+                  <p:par>
+                    <p:cTn fill="hold">
+                      <p:stCondLst>
+                        <p:cond delay="indefinite"/>
+                      </p:stCondLst>
+                      <p:childTnLst>
+                        <p:par>
+                          <p:cTn fill="hold">
+                            <p:stCondLst>
+                              <p:cond delay="0"/>
+                            </p:stCondLst>
+                            <p:childTnLst>
+                              <p:par>
+                                <p:cTn fill="hold" nodeType="clickEffect" presetClass="entr" presetID="10" presetSubtype="0">
+                                  <p:stCondLst>
+                                    <p:cond delay="0"/>
+                                  </p:stCondLst>
+                                  <p:childTnLst>
+                                    <p:set>
+                                      <p:cBhvr>
+                                        <p:cTn dur="1" fill="hold">
+                                          <p:stCondLst>
+                                            <p:cond delay="0"/>
+                                          </p:stCondLst>
+                                        </p:cTn>
+                                        <p:tgtEl>
+                                          <p:spTgt spid="145"/>
+                                        </p:tgtEl>
+                                        <p:attrNameLst>
+                                          <p:attrName>style.visibility</p:attrName>
+                                        </p:attrNameLst>
+                                      </p:cBhvr>
+                                      <p:to>
+                                        <p:strVal val="visible"/>
+                                      </p:to>
+                                    </p:set>
+                                    <p:animEffect filter="fade" transition="in">
+                                      <p:cBhvr>
+                                        <p:cTn dur="1000"/>
+                                        <p:tgtEl>
+                                          <p:spTgt spid="145"/>
+                                        </p:tgtEl>
+                                      </p:cBhvr>
+                                    </p:animEffect>
+                                  </p:childTnLst>
+                                </p:cTn>
+                              </p:par>
+                              <p:par>
+                                <p:cTn fill="hold" nodeType="withEffect" presetClass="entr" presetID="10" presetSubtype="0">
+                                  <p:stCondLst>
+                                    <p:cond delay="0"/>
+                                  </p:stCondLst>
+                                  <p:childTnLst>
+                                    <p:set>
+                                      <p:cBhvr>
+                                        <p:cTn dur="1" fill="hold">
+                                          <p:stCondLst>
+                                            <p:cond delay="0"/>
+                                          </p:stCondLst>
+                                        </p:cTn>
+                                        <p:tgtEl>
+                                          <p:spTgt spid="150"/>
+                                        </p:tgtEl>
+                                        <p:attrNameLst>
+                                          <p:attrName>style.visibility</p:attrName>
+                                        </p:attrNameLst>
+                                      </p:cBhvr>
+                                      <p:to>
+                                        <p:strVal val="visible"/>
+                                      </p:to>
+                                    </p:set>
+                                    <p:animEffect filter="fade" transition="in">
+                                      <p:cBhvr>
+                                        <p:cTn dur="1000"/>
+                                        <p:tgtEl>
+                                          <p:spTgt spid="150"/>
+                                        </p:tgtEl>
+                                      </p:cBhvr>
+                                    </p:animEffect>
+                                  </p:childTnLst>
+                                </p:cTn>
+                              </p:par>
+                            </p:childTnLst>
+                          </p:cTn>
+                        </p:par>
+                      </p:childTnLst>
+                    </p:cTn>
+                  </p:par>
+                  <p:par>
+                    <p:cTn fill="hold">
+                      <p:stCondLst>
+                        <p:cond delay="indefinite"/>
+                      </p:stCondLst>
+                      <p:childTnLst>
+                        <p:par>
+                          <p:cTn fill="hold">
+                            <p:stCondLst>
+                              <p:cond delay="0"/>
+                            </p:stCondLst>
+                            <p:childTnLst>
+                              <p:par>
+                                <p:cTn fill="hold" nodeType="clickEffect" presetClass="entr" presetID="10" presetSubtype="0">
+                                  <p:stCondLst>
+                                    <p:cond delay="0"/>
+                                  </p:stCondLst>
+                                  <p:childTnLst>
+                                    <p:set>
+                                      <p:cBhvr>
+                                        <p:cTn dur="1" fill="hold">
+                                          <p:stCondLst>
+                                            <p:cond delay="0"/>
+                                          </p:stCondLst>
+                                        </p:cTn>
+                                        <p:tgtEl>
+                                          <p:spTgt spid="147"/>
+                                        </p:tgtEl>
+                                        <p:attrNameLst>
+                                          <p:attrName>style.visibility</p:attrName>
+                                        </p:attrNameLst>
+                                      </p:cBhvr>
+                                      <p:to>
+                                        <p:strVal val="visible"/>
+                                      </p:to>
+                                    </p:set>
+                                    <p:animEffect filter="fade" transition="in">
+                                      <p:cBhvr>
+                                        <p:cTn dur="1000"/>
+                                        <p:tgtEl>
+                                          <p:spTgt spid="147"/>
+                                        </p:tgtEl>
+                                      </p:cBhvr>
+                                    </p:animEffect>
+                                  </p:childTnLst>
+                                </p:cTn>
+                              </p:par>
+                              <p:par>
+                                <p:cTn fill="hold" nodeType="withEffect" presetClass="entr" presetID="10" presetSubtype="0">
+                                  <p:stCondLst>
+                                    <p:cond delay="0"/>
+                                  </p:stCondLst>
+                                  <p:childTnLst>
+                                    <p:set>
+                                      <p:cBhvr>
+                                        <p:cTn dur="1" fill="hold">
+                                          <p:stCondLst>
+                                            <p:cond delay="0"/>
+                                          </p:stCondLst>
+                                        </p:cTn>
+                                        <p:tgtEl>
+                                          <p:spTgt spid="151"/>
+                                        </p:tgtEl>
+                                        <p:attrNameLst>
+                                          <p:attrName>style.visibility</p:attrName>
+                                        </p:attrNameLst>
+                                      </p:cBhvr>
+                                      <p:to>
+                                        <p:strVal val="visible"/>
+                                      </p:to>
+                                    </p:set>
+                                    <p:animEffect filter="fade" transition="in">
+                                      <p:cBhvr>
+                                        <p:cTn dur="1000"/>
+                                        <p:tgtEl>
+                                          <p:spTgt spid="151"/>
+                                        </p:tgtEl>
+                                      </p:cBhvr>
+                                    </p:animEffect>
+                                  </p:childTnLst>
+                                </p:cTn>
+                              </p:par>
+                              <p:par>
+                                <p:cTn fill="hold" nodeType="withEffect" presetClass="entr" presetID="10" presetSubtype="0">
+                                  <p:stCondLst>
+                                    <p:cond delay="0"/>
+                                  </p:stCondLst>
+                                  <p:childTnLst>
+                                    <p:set>
+                                      <p:cBhvr>
+                                        <p:cTn dur="1" fill="hold">
+                                          <p:stCondLst>
+                                            <p:cond delay="0"/>
+                                          </p:stCondLst>
+                                        </p:cTn>
+                                        <p:tgtEl>
+                                          <p:spTgt spid="152"/>
+                                        </p:tgtEl>
+                                        <p:attrNameLst>
+                                          <p:attrName>style.visibility</p:attrName>
+                                        </p:attrNameLst>
+                                      </p:cBhvr>
+                                      <p:to>
+                                        <p:strVal val="visible"/>
+                                      </p:to>
+                                    </p:set>
+                                    <p:animEffect filter="fade" transition="in">
+                                      <p:cBhvr>
+                                        <p:cTn dur="1000"/>
+                                        <p:tgtEl>
+                                          <p:spTgt spid="152"/>
+                                        </p:tgtEl>
+                                      </p:cBhvr>
+                                    </p:animEffect>
+                                  </p:childTnLst>
+                                </p:cTn>
+                              </p:par>
+                              <p:par>
+                                <p:cTn fill="hold" nodeType="withEffect" presetClass="entr" presetID="10" presetSubtype="0">
+                                  <p:stCondLst>
+                                    <p:cond delay="0"/>
+                                  </p:stCondLst>
+                                  <p:childTnLst>
+                                    <p:set>
+                                      <p:cBhvr>
+                                        <p:cTn dur="1" fill="hold">
+                                          <p:stCondLst>
+                                            <p:cond delay="0"/>
+                                          </p:stCondLst>
+                                        </p:cTn>
+                                        <p:tgtEl>
+                                          <p:spTgt spid="146"/>
+                                        </p:tgtEl>
+                                        <p:attrNameLst>
+                                          <p:attrName>style.visibility</p:attrName>
+                                        </p:attrNameLst>
+                                      </p:cBhvr>
+                                      <p:to>
+                                        <p:strVal val="visible"/>
+                                      </p:to>
+                                    </p:set>
+                                    <p:animEffect filter="fade" transition="in">
+                                      <p:cBhvr>
+                                        <p:cTn dur="1000"/>
+                                        <p:tgtEl>
+                                          <p:spTgt spid="146"/>
+                                        </p:tgtEl>
+                                      </p:cBhvr>
+                                    </p:animEffect>
+                                  </p:childTnLst>
+                                </p:cTn>
+                              </p:par>
+                            </p:childTnLst>
+                          </p:cTn>
+                        </p:par>
+                      </p:childTnLst>
+                    </p:cTn>
+                  </p:par>
+                  <p:par>
+                    <p:cTn fill="hold">
+                      <p:stCondLst>
+                        <p:cond delay="indefinite"/>
+                      </p:stCondLst>
+                      <p:childTnLst>
+                        <p:par>
+                          <p:cTn fill="hold">
+                            <p:stCondLst>
+                              <p:cond delay="0"/>
+                            </p:stCondLst>
+                            <p:childTnLst>
+                              <p:par>
+                                <p:cTn fill="hold" nodeType="clickEffect" presetClass="entr" presetID="10" presetSubtype="0">
+                                  <p:stCondLst>
+                                    <p:cond delay="0"/>
+                                  </p:stCondLst>
+                                  <p:childTnLst>
+                                    <p:set>
+                                      <p:cBhvr>
+                                        <p:cTn dur="1" fill="hold">
+                                          <p:stCondLst>
+                                            <p:cond delay="0"/>
+                                          </p:stCondLst>
+                                        </p:cTn>
+                                        <p:tgtEl>
+                                          <p:spTgt spid="153"/>
+                                        </p:tgtEl>
+                                        <p:attrNameLst>
+                                          <p:attrName>style.visibility</p:attrName>
+                                        </p:attrNameLst>
+                                      </p:cBhvr>
+                                      <p:to>
+                                        <p:strVal val="visible"/>
+                                      </p:to>
+                                    </p:set>
+                                    <p:animEffect filter="fade" transition="in">
+                                      <p:cBhvr>
+                                        <p:cTn dur="1000"/>
+                                        <p:tgtEl>
+                                          <p:spTgt spid="153"/>
+                                        </p:tgtEl>
+                                      </p:cBhvr>
+                                    </p:animEffect>
+                                  </p:childTnLst>
+                                </p:cTn>
+                              </p:par>
+                            </p:childTnLst>
+                          </p:cTn>
+                        </p:par>
+                      </p:childTnLst>
+                    </p:cTn>
+                  </p:par>
+                  <p:par>
+                    <p:cTn fill="hold">
+                      <p:stCondLst>
+                        <p:cond delay="indefinite"/>
+                      </p:stCondLst>
+                      <p:childTnLst>
+                        <p:par>
+                          <p:cTn fill="hold">
+                            <p:stCondLst>
+                              <p:cond delay="0"/>
+                            </p:stCondLst>
+                            <p:childTnLst>
+                              <p:par>
+                                <p:cTn fill="hold" nodeType="clickEffect" presetClass="entr" presetID="10" presetSubtype="0">
+                                  <p:stCondLst>
+                                    <p:cond delay="0"/>
+                                  </p:stCondLst>
+                                  <p:childTnLst>
+                                    <p:set>
+                                      <p:cBhvr>
+                                        <p:cTn dur="1" fill="hold">
+                                          <p:stCondLst>
+                                            <p:cond delay="0"/>
+                                          </p:stCondLst>
+                                        </p:cTn>
+                                        <p:tgtEl>
+                                          <p:spTgt spid="159"/>
+                                        </p:tgtEl>
+                                        <p:attrNameLst>
+                                          <p:attrName>style.visibility</p:attrName>
+                                        </p:attrNameLst>
+                                      </p:cBhvr>
+                                      <p:to>
+                                        <p:strVal val="visible"/>
+                                      </p:to>
+                                    </p:set>
+                                    <p:animEffect filter="fade" transition="in">
+                                      <p:cBhvr>
+                                        <p:cTn dur="1000"/>
+                                        <p:tgtEl>
+                                          <p:spTgt spid="159"/>
+                                        </p:tgtEl>
+                                      </p:cBhvr>
+                                    </p:animEffect>
+                                  </p:childTnLst>
+                                </p:cTn>
+                              </p:par>
+                            </p:childTnLst>
+                          </p:cTn>
+                        </p:par>
+                      </p:childTnLst>
+                    </p:cTn>
+                  </p:par>
+                  <p:par>
+                    <p:cTn fill="hold">
+                      <p:stCondLst>
+                        <p:cond delay="indefinite"/>
+                      </p:stCondLst>
+                      <p:childTnLst>
+                        <p:par>
+                          <p:cTn fill="hold">
+                            <p:stCondLst>
+                              <p:cond delay="0"/>
+                            </p:stCondLst>
+                            <p:childTnLst>
+                              <p:par>
+                                <p:cTn fill="hold" nodeType="clickEffect" presetClass="entr" presetID="10" presetSubtype="0">
+                                  <p:stCondLst>
+                                    <p:cond delay="0"/>
+                                  </p:stCondLst>
+                                  <p:childTnLst>
+                                    <p:set>
+                                      <p:cBhvr>
+                                        <p:cTn dur="1" fill="hold">
+                                          <p:stCondLst>
+                                            <p:cond delay="0"/>
+                                          </p:stCondLst>
+                                        </p:cTn>
+                                        <p:tgtEl>
+                                          <p:spTgt spid="158"/>
+                                        </p:tgtEl>
+                                        <p:attrNameLst>
+                                          <p:attrName>style.visibility</p:attrName>
+                                        </p:attrNameLst>
+                                      </p:cBhvr>
+                                      <p:to>
+                                        <p:strVal val="visible"/>
+                                      </p:to>
+                                    </p:set>
+                                    <p:animEffect filter="fade" transition="in">
+                                      <p:cBhvr>
+                                        <p:cTn dur="1000"/>
+                                        <p:tgtEl>
+                                          <p:spTgt spid="158"/>
+                                        </p:tgtEl>
+                                      </p:cBhvr>
+                                    </p:animEffect>
+                                  </p:childTnLst>
+                                </p:cTn>
+                              </p:par>
+                            </p:childTnLst>
+                          </p:cTn>
+                        </p:par>
+                      </p:childTnLst>
+                    </p:cTn>
+                  </p:par>
+                  <p:par>
+                    <p:cTn fill="hold">
+                      <p:stCondLst>
+                        <p:cond delay="indefinite"/>
+                      </p:stCondLst>
+                      <p:childTnLst>
+                        <p:par>
+                          <p:cTn fill="hold">
+                            <p:stCondLst>
+                              <p:cond delay="0"/>
+                            </p:stCondLst>
+                            <p:childTnLst>
+                              <p:par>
+                                <p:cTn fill="hold" nodeType="clickEffect" presetClass="entr" presetID="10" presetSubtype="0">
+                                  <p:stCondLst>
+                                    <p:cond delay="0"/>
+                                  </p:stCondLst>
+                                  <p:childTnLst>
+                                    <p:set>
+                                      <p:cBhvr>
+                                        <p:cTn dur="1" fill="hold">
+                                          <p:stCondLst>
+                                            <p:cond delay="0"/>
+                                          </p:stCondLst>
+                                        </p:cTn>
+                                        <p:tgtEl>
+                                          <p:spTgt spid="156"/>
+                                        </p:tgtEl>
+                                        <p:attrNameLst>
+                                          <p:attrName>style.visibility</p:attrName>
+                                        </p:attrNameLst>
+                                      </p:cBhvr>
+                                      <p:to>
+                                        <p:strVal val="visible"/>
+                                      </p:to>
+                                    </p:set>
+                                    <p:animEffect filter="fade" transition="in">
+                                      <p:cBhvr>
+                                        <p:cTn dur="1000"/>
+                                        <p:tgtEl>
+                                          <p:spTgt spid="156"/>
+                                        </p:tgtEl>
+                                      </p:cBhvr>
+                                    </p:animEffect>
+                                  </p:childTnLst>
+                                </p:cTn>
+                              </p:par>
+                              <p:par>
+                                <p:cTn fill="hold" nodeType="withEffect" presetClass="entr" presetID="10" presetSubtype="0">
+                                  <p:stCondLst>
+                                    <p:cond delay="0"/>
+                                  </p:stCondLst>
+                                  <p:childTnLst>
+                                    <p:set>
+                                      <p:cBhvr>
+                                        <p:cTn dur="1" fill="hold">
+                                          <p:stCondLst>
+                                            <p:cond delay="0"/>
+                                          </p:stCondLst>
+                                        </p:cTn>
+                                        <p:tgtEl>
+                                          <p:spTgt spid="157"/>
+                                        </p:tgtEl>
+                                        <p:attrNameLst>
+                                          <p:attrName>style.visibility</p:attrName>
+                                        </p:attrNameLst>
+                                      </p:cBhvr>
+                                      <p:to>
+                                        <p:strVal val="visible"/>
+                                      </p:to>
+                                    </p:set>
+                                    <p:animEffect filter="fade" transition="in">
+                                      <p:cBhvr>
+                                        <p:cTn dur="1000"/>
+                                        <p:tgtEl>
+                                          <p:spTgt spid="157"/>
+                                        </p:tgtEl>
+                                      </p:cBhvr>
+                                    </p:animEffect>
+                                  </p:childTnLst>
+                                </p:cTn>
+                              </p:par>
+                              <p:par>
+                                <p:cTn fill="hold" nodeType="withEffect" presetClass="entr" presetID="10" presetSubtype="0">
+                                  <p:stCondLst>
+                                    <p:cond delay="0"/>
+                                  </p:stCondLst>
+                                  <p:childTnLst>
+                                    <p:set>
+                                      <p:cBhvr>
+                                        <p:cTn dur="1" fill="hold">
+                                          <p:stCondLst>
+                                            <p:cond delay="0"/>
+                                          </p:stCondLst>
+                                        </p:cTn>
+                                        <p:tgtEl>
+                                          <p:spTgt spid="166"/>
+                                        </p:tgtEl>
+                                        <p:attrNameLst>
+                                          <p:attrName>style.visibility</p:attrName>
+                                        </p:attrNameLst>
+                                      </p:cBhvr>
+                                      <p:to>
+                                        <p:strVal val="visible"/>
+                                      </p:to>
+                                    </p:set>
+                                    <p:animEffect filter="fade" transition="in">
+                                      <p:cBhvr>
+                                        <p:cTn dur="1000"/>
+                                        <p:tgtEl>
+                                          <p:spTgt spid="166"/>
+                                        </p:tgtEl>
+                                      </p:cBhvr>
+                                    </p:animEffect>
+                                  </p:childTnLst>
+                                </p:cTn>
+                              </p:par>
+                            </p:childTnLst>
+                          </p:cTn>
+                        </p:par>
+                      </p:childTnLst>
+                    </p:cTn>
+                  </p:par>
+                  <p:par>
+                    <p:cTn fill="hold">
+                      <p:stCondLst>
+                        <p:cond delay="indefinite"/>
+                      </p:stCondLst>
+                      <p:childTnLst>
+                        <p:par>
+                          <p:cTn fill="hold">
+                            <p:stCondLst>
+                              <p:cond delay="0"/>
+                            </p:stCondLst>
+                            <p:childTnLst>
+                              <p:par>
+                                <p:cTn fill="hold" nodeType="clickEffect" presetClass="entr" presetID="10" presetSubtype="0">
+                                  <p:stCondLst>
+                                    <p:cond delay="0"/>
+                                  </p:stCondLst>
+                                  <p:childTnLst>
+                                    <p:set>
+                                      <p:cBhvr>
+                                        <p:cTn dur="1" fill="hold">
+                                          <p:stCondLst>
+                                            <p:cond delay="0"/>
+                                          </p:stCondLst>
+                                        </p:cTn>
+                                        <p:tgtEl>
+                                          <p:spTgt spid="165"/>
+                                        </p:tgtEl>
+                                        <p:attrNameLst>
+                                          <p:attrName>style.visibility</p:attrName>
+                                        </p:attrNameLst>
+                                      </p:cBhvr>
+                                      <p:to>
+                                        <p:strVal val="visible"/>
+                                      </p:to>
+                                    </p:set>
+                                    <p:animEffect filter="fade" transition="in">
+                                      <p:cBhvr>
+                                        <p:cTn dur="1000"/>
+                                        <p:tgtEl>
+                                          <p:spTgt spid="165"/>
+                                        </p:tgtEl>
+                                      </p:cBhvr>
+                                    </p:animEffect>
+                                  </p:childTnLst>
+                                </p:cTn>
+                              </p:par>
+                            </p:childTnLst>
+                          </p:cTn>
+                        </p:par>
+                      </p:childTnLst>
+                    </p:cTn>
+                  </p:par>
+                  <p:par>
+                    <p:cTn fill="hold">
+                      <p:stCondLst>
+                        <p:cond delay="indefinite"/>
+                      </p:stCondLst>
+                      <p:childTnLst>
+                        <p:par>
+                          <p:cTn fill="hold">
+                            <p:stCondLst>
+                              <p:cond delay="0"/>
+                            </p:stCondLst>
+                            <p:childTnLst>
+                              <p:par>
+                                <p:cTn fill="hold" nodeType="clickEffect" presetClass="entr" presetID="10" presetSubtype="0">
+                                  <p:stCondLst>
+                                    <p:cond delay="0"/>
+                                  </p:stCondLst>
+                                  <p:childTnLst>
+                                    <p:set>
+                                      <p:cBhvr>
+                                        <p:cTn dur="1" fill="hold">
+                                          <p:stCondLst>
+                                            <p:cond delay="0"/>
+                                          </p:stCondLst>
+                                        </p:cTn>
+                                        <p:tgtEl>
+                                          <p:spTgt spid="172"/>
+                                        </p:tgtEl>
+                                        <p:attrNameLst>
+                                          <p:attrName>style.visibility</p:attrName>
+                                        </p:attrNameLst>
+                                      </p:cBhvr>
+                                      <p:to>
+                                        <p:strVal val="visible"/>
+                                      </p:to>
+                                    </p:set>
+                                    <p:animEffect filter="fade" transition="in">
+                                      <p:cBhvr>
+                                        <p:cTn dur="1000"/>
+                                        <p:tgtEl>
+                                          <p:spTgt spid="172"/>
+                                        </p:tgtEl>
+                                      </p:cBhvr>
+                                    </p:animEffect>
+                                  </p:childTnLst>
+                                </p:cTn>
+                              </p:par>
+                              <p:par>
+                                <p:cTn fill="hold" nodeType="withEffect" presetClass="entr" presetID="10" presetSubtype="0">
+                                  <p:stCondLst>
+                                    <p:cond delay="0"/>
+                                  </p:stCondLst>
+                                  <p:childTnLst>
+                                    <p:set>
+                                      <p:cBhvr>
+                                        <p:cTn dur="1" fill="hold">
+                                          <p:stCondLst>
+                                            <p:cond delay="0"/>
+                                          </p:stCondLst>
+                                        </p:cTn>
+                                        <p:tgtEl>
+                                          <p:spTgt spid="167"/>
+                                        </p:tgtEl>
+                                        <p:attrNameLst>
+                                          <p:attrName>style.visibility</p:attrName>
+                                        </p:attrNameLst>
+                                      </p:cBhvr>
+                                      <p:to>
+                                        <p:strVal val="visible"/>
+                                      </p:to>
+                                    </p:set>
+                                    <p:animEffect filter="fade" transition="in">
+                                      <p:cBhvr>
+                                        <p:cTn dur="1000"/>
+                                        <p:tgtEl>
+                                          <p:spTgt spid="167"/>
+                                        </p:tgtEl>
+                                      </p:cBhvr>
+                                    </p:animEffect>
+                                  </p:childTnLst>
+                                </p:cTn>
+                              </p:par>
+                            </p:childTnLst>
+                          </p:cTn>
+                        </p:par>
+                      </p:childTnLst>
+                    </p:cTn>
+                  </p:par>
+                  <p:par>
+                    <p:cTn fill="hold">
+                      <p:stCondLst>
+                        <p:cond delay="indefinite"/>
+                      </p:stCondLst>
+                      <p:childTnLst>
+                        <p:par>
+                          <p:cTn fill="hold">
+                            <p:stCondLst>
+                              <p:cond delay="0"/>
+                            </p:stCondLst>
+                            <p:childTnLst>
+                              <p:par>
+                                <p:cTn fill="hold" nodeType="clickEffect" presetClass="entr" presetID="10" presetSubtype="0">
+                                  <p:stCondLst>
+                                    <p:cond delay="0"/>
+                                  </p:stCondLst>
+                                  <p:childTnLst>
+                                    <p:set>
+                                      <p:cBhvr>
+                                        <p:cTn dur="1" fill="hold">
+                                          <p:stCondLst>
+                                            <p:cond delay="0"/>
+                                          </p:stCondLst>
+                                        </p:cTn>
+                                        <p:tgtEl>
+                                          <p:spTgt spid="169"/>
+                                        </p:tgtEl>
+                                        <p:attrNameLst>
+                                          <p:attrName>style.visibility</p:attrName>
+                                        </p:attrNameLst>
+                                      </p:cBhvr>
+                                      <p:to>
+                                        <p:strVal val="visible"/>
+                                      </p:to>
+                                    </p:set>
+                                    <p:animEffect filter="fade" transition="in">
+                                      <p:cBhvr>
+                                        <p:cTn dur="1000"/>
+                                        <p:tgtEl>
+                                          <p:spTgt spid="169"/>
+                                        </p:tgtEl>
+                                      </p:cBhvr>
+                                    </p:animEffect>
+                                  </p:childTnLst>
+                                </p:cTn>
+                              </p:par>
+                            </p:childTnLst>
+                          </p:cTn>
+                        </p:par>
+                      </p:childTnLst>
+                    </p:cTn>
+                  </p:par>
+                  <p:par>
+                    <p:cTn fill="hold">
+                      <p:stCondLst>
+                        <p:cond delay="indefinite"/>
+                      </p:stCondLst>
+                      <p:childTnLst>
+                        <p:par>
+                          <p:cTn fill="hold">
+                            <p:stCondLst>
+                              <p:cond delay="0"/>
+                            </p:stCondLst>
+                            <p:childTnLst>
+                              <p:par>
+                                <p:cTn fill="hold" nodeType="clickEffect" presetClass="entr" presetID="10" presetSubtype="0">
+                                  <p:stCondLst>
+                                    <p:cond delay="0"/>
+                                  </p:stCondLst>
+                                  <p:childTnLst>
+                                    <p:set>
+                                      <p:cBhvr>
+                                        <p:cTn dur="1" fill="hold">
+                                          <p:stCondLst>
+                                            <p:cond delay="0"/>
+                                          </p:stCondLst>
+                                        </p:cTn>
+                                        <p:tgtEl>
+                                          <p:spTgt spid="168"/>
+                                        </p:tgtEl>
+                                        <p:attrNameLst>
+                                          <p:attrName>style.visibility</p:attrName>
+                                        </p:attrNameLst>
+                                      </p:cBhvr>
+                                      <p:to>
+                                        <p:strVal val="visible"/>
+                                      </p:to>
+                                    </p:set>
+                                    <p:animEffect filter="fade" transition="in">
+                                      <p:cBhvr>
+                                        <p:cTn dur="1000"/>
+                                        <p:tgtEl>
+                                          <p:spTgt spid="168"/>
+                                        </p:tgtEl>
+                                      </p:cBhvr>
+                                    </p:animEffect>
+                                  </p:childTnLst>
+                                </p:cTn>
+                              </p:par>
+                              <p:par>
+                                <p:cTn fill="hold" nodeType="withEffect" presetClass="entr" presetID="10" presetSubtype="0">
+                                  <p:stCondLst>
+                                    <p:cond delay="0"/>
+                                  </p:stCondLst>
+                                  <p:childTnLst>
+                                    <p:set>
+                                      <p:cBhvr>
+                                        <p:cTn dur="1" fill="hold">
+                                          <p:stCondLst>
+                                            <p:cond delay="0"/>
+                                          </p:stCondLst>
+                                        </p:cTn>
+                                        <p:tgtEl>
+                                          <p:spTgt spid="171"/>
+                                        </p:tgtEl>
+                                        <p:attrNameLst>
+                                          <p:attrName>style.visibility</p:attrName>
+                                        </p:attrNameLst>
+                                      </p:cBhvr>
+                                      <p:to>
+                                        <p:strVal val="visible"/>
+                                      </p:to>
+                                    </p:set>
+                                    <p:animEffect filter="fade" transition="in">
+                                      <p:cBhvr>
+                                        <p:cTn dur="1000"/>
+                                        <p:tgtEl>
+                                          <p:spTgt spid="171"/>
+                                        </p:tgtEl>
+                                      </p:cBhvr>
+                                    </p:animEffect>
+                                  </p:childTnLst>
+                                </p:cTn>
+                              </p:par>
+                              <p:par>
+                                <p:cTn fill="hold" nodeType="withEffect" presetClass="entr" presetID="10" presetSubtype="0">
+                                  <p:stCondLst>
+                                    <p:cond delay="0"/>
+                                  </p:stCondLst>
+                                  <p:childTnLst>
+                                    <p:set>
+                                      <p:cBhvr>
+                                        <p:cTn dur="1" fill="hold">
+                                          <p:stCondLst>
+                                            <p:cond delay="0"/>
+                                          </p:stCondLst>
+                                        </p:cTn>
+                                        <p:tgtEl>
+                                          <p:spTgt spid="170"/>
+                                        </p:tgtEl>
+                                        <p:attrNameLst>
+                                          <p:attrName>style.visibility</p:attrName>
+                                        </p:attrNameLst>
+                                      </p:cBhvr>
+                                      <p:to>
+                                        <p:strVal val="visible"/>
+                                      </p:to>
+                                    </p:set>
+                                    <p:animEffect filter="fade" transition="in">
+                                      <p:cBhvr>
+                                        <p:cTn dur="1000"/>
+                                        <p:tgtEl>
+                                          <p:spTgt spid="170"/>
+                                        </p:tgtEl>
+                                      </p:cBhvr>
+                                    </p:animEffect>
+                                  </p:childTnLst>
+                                </p:cTn>
+                              </p:par>
+                            </p:childTnLst>
+                          </p:cTn>
+                        </p:par>
+                      </p:childTnLst>
+                    </p:cTn>
+                  </p:par>
+                </p:childTnLst>
+              </p:cTn>
+              <p:prevCondLst>
+                <p:cond evt="onPrev">
+                  <p:tgtEl>
+                    <p:sldTgt/>
+                  </p:tgtEl>
+                </p:cond>
+              </p:prevCondLst>
+              <p:nextCondLst>
+                <p:cond evt="onNext">
+                  <p:tgtEl>
+                    <p:sldTgt/>
+                  </p:tgtEl>
+                </p:cond>
+              </p:nextCondLst>
+            </p:seq>
+          </p:childTnLst>
+        </p:cTn>
+      </p:par>
+    </p:tnLst>
+  </p:timing>
+</p:sld>
+</file>
+
+<file path=ppt/slides/slide5.xml><?xml version="1.0" encoding="utf-8"?>
+<p:sld xmlns:a="http://schemas.openxmlformats.org/drawingml/2006/main" xmlns:r="http://schemas.openxmlformats.org/officeDocument/2006/relationships" xmlns:mc="http://schemas.openxmlformats.org/markup-compatibility/2006" xmlns:mv="urn:schemas-microsoft-com:mac:vml" xmlns:p="http://schemas.openxmlformats.org/presentationml/2006/main" xmlns:c="http://schemas.openxmlformats.org/drawingml/2006/chart" xmlns:dgm="http://schemas.openxmlformats.org/drawingml/2006/diagram" xmlns:o="urn:schemas-microsoft-com:office:office" xmlns:v="urn:schemas-microsoft-com:vml" xmlns:pvml="urn:schemas-microsoft-com:office:powerpoint" xmlns:com="http://schemas.openxmlformats.org/drawingml/2006/compatibility" xmlns:p14="http://schemas.microsoft.com/office/powerpoint/2010/main" xmlns:p15="http://schemas.microsoft.com/office/powerpoint/2012/main" xmlns:ahyp="http://schemas.microsoft.com/office/drawing/2018/hyperlinkcolor">
+  <p:cSld>
+    <p:spTree>
+      <p:nvGrpSpPr>
+        <p:cNvPr id="177" name="Shape 177"/>
+        <p:cNvGrpSpPr/>
+        <p:nvPr/>
+      </p:nvGrpSpPr>
+      <p:grpSpPr>
+        <a:xfrm>
+          <a:off x="0" y="0"/>
+          <a:ext cx="0" cy="0"/>
+          <a:chOff x="0" y="0"/>
+          <a:chExt cx="0" cy="0"/>
+        </a:xfrm>
+      </p:grpSpPr>
+      <p:sp>
+        <p:nvSpPr>
+          <p:cNvPr id="178" name="Google Shape;178;p17"/>
+          <p:cNvSpPr txBox="1"/>
+          <p:nvPr>
+            <p:ph type="title"/>
+          </p:nvPr>
+        </p:nvSpPr>
+        <p:spPr>
+          <a:xfrm>
+            <a:off x="311700" y="410000"/>
+            <a:ext cx="8520600" cy="607800"/>
+          </a:xfrm>
+          <a:prstGeom prst="rect">
+            <a:avLst/>
+          </a:prstGeom>
+        </p:spPr>
+        <p:txBody>
+          <a:bodyPr anchorCtr="0" anchor="t" bIns="91425" lIns="91425" spcFirstLastPara="1" rIns="91425" wrap="square" tIns="91425">
+            <a:noAutofit/>
+          </a:bodyPr>
+          <a:lstStyle/>
+          <a:p>
+            <a:pPr indent="0" lvl="0" marL="0" rtl="0" algn="l">
+              <a:spcBef>
+                <a:spcPts val="0"/>
+              </a:spcBef>
+              <a:spcAft>
+                <a:spcPts val="0"/>
+              </a:spcAft>
+              <a:buNone/>
+            </a:pPr>
+            <a:r>
+              <a:rPr lang="en"/>
+              <a:t>GitFlow Agile Resembling</a:t>
+            </a:r>
+            <a:endParaRPr/>
+          </a:p>
+        </p:txBody>
+      </p:sp>
+      <p:sp>
+        <p:nvSpPr>
+          <p:cNvPr id="179" name="Google Shape;179;p17">
+            <a:hlinkClick action="ppaction://hlinksldjump" r:id="rId3"/>
+          </p:cNvPr>
+          <p:cNvSpPr/>
+          <p:nvPr/>
+        </p:nvSpPr>
+        <p:spPr>
+          <a:xfrm>
+            <a:off x="8600100" y="593300"/>
+            <a:ext cx="232200" cy="241200"/>
+          </a:xfrm>
+          <a:prstGeom prst="leftArrow">
+            <a:avLst>
+              <a:gd fmla="val 50000" name="adj1"/>
+              <a:gd fmla="val 50000" name="adj2"/>
+            </a:avLst>
+          </a:prstGeom>
+          <a:solidFill>
+            <a:srgbClr val="0B5394"/>
+          </a:solidFill>
+          <a:ln cap="flat" cmpd="sng" w="9525">
+            <a:solidFill>
+              <a:schemeClr val="dk2"/>
+            </a:solidFill>
+            <a:prstDash val="solid"/>
+            <a:round/>
+            <a:headEnd len="sm" w="sm" type="none"/>
+            <a:tailEnd len="sm" w="sm" type="none"/>
+          </a:ln>
+        </p:spPr>
+        <p:txBody>
+          <a:bodyPr anchorCtr="0" anchor="ctr" bIns="91425" lIns="91425" spcFirstLastPara="1" rIns="91425" wrap="square" tIns="91425">
+            <a:noAutofit/>
+          </a:bodyPr>
+          <a:lstStyle/>
+          <a:p>
+            <a:pPr indent="0" lvl="0" marL="0" rtl="0" algn="l">
+              <a:spcBef>
+                <a:spcPts val="0"/>
+              </a:spcBef>
+              <a:spcAft>
+                <a:spcPts val="0"/>
+              </a:spcAft>
+              <a:buNone/>
+            </a:pPr>
+            <a:r>
+              <a:t/>
+            </a:r>
+            <a:endParaRPr/>
+          </a:p>
+        </p:txBody>
+      </p:sp>
+      <p:sp>
+        <p:nvSpPr>
+          <p:cNvPr id="180" name="Google Shape;180;p17"/>
+          <p:cNvSpPr txBox="1"/>
+          <p:nvPr>
+            <p:ph idx="1" type="body"/>
+          </p:nvPr>
+        </p:nvSpPr>
+        <p:spPr>
+          <a:xfrm>
+            <a:off x="311700" y="1229875"/>
+            <a:ext cx="8520600" cy="3339000"/>
+          </a:xfrm>
+          <a:prstGeom prst="rect">
+            <a:avLst/>
+          </a:prstGeom>
+        </p:spPr>
+        <p:txBody>
+          <a:bodyPr anchorCtr="0" anchor="t" bIns="91425" lIns="91425" spcFirstLastPara="1" rIns="91425" wrap="square" tIns="91425">
+            <a:noAutofit/>
+          </a:bodyPr>
+          <a:lstStyle/>
+          <a:p>
+            <a:pPr indent="-317500" lvl="0" marL="457200" rtl="0" algn="l">
+              <a:spcBef>
+                <a:spcPts val="0"/>
+              </a:spcBef>
+              <a:spcAft>
+                <a:spcPts val="0"/>
+              </a:spcAft>
+              <a:buSzPts val="1400"/>
+              <a:buChar char="●"/>
+            </a:pPr>
+            <a:r>
+              <a:rPr b="1" lang="en" sz="1400"/>
+              <a:t>Gitflow branching:</a:t>
+            </a:r>
+            <a:endParaRPr b="1" sz="1400"/>
+          </a:p>
+          <a:p>
+            <a:pPr indent="0" lvl="0" marL="0" rtl="0" algn="l">
+              <a:spcBef>
+                <a:spcPts val="1600"/>
+              </a:spcBef>
+              <a:spcAft>
+                <a:spcPts val="0"/>
+              </a:spcAft>
+              <a:buNone/>
+            </a:pPr>
+            <a:r>
+              <a:t/>
+            </a:r>
+            <a:endParaRPr b="1" sz="100"/>
+          </a:p>
+          <a:p>
+            <a:pPr indent="-317500" lvl="1" marL="914400" rtl="0" algn="l">
+              <a:spcBef>
+                <a:spcPts val="1600"/>
+              </a:spcBef>
+              <a:spcAft>
+                <a:spcPts val="0"/>
+              </a:spcAft>
+              <a:buSzPts val="1400"/>
+              <a:buChar char="○"/>
+            </a:pPr>
+            <a:r>
+              <a:rPr lang="en" sz="1400"/>
+              <a:t>Releases:</a:t>
+            </a:r>
+            <a:endParaRPr sz="1400"/>
+          </a:p>
+          <a:p>
+            <a:pPr indent="-317500" lvl="2" marL="1371600" rtl="0" algn="l">
+              <a:spcBef>
+                <a:spcPts val="0"/>
+              </a:spcBef>
+              <a:spcAft>
+                <a:spcPts val="0"/>
+              </a:spcAft>
+              <a:buSzPts val="1400"/>
+              <a:buChar char="■"/>
+            </a:pPr>
+            <a:r>
+              <a:rPr lang="en"/>
+              <a:t>release/v0.0.1</a:t>
+            </a:r>
+            <a:endParaRPr/>
+          </a:p>
+          <a:p>
+            <a:pPr indent="-317500" lvl="2" marL="1371600" rtl="0" algn="l">
+              <a:spcBef>
+                <a:spcPts val="0"/>
+              </a:spcBef>
+              <a:spcAft>
+                <a:spcPts val="0"/>
+              </a:spcAft>
+              <a:buSzPts val="1400"/>
+              <a:buChar char="■"/>
+            </a:pPr>
+            <a:r>
+              <a:rPr lang="en"/>
+              <a:t>release/v0.0.2</a:t>
+            </a:r>
+            <a:endParaRPr/>
+          </a:p>
+          <a:p>
+            <a:pPr indent="-317500" lvl="1" marL="914400" rtl="0" algn="l">
+              <a:spcBef>
+                <a:spcPts val="0"/>
+              </a:spcBef>
+              <a:spcAft>
+                <a:spcPts val="0"/>
+              </a:spcAft>
+              <a:buSzPts val="1400"/>
+              <a:buChar char="○"/>
+            </a:pPr>
+            <a:r>
+              <a:rPr lang="en" sz="1400"/>
+              <a:t>Features:</a:t>
+            </a:r>
+            <a:endParaRPr sz="1400"/>
+          </a:p>
+          <a:p>
+            <a:pPr indent="-317500" lvl="2" marL="1371600" rtl="0" algn="l">
+              <a:spcBef>
+                <a:spcPts val="0"/>
+              </a:spcBef>
+              <a:spcAft>
+                <a:spcPts val="0"/>
+              </a:spcAft>
+              <a:buSzPts val="1400"/>
+              <a:buChar char="■"/>
+            </a:pPr>
+            <a:r>
+              <a:rPr lang="en"/>
+              <a:t>feature/integrate_amex</a:t>
+            </a:r>
+            <a:endParaRPr/>
+          </a:p>
+          <a:p>
+            <a:pPr indent="-317500" lvl="2" marL="1371600" rtl="0" algn="l">
+              <a:spcBef>
+                <a:spcPts val="0"/>
+              </a:spcBef>
+              <a:spcAft>
+                <a:spcPts val="0"/>
+              </a:spcAft>
+              <a:buSzPts val="1400"/>
+              <a:buChar char="■"/>
+            </a:pPr>
+            <a:r>
+              <a:rPr lang="en"/>
+              <a:t>feature/integrate_visa</a:t>
+            </a:r>
+            <a:endParaRPr/>
+          </a:p>
+          <a:p>
+            <a:pPr indent="-317500" lvl="1" marL="914400" rtl="0" algn="l">
+              <a:spcBef>
+                <a:spcPts val="0"/>
+              </a:spcBef>
+              <a:spcAft>
+                <a:spcPts val="0"/>
+              </a:spcAft>
+              <a:buSzPts val="1400"/>
+              <a:buChar char="○"/>
+            </a:pPr>
+            <a:r>
+              <a:rPr lang="en" sz="1400"/>
+              <a:t>Hotfixes:</a:t>
+            </a:r>
+            <a:endParaRPr sz="1400"/>
+          </a:p>
+          <a:p>
+            <a:pPr indent="-317500" lvl="2" marL="1371600" rtl="0" algn="l">
+              <a:spcBef>
+                <a:spcPts val="0"/>
+              </a:spcBef>
+              <a:spcAft>
+                <a:spcPts val="0"/>
+              </a:spcAft>
+              <a:buSzPts val="1400"/>
+              <a:buChar char="■"/>
+            </a:pPr>
+            <a:r>
+              <a:rPr lang="en"/>
+              <a:t>hotfix/memory_leak</a:t>
+            </a:r>
+            <a:endParaRPr/>
+          </a:p>
+          <a:p>
+            <a:pPr indent="-317500" lvl="2" marL="1371600" rtl="0" algn="l">
+              <a:spcBef>
+                <a:spcPts val="0"/>
+              </a:spcBef>
+              <a:spcAft>
+                <a:spcPts val="0"/>
+              </a:spcAft>
+              <a:buSzPts val="1400"/>
+              <a:buChar char="■"/>
+            </a:pPr>
+            <a:r>
+              <a:rPr lang="en"/>
+              <a:t>hotfix/wrong_calculuscv</a:t>
+            </a:r>
+            <a:endParaRPr/>
+          </a:p>
+        </p:txBody>
+      </p:sp>
+      <p:sp>
+        <p:nvSpPr>
+          <p:cNvPr id="181" name="Google Shape;181;p17"/>
+          <p:cNvSpPr txBox="1"/>
+          <p:nvPr/>
+        </p:nvSpPr>
+        <p:spPr>
+          <a:xfrm>
+            <a:off x="3688790" y="1803889"/>
+            <a:ext cx="799800" cy="1015500"/>
+          </a:xfrm>
+          <a:prstGeom prst="rect">
+            <a:avLst/>
+          </a:prstGeom>
+          <a:noFill/>
+          <a:ln>
+            <a:noFill/>
+          </a:ln>
+        </p:spPr>
+        <p:txBody>
+          <a:bodyPr anchorCtr="0" anchor="ctr" bIns="91425" lIns="91425" spcFirstLastPara="1" rIns="91425" wrap="square" tIns="91425">
+            <a:noAutofit/>
+          </a:bodyPr>
+          <a:lstStyle/>
+          <a:p>
+            <a:pPr indent="0" lvl="0" marL="0" rtl="0" algn="l">
+              <a:spcBef>
+                <a:spcPts val="0"/>
+              </a:spcBef>
+              <a:spcAft>
+                <a:spcPts val="0"/>
+              </a:spcAft>
+              <a:buNone/>
+            </a:pPr>
+            <a:r>
+              <a:rPr lang="en" sz="5800">
+                <a:solidFill>
+                  <a:srgbClr val="0B5394"/>
+                </a:solidFill>
+                <a:latin typeface="Consolas"/>
+                <a:ea typeface="Consolas"/>
+                <a:cs typeface="Consolas"/>
+                <a:sym typeface="Consolas"/>
+              </a:rPr>
+              <a:t>}</a:t>
+            </a:r>
+            <a:endParaRPr b="1" sz="1100">
+              <a:solidFill>
+                <a:srgbClr val="0B5394"/>
+              </a:solidFill>
+              <a:latin typeface="Consolas"/>
+              <a:ea typeface="Consolas"/>
+              <a:cs typeface="Consolas"/>
+              <a:sym typeface="Consolas"/>
+            </a:endParaRPr>
+          </a:p>
+        </p:txBody>
+      </p:sp>
+      <p:sp>
+        <p:nvSpPr>
+          <p:cNvPr id="182" name="Google Shape;182;p17"/>
+          <p:cNvSpPr txBox="1"/>
+          <p:nvPr/>
+        </p:nvSpPr>
+        <p:spPr>
+          <a:xfrm>
+            <a:off x="5800604" y="1803874"/>
+            <a:ext cx="2048396" cy="1015500"/>
+          </a:xfrm>
+          <a:prstGeom prst="rect">
+            <a:avLst/>
+          </a:prstGeom>
+          <a:noFill/>
+          <a:ln>
+            <a:noFill/>
+          </a:ln>
+        </p:spPr>
+        <p:txBody>
+          <a:bodyPr anchorCtr="0" anchor="ctr" bIns="91425" lIns="91425" spcFirstLastPara="1" rIns="91425" wrap="square" tIns="91425">
+            <a:noAutofit/>
+          </a:bodyPr>
+          <a:lstStyle/>
+          <a:p>
+            <a:pPr indent="457200" lvl="0" marL="0" rtl="0" algn="l">
+              <a:spcBef>
+                <a:spcPts val="0"/>
+              </a:spcBef>
+              <a:spcAft>
+                <a:spcPts val="0"/>
+              </a:spcAft>
+              <a:buNone/>
+            </a:pPr>
+            <a:r>
+              <a:rPr b="1" lang="en" sz="1800">
+                <a:latin typeface="Roboto"/>
+                <a:ea typeface="Roboto"/>
+                <a:cs typeface="Roboto"/>
+                <a:sym typeface="Roboto"/>
+              </a:rPr>
+              <a:t>Epics</a:t>
+            </a:r>
+            <a:endParaRPr b="1" sz="1800">
+              <a:latin typeface="Roboto"/>
+              <a:ea typeface="Roboto"/>
+              <a:cs typeface="Roboto"/>
+              <a:sym typeface="Roboto"/>
+            </a:endParaRPr>
+          </a:p>
+        </p:txBody>
+      </p:sp>
+      <p:sp>
+        <p:nvSpPr>
+          <p:cNvPr id="183" name="Google Shape;183;p17"/>
+          <p:cNvSpPr txBox="1"/>
+          <p:nvPr/>
+        </p:nvSpPr>
+        <p:spPr>
+          <a:xfrm>
+            <a:off x="3688790" y="2565894"/>
+            <a:ext cx="799800" cy="1015500"/>
+          </a:xfrm>
+          <a:prstGeom prst="rect">
+            <a:avLst/>
+          </a:prstGeom>
+          <a:noFill/>
+          <a:ln>
+            <a:noFill/>
+          </a:ln>
+        </p:spPr>
+        <p:txBody>
+          <a:bodyPr anchorCtr="0" anchor="ctr" bIns="91425" lIns="91425" spcFirstLastPara="1" rIns="91425" wrap="square" tIns="91425">
+            <a:noAutofit/>
+          </a:bodyPr>
+          <a:lstStyle/>
+          <a:p>
+            <a:pPr indent="0" lvl="0" marL="0" rtl="0" algn="l">
+              <a:spcBef>
+                <a:spcPts val="0"/>
+              </a:spcBef>
+              <a:spcAft>
+                <a:spcPts val="0"/>
+              </a:spcAft>
+              <a:buNone/>
+            </a:pPr>
+            <a:r>
+              <a:rPr lang="en" sz="5800">
+                <a:solidFill>
+                  <a:srgbClr val="0B5394"/>
+                </a:solidFill>
+                <a:latin typeface="Consolas"/>
+                <a:ea typeface="Consolas"/>
+                <a:cs typeface="Consolas"/>
+                <a:sym typeface="Consolas"/>
+              </a:rPr>
+              <a:t>}</a:t>
+            </a:r>
+            <a:endParaRPr b="1" sz="1100">
+              <a:solidFill>
+                <a:srgbClr val="0B5394"/>
+              </a:solidFill>
+              <a:latin typeface="Consolas"/>
+              <a:ea typeface="Consolas"/>
+              <a:cs typeface="Consolas"/>
+              <a:sym typeface="Consolas"/>
+            </a:endParaRPr>
+          </a:p>
+        </p:txBody>
+      </p:sp>
+      <p:sp>
+        <p:nvSpPr>
+          <p:cNvPr id="184" name="Google Shape;184;p17"/>
+          <p:cNvSpPr txBox="1"/>
+          <p:nvPr/>
+        </p:nvSpPr>
+        <p:spPr>
+          <a:xfrm>
+            <a:off x="5800604" y="2565879"/>
+            <a:ext cx="2048396" cy="1015500"/>
+          </a:xfrm>
+          <a:prstGeom prst="rect">
+            <a:avLst/>
+          </a:prstGeom>
+          <a:noFill/>
+          <a:ln>
+            <a:noFill/>
+          </a:ln>
+        </p:spPr>
+        <p:txBody>
+          <a:bodyPr anchorCtr="0" anchor="ctr" bIns="91425" lIns="91425" spcFirstLastPara="1" rIns="91425" wrap="square" tIns="91425">
+            <a:noAutofit/>
+          </a:bodyPr>
+          <a:lstStyle/>
+          <a:p>
+            <a:pPr indent="457200" lvl="0" marL="0" rtl="0" algn="l">
+              <a:spcBef>
+                <a:spcPts val="0"/>
+              </a:spcBef>
+              <a:spcAft>
+                <a:spcPts val="0"/>
+              </a:spcAft>
+              <a:buNone/>
+            </a:pPr>
+            <a:r>
+              <a:rPr b="1" lang="en" sz="1800">
+                <a:latin typeface="Roboto"/>
+                <a:ea typeface="Roboto"/>
+                <a:cs typeface="Roboto"/>
+                <a:sym typeface="Roboto"/>
+              </a:rPr>
+              <a:t>User Stories</a:t>
+            </a:r>
+            <a:endParaRPr b="1" sz="1800">
+              <a:latin typeface="Roboto"/>
+              <a:ea typeface="Roboto"/>
+              <a:cs typeface="Roboto"/>
+              <a:sym typeface="Roboto"/>
+            </a:endParaRPr>
+          </a:p>
+        </p:txBody>
+      </p:sp>
+      <p:sp>
+        <p:nvSpPr>
+          <p:cNvPr id="185" name="Google Shape;185;p17"/>
+          <p:cNvSpPr txBox="1"/>
+          <p:nvPr>
+            <p:ph idx="1" type="body"/>
+          </p:nvPr>
+        </p:nvSpPr>
+        <p:spPr>
+          <a:xfrm>
+            <a:off x="5798100" y="1229975"/>
+            <a:ext cx="3034200" cy="3339000"/>
+          </a:xfrm>
+          <a:prstGeom prst="rect">
+            <a:avLst/>
+          </a:prstGeom>
+        </p:spPr>
+        <p:txBody>
+          <a:bodyPr anchorCtr="0" anchor="t" bIns="91425" lIns="91425" spcFirstLastPara="1" rIns="91425" wrap="square" tIns="91425">
+            <a:noAutofit/>
+          </a:bodyPr>
+          <a:lstStyle/>
+          <a:p>
+            <a:pPr indent="-317500" lvl="0" marL="457200" rtl="0" algn="l">
+              <a:spcBef>
+                <a:spcPts val="0"/>
+              </a:spcBef>
+              <a:spcAft>
+                <a:spcPts val="0"/>
+              </a:spcAft>
+              <a:buSzPts val="1400"/>
+              <a:buChar char="●"/>
+            </a:pPr>
+            <a:r>
+              <a:rPr b="1" lang="en" sz="1400"/>
+              <a:t>Story telling</a:t>
+            </a:r>
+            <a:r>
+              <a:rPr b="1" lang="en" sz="1400"/>
+              <a:t>:</a:t>
+            </a:r>
+            <a:endParaRPr/>
+          </a:p>
+        </p:txBody>
+      </p:sp>
+      <p:sp>
+        <p:nvSpPr>
+          <p:cNvPr id="186" name="Google Shape;186;p17"/>
+          <p:cNvSpPr txBox="1"/>
+          <p:nvPr/>
+        </p:nvSpPr>
+        <p:spPr>
+          <a:xfrm>
+            <a:off x="3688790" y="3327899"/>
+            <a:ext cx="799800" cy="1015500"/>
+          </a:xfrm>
+          <a:prstGeom prst="rect">
+            <a:avLst/>
+          </a:prstGeom>
+          <a:noFill/>
+          <a:ln>
+            <a:noFill/>
+          </a:ln>
+        </p:spPr>
+        <p:txBody>
+          <a:bodyPr anchorCtr="0" anchor="ctr" bIns="91425" lIns="91425" spcFirstLastPara="1" rIns="91425" wrap="square" tIns="91425">
+            <a:noAutofit/>
+          </a:bodyPr>
+          <a:lstStyle/>
+          <a:p>
+            <a:pPr indent="0" lvl="0" marL="0" rtl="0" algn="l">
+              <a:spcBef>
+                <a:spcPts val="0"/>
+              </a:spcBef>
+              <a:spcAft>
+                <a:spcPts val="0"/>
+              </a:spcAft>
+              <a:buNone/>
+            </a:pPr>
+            <a:r>
+              <a:rPr lang="en" sz="5800">
+                <a:solidFill>
+                  <a:srgbClr val="0B5394"/>
+                </a:solidFill>
+                <a:latin typeface="Consolas"/>
+                <a:ea typeface="Consolas"/>
+                <a:cs typeface="Consolas"/>
+                <a:sym typeface="Consolas"/>
+              </a:rPr>
+              <a:t>}</a:t>
+            </a:r>
+            <a:endParaRPr b="1" sz="1100">
+              <a:solidFill>
+                <a:srgbClr val="0B5394"/>
+              </a:solidFill>
+              <a:latin typeface="Consolas"/>
+              <a:ea typeface="Consolas"/>
+              <a:cs typeface="Consolas"/>
+              <a:sym typeface="Consolas"/>
+            </a:endParaRPr>
+          </a:p>
+        </p:txBody>
+      </p:sp>
+      <p:sp>
+        <p:nvSpPr>
+          <p:cNvPr id="187" name="Google Shape;187;p17"/>
+          <p:cNvSpPr txBox="1"/>
+          <p:nvPr/>
+        </p:nvSpPr>
+        <p:spPr>
+          <a:xfrm>
+            <a:off x="5800604" y="3327884"/>
+            <a:ext cx="2048396" cy="1015500"/>
+          </a:xfrm>
+          <a:prstGeom prst="rect">
+            <a:avLst/>
+          </a:prstGeom>
+          <a:noFill/>
+          <a:ln>
+            <a:noFill/>
+          </a:ln>
+        </p:spPr>
+        <p:txBody>
+          <a:bodyPr anchorCtr="0" anchor="ctr" bIns="91425" lIns="91425" spcFirstLastPara="1" rIns="91425" wrap="square" tIns="91425">
+            <a:noAutofit/>
+          </a:bodyPr>
+          <a:lstStyle/>
+          <a:p>
+            <a:pPr indent="457200" lvl="0" marL="0" rtl="0" algn="l">
+              <a:spcBef>
+                <a:spcPts val="0"/>
+              </a:spcBef>
+              <a:spcAft>
+                <a:spcPts val="0"/>
+              </a:spcAft>
+              <a:buNone/>
+            </a:pPr>
+            <a:r>
+              <a:rPr b="1" lang="en" sz="1800">
+                <a:latin typeface="Roboto"/>
+                <a:ea typeface="Roboto"/>
+                <a:cs typeface="Roboto"/>
+                <a:sym typeface="Roboto"/>
+              </a:rPr>
+              <a:t>Tasks</a:t>
+            </a:r>
+            <a:endParaRPr b="1" sz="1800">
+              <a:latin typeface="Roboto"/>
+              <a:ea typeface="Roboto"/>
+              <a:cs typeface="Roboto"/>
+              <a:sym typeface="Roboto"/>
+            </a:endParaRPr>
+          </a:p>
+        </p:txBody>
+      </p:sp>
+      <p:sp>
+        <p:nvSpPr>
+          <p:cNvPr id="188" name="Google Shape;188;p17"/>
+          <p:cNvSpPr/>
+          <p:nvPr/>
+        </p:nvSpPr>
+        <p:spPr>
+          <a:xfrm>
+            <a:off x="4367800" y="2183009"/>
+            <a:ext cx="1785900" cy="353100"/>
+          </a:xfrm>
+          <a:prstGeom prst="stripedRightArrow">
+            <a:avLst>
+              <a:gd fmla="val 50000" name="adj1"/>
+              <a:gd fmla="val 50000" name="adj2"/>
+            </a:avLst>
+          </a:prstGeom>
+          <a:solidFill>
+            <a:srgbClr val="FFFF00"/>
+          </a:solidFill>
+          <a:ln cap="flat" cmpd="sng" w="9525">
+            <a:solidFill>
+              <a:schemeClr val="dk2"/>
+            </a:solidFill>
+            <a:prstDash val="solid"/>
+            <a:round/>
+            <a:headEnd len="sm" w="sm" type="none"/>
+            <a:tailEnd len="sm" w="sm" type="none"/>
+          </a:ln>
+        </p:spPr>
+        <p:txBody>
+          <a:bodyPr anchorCtr="0" anchor="ctr" bIns="91425" lIns="91425" spcFirstLastPara="1" rIns="91425" wrap="square" tIns="91425">
+            <a:noAutofit/>
+          </a:bodyPr>
+          <a:lstStyle/>
+          <a:p>
+            <a:pPr indent="0" lvl="0" marL="0" rtl="0" algn="l">
+              <a:spcBef>
+                <a:spcPts val="0"/>
+              </a:spcBef>
+              <a:spcAft>
+                <a:spcPts val="0"/>
+              </a:spcAft>
+              <a:buNone/>
+            </a:pPr>
+            <a:r>
+              <a:t/>
+            </a:r>
+            <a:endParaRPr/>
+          </a:p>
+        </p:txBody>
+      </p:sp>
+      <p:sp>
+        <p:nvSpPr>
+          <p:cNvPr id="189" name="Google Shape;189;p17"/>
+          <p:cNvSpPr/>
+          <p:nvPr/>
+        </p:nvSpPr>
+        <p:spPr>
+          <a:xfrm>
+            <a:off x="4367800" y="2945009"/>
+            <a:ext cx="1785900" cy="353100"/>
+          </a:xfrm>
+          <a:prstGeom prst="stripedRightArrow">
+            <a:avLst>
+              <a:gd fmla="val 50000" name="adj1"/>
+              <a:gd fmla="val 50000" name="adj2"/>
+            </a:avLst>
+          </a:prstGeom>
+          <a:solidFill>
+            <a:srgbClr val="FFFF00"/>
+          </a:solidFill>
+          <a:ln cap="flat" cmpd="sng" w="9525">
+            <a:solidFill>
+              <a:schemeClr val="dk2"/>
+            </a:solidFill>
+            <a:prstDash val="solid"/>
+            <a:round/>
+            <a:headEnd len="sm" w="sm" type="none"/>
+            <a:tailEnd len="sm" w="sm" type="none"/>
+          </a:ln>
+        </p:spPr>
+        <p:txBody>
+          <a:bodyPr anchorCtr="0" anchor="ctr" bIns="91425" lIns="91425" spcFirstLastPara="1" rIns="91425" wrap="square" tIns="91425">
+            <a:noAutofit/>
+          </a:bodyPr>
+          <a:lstStyle/>
+          <a:p>
+            <a:pPr indent="0" lvl="0" marL="0" rtl="0" algn="l">
+              <a:spcBef>
+                <a:spcPts val="0"/>
+              </a:spcBef>
+              <a:spcAft>
+                <a:spcPts val="0"/>
+              </a:spcAft>
+              <a:buNone/>
+            </a:pPr>
+            <a:r>
+              <a:t/>
+            </a:r>
+            <a:endParaRPr/>
+          </a:p>
+        </p:txBody>
+      </p:sp>
+      <p:sp>
+        <p:nvSpPr>
+          <p:cNvPr id="190" name="Google Shape;190;p17"/>
+          <p:cNvSpPr/>
+          <p:nvPr/>
+        </p:nvSpPr>
+        <p:spPr>
+          <a:xfrm>
+            <a:off x="4367800" y="3707009"/>
+            <a:ext cx="1785900" cy="353100"/>
+          </a:xfrm>
+          <a:prstGeom prst="stripedRightArrow">
+            <a:avLst>
+              <a:gd fmla="val 50000" name="adj1"/>
+              <a:gd fmla="val 50000" name="adj2"/>
+            </a:avLst>
+          </a:prstGeom>
+          <a:solidFill>
+            <a:srgbClr val="FFFF00"/>
+          </a:solidFill>
+          <a:ln cap="flat" cmpd="sng" w="9525">
+            <a:solidFill>
+              <a:schemeClr val="dk2"/>
+            </a:solidFill>
+            <a:prstDash val="solid"/>
+            <a:round/>
+            <a:headEnd len="sm" w="sm" type="none"/>
+            <a:tailEnd len="sm" w="sm" type="none"/>
+          </a:ln>
+        </p:spPr>
+        <p:txBody>
+          <a:bodyPr anchorCtr="0" anchor="ctr" bIns="91425" lIns="91425" spcFirstLastPara="1" rIns="91425" wrap="square" tIns="91425">
+            <a:noAutofit/>
+          </a:bodyPr>
+          <a:lstStyle/>
+          <a:p>
+            <a:pPr indent="0" lvl="0" marL="0" rtl="0" algn="l">
+              <a:spcBef>
+                <a:spcPts val="0"/>
+              </a:spcBef>
+              <a:spcAft>
+                <a:spcPts val="0"/>
+              </a:spcAft>
+              <a:buNone/>
+            </a:pPr>
+            <a:r>
+              <a:t/>
+            </a:r>
+            <a:endParaRPr/>
+          </a:p>
+        </p:txBody>
+      </p:sp>
+    </p:spTree>
+  </p:cSld>
+  <p:clrMapOvr>
+    <a:masterClrMapping/>
+  </p:clrMapOvr>
+  <p:timing>
+    <p:tnLst>
+      <p:par>
+        <p:cTn dur="indefinite" nodeType="tmRoot" restart="never">
+          <p:childTnLst>
+            <p:seq concurrent="1" nextAc="seek">
+              <p:cTn dur="indefinite" id="2" nodeType="mainSeq">
+                <p:childTnLst>
+                  <p:par>
+                    <p:cTn fill="hold">
+                      <p:stCondLst>
+                        <p:cond delay="indefinite"/>
+                      </p:stCondLst>
+                      <p:childTnLst>
+                        <p:par>
+                          <p:cTn fill="hold">
+                            <p:stCondLst>
+                              <p:cond delay="0"/>
+                            </p:stCondLst>
+                            <p:childTnLst>
+                              <p:par>
+                                <p:cTn fill="hold" nodeType="clickEffect" presetClass="entr" presetID="10" presetSubtype="0">
+                                  <p:stCondLst>
+                                    <p:cond delay="0"/>
+                                  </p:stCondLst>
+                                  <p:childTnLst>
+                                    <p:set>
+                                      <p:cBhvr>
+                                        <p:cTn dur="1" fill="hold">
+                                          <p:stCondLst>
+                                            <p:cond delay="0"/>
+                                          </p:stCondLst>
+                                        </p:cTn>
+                                        <p:tgtEl>
+                                          <p:spTgt spid="180">
+                                            <p:txEl>
+                                              <p:pRg end="0" st="0"/>
+                                            </p:txEl>
+                                          </p:spTgt>
+                                        </p:tgtEl>
+                                        <p:attrNameLst>
+                                          <p:attrName>style.visibility</p:attrName>
+                                        </p:attrNameLst>
+                                      </p:cBhvr>
+                                      <p:to>
+                                        <p:strVal val="visible"/>
+                                      </p:to>
+                                    </p:set>
+                                    <p:animEffect filter="fade" transition="in">
+                                      <p:cBhvr>
+                                        <p:cTn dur="1000"/>
+                                        <p:tgtEl>
+                                          <p:spTgt spid="180">
+                                            <p:txEl>
+                                              <p:pRg end="0" st="0"/>
+                                            </p:txEl>
+                                          </p:spTgt>
+                                        </p:tgtEl>
+                                      </p:cBhvr>
+                                    </p:animEffect>
+                                  </p:childTnLst>
+                                </p:cTn>
+                              </p:par>
+                            </p:childTnLst>
+                          </p:cTn>
+                        </p:par>
+                      </p:childTnLst>
+                    </p:cTn>
+                  </p:par>
+                  <p:par>
+                    <p:cTn fill="hold">
+                      <p:stCondLst>
+                        <p:cond delay="indefinite"/>
+                      </p:stCondLst>
+                      <p:childTnLst>
+                        <p:par>
+                          <p:cTn fill="hold">
+                            <p:stCondLst>
+                              <p:cond delay="0"/>
+                            </p:stCondLst>
+                            <p:childTnLst>
+                              <p:par>
+                                <p:cTn fill="hold" nodeType="clickEffect" presetClass="entr" presetID="10" presetSubtype="0">
+                                  <p:stCondLst>
+                                    <p:cond delay="0"/>
+                                  </p:stCondLst>
+                                  <p:childTnLst>
+                                    <p:set>
+                                      <p:cBhvr>
+                                        <p:cTn dur="1" fill="hold">
+                                          <p:stCondLst>
+                                            <p:cond delay="0"/>
+                                          </p:stCondLst>
+                                        </p:cTn>
+                                        <p:tgtEl>
+                                          <p:spTgt spid="180">
+                                            <p:txEl>
+                                              <p:pRg end="1" st="1"/>
+                                            </p:txEl>
+                                          </p:spTgt>
+                                        </p:tgtEl>
+                                        <p:attrNameLst>
+                                          <p:attrName>style.visibility</p:attrName>
+                                        </p:attrNameLst>
+                                      </p:cBhvr>
+                                      <p:to>
+                                        <p:strVal val="visible"/>
+                                      </p:to>
+                                    </p:set>
+                                    <p:animEffect filter="fade" transition="in">
+                                      <p:cBhvr>
+                                        <p:cTn dur="1000"/>
+                                        <p:tgtEl>
+                                          <p:spTgt spid="180">
+                                            <p:txEl>
+                                              <p:pRg end="1" st="1"/>
+                                            </p:txEl>
+                                          </p:spTgt>
+                                        </p:tgtEl>
+                                      </p:cBhvr>
+                                    </p:animEffect>
+                                  </p:childTnLst>
+                                </p:cTn>
+                              </p:par>
+                            </p:childTnLst>
+                          </p:cTn>
+                        </p:par>
+                      </p:childTnLst>
+                    </p:cTn>
+                  </p:par>
+                  <p:par>
+                    <p:cTn fill="hold">
+                      <p:stCondLst>
+                        <p:cond delay="indefinite"/>
+                      </p:stCondLst>
+                      <p:childTnLst>
+                        <p:par>
+                          <p:cTn fill="hold">
+                            <p:stCondLst>
+                              <p:cond delay="0"/>
+                            </p:stCondLst>
+                            <p:childTnLst>
+                              <p:par>
+                                <p:cTn fill="hold" nodeType="clickEffect" presetClass="entr" presetID="10" presetSubtype="0">
+                                  <p:stCondLst>
+                                    <p:cond delay="0"/>
+                                  </p:stCondLst>
+                                  <p:childTnLst>
+                                    <p:set>
+                                      <p:cBhvr>
+                                        <p:cTn dur="1" fill="hold">
+                                          <p:stCondLst>
+                                            <p:cond delay="0"/>
+                                          </p:stCondLst>
+                                        </p:cTn>
+                                        <p:tgtEl>
+                                          <p:spTgt spid="180">
+                                            <p:txEl>
+                                              <p:pRg end="2" st="2"/>
+                                            </p:txEl>
+                                          </p:spTgt>
+                                        </p:tgtEl>
+                                        <p:attrNameLst>
+                                          <p:attrName>style.visibility</p:attrName>
+                                        </p:attrNameLst>
+                                      </p:cBhvr>
+                                      <p:to>
+                                        <p:strVal val="visible"/>
+                                      </p:to>
+                                    </p:set>
+                                    <p:animEffect filter="fade" transition="in">
+                                      <p:cBhvr>
+                                        <p:cTn dur="1000"/>
+                                        <p:tgtEl>
+                                          <p:spTgt spid="180">
+                                            <p:txEl>
+                                              <p:pRg end="2" st="2"/>
+                                            </p:txEl>
+                                          </p:spTgt>
+                                        </p:tgtEl>
+                                      </p:cBhvr>
+                                    </p:animEffect>
+                                  </p:childTnLst>
+                                </p:cTn>
+                              </p:par>
+                            </p:childTnLst>
+                          </p:cTn>
+                        </p:par>
+                      </p:childTnLst>
+                    </p:cTn>
+                  </p:par>
+                  <p:par>
+                    <p:cTn fill="hold">
+                      <p:stCondLst>
+                        <p:cond delay="indefinite"/>
+                      </p:stCondLst>
+                      <p:childTnLst>
+                        <p:par>
+                          <p:cTn fill="hold">
+                            <p:stCondLst>
+                              <p:cond delay="0"/>
+                            </p:stCondLst>
+                            <p:childTnLst>
+                              <p:par>
+                                <p:cTn fill="hold" nodeType="clickEffect" presetClass="entr" presetID="10" presetSubtype="0">
+                                  <p:stCondLst>
+                                    <p:cond delay="0"/>
+                                  </p:stCondLst>
+                                  <p:childTnLst>
+                                    <p:set>
+                                      <p:cBhvr>
+                                        <p:cTn dur="1" fill="hold">
+                                          <p:stCondLst>
+                                            <p:cond delay="0"/>
+                                          </p:stCondLst>
+                                        </p:cTn>
+                                        <p:tgtEl>
+                                          <p:spTgt spid="180">
+                                            <p:txEl>
+                                              <p:pRg end="3" st="3"/>
+                                            </p:txEl>
+                                          </p:spTgt>
+                                        </p:tgtEl>
+                                        <p:attrNameLst>
+                                          <p:attrName>style.visibility</p:attrName>
+                                        </p:attrNameLst>
+                                      </p:cBhvr>
+                                      <p:to>
+                                        <p:strVal val="visible"/>
+                                      </p:to>
+                                    </p:set>
+                                    <p:animEffect filter="fade" transition="in">
+                                      <p:cBhvr>
+                                        <p:cTn dur="1000"/>
+                                        <p:tgtEl>
+                                          <p:spTgt spid="180">
+                                            <p:txEl>
+                                              <p:pRg end="3" st="3"/>
+                                            </p:txEl>
+                                          </p:spTgt>
+                                        </p:tgtEl>
+                                      </p:cBhvr>
+                                    </p:animEffect>
+                                  </p:childTnLst>
+                                </p:cTn>
+                              </p:par>
+                            </p:childTnLst>
+                          </p:cTn>
+                        </p:par>
+                      </p:childTnLst>
+                    </p:cTn>
+                  </p:par>
+                  <p:par>
+                    <p:cTn fill="hold">
+                      <p:stCondLst>
+                        <p:cond delay="indefinite"/>
+                      </p:stCondLst>
+                      <p:childTnLst>
+                        <p:par>
+                          <p:cTn fill="hold">
+                            <p:stCondLst>
+                              <p:cond delay="0"/>
+                            </p:stCondLst>
+                            <p:childTnLst>
+                              <p:par>
+                                <p:cTn fill="hold" nodeType="clickEffect" presetClass="entr" presetID="10" presetSubtype="0">
+                                  <p:stCondLst>
+                                    <p:cond delay="0"/>
+                                  </p:stCondLst>
+                                  <p:childTnLst>
+                                    <p:set>
+                                      <p:cBhvr>
+                                        <p:cTn dur="1" fill="hold">
+                                          <p:stCondLst>
+                                            <p:cond delay="0"/>
+                                          </p:stCondLst>
+                                        </p:cTn>
+                                        <p:tgtEl>
+                                          <p:spTgt spid="180">
+                                            <p:txEl>
+                                              <p:pRg end="4" st="4"/>
+                                            </p:txEl>
+                                          </p:spTgt>
+                                        </p:tgtEl>
+                                        <p:attrNameLst>
+                                          <p:attrName>style.visibility</p:attrName>
+                                        </p:attrNameLst>
+                                      </p:cBhvr>
+                                      <p:to>
+                                        <p:strVal val="visible"/>
+                                      </p:to>
+                                    </p:set>
+                                    <p:animEffect filter="fade" transition="in">
+                                      <p:cBhvr>
+                                        <p:cTn dur="1000"/>
+                                        <p:tgtEl>
+                                          <p:spTgt spid="180">
+                                            <p:txEl>
+                                              <p:pRg end="4" st="4"/>
+                                            </p:txEl>
+                                          </p:spTgt>
+                                        </p:tgtEl>
+                                      </p:cBhvr>
+                                    </p:animEffect>
+                                  </p:childTnLst>
+                                </p:cTn>
+                              </p:par>
+                            </p:childTnLst>
+                          </p:cTn>
+                        </p:par>
+                      </p:childTnLst>
+                    </p:cTn>
+                  </p:par>
+                  <p:par>
+                    <p:cTn fill="hold">
+                      <p:stCondLst>
+                        <p:cond delay="indefinite"/>
+                      </p:stCondLst>
+                      <p:childTnLst>
+                        <p:par>
+                          <p:cTn fill="hold">
+                            <p:stCondLst>
+                              <p:cond delay="0"/>
+                            </p:stCondLst>
+                            <p:childTnLst>
+                              <p:par>
+                                <p:cTn fill="hold" nodeType="clickEffect" presetClass="entr" presetID="10" presetSubtype="0">
+                                  <p:stCondLst>
+                                    <p:cond delay="0"/>
+                                  </p:stCondLst>
+                                  <p:childTnLst>
+                                    <p:set>
+                                      <p:cBhvr>
+                                        <p:cTn dur="1" fill="hold">
+                                          <p:stCondLst>
+                                            <p:cond delay="0"/>
+                                          </p:stCondLst>
+                                        </p:cTn>
+                                        <p:tgtEl>
+                                          <p:spTgt spid="180">
+                                            <p:txEl>
+                                              <p:pRg end="5" st="5"/>
+                                            </p:txEl>
+                                          </p:spTgt>
+                                        </p:tgtEl>
+                                        <p:attrNameLst>
+                                          <p:attrName>style.visibility</p:attrName>
+                                        </p:attrNameLst>
+                                      </p:cBhvr>
+                                      <p:to>
+                                        <p:strVal val="visible"/>
+                                      </p:to>
+                                    </p:set>
+                                    <p:animEffect filter="fade" transition="in">
+                                      <p:cBhvr>
+                                        <p:cTn dur="1000"/>
+                                        <p:tgtEl>
+                                          <p:spTgt spid="180">
+                                            <p:txEl>
+                                              <p:pRg end="5" st="5"/>
+                                            </p:txEl>
+                                          </p:spTgt>
+                                        </p:tgtEl>
+                                      </p:cBhvr>
+                                    </p:animEffect>
+                                  </p:childTnLst>
+                                </p:cTn>
+                              </p:par>
+                            </p:childTnLst>
+                          </p:cTn>
+                        </p:par>
+                      </p:childTnLst>
+                    </p:cTn>
+                  </p:par>
+                  <p:par>
+                    <p:cTn fill="hold">
+                      <p:stCondLst>
+                        <p:cond delay="indefinite"/>
+                      </p:stCondLst>
+                      <p:childTnLst>
+                        <p:par>
+                          <p:cTn fill="hold">
+                            <p:stCondLst>
+                              <p:cond delay="0"/>
+                            </p:stCondLst>
+                            <p:childTnLst>
+                              <p:par>
+                                <p:cTn fill="hold" nodeType="clickEffect" presetClass="entr" presetID="10" presetSubtype="0">
+                                  <p:stCondLst>
+                                    <p:cond delay="0"/>
+                                  </p:stCondLst>
+                                  <p:childTnLst>
+                                    <p:set>
+                                      <p:cBhvr>
+                                        <p:cTn dur="1" fill="hold">
+                                          <p:stCondLst>
+                                            <p:cond delay="0"/>
+                                          </p:stCondLst>
+                                        </p:cTn>
+                                        <p:tgtEl>
+                                          <p:spTgt spid="180">
+                                            <p:txEl>
+                                              <p:pRg end="6" st="6"/>
+                                            </p:txEl>
+                                          </p:spTgt>
+                                        </p:tgtEl>
+                                        <p:attrNameLst>
+                                          <p:attrName>style.visibility</p:attrName>
+                                        </p:attrNameLst>
+                                      </p:cBhvr>
+                                      <p:to>
+                                        <p:strVal val="visible"/>
+                                      </p:to>
+                                    </p:set>
+                                    <p:animEffect filter="fade" transition="in">
+                                      <p:cBhvr>
+                                        <p:cTn dur="1000"/>
+                                        <p:tgtEl>
+                                          <p:spTgt spid="180">
+                                            <p:txEl>
+                                              <p:pRg end="6" st="6"/>
+                                            </p:txEl>
+                                          </p:spTgt>
+                                        </p:tgtEl>
+                                      </p:cBhvr>
+                                    </p:animEffect>
+                                  </p:childTnLst>
+                                </p:cTn>
+                              </p:par>
+                            </p:childTnLst>
+                          </p:cTn>
+                        </p:par>
+                      </p:childTnLst>
+                    </p:cTn>
+                  </p:par>
+                  <p:par>
+                    <p:cTn fill="hold">
+                      <p:stCondLst>
+                        <p:cond delay="indefinite"/>
+                      </p:stCondLst>
+                      <p:childTnLst>
+                        <p:par>
+                          <p:cTn fill="hold">
+                            <p:stCondLst>
+                              <p:cond delay="0"/>
+                            </p:stCondLst>
+                            <p:childTnLst>
+                              <p:par>
+                                <p:cTn fill="hold" nodeType="clickEffect" presetClass="entr" presetID="10" presetSubtype="0">
+                                  <p:stCondLst>
+                                    <p:cond delay="0"/>
+                                  </p:stCondLst>
+                                  <p:childTnLst>
+                                    <p:set>
+                                      <p:cBhvr>
+                                        <p:cTn dur="1" fill="hold">
+                                          <p:stCondLst>
+                                            <p:cond delay="0"/>
+                                          </p:stCondLst>
+                                        </p:cTn>
+                                        <p:tgtEl>
+                                          <p:spTgt spid="180">
+                                            <p:txEl>
+                                              <p:pRg end="7" st="7"/>
+                                            </p:txEl>
+                                          </p:spTgt>
+                                        </p:tgtEl>
+                                        <p:attrNameLst>
+                                          <p:attrName>style.visibility</p:attrName>
+                                        </p:attrNameLst>
+                                      </p:cBhvr>
+                                      <p:to>
+                                        <p:strVal val="visible"/>
+                                      </p:to>
+                                    </p:set>
+                                    <p:animEffect filter="fade" transition="in">
+                                      <p:cBhvr>
+                                        <p:cTn dur="1000"/>
+                                        <p:tgtEl>
+                                          <p:spTgt spid="180">
+                                            <p:txEl>
+                                              <p:pRg end="7" st="7"/>
+                                            </p:txEl>
+                                          </p:spTgt>
+                                        </p:tgtEl>
+                                      </p:cBhvr>
+                                    </p:animEffect>
+                                  </p:childTnLst>
+                                </p:cTn>
+                              </p:par>
+                            </p:childTnLst>
+                          </p:cTn>
+                        </p:par>
+                      </p:childTnLst>
+                    </p:cTn>
+                  </p:par>
+                  <p:par>
+                    <p:cTn fill="hold">
+                      <p:stCondLst>
+                        <p:cond delay="indefinite"/>
+                      </p:stCondLst>
+                      <p:childTnLst>
+                        <p:par>
+                          <p:cTn fill="hold">
+                            <p:stCondLst>
+                              <p:cond delay="0"/>
+                            </p:stCondLst>
+                            <p:childTnLst>
+                              <p:par>
+                                <p:cTn fill="hold" nodeType="clickEffect" presetClass="entr" presetID="10" presetSubtype="0">
+                                  <p:stCondLst>
+                                    <p:cond delay="0"/>
+                                  </p:stCondLst>
+                                  <p:childTnLst>
+                                    <p:set>
+                                      <p:cBhvr>
+                                        <p:cTn dur="1" fill="hold">
+                                          <p:stCondLst>
+                                            <p:cond delay="0"/>
+                                          </p:stCondLst>
+                                        </p:cTn>
+                                        <p:tgtEl>
+                                          <p:spTgt spid="180">
+                                            <p:txEl>
+                                              <p:pRg end="8" st="8"/>
+                                            </p:txEl>
+                                          </p:spTgt>
+                                        </p:tgtEl>
+                                        <p:attrNameLst>
+                                          <p:attrName>style.visibility</p:attrName>
+                                        </p:attrNameLst>
+                                      </p:cBhvr>
+                                      <p:to>
+                                        <p:strVal val="visible"/>
+                                      </p:to>
+                                    </p:set>
+                                    <p:animEffect filter="fade" transition="in">
+                                      <p:cBhvr>
+                                        <p:cTn dur="1000"/>
+                                        <p:tgtEl>
+                                          <p:spTgt spid="180">
+                                            <p:txEl>
+                                              <p:pRg end="8" st="8"/>
+                                            </p:txEl>
+                                          </p:spTgt>
+                                        </p:tgtEl>
+                                      </p:cBhvr>
+                                    </p:animEffect>
+                                  </p:childTnLst>
+                                </p:cTn>
+                              </p:par>
+                            </p:childTnLst>
+                          </p:cTn>
+                        </p:par>
+                      </p:childTnLst>
+                    </p:cTn>
+                  </p:par>
+                  <p:par>
+                    <p:cTn fill="hold">
+                      <p:stCondLst>
+                        <p:cond delay="indefinite"/>
+                      </p:stCondLst>
+                      <p:childTnLst>
+                        <p:par>
+                          <p:cTn fill="hold">
+                            <p:stCondLst>
+                              <p:cond delay="0"/>
+                            </p:stCondLst>
+                            <p:childTnLst>
+                              <p:par>
+                                <p:cTn fill="hold" nodeType="clickEffect" presetClass="entr" presetID="10" presetSubtype="0">
+                                  <p:stCondLst>
+                                    <p:cond delay="0"/>
+                                  </p:stCondLst>
+                                  <p:childTnLst>
+                                    <p:set>
+                                      <p:cBhvr>
+                                        <p:cTn dur="1" fill="hold">
+                                          <p:stCondLst>
+                                            <p:cond delay="0"/>
+                                          </p:stCondLst>
+                                        </p:cTn>
+                                        <p:tgtEl>
+                                          <p:spTgt spid="180">
+                                            <p:txEl>
+                                              <p:pRg end="9" st="9"/>
+                                            </p:txEl>
+                                          </p:spTgt>
+                                        </p:tgtEl>
+                                        <p:attrNameLst>
+                                          <p:attrName>style.visibility</p:attrName>
+                                        </p:attrNameLst>
+                                      </p:cBhvr>
+                                      <p:to>
+                                        <p:strVal val="visible"/>
+                                      </p:to>
+                                    </p:set>
+                                    <p:animEffect filter="fade" transition="in">
+                                      <p:cBhvr>
+                                        <p:cTn dur="1000"/>
+                                        <p:tgtEl>
+                                          <p:spTgt spid="180">
+                                            <p:txEl>
+                                              <p:pRg end="9" st="9"/>
+                                            </p:txEl>
+                                          </p:spTgt>
+                                        </p:tgtEl>
+                                      </p:cBhvr>
+                                    </p:animEffect>
+                                  </p:childTnLst>
+                                </p:cTn>
+                              </p:par>
+                            </p:childTnLst>
+                          </p:cTn>
+                        </p:par>
+                      </p:childTnLst>
+                    </p:cTn>
+                  </p:par>
+                  <p:par>
+                    <p:cTn fill="hold">
+                      <p:stCondLst>
+                        <p:cond delay="indefinite"/>
+                      </p:stCondLst>
+                      <p:childTnLst>
+                        <p:par>
+                          <p:cTn fill="hold">
+                            <p:stCondLst>
+                              <p:cond delay="0"/>
+                            </p:stCondLst>
+                            <p:childTnLst>
+                              <p:par>
+                                <p:cTn fill="hold" nodeType="clickEffect" presetClass="entr" presetID="10" presetSubtype="0">
+                                  <p:stCondLst>
+                                    <p:cond delay="0"/>
+                                  </p:stCondLst>
+                                  <p:childTnLst>
+                                    <p:set>
+                                      <p:cBhvr>
+                                        <p:cTn dur="1" fill="hold">
+                                          <p:stCondLst>
+                                            <p:cond delay="0"/>
+                                          </p:stCondLst>
+                                        </p:cTn>
+                                        <p:tgtEl>
+                                          <p:spTgt spid="180">
+                                            <p:txEl>
+                                              <p:pRg end="10" st="10"/>
+                                            </p:txEl>
+                                          </p:spTgt>
+                                        </p:tgtEl>
+                                        <p:attrNameLst>
+                                          <p:attrName>style.visibility</p:attrName>
+                                        </p:attrNameLst>
+                                      </p:cBhvr>
+                                      <p:to>
+                                        <p:strVal val="visible"/>
+                                      </p:to>
+                                    </p:set>
+                                    <p:animEffect filter="fade" transition="in">
+                                      <p:cBhvr>
+                                        <p:cTn dur="1000"/>
+                                        <p:tgtEl>
+                                          <p:spTgt spid="180">
+                                            <p:txEl>
+                                              <p:pRg end="10" st="10"/>
+                                            </p:txEl>
+                                          </p:spTgt>
+                                        </p:tgtEl>
+                                      </p:cBhvr>
+                                    </p:animEffect>
+                                  </p:childTnLst>
+                                </p:cTn>
+                              </p:par>
+                            </p:childTnLst>
+                          </p:cTn>
+                        </p:par>
+                      </p:childTnLst>
+                    </p:cTn>
+                  </p:par>
+                  <p:par>
+                    <p:cTn fill="hold">
+                      <p:stCondLst>
+                        <p:cond delay="indefinite"/>
+                      </p:stCondLst>
+                      <p:childTnLst>
+                        <p:par>
+                          <p:cTn fill="hold">
+                            <p:stCondLst>
+                              <p:cond delay="0"/>
+                            </p:stCondLst>
+                            <p:childTnLst>
+                              <p:par>
+                                <p:cTn fill="hold" nodeType="clickEffect" presetClass="entr" presetID="10" presetSubtype="0">
+                                  <p:stCondLst>
+                                    <p:cond delay="0"/>
+                                  </p:stCondLst>
+                                  <p:childTnLst>
+                                    <p:set>
+                                      <p:cBhvr>
+                                        <p:cTn dur="1" fill="hold">
+                                          <p:stCondLst>
+                                            <p:cond delay="0"/>
+                                          </p:stCondLst>
+                                        </p:cTn>
+                                        <p:tgtEl>
+                                          <p:spTgt spid="185"/>
+                                        </p:tgtEl>
+                                        <p:attrNameLst>
+                                          <p:attrName>style.visibility</p:attrName>
+                                        </p:attrNameLst>
+                                      </p:cBhvr>
+                                      <p:to>
+                                        <p:strVal val="visible"/>
+                                      </p:to>
+                                    </p:set>
+                                    <p:animEffect filter="fade" transition="in">
+                                      <p:cBhvr>
+                                        <p:cTn dur="1000"/>
+                                        <p:tgtEl>
+                                          <p:spTgt spid="185"/>
+                                        </p:tgtEl>
+                                      </p:cBhvr>
+                                    </p:animEffect>
+                                  </p:childTnLst>
+                                </p:cTn>
+                              </p:par>
+                            </p:childTnLst>
+                          </p:cTn>
+                        </p:par>
+                      </p:childTnLst>
+                    </p:cTn>
+                  </p:par>
+                  <p:par>
+                    <p:cTn fill="hold">
+                      <p:stCondLst>
+                        <p:cond delay="indefinite"/>
+                      </p:stCondLst>
+                      <p:childTnLst>
+                        <p:par>
+                          <p:cTn fill="hold">
+                            <p:stCondLst>
+                              <p:cond delay="0"/>
+                            </p:stCondLst>
+                            <p:childTnLst>
+                              <p:par>
+                                <p:cTn fill="hold" nodeType="clickEffect" presetClass="entr" presetID="10" presetSubtype="0">
+                                  <p:stCondLst>
+                                    <p:cond delay="0"/>
+                                  </p:stCondLst>
+                                  <p:childTnLst>
+                                    <p:set>
+                                      <p:cBhvr>
+                                        <p:cTn dur="1" fill="hold">
+                                          <p:stCondLst>
+                                            <p:cond delay="0"/>
+                                          </p:stCondLst>
+                                        </p:cTn>
+                                        <p:tgtEl>
+                                          <p:spTgt spid="181"/>
+                                        </p:tgtEl>
+                                        <p:attrNameLst>
+                                          <p:attrName>style.visibility</p:attrName>
+                                        </p:attrNameLst>
+                                      </p:cBhvr>
+                                      <p:to>
+                                        <p:strVal val="visible"/>
+                                      </p:to>
+                                    </p:set>
+                                    <p:animEffect filter="fade" transition="in">
+                                      <p:cBhvr>
+                                        <p:cTn dur="1000"/>
+                                        <p:tgtEl>
+                                          <p:spTgt spid="181"/>
+                                        </p:tgtEl>
+                                      </p:cBhvr>
+                                    </p:animEffect>
+                                  </p:childTnLst>
+                                </p:cTn>
+                              </p:par>
+                            </p:childTnLst>
+                          </p:cTn>
+                        </p:par>
+                        <p:par>
+                          <p:cTn fill="hold">
+                            <p:stCondLst>
+                              <p:cond delay="1000"/>
+                            </p:stCondLst>
+                            <p:childTnLst>
+                              <p:par>
+                                <p:cTn fill="hold" nodeType="afterEffect" presetClass="entr" presetID="10" presetSubtype="0">
+                                  <p:stCondLst>
+                                    <p:cond delay="0"/>
+                                  </p:stCondLst>
+                                  <p:childTnLst>
+                                    <p:set>
+                                      <p:cBhvr>
+                                        <p:cTn dur="1" fill="hold">
+                                          <p:stCondLst>
+                                            <p:cond delay="0"/>
+                                          </p:stCondLst>
+                                        </p:cTn>
+                                        <p:tgtEl>
+                                          <p:spTgt spid="188"/>
+                                        </p:tgtEl>
+                                        <p:attrNameLst>
+                                          <p:attrName>style.visibility</p:attrName>
+                                        </p:attrNameLst>
+                                      </p:cBhvr>
+                                      <p:to>
+                                        <p:strVal val="visible"/>
+                                      </p:to>
+                                    </p:set>
+                                    <p:animEffect filter="fade" transition="in">
+                                      <p:cBhvr>
+                                        <p:cTn dur="1000"/>
+                                        <p:tgtEl>
+                                          <p:spTgt spid="188"/>
+                                        </p:tgtEl>
+                                      </p:cBhvr>
+                                    </p:animEffect>
+                                  </p:childTnLst>
+                                </p:cTn>
+                              </p:par>
+                            </p:childTnLst>
+                          </p:cTn>
+                        </p:par>
+                        <p:par>
+                          <p:cTn fill="hold">
+                            <p:stCondLst>
+                              <p:cond delay="2000"/>
+                            </p:stCondLst>
+                            <p:childTnLst>
+                              <p:par>
+                                <p:cTn fill="hold" nodeType="afterEffect" presetClass="entr" presetID="10" presetSubtype="0">
+                                  <p:stCondLst>
+                                    <p:cond delay="0"/>
+                                  </p:stCondLst>
+                                  <p:childTnLst>
+                                    <p:set>
+                                      <p:cBhvr>
+                                        <p:cTn dur="1" fill="hold">
+                                          <p:stCondLst>
+                                            <p:cond delay="0"/>
+                                          </p:stCondLst>
+                                        </p:cTn>
+                                        <p:tgtEl>
+                                          <p:spTgt spid="182"/>
+                                        </p:tgtEl>
+                                        <p:attrNameLst>
+                                          <p:attrName>style.visibility</p:attrName>
+                                        </p:attrNameLst>
+                                      </p:cBhvr>
+                                      <p:to>
+                                        <p:strVal val="visible"/>
+                                      </p:to>
+                                    </p:set>
+                                    <p:animEffect filter="fade" transition="in">
+                                      <p:cBhvr>
+                                        <p:cTn dur="1000"/>
+                                        <p:tgtEl>
+                                          <p:spTgt spid="182"/>
+                                        </p:tgtEl>
+                                      </p:cBhvr>
+                                    </p:animEffect>
+                                  </p:childTnLst>
+                                </p:cTn>
+                              </p:par>
+                            </p:childTnLst>
+                          </p:cTn>
+                        </p:par>
+                      </p:childTnLst>
+                    </p:cTn>
+                  </p:par>
+                  <p:par>
+                    <p:cTn fill="hold">
+                      <p:stCondLst>
+                        <p:cond delay="indefinite"/>
+                      </p:stCondLst>
+                      <p:childTnLst>
+                        <p:par>
+                          <p:cTn fill="hold">
+                            <p:stCondLst>
+                              <p:cond delay="0"/>
+                            </p:stCondLst>
+                            <p:childTnLst>
+                              <p:par>
+                                <p:cTn fill="hold" nodeType="clickEffect" presetClass="entr" presetID="10" presetSubtype="0">
+                                  <p:stCondLst>
+                                    <p:cond delay="0"/>
+                                  </p:stCondLst>
+                                  <p:childTnLst>
+                                    <p:set>
+                                      <p:cBhvr>
+                                        <p:cTn dur="1" fill="hold">
+                                          <p:stCondLst>
+                                            <p:cond delay="0"/>
+                                          </p:stCondLst>
+                                        </p:cTn>
+                                        <p:tgtEl>
+                                          <p:spTgt spid="183"/>
+                                        </p:tgtEl>
+                                        <p:attrNameLst>
+                                          <p:attrName>style.visibility</p:attrName>
+                                        </p:attrNameLst>
+                                      </p:cBhvr>
+                                      <p:to>
+                                        <p:strVal val="visible"/>
+                                      </p:to>
+                                    </p:set>
+                                    <p:animEffect filter="fade" transition="in">
+                                      <p:cBhvr>
+                                        <p:cTn dur="1000"/>
+                                        <p:tgtEl>
+                                          <p:spTgt spid="183"/>
+                                        </p:tgtEl>
+                                      </p:cBhvr>
+                                    </p:animEffect>
+                                  </p:childTnLst>
+                                </p:cTn>
+                              </p:par>
+                            </p:childTnLst>
+                          </p:cTn>
+                        </p:par>
+                        <p:par>
+                          <p:cTn fill="hold">
+                            <p:stCondLst>
+                              <p:cond delay="1000"/>
+                            </p:stCondLst>
+                            <p:childTnLst>
+                              <p:par>
+                                <p:cTn fill="hold" nodeType="afterEffect" presetClass="entr" presetID="10" presetSubtype="0">
+                                  <p:stCondLst>
+                                    <p:cond delay="0"/>
+                                  </p:stCondLst>
+                                  <p:childTnLst>
+                                    <p:set>
+                                      <p:cBhvr>
+                                        <p:cTn dur="1" fill="hold">
+                                          <p:stCondLst>
+                                            <p:cond delay="0"/>
+                                          </p:stCondLst>
+                                        </p:cTn>
+                                        <p:tgtEl>
+                                          <p:spTgt spid="189"/>
+                                        </p:tgtEl>
+                                        <p:attrNameLst>
+                                          <p:attrName>style.visibility</p:attrName>
+                                        </p:attrNameLst>
+                                      </p:cBhvr>
+                                      <p:to>
+                                        <p:strVal val="visible"/>
+                                      </p:to>
+                                    </p:set>
+                                    <p:animEffect filter="fade" transition="in">
+                                      <p:cBhvr>
+                                        <p:cTn dur="1000"/>
+                                        <p:tgtEl>
+                                          <p:spTgt spid="189"/>
+                                        </p:tgtEl>
+                                      </p:cBhvr>
+                                    </p:animEffect>
+                                  </p:childTnLst>
+                                </p:cTn>
+                              </p:par>
+                            </p:childTnLst>
+                          </p:cTn>
+                        </p:par>
+                        <p:par>
+                          <p:cTn fill="hold">
+                            <p:stCondLst>
+                              <p:cond delay="2000"/>
+                            </p:stCondLst>
+                            <p:childTnLst>
+                              <p:par>
+                                <p:cTn fill="hold" nodeType="afterEffect" presetClass="entr" presetID="10" presetSubtype="0">
+                                  <p:stCondLst>
+                                    <p:cond delay="0"/>
+                                  </p:stCondLst>
+                                  <p:childTnLst>
+                                    <p:set>
+                                      <p:cBhvr>
+                                        <p:cTn dur="1" fill="hold">
+                                          <p:stCondLst>
+                                            <p:cond delay="0"/>
+                                          </p:stCondLst>
+                                        </p:cTn>
+                                        <p:tgtEl>
+                                          <p:spTgt spid="184"/>
+                                        </p:tgtEl>
+                                        <p:attrNameLst>
+                                          <p:attrName>style.visibility</p:attrName>
+                                        </p:attrNameLst>
+                                      </p:cBhvr>
+                                      <p:to>
+                                        <p:strVal val="visible"/>
+                                      </p:to>
+                                    </p:set>
+                                    <p:animEffect filter="fade" transition="in">
+                                      <p:cBhvr>
+                                        <p:cTn dur="1000"/>
+                                        <p:tgtEl>
+                                          <p:spTgt spid="184"/>
+                                        </p:tgtEl>
+                                      </p:cBhvr>
+                                    </p:animEffect>
+                                  </p:childTnLst>
+                                </p:cTn>
+                              </p:par>
+                            </p:childTnLst>
+                          </p:cTn>
+                        </p:par>
+                      </p:childTnLst>
+                    </p:cTn>
+                  </p:par>
+                  <p:par>
+                    <p:cTn fill="hold">
+                      <p:stCondLst>
+                        <p:cond delay="indefinite"/>
+                      </p:stCondLst>
+                      <p:childTnLst>
+                        <p:par>
+                          <p:cTn fill="hold">
+                            <p:stCondLst>
+                              <p:cond delay="0"/>
+                            </p:stCondLst>
+                            <p:childTnLst>
+                              <p:par>
+                                <p:cTn fill="hold" nodeType="clickEffect" presetClass="entr" presetID="10" presetSubtype="0">
+                                  <p:stCondLst>
+                                    <p:cond delay="0"/>
+                                  </p:stCondLst>
+                                  <p:childTnLst>
+                                    <p:set>
+                                      <p:cBhvr>
+                                        <p:cTn dur="1" fill="hold">
+                                          <p:stCondLst>
+                                            <p:cond delay="0"/>
+                                          </p:stCondLst>
+                                        </p:cTn>
+                                        <p:tgtEl>
+                                          <p:spTgt spid="186"/>
+                                        </p:tgtEl>
+                                        <p:attrNameLst>
+                                          <p:attrName>style.visibility</p:attrName>
+                                        </p:attrNameLst>
+                                      </p:cBhvr>
+                                      <p:to>
+                                        <p:strVal val="visible"/>
+                                      </p:to>
+                                    </p:set>
+                                    <p:animEffect filter="fade" transition="in">
+                                      <p:cBhvr>
+                                        <p:cTn dur="1000"/>
+                                        <p:tgtEl>
+                                          <p:spTgt spid="186"/>
+                                        </p:tgtEl>
+                                      </p:cBhvr>
+                                    </p:animEffect>
+                                  </p:childTnLst>
+                                </p:cTn>
+                              </p:par>
+                            </p:childTnLst>
+                          </p:cTn>
+                        </p:par>
+                        <p:par>
+                          <p:cTn fill="hold">
+                            <p:stCondLst>
+                              <p:cond delay="1000"/>
+                            </p:stCondLst>
+                            <p:childTnLst>
+                              <p:par>
+                                <p:cTn fill="hold" nodeType="afterEffect" presetClass="entr" presetID="10" presetSubtype="0">
+                                  <p:stCondLst>
+                                    <p:cond delay="0"/>
+                                  </p:stCondLst>
+                                  <p:childTnLst>
+                                    <p:set>
+                                      <p:cBhvr>
+                                        <p:cTn dur="1" fill="hold">
+                                          <p:stCondLst>
+                                            <p:cond delay="0"/>
+                                          </p:stCondLst>
+                                        </p:cTn>
+                                        <p:tgtEl>
+                                          <p:spTgt spid="190"/>
+                                        </p:tgtEl>
+                                        <p:attrNameLst>
+                                          <p:attrName>style.visibility</p:attrName>
+                                        </p:attrNameLst>
+                                      </p:cBhvr>
+                                      <p:to>
+                                        <p:strVal val="visible"/>
+                                      </p:to>
+                                    </p:set>
+                                    <p:animEffect filter="fade" transition="in">
+                                      <p:cBhvr>
+                                        <p:cTn dur="1000"/>
+                                        <p:tgtEl>
+                                          <p:spTgt spid="190"/>
+                                        </p:tgtEl>
+                                      </p:cBhvr>
+                                    </p:animEffect>
+                                  </p:childTnLst>
+                                </p:cTn>
+                              </p:par>
+                            </p:childTnLst>
+                          </p:cTn>
+                        </p:par>
+                        <p:par>
+                          <p:cTn fill="hold">
+                            <p:stCondLst>
+                              <p:cond delay="2000"/>
+                            </p:stCondLst>
+                            <p:childTnLst>
+                              <p:par>
+                                <p:cTn fill="hold" nodeType="afterEffect" presetClass="entr" presetID="10" presetSubtype="0">
+                                  <p:stCondLst>
+                                    <p:cond delay="0"/>
+                                  </p:stCondLst>
+                                  <p:childTnLst>
+                                    <p:set>
+                                      <p:cBhvr>
+                                        <p:cTn dur="1" fill="hold">
+                                          <p:stCondLst>
+                                            <p:cond delay="0"/>
+                                          </p:stCondLst>
+                                        </p:cTn>
+                                        <p:tgtEl>
+                                          <p:spTgt spid="187"/>
+                                        </p:tgtEl>
+                                        <p:attrNameLst>
+                                          <p:attrName>style.visibility</p:attrName>
+                                        </p:attrNameLst>
+                                      </p:cBhvr>
+                                      <p:to>
+                                        <p:strVal val="visible"/>
+                                      </p:to>
+                                    </p:set>
+                                    <p:animEffect filter="fade" transition="in">
+                                      <p:cBhvr>
+                                        <p:cTn dur="1000"/>
+                                        <p:tgtEl>
+                                          <p:spTgt spid="187"/>
+                                        </p:tgtEl>
+                                      </p:cBhvr>
+                                    </p:animEffect>
+                                  </p:childTnLst>
+                                </p:cTn>
+                              </p:par>
+                            </p:childTnLst>
+                          </p:cTn>
+                        </p:par>
+                      </p:childTnLst>
+                    </p:cTn>
+                  </p:par>
+                </p:childTnLst>
+              </p:cTn>
+              <p:prevCondLst>
+                <p:cond evt="onPrev">
+                  <p:tgtEl>
+                    <p:sldTgt/>
+                  </p:tgtEl>
+                </p:cond>
+              </p:prevCondLst>
+              <p:nextCondLst>
+                <p:cond evt="onNext">
+                  <p:tgtEl>
+                    <p:sldTgt/>
+                  </p:tgtEl>
+                </p:cond>
+              </p:nextCondLst>
+            </p:seq>
+          </p:childTnLst>
+        </p:cTn>
+      </p:par>
+    </p:tnLst>
+  </p:timing>
+</p:sld>
+</file>
+
+<file path=ppt/slides/slide6.xml><?xml version="1.0" encoding="utf-8"?>
+<p:sld xmlns:a="http://schemas.openxmlformats.org/drawingml/2006/main" xmlns:r="http://schemas.openxmlformats.org/officeDocument/2006/relationships" xmlns:mc="http://schemas.openxmlformats.org/markup-compatibility/2006" xmlns:mv="urn:schemas-microsoft-com:mac:vml" xmlns:p="http://schemas.openxmlformats.org/presentationml/2006/main" xmlns:c="http://schemas.openxmlformats.org/drawingml/2006/chart" xmlns:dgm="http://schemas.openxmlformats.org/drawingml/2006/diagram" xmlns:o="urn:schemas-microsoft-com:office:office" xmlns:v="urn:schemas-microsoft-com:vml" xmlns:pvml="urn:schemas-microsoft-com:office:powerpoint" xmlns:com="http://schemas.openxmlformats.org/drawingml/2006/compatibility" xmlns:p14="http://schemas.microsoft.com/office/powerpoint/2010/main" xmlns:p15="http://schemas.microsoft.com/office/powerpoint/2012/main" xmlns:ahyp="http://schemas.microsoft.com/office/drawing/2018/hyperlinkcolor">
+  <p:cSld>
+    <p:spTree>
+      <p:nvGrpSpPr>
+        <p:cNvPr id="194" name="Shape 194"/>
+        <p:cNvGrpSpPr/>
+        <p:nvPr/>
+      </p:nvGrpSpPr>
+      <p:grpSpPr>
+        <a:xfrm>
+          <a:off x="0" y="0"/>
+          <a:ext cx="0" cy="0"/>
+          <a:chOff x="0" y="0"/>
+          <a:chExt cx="0" cy="0"/>
+        </a:xfrm>
+      </p:grpSpPr>
+      <p:sp>
+        <p:nvSpPr>
+          <p:cNvPr id="195" name="Google Shape;195;p18"/>
+          <p:cNvSpPr txBox="1"/>
+          <p:nvPr>
+            <p:ph type="title"/>
+          </p:nvPr>
+        </p:nvSpPr>
+        <p:spPr>
+          <a:xfrm>
+            <a:off x="311700" y="410000"/>
+            <a:ext cx="8520600" cy="607800"/>
+          </a:xfrm>
+          <a:prstGeom prst="rect">
+            <a:avLst/>
+          </a:prstGeom>
+        </p:spPr>
+        <p:txBody>
+          <a:bodyPr anchorCtr="0" anchor="t" bIns="91425" lIns="91425" spcFirstLastPara="1" rIns="91425" wrap="square" tIns="91425">
+            <a:noAutofit/>
+          </a:bodyPr>
+          <a:lstStyle/>
+          <a:p>
+            <a:pPr indent="0" lvl="0" marL="0" rtl="0" algn="l">
+              <a:spcBef>
+                <a:spcPts val="0"/>
+              </a:spcBef>
+              <a:spcAft>
+                <a:spcPts val="0"/>
+              </a:spcAft>
+              <a:buNone/>
+            </a:pPr>
+            <a:r>
+              <a:rPr lang="en"/>
+              <a:t>GitFlow Granular Deployment</a:t>
+            </a:r>
+            <a:endParaRPr/>
+          </a:p>
+        </p:txBody>
+      </p:sp>
+      <p:sp>
+        <p:nvSpPr>
+          <p:cNvPr id="196" name="Google Shape;196;p18">
+            <a:hlinkClick action="ppaction://hlinksldjump" r:id="rId3"/>
+          </p:cNvPr>
+          <p:cNvSpPr/>
+          <p:nvPr/>
+        </p:nvSpPr>
+        <p:spPr>
+          <a:xfrm>
+            <a:off x="8600100" y="593300"/>
+            <a:ext cx="232200" cy="241200"/>
+          </a:xfrm>
+          <a:prstGeom prst="leftArrow">
+            <a:avLst>
+              <a:gd fmla="val 50000" name="adj1"/>
+              <a:gd fmla="val 50000" name="adj2"/>
+            </a:avLst>
+          </a:prstGeom>
+          <a:solidFill>
+            <a:srgbClr val="0B5394"/>
+          </a:solidFill>
+          <a:ln cap="flat" cmpd="sng" w="9525">
+            <a:solidFill>
+              <a:schemeClr val="dk2"/>
+            </a:solidFill>
+            <a:prstDash val="solid"/>
+            <a:round/>
+            <a:headEnd len="sm" w="sm" type="none"/>
+            <a:tailEnd len="sm" w="sm" type="none"/>
+          </a:ln>
+        </p:spPr>
+        <p:txBody>
+          <a:bodyPr anchorCtr="0" anchor="ctr" bIns="91425" lIns="91425" spcFirstLastPara="1" rIns="91425" wrap="square" tIns="91425">
+            <a:noAutofit/>
+          </a:bodyPr>
+          <a:lstStyle/>
+          <a:p>
+            <a:pPr indent="0" lvl="0" marL="0" rtl="0" algn="l">
+              <a:spcBef>
+                <a:spcPts val="0"/>
+              </a:spcBef>
+              <a:spcAft>
+                <a:spcPts val="0"/>
+              </a:spcAft>
+              <a:buNone/>
+            </a:pPr>
+            <a:r>
+              <a:t/>
+            </a:r>
+            <a:endParaRPr/>
+          </a:p>
+        </p:txBody>
+      </p:sp>
+      <p:sp>
+        <p:nvSpPr>
+          <p:cNvPr id="197" name="Google Shape;197;p18"/>
+          <p:cNvSpPr txBox="1"/>
+          <p:nvPr>
+            <p:ph idx="1" type="body"/>
+          </p:nvPr>
+        </p:nvSpPr>
+        <p:spPr>
+          <a:xfrm>
+            <a:off x="311700" y="1229875"/>
+            <a:ext cx="8520600" cy="3339000"/>
+          </a:xfrm>
+          <a:prstGeom prst="rect">
+            <a:avLst/>
+          </a:prstGeom>
+        </p:spPr>
+        <p:txBody>
+          <a:bodyPr anchorCtr="0" anchor="t" bIns="91425" lIns="91425" spcFirstLastPara="1" rIns="91425" wrap="square" tIns="91425">
+            <a:noAutofit/>
+          </a:bodyPr>
+          <a:lstStyle/>
+          <a:p>
+            <a:pPr indent="-317500" lvl="0" marL="457200" rtl="0" algn="l">
+              <a:spcBef>
+                <a:spcPts val="0"/>
+              </a:spcBef>
+              <a:spcAft>
+                <a:spcPts val="0"/>
+              </a:spcAft>
+              <a:buSzPts val="1400"/>
+              <a:buChar char="●"/>
+            </a:pPr>
+            <a:r>
+              <a:rPr b="1" lang="en" sz="1400"/>
+              <a:t>Gitflow branching:</a:t>
+            </a:r>
+            <a:endParaRPr/>
+          </a:p>
+        </p:txBody>
+      </p:sp>
+      <p:sp>
+        <p:nvSpPr>
+          <p:cNvPr id="198" name="Google Shape;198;p18"/>
+          <p:cNvSpPr/>
+          <p:nvPr/>
+        </p:nvSpPr>
+        <p:spPr>
+          <a:xfrm>
+            <a:off x="3500448" y="1428750"/>
+            <a:ext cx="2337900" cy="2812800"/>
+          </a:xfrm>
+          <a:prstGeom prst="rect">
+            <a:avLst/>
+          </a:prstGeom>
+          <a:solidFill>
+            <a:srgbClr val="F3F3F3"/>
+          </a:solidFill>
+          <a:ln cap="flat" cmpd="sng" w="9525">
+            <a:solidFill>
+              <a:schemeClr val="dk2"/>
+            </a:solidFill>
+            <a:prstDash val="dash"/>
+            <a:round/>
+            <a:headEnd len="sm" w="sm" type="none"/>
+            <a:tailEnd len="sm" w="sm" type="none"/>
+          </a:ln>
+        </p:spPr>
+        <p:txBody>
+          <a:bodyPr anchorCtr="0" anchor="t" bIns="91425" lIns="91425" spcFirstLastPara="1" rIns="91425" wrap="square" tIns="91425">
+            <a:noAutofit/>
+          </a:bodyPr>
+          <a:lstStyle/>
+          <a:p>
+            <a:pPr indent="0" lvl="0" marL="0" rtl="0" algn="ctr">
+              <a:spcBef>
+                <a:spcPts val="0"/>
+              </a:spcBef>
+              <a:spcAft>
+                <a:spcPts val="0"/>
+              </a:spcAft>
+              <a:buNone/>
+            </a:pPr>
+            <a:r>
+              <a:rPr lang="en" sz="1100"/>
+              <a:t>Dev</a:t>
+            </a:r>
+            <a:endParaRPr sz="1100"/>
+          </a:p>
+          <a:p>
+            <a:pPr indent="0" lvl="0" marL="0" rtl="0" algn="ctr">
+              <a:spcBef>
+                <a:spcPts val="0"/>
+              </a:spcBef>
+              <a:spcAft>
+                <a:spcPts val="0"/>
+              </a:spcAft>
+              <a:buNone/>
+            </a:pPr>
+            <a:r>
+              <a:t/>
+            </a:r>
+            <a:endParaRPr sz="1100"/>
+          </a:p>
+          <a:p>
+            <a:pPr indent="0" lvl="0" marL="0" rtl="0" algn="ctr">
+              <a:spcBef>
+                <a:spcPts val="0"/>
+              </a:spcBef>
+              <a:spcAft>
+                <a:spcPts val="0"/>
+              </a:spcAft>
+              <a:buNone/>
+            </a:pPr>
+            <a:r>
+              <a:t/>
+            </a:r>
+            <a:endParaRPr sz="1100"/>
+          </a:p>
+          <a:p>
+            <a:pPr indent="0" lvl="0" marL="0" rtl="0" algn="ctr">
+              <a:spcBef>
+                <a:spcPts val="0"/>
+              </a:spcBef>
+              <a:spcAft>
+                <a:spcPts val="0"/>
+              </a:spcAft>
+              <a:buNone/>
+            </a:pPr>
+            <a:r>
+              <a:t/>
+            </a:r>
+            <a:endParaRPr sz="1100"/>
+          </a:p>
+          <a:p>
+            <a:pPr indent="0" lvl="0" marL="0" rtl="0" algn="ctr">
+              <a:spcBef>
+                <a:spcPts val="0"/>
+              </a:spcBef>
+              <a:spcAft>
+                <a:spcPts val="0"/>
+              </a:spcAft>
+              <a:buNone/>
+            </a:pPr>
+            <a:r>
+              <a:t/>
+            </a:r>
+            <a:endParaRPr sz="1100"/>
+          </a:p>
+        </p:txBody>
+      </p:sp>
+      <p:sp>
+        <p:nvSpPr>
+          <p:cNvPr id="199" name="Google Shape;199;p18"/>
+          <p:cNvSpPr/>
+          <p:nvPr/>
+        </p:nvSpPr>
+        <p:spPr>
+          <a:xfrm>
+            <a:off x="6402780" y="1428750"/>
+            <a:ext cx="2337900" cy="2812800"/>
+          </a:xfrm>
+          <a:prstGeom prst="rect">
+            <a:avLst/>
+          </a:prstGeom>
+          <a:solidFill>
+            <a:srgbClr val="F3F3F3"/>
+          </a:solidFill>
+          <a:ln cap="flat" cmpd="sng" w="9525">
+            <a:solidFill>
+              <a:schemeClr val="dk2"/>
+            </a:solidFill>
+            <a:prstDash val="dash"/>
+            <a:round/>
+            <a:headEnd len="sm" w="sm" type="none"/>
+            <a:tailEnd len="sm" w="sm" type="none"/>
+          </a:ln>
+        </p:spPr>
+        <p:txBody>
+          <a:bodyPr anchorCtr="0" anchor="t" bIns="91425" lIns="91425" spcFirstLastPara="1" rIns="91425" wrap="square" tIns="91425">
+            <a:noAutofit/>
+          </a:bodyPr>
+          <a:lstStyle/>
+          <a:p>
+            <a:pPr indent="0" lvl="0" marL="0" rtl="0" algn="ctr">
+              <a:spcBef>
+                <a:spcPts val="0"/>
+              </a:spcBef>
+              <a:spcAft>
+                <a:spcPts val="0"/>
+              </a:spcAft>
+              <a:buNone/>
+            </a:pPr>
+            <a:r>
+              <a:rPr lang="en" sz="1100"/>
+              <a:t>Test</a:t>
+            </a:r>
+            <a:endParaRPr sz="1100"/>
+          </a:p>
+          <a:p>
+            <a:pPr indent="0" lvl="0" marL="0" rtl="0" algn="ctr">
+              <a:spcBef>
+                <a:spcPts val="0"/>
+              </a:spcBef>
+              <a:spcAft>
+                <a:spcPts val="0"/>
+              </a:spcAft>
+              <a:buNone/>
+            </a:pPr>
+            <a:r>
+              <a:t/>
+            </a:r>
+            <a:endParaRPr sz="1100"/>
+          </a:p>
+          <a:p>
+            <a:pPr indent="0" lvl="0" marL="0" rtl="0" algn="ctr">
+              <a:spcBef>
+                <a:spcPts val="0"/>
+              </a:spcBef>
+              <a:spcAft>
+                <a:spcPts val="0"/>
+              </a:spcAft>
+              <a:buNone/>
+            </a:pPr>
+            <a:r>
+              <a:t/>
+            </a:r>
+            <a:endParaRPr sz="1100"/>
+          </a:p>
+          <a:p>
+            <a:pPr indent="0" lvl="0" marL="0" rtl="0" algn="ctr">
+              <a:spcBef>
+                <a:spcPts val="0"/>
+              </a:spcBef>
+              <a:spcAft>
+                <a:spcPts val="0"/>
+              </a:spcAft>
+              <a:buNone/>
+            </a:pPr>
+            <a:r>
+              <a:t/>
+            </a:r>
+            <a:endParaRPr sz="1100"/>
+          </a:p>
+          <a:p>
+            <a:pPr indent="0" lvl="0" marL="0" rtl="0" algn="ctr">
+              <a:spcBef>
+                <a:spcPts val="0"/>
+              </a:spcBef>
+              <a:spcAft>
+                <a:spcPts val="0"/>
+              </a:spcAft>
+              <a:buNone/>
+            </a:pPr>
+            <a:r>
+              <a:t/>
+            </a:r>
+            <a:endParaRPr sz="1100"/>
+          </a:p>
+        </p:txBody>
+      </p:sp>
+      <p:sp>
+        <p:nvSpPr>
+          <p:cNvPr id="200" name="Google Shape;200;p18"/>
+          <p:cNvSpPr/>
+          <p:nvPr/>
+        </p:nvSpPr>
+        <p:spPr>
+          <a:xfrm>
+            <a:off x="3683050" y="2384650"/>
+            <a:ext cx="1972500" cy="232200"/>
+          </a:xfrm>
+          <a:prstGeom prst="rect">
+            <a:avLst/>
+          </a:prstGeom>
+          <a:solidFill>
+            <a:srgbClr val="EFEFEF"/>
+          </a:solidFill>
+          <a:ln cap="flat" cmpd="sng" w="9525">
+            <a:solidFill>
+              <a:srgbClr val="B7B7B7"/>
+            </a:solidFill>
+            <a:prstDash val="dash"/>
+            <a:round/>
+            <a:headEnd len="sm" w="sm" type="none"/>
+            <a:tailEnd len="sm" w="sm" type="none"/>
+          </a:ln>
+        </p:spPr>
+        <p:txBody>
+          <a:bodyPr anchorCtr="0" anchor="ctr" bIns="91425" lIns="91425" spcFirstLastPara="1" rIns="91425" wrap="square" tIns="91425">
+            <a:noAutofit/>
+          </a:bodyPr>
+          <a:lstStyle/>
+          <a:p>
+            <a:pPr indent="0" lvl="0" marL="0" rtl="0" algn="l">
+              <a:spcBef>
+                <a:spcPts val="0"/>
+              </a:spcBef>
+              <a:spcAft>
+                <a:spcPts val="0"/>
+              </a:spcAft>
+              <a:buNone/>
+            </a:pPr>
+            <a:r>
+              <a:rPr lang="en" sz="1000"/>
+              <a:t>dev.</a:t>
+            </a:r>
+            <a:r>
+              <a:rPr lang="en" sz="1000"/>
+              <a:t>v0.0.1</a:t>
+            </a:r>
+            <a:r>
+              <a:rPr lang="en" sz="1000"/>
+              <a:t>.app.com</a:t>
+            </a:r>
+            <a:endParaRPr sz="1000"/>
+          </a:p>
+        </p:txBody>
+      </p:sp>
+      <p:cxnSp>
+        <p:nvCxnSpPr>
+          <p:cNvPr id="201" name="Google Shape;201;p18"/>
+          <p:cNvCxnSpPr>
+            <a:stCxn id="202" idx="3"/>
+            <a:endCxn id="200" idx="1"/>
+          </p:cNvCxnSpPr>
+          <p:nvPr/>
+        </p:nvCxnSpPr>
+        <p:spPr>
+          <a:xfrm>
+            <a:off x="2844300" y="2431711"/>
+            <a:ext cx="838800" cy="69000"/>
+          </a:xfrm>
+          <a:prstGeom prst="curvedConnector3">
+            <a:avLst>
+              <a:gd fmla="val 49997" name="adj1"/>
+            </a:avLst>
+          </a:prstGeom>
+          <a:noFill/>
+          <a:ln cap="flat" cmpd="sng" w="9525">
+            <a:solidFill>
+              <a:schemeClr val="dk2"/>
+            </a:solidFill>
+            <a:prstDash val="solid"/>
+            <a:round/>
+            <a:headEnd len="med" w="med" type="none"/>
+            <a:tailEnd len="med" w="med" type="oval"/>
+          </a:ln>
+        </p:spPr>
+      </p:cxnSp>
+      <p:sp>
+        <p:nvSpPr>
+          <p:cNvPr id="203" name="Google Shape;203;p18"/>
+          <p:cNvSpPr/>
+          <p:nvPr/>
+        </p:nvSpPr>
+        <p:spPr>
+          <a:xfrm>
+            <a:off x="3683050" y="2689450"/>
+            <a:ext cx="1972500" cy="232200"/>
+          </a:xfrm>
+          <a:prstGeom prst="rect">
+            <a:avLst/>
+          </a:prstGeom>
+          <a:solidFill>
+            <a:srgbClr val="EFEFEF"/>
+          </a:solidFill>
+          <a:ln cap="flat" cmpd="sng" w="9525">
+            <a:solidFill>
+              <a:srgbClr val="B7B7B7"/>
+            </a:solidFill>
+            <a:prstDash val="dash"/>
+            <a:round/>
+            <a:headEnd len="sm" w="sm" type="none"/>
+            <a:tailEnd len="sm" w="sm" type="none"/>
+          </a:ln>
+        </p:spPr>
+        <p:txBody>
+          <a:bodyPr anchorCtr="0" anchor="ctr" bIns="91425" lIns="91425" spcFirstLastPara="1" rIns="91425" wrap="square" tIns="91425">
+            <a:noAutofit/>
+          </a:bodyPr>
+          <a:lstStyle/>
+          <a:p>
+            <a:pPr indent="0" lvl="0" marL="0" rtl="0" algn="l">
+              <a:spcBef>
+                <a:spcPts val="0"/>
+              </a:spcBef>
+              <a:spcAft>
+                <a:spcPts val="0"/>
+              </a:spcAft>
+              <a:buNone/>
+            </a:pPr>
+            <a:r>
+              <a:rPr lang="en" sz="1000"/>
+              <a:t>dev.v0.0.2.app.com</a:t>
+            </a:r>
+            <a:endParaRPr sz="1000"/>
+          </a:p>
+        </p:txBody>
+      </p:sp>
+      <p:sp>
+        <p:nvSpPr>
+          <p:cNvPr id="204" name="Google Shape;204;p18"/>
+          <p:cNvSpPr/>
+          <p:nvPr/>
+        </p:nvSpPr>
+        <p:spPr>
+          <a:xfrm>
+            <a:off x="3683050" y="1775050"/>
+            <a:ext cx="1972500" cy="232200"/>
+          </a:xfrm>
+          <a:prstGeom prst="rect">
+            <a:avLst/>
+          </a:prstGeom>
+          <a:solidFill>
+            <a:srgbClr val="EFEFEF"/>
+          </a:solidFill>
+          <a:ln cap="flat" cmpd="sng" w="9525">
+            <a:solidFill>
+              <a:srgbClr val="B7B7B7"/>
+            </a:solidFill>
+            <a:prstDash val="dash"/>
+            <a:round/>
+            <a:headEnd len="sm" w="sm" type="none"/>
+            <a:tailEnd len="sm" w="sm" type="none"/>
+          </a:ln>
+        </p:spPr>
+        <p:txBody>
+          <a:bodyPr anchorCtr="0" anchor="ctr" bIns="91425" lIns="91425" spcFirstLastPara="1" rIns="91425" wrap="square" tIns="91425">
+            <a:noAutofit/>
+          </a:bodyPr>
+          <a:lstStyle/>
+          <a:p>
+            <a:pPr indent="0" lvl="0" marL="0" rtl="0" algn="l">
+              <a:spcBef>
+                <a:spcPts val="0"/>
+              </a:spcBef>
+              <a:spcAft>
+                <a:spcPts val="0"/>
+              </a:spcAft>
+              <a:buNone/>
+            </a:pPr>
+            <a:r>
+              <a:rPr lang="en" sz="1000"/>
+              <a:t>dev.</a:t>
+            </a:r>
+            <a:r>
+              <a:rPr lang="en" sz="1000"/>
+              <a:t>f-integrate-amex</a:t>
+            </a:r>
+            <a:r>
+              <a:rPr lang="en" sz="1000"/>
+              <a:t>.app.com</a:t>
+            </a:r>
+            <a:endParaRPr sz="1000"/>
+          </a:p>
+        </p:txBody>
+      </p:sp>
+      <p:sp>
+        <p:nvSpPr>
+          <p:cNvPr id="205" name="Google Shape;205;p18"/>
+          <p:cNvSpPr/>
+          <p:nvPr/>
+        </p:nvSpPr>
+        <p:spPr>
+          <a:xfrm>
+            <a:off x="3683050" y="2079850"/>
+            <a:ext cx="1972500" cy="232200"/>
+          </a:xfrm>
+          <a:prstGeom prst="rect">
+            <a:avLst/>
+          </a:prstGeom>
+          <a:solidFill>
+            <a:srgbClr val="EFEFEF"/>
+          </a:solidFill>
+          <a:ln cap="flat" cmpd="sng" w="9525">
+            <a:solidFill>
+              <a:srgbClr val="B7B7B7"/>
+            </a:solidFill>
+            <a:prstDash val="dash"/>
+            <a:round/>
+            <a:headEnd len="sm" w="sm" type="none"/>
+            <a:tailEnd len="sm" w="sm" type="none"/>
+          </a:ln>
+        </p:spPr>
+        <p:txBody>
+          <a:bodyPr anchorCtr="0" anchor="ctr" bIns="91425" lIns="91425" spcFirstLastPara="1" rIns="91425" wrap="square" tIns="91425">
+            <a:noAutofit/>
+          </a:bodyPr>
+          <a:lstStyle/>
+          <a:p>
+            <a:pPr indent="0" lvl="0" marL="0" rtl="0" algn="l">
+              <a:spcBef>
+                <a:spcPts val="0"/>
+              </a:spcBef>
+              <a:spcAft>
+                <a:spcPts val="0"/>
+              </a:spcAft>
+              <a:buNone/>
+            </a:pPr>
+            <a:r>
+              <a:rPr lang="en" sz="1000"/>
+              <a:t>dev.</a:t>
+            </a:r>
+            <a:r>
+              <a:rPr lang="en" sz="1000"/>
+              <a:t>f-integrate-visa</a:t>
+            </a:r>
+            <a:r>
+              <a:rPr lang="en" sz="1000"/>
+              <a:t>.app.com</a:t>
+            </a:r>
+            <a:endParaRPr sz="1000"/>
+          </a:p>
+        </p:txBody>
+      </p:sp>
+      <p:sp>
+        <p:nvSpPr>
+          <p:cNvPr id="206" name="Google Shape;206;p18"/>
+          <p:cNvSpPr/>
+          <p:nvPr/>
+        </p:nvSpPr>
+        <p:spPr>
+          <a:xfrm>
+            <a:off x="3683050" y="2994250"/>
+            <a:ext cx="1972500" cy="232200"/>
+          </a:xfrm>
+          <a:prstGeom prst="rect">
+            <a:avLst/>
+          </a:prstGeom>
+          <a:solidFill>
+            <a:srgbClr val="EFEFEF"/>
+          </a:solidFill>
+          <a:ln cap="flat" cmpd="sng" w="9525">
+            <a:solidFill>
+              <a:srgbClr val="B7B7B7"/>
+            </a:solidFill>
+            <a:prstDash val="dash"/>
+            <a:round/>
+            <a:headEnd len="sm" w="sm" type="none"/>
+            <a:tailEnd len="sm" w="sm" type="none"/>
+          </a:ln>
+        </p:spPr>
+        <p:txBody>
+          <a:bodyPr anchorCtr="0" anchor="ctr" bIns="91425" lIns="91425" spcFirstLastPara="1" rIns="91425" wrap="square" tIns="91425">
+            <a:noAutofit/>
+          </a:bodyPr>
+          <a:lstStyle/>
+          <a:p>
+            <a:pPr indent="0" lvl="0" marL="0" rtl="0" algn="l">
+              <a:spcBef>
+                <a:spcPts val="0"/>
+              </a:spcBef>
+              <a:spcAft>
+                <a:spcPts val="0"/>
+              </a:spcAft>
+              <a:buNone/>
+            </a:pPr>
+            <a:r>
+              <a:rPr lang="en" sz="1000"/>
+              <a:t>d</a:t>
+            </a:r>
+            <a:r>
+              <a:rPr lang="en" sz="1000"/>
+              <a:t>ev.h-memory-leak.app.com</a:t>
+            </a:r>
+            <a:endParaRPr sz="1000"/>
+          </a:p>
+        </p:txBody>
+      </p:sp>
+      <p:sp>
+        <p:nvSpPr>
+          <p:cNvPr id="207" name="Google Shape;207;p18"/>
+          <p:cNvSpPr/>
+          <p:nvPr/>
+        </p:nvSpPr>
+        <p:spPr>
+          <a:xfrm>
+            <a:off x="3683050" y="3299050"/>
+            <a:ext cx="1972500" cy="232200"/>
+          </a:xfrm>
+          <a:prstGeom prst="rect">
+            <a:avLst/>
+          </a:prstGeom>
+          <a:solidFill>
+            <a:srgbClr val="EFEFEF"/>
+          </a:solidFill>
+          <a:ln cap="flat" cmpd="sng" w="9525">
+            <a:solidFill>
+              <a:srgbClr val="B7B7B7"/>
+            </a:solidFill>
+            <a:prstDash val="dash"/>
+            <a:round/>
+            <a:headEnd len="sm" w="sm" type="none"/>
+            <a:tailEnd len="sm" w="sm" type="none"/>
+          </a:ln>
+        </p:spPr>
+        <p:txBody>
+          <a:bodyPr anchorCtr="0" anchor="ctr" bIns="91425" lIns="91425" spcFirstLastPara="1" rIns="91425" wrap="square" tIns="91425">
+            <a:noAutofit/>
+          </a:bodyPr>
+          <a:lstStyle/>
+          <a:p>
+            <a:pPr indent="0" lvl="0" marL="0" rtl="0" algn="l">
+              <a:spcBef>
+                <a:spcPts val="0"/>
+              </a:spcBef>
+              <a:spcAft>
+                <a:spcPts val="0"/>
+              </a:spcAft>
+              <a:buNone/>
+            </a:pPr>
+            <a:r>
+              <a:rPr lang="en" sz="1000"/>
+              <a:t>dev.wrong-calculus.app.com</a:t>
+            </a:r>
+            <a:endParaRPr sz="1000"/>
+          </a:p>
+        </p:txBody>
+      </p:sp>
+      <p:sp>
+        <p:nvSpPr>
+          <p:cNvPr id="208" name="Google Shape;208;p18"/>
+          <p:cNvSpPr/>
+          <p:nvPr/>
+        </p:nvSpPr>
+        <p:spPr>
+          <a:xfrm>
+            <a:off x="3683050" y="3603850"/>
+            <a:ext cx="1972500" cy="232200"/>
+          </a:xfrm>
+          <a:prstGeom prst="rect">
+            <a:avLst/>
+          </a:prstGeom>
+          <a:solidFill>
+            <a:srgbClr val="EFEFEF"/>
+          </a:solidFill>
+          <a:ln cap="flat" cmpd="sng" w="9525">
+            <a:solidFill>
+              <a:srgbClr val="B7B7B7"/>
+            </a:solidFill>
+            <a:prstDash val="dash"/>
+            <a:round/>
+            <a:headEnd len="sm" w="sm" type="none"/>
+            <a:tailEnd len="sm" w="sm" type="none"/>
+          </a:ln>
+        </p:spPr>
+        <p:txBody>
+          <a:bodyPr anchorCtr="0" anchor="ctr" bIns="91425" lIns="91425" spcFirstLastPara="1" rIns="91425" wrap="square" tIns="91425">
+            <a:noAutofit/>
+          </a:bodyPr>
+          <a:lstStyle/>
+          <a:p>
+            <a:pPr indent="0" lvl="0" marL="0" rtl="0" algn="l">
+              <a:spcBef>
+                <a:spcPts val="0"/>
+              </a:spcBef>
+              <a:spcAft>
+                <a:spcPts val="0"/>
+              </a:spcAft>
+              <a:buNone/>
+            </a:pPr>
+            <a:r>
+              <a:rPr lang="en" sz="1000"/>
+              <a:t>dev-develop.app.com</a:t>
+            </a:r>
+            <a:endParaRPr sz="1000"/>
+          </a:p>
+        </p:txBody>
+      </p:sp>
+      <p:sp>
+        <p:nvSpPr>
+          <p:cNvPr id="209" name="Google Shape;209;p18"/>
+          <p:cNvSpPr/>
+          <p:nvPr/>
+        </p:nvSpPr>
+        <p:spPr>
+          <a:xfrm>
+            <a:off x="3683050" y="3908650"/>
+            <a:ext cx="1972500" cy="232200"/>
+          </a:xfrm>
+          <a:prstGeom prst="rect">
+            <a:avLst/>
+          </a:prstGeom>
+          <a:solidFill>
+            <a:srgbClr val="EFEFEF"/>
+          </a:solidFill>
+          <a:ln cap="flat" cmpd="sng" w="9525">
+            <a:solidFill>
+              <a:srgbClr val="B7B7B7"/>
+            </a:solidFill>
+            <a:prstDash val="dash"/>
+            <a:round/>
+            <a:headEnd len="sm" w="sm" type="none"/>
+            <a:tailEnd len="sm" w="sm" type="none"/>
+          </a:ln>
+        </p:spPr>
+        <p:txBody>
+          <a:bodyPr anchorCtr="0" anchor="ctr" bIns="91425" lIns="91425" spcFirstLastPara="1" rIns="91425" wrap="square" tIns="91425">
+            <a:noAutofit/>
+          </a:bodyPr>
+          <a:lstStyle/>
+          <a:p>
+            <a:pPr indent="0" lvl="0" marL="0" rtl="0" algn="l">
+              <a:spcBef>
+                <a:spcPts val="0"/>
+              </a:spcBef>
+              <a:spcAft>
+                <a:spcPts val="0"/>
+              </a:spcAft>
+              <a:buNone/>
+            </a:pPr>
+            <a:r>
+              <a:rPr lang="en" sz="1000"/>
+              <a:t>dev.app.com</a:t>
+            </a:r>
+            <a:endParaRPr sz="1000"/>
+          </a:p>
+        </p:txBody>
+      </p:sp>
+      <p:cxnSp>
+        <p:nvCxnSpPr>
+          <p:cNvPr id="210" name="Google Shape;210;p18"/>
+          <p:cNvCxnSpPr>
+            <a:stCxn id="211" idx="3"/>
+            <a:endCxn id="203" idx="1"/>
+          </p:cNvCxnSpPr>
+          <p:nvPr/>
+        </p:nvCxnSpPr>
+        <p:spPr>
+          <a:xfrm>
+            <a:off x="2844300" y="2736511"/>
+            <a:ext cx="838800" cy="69000"/>
+          </a:xfrm>
+          <a:prstGeom prst="curvedConnector3">
+            <a:avLst>
+              <a:gd fmla="val 49997" name="adj1"/>
+            </a:avLst>
+          </a:prstGeom>
+          <a:noFill/>
+          <a:ln cap="flat" cmpd="sng" w="9525">
+            <a:solidFill>
+              <a:schemeClr val="dk2"/>
+            </a:solidFill>
+            <a:prstDash val="solid"/>
+            <a:round/>
+            <a:headEnd len="med" w="med" type="none"/>
+            <a:tailEnd len="med" w="med" type="oval"/>
+          </a:ln>
+        </p:spPr>
+      </p:cxnSp>
+      <p:cxnSp>
+        <p:nvCxnSpPr>
+          <p:cNvPr id="212" name="Google Shape;212;p18"/>
+          <p:cNvCxnSpPr>
+            <a:stCxn id="213" idx="3"/>
+            <a:endCxn id="204" idx="1"/>
+          </p:cNvCxnSpPr>
+          <p:nvPr/>
+        </p:nvCxnSpPr>
+        <p:spPr>
+          <a:xfrm>
+            <a:off x="2844300" y="1747850"/>
+            <a:ext cx="838800" cy="143400"/>
+          </a:xfrm>
+          <a:prstGeom prst="curvedConnector3">
+            <a:avLst>
+              <a:gd fmla="val 49997" name="adj1"/>
+            </a:avLst>
+          </a:prstGeom>
+          <a:noFill/>
+          <a:ln cap="flat" cmpd="sng" w="9525">
+            <a:solidFill>
+              <a:schemeClr val="dk2"/>
+            </a:solidFill>
+            <a:prstDash val="solid"/>
+            <a:round/>
+            <a:headEnd len="med" w="med" type="none"/>
+            <a:tailEnd len="med" w="med" type="oval"/>
+          </a:ln>
+        </p:spPr>
+      </p:cxnSp>
+      <p:cxnSp>
+        <p:nvCxnSpPr>
+          <p:cNvPr id="214" name="Google Shape;214;p18"/>
+          <p:cNvCxnSpPr>
+            <a:stCxn id="215" idx="3"/>
+            <a:endCxn id="205" idx="1"/>
+          </p:cNvCxnSpPr>
+          <p:nvPr/>
+        </p:nvCxnSpPr>
+        <p:spPr>
+          <a:xfrm>
+            <a:off x="2844300" y="2052650"/>
+            <a:ext cx="838800" cy="143400"/>
+          </a:xfrm>
+          <a:prstGeom prst="curvedConnector3">
+            <a:avLst>
+              <a:gd fmla="val 49997" name="adj1"/>
+            </a:avLst>
+          </a:prstGeom>
+          <a:noFill/>
+          <a:ln cap="flat" cmpd="sng" w="9525">
+            <a:solidFill>
+              <a:schemeClr val="dk2"/>
+            </a:solidFill>
+            <a:prstDash val="solid"/>
+            <a:round/>
+            <a:headEnd len="med" w="med" type="none"/>
+            <a:tailEnd len="med" w="med" type="oval"/>
+          </a:ln>
+        </p:spPr>
+      </p:cxnSp>
+      <p:cxnSp>
+        <p:nvCxnSpPr>
+          <p:cNvPr id="216" name="Google Shape;216;p18"/>
+          <p:cNvCxnSpPr>
+            <a:stCxn id="217" idx="3"/>
+            <a:endCxn id="206" idx="1"/>
+          </p:cNvCxnSpPr>
+          <p:nvPr/>
+        </p:nvCxnSpPr>
+        <p:spPr>
+          <a:xfrm flipH="1" rot="10800000">
+            <a:off x="2844300" y="3110259"/>
+            <a:ext cx="838800" cy="90000"/>
+          </a:xfrm>
+          <a:prstGeom prst="curvedConnector3">
+            <a:avLst>
+              <a:gd fmla="val 49997" name="adj1"/>
+            </a:avLst>
+          </a:prstGeom>
+          <a:noFill/>
+          <a:ln cap="flat" cmpd="sng" w="9525">
+            <a:solidFill>
+              <a:schemeClr val="dk2"/>
+            </a:solidFill>
+            <a:prstDash val="solid"/>
+            <a:round/>
+            <a:headEnd len="med" w="med" type="none"/>
+            <a:tailEnd len="med" w="med" type="oval"/>
+          </a:ln>
+        </p:spPr>
+      </p:cxnSp>
+      <p:cxnSp>
+        <p:nvCxnSpPr>
+          <p:cNvPr id="218" name="Google Shape;218;p18"/>
+          <p:cNvCxnSpPr>
+            <a:stCxn id="219" idx="3"/>
+            <a:endCxn id="207" idx="1"/>
+          </p:cNvCxnSpPr>
+          <p:nvPr/>
+        </p:nvCxnSpPr>
+        <p:spPr>
+          <a:xfrm flipH="1" rot="10800000">
+            <a:off x="2844300" y="3415130"/>
+            <a:ext cx="838800" cy="81000"/>
+          </a:xfrm>
+          <a:prstGeom prst="curvedConnector3">
+            <a:avLst>
+              <a:gd fmla="val 49997" name="adj1"/>
+            </a:avLst>
+          </a:prstGeom>
+          <a:noFill/>
+          <a:ln cap="flat" cmpd="sng" w="9525">
+            <a:solidFill>
+              <a:schemeClr val="dk2"/>
+            </a:solidFill>
+            <a:prstDash val="solid"/>
+            <a:round/>
+            <a:headEnd len="med" w="med" type="none"/>
+            <a:tailEnd len="med" w="med" type="oval"/>
+          </a:ln>
+        </p:spPr>
+      </p:cxnSp>
+      <p:cxnSp>
+        <p:nvCxnSpPr>
+          <p:cNvPr id="220" name="Google Shape;220;p18"/>
+          <p:cNvCxnSpPr>
+            <a:stCxn id="221" idx="3"/>
+            <a:endCxn id="208" idx="1"/>
+          </p:cNvCxnSpPr>
+          <p:nvPr/>
+        </p:nvCxnSpPr>
+        <p:spPr>
+          <a:xfrm flipH="1" rot="10800000">
+            <a:off x="2844300" y="3720039"/>
+            <a:ext cx="838800" cy="161700"/>
+          </a:xfrm>
+          <a:prstGeom prst="curvedConnector3">
+            <a:avLst>
+              <a:gd fmla="val 49997" name="adj1"/>
+            </a:avLst>
+          </a:prstGeom>
+          <a:noFill/>
+          <a:ln cap="flat" cmpd="sng" w="9525">
+            <a:solidFill>
+              <a:schemeClr val="dk2"/>
+            </a:solidFill>
+            <a:prstDash val="solid"/>
+            <a:round/>
+            <a:headEnd len="med" w="med" type="none"/>
+            <a:tailEnd len="med" w="med" type="oval"/>
+          </a:ln>
+        </p:spPr>
+      </p:cxnSp>
+      <p:cxnSp>
+        <p:nvCxnSpPr>
+          <p:cNvPr id="222" name="Google Shape;222;p18"/>
+          <p:cNvCxnSpPr>
+            <a:stCxn id="223" idx="3"/>
+            <a:endCxn id="209" idx="1"/>
+          </p:cNvCxnSpPr>
+          <p:nvPr/>
+        </p:nvCxnSpPr>
+        <p:spPr>
+          <a:xfrm flipH="1" rot="10800000">
+            <a:off x="2844300" y="4024884"/>
+            <a:ext cx="838800" cy="153000"/>
+          </a:xfrm>
+          <a:prstGeom prst="curvedConnector3">
+            <a:avLst>
+              <a:gd fmla="val 49997" name="adj1"/>
+            </a:avLst>
+          </a:prstGeom>
+          <a:noFill/>
+          <a:ln cap="flat" cmpd="sng" w="9525">
+            <a:solidFill>
+              <a:schemeClr val="dk2"/>
+            </a:solidFill>
+            <a:prstDash val="solid"/>
+            <a:round/>
+            <a:headEnd len="med" w="med" type="none"/>
+            <a:tailEnd len="med" w="med" type="oval"/>
+          </a:ln>
+        </p:spPr>
+      </p:cxnSp>
+      <p:grpSp>
+        <p:nvGrpSpPr>
+          <p:cNvPr id="224" name="Google Shape;224;p18"/>
+          <p:cNvGrpSpPr/>
+          <p:nvPr/>
+        </p:nvGrpSpPr>
+        <p:grpSpPr>
+          <a:xfrm>
+            <a:off x="873900" y="3765639"/>
+            <a:ext cx="1970400" cy="528345"/>
+            <a:chOff x="873900" y="3765639"/>
+            <a:chExt cx="1970400" cy="528345"/>
+          </a:xfrm>
+        </p:grpSpPr>
+        <p:sp>
+          <p:nvSpPr>
+            <p:cNvPr id="221" name="Google Shape;221;p18"/>
+            <p:cNvSpPr/>
+            <p:nvPr/>
+          </p:nvSpPr>
+          <p:spPr>
+            <a:xfrm>
+              <a:off x="873900" y="3765639"/>
+              <a:ext cx="1970400" cy="232200"/>
+            </a:xfrm>
+            <a:prstGeom prst="roundRect">
+              <a:avLst>
+                <a:gd fmla="val 16667" name="adj"/>
+              </a:avLst>
+            </a:prstGeom>
+            <a:solidFill>
+              <a:srgbClr val="FFE599"/>
+            </a:solidFill>
+            <a:ln cap="flat" cmpd="sng" w="9525">
+              <a:solidFill>
+                <a:schemeClr val="dk2"/>
+              </a:solidFill>
+              <a:prstDash val="solid"/>
+              <a:round/>
+              <a:headEnd len="sm" w="sm" type="none"/>
+              <a:tailEnd len="sm" w="sm" type="none"/>
+            </a:ln>
+          </p:spPr>
+          <p:txBody>
+            <a:bodyPr anchorCtr="0" anchor="ctr" bIns="91425" lIns="91425" spcFirstLastPara="1" rIns="91425" wrap="square" tIns="91425">
+              <a:noAutofit/>
+            </a:bodyPr>
+            <a:lstStyle/>
+            <a:p>
+              <a:pPr indent="0" lvl="0" marL="0" rtl="0" algn="l">
+                <a:spcBef>
+                  <a:spcPts val="0"/>
+                </a:spcBef>
+                <a:spcAft>
+                  <a:spcPts val="0"/>
+                </a:spcAft>
+                <a:buNone/>
+              </a:pPr>
+              <a:r>
+                <a:rPr lang="en" sz="1100">
+                  <a:latin typeface="Consolas"/>
+                  <a:ea typeface="Consolas"/>
+                  <a:cs typeface="Consolas"/>
+                  <a:sym typeface="Consolas"/>
+                </a:rPr>
+                <a:t>develop</a:t>
+              </a:r>
+              <a:endParaRPr sz="1100">
+                <a:latin typeface="Consolas"/>
+                <a:ea typeface="Consolas"/>
+                <a:cs typeface="Consolas"/>
+                <a:sym typeface="Consolas"/>
+              </a:endParaRPr>
+            </a:p>
+          </p:txBody>
+        </p:sp>
+        <p:sp>
+          <p:nvSpPr>
+            <p:cNvPr id="223" name="Google Shape;223;p18"/>
+            <p:cNvSpPr/>
+            <p:nvPr/>
+          </p:nvSpPr>
+          <p:spPr>
+            <a:xfrm>
+              <a:off x="873900" y="4061784"/>
+              <a:ext cx="1970400" cy="232200"/>
+            </a:xfrm>
+            <a:prstGeom prst="roundRect">
+              <a:avLst>
+                <a:gd fmla="val 16667" name="adj"/>
+              </a:avLst>
+            </a:prstGeom>
+            <a:solidFill>
+              <a:srgbClr val="0B5394"/>
+            </a:solidFill>
+            <a:ln cap="flat" cmpd="sng" w="9525">
+              <a:solidFill>
+                <a:schemeClr val="dk2"/>
+              </a:solidFill>
+              <a:prstDash val="solid"/>
+              <a:round/>
+              <a:headEnd len="sm" w="sm" type="none"/>
+              <a:tailEnd len="sm" w="sm" type="none"/>
+            </a:ln>
+          </p:spPr>
+          <p:txBody>
+            <a:bodyPr anchorCtr="0" anchor="ctr" bIns="91425" lIns="91425" spcFirstLastPara="1" rIns="91425" wrap="square" tIns="91425">
+              <a:noAutofit/>
+            </a:bodyPr>
+            <a:lstStyle/>
+            <a:p>
+              <a:pPr indent="0" lvl="0" marL="0" rtl="0" algn="l">
+                <a:spcBef>
+                  <a:spcPts val="0"/>
+                </a:spcBef>
+                <a:spcAft>
+                  <a:spcPts val="0"/>
+                </a:spcAft>
+                <a:buNone/>
+              </a:pPr>
+              <a:r>
+                <a:rPr lang="en" sz="1100">
+                  <a:solidFill>
+                    <a:srgbClr val="FFFFFF"/>
+                  </a:solidFill>
+                  <a:latin typeface="Consolas"/>
+                  <a:ea typeface="Consolas"/>
+                  <a:cs typeface="Consolas"/>
+                  <a:sym typeface="Consolas"/>
+                </a:rPr>
+                <a:t>master</a:t>
+              </a:r>
+              <a:endParaRPr sz="1100">
+                <a:solidFill>
+                  <a:srgbClr val="FFFFFF"/>
+                </a:solidFill>
+                <a:latin typeface="Consolas"/>
+                <a:ea typeface="Consolas"/>
+                <a:cs typeface="Consolas"/>
+                <a:sym typeface="Consolas"/>
+              </a:endParaRPr>
+            </a:p>
+          </p:txBody>
+        </p:sp>
+      </p:grpSp>
+      <p:grpSp>
+        <p:nvGrpSpPr>
+          <p:cNvPr id="225" name="Google Shape;225;p18"/>
+          <p:cNvGrpSpPr/>
+          <p:nvPr/>
+        </p:nvGrpSpPr>
+        <p:grpSpPr>
+          <a:xfrm>
+            <a:off x="873900" y="2315611"/>
+            <a:ext cx="1970400" cy="537000"/>
+            <a:chOff x="873900" y="1629811"/>
+            <a:chExt cx="1970400" cy="537000"/>
+          </a:xfrm>
+        </p:grpSpPr>
+        <p:sp>
+          <p:nvSpPr>
+            <p:cNvPr id="202" name="Google Shape;202;p18"/>
+            <p:cNvSpPr/>
+            <p:nvPr/>
+          </p:nvSpPr>
+          <p:spPr>
+            <a:xfrm>
+              <a:off x="873900" y="1629811"/>
+              <a:ext cx="1970400" cy="232200"/>
+            </a:xfrm>
+            <a:prstGeom prst="roundRect">
+              <a:avLst>
+                <a:gd fmla="val 16667" name="adj"/>
+              </a:avLst>
+            </a:prstGeom>
+            <a:solidFill>
+              <a:srgbClr val="A4C2F4"/>
+            </a:solidFill>
+            <a:ln cap="flat" cmpd="sng" w="9525">
+              <a:solidFill>
+                <a:schemeClr val="dk2"/>
+              </a:solidFill>
+              <a:prstDash val="solid"/>
+              <a:round/>
+              <a:headEnd len="sm" w="sm" type="none"/>
+              <a:tailEnd len="sm" w="sm" type="none"/>
+            </a:ln>
+          </p:spPr>
+          <p:txBody>
+            <a:bodyPr anchorCtr="0" anchor="ctr" bIns="91425" lIns="91425" spcFirstLastPara="1" rIns="91425" wrap="square" tIns="91425">
+              <a:noAutofit/>
+            </a:bodyPr>
+            <a:lstStyle/>
+            <a:p>
+              <a:pPr indent="0" lvl="0" marL="0" rtl="0" algn="l">
+                <a:spcBef>
+                  <a:spcPts val="0"/>
+                </a:spcBef>
+                <a:spcAft>
+                  <a:spcPts val="0"/>
+                </a:spcAft>
+                <a:buNone/>
+              </a:pPr>
+              <a:r>
+                <a:rPr lang="en" sz="1100">
+                  <a:latin typeface="Consolas"/>
+                  <a:ea typeface="Consolas"/>
+                  <a:cs typeface="Consolas"/>
+                  <a:sym typeface="Consolas"/>
+                </a:rPr>
+                <a:t>release/v0.0.1</a:t>
+              </a:r>
+              <a:endParaRPr sz="1100">
+                <a:latin typeface="Consolas"/>
+                <a:ea typeface="Consolas"/>
+                <a:cs typeface="Consolas"/>
+                <a:sym typeface="Consolas"/>
+              </a:endParaRPr>
+            </a:p>
+          </p:txBody>
+        </p:sp>
+        <p:sp>
+          <p:nvSpPr>
+            <p:cNvPr id="211" name="Google Shape;211;p18"/>
+            <p:cNvSpPr/>
+            <p:nvPr/>
+          </p:nvSpPr>
+          <p:spPr>
+            <a:xfrm>
+              <a:off x="873900" y="1934611"/>
+              <a:ext cx="1970400" cy="232200"/>
+            </a:xfrm>
+            <a:prstGeom prst="roundRect">
+              <a:avLst>
+                <a:gd fmla="val 16667" name="adj"/>
+              </a:avLst>
+            </a:prstGeom>
+            <a:solidFill>
+              <a:srgbClr val="A4C2F4"/>
+            </a:solidFill>
+            <a:ln cap="flat" cmpd="sng" w="9525">
+              <a:solidFill>
+                <a:schemeClr val="dk2"/>
+              </a:solidFill>
+              <a:prstDash val="solid"/>
+              <a:round/>
+              <a:headEnd len="sm" w="sm" type="none"/>
+              <a:tailEnd len="sm" w="sm" type="none"/>
+            </a:ln>
+          </p:spPr>
+          <p:txBody>
+            <a:bodyPr anchorCtr="0" anchor="ctr" bIns="91425" lIns="91425" spcFirstLastPara="1" rIns="91425" wrap="square" tIns="91425">
+              <a:noAutofit/>
+            </a:bodyPr>
+            <a:lstStyle/>
+            <a:p>
+              <a:pPr indent="0" lvl="0" marL="0" rtl="0" algn="l">
+                <a:spcBef>
+                  <a:spcPts val="0"/>
+                </a:spcBef>
+                <a:spcAft>
+                  <a:spcPts val="0"/>
+                </a:spcAft>
+                <a:buNone/>
+              </a:pPr>
+              <a:r>
+                <a:rPr lang="en" sz="1100">
+                  <a:latin typeface="Consolas"/>
+                  <a:ea typeface="Consolas"/>
+                  <a:cs typeface="Consolas"/>
+                  <a:sym typeface="Consolas"/>
+                </a:rPr>
+                <a:t>release/v0.0.2</a:t>
+              </a:r>
+              <a:endParaRPr sz="1100">
+                <a:latin typeface="Consolas"/>
+                <a:ea typeface="Consolas"/>
+                <a:cs typeface="Consolas"/>
+                <a:sym typeface="Consolas"/>
+              </a:endParaRPr>
+            </a:p>
+          </p:txBody>
+        </p:sp>
+      </p:grpSp>
+      <p:grpSp>
+        <p:nvGrpSpPr>
+          <p:cNvPr id="226" name="Google Shape;226;p18"/>
+          <p:cNvGrpSpPr/>
+          <p:nvPr/>
+        </p:nvGrpSpPr>
+        <p:grpSpPr>
+          <a:xfrm>
+            <a:off x="873900" y="1631750"/>
+            <a:ext cx="1970400" cy="537000"/>
+            <a:chOff x="873900" y="2317550"/>
+            <a:chExt cx="1970400" cy="537000"/>
+          </a:xfrm>
+        </p:grpSpPr>
+        <p:sp>
+          <p:nvSpPr>
+            <p:cNvPr id="215" name="Google Shape;215;p18"/>
+            <p:cNvSpPr/>
+            <p:nvPr/>
+          </p:nvSpPr>
+          <p:spPr>
+            <a:xfrm>
+              <a:off x="873900" y="2622350"/>
+              <a:ext cx="1970400" cy="232200"/>
+            </a:xfrm>
+            <a:prstGeom prst="roundRect">
+              <a:avLst>
+                <a:gd fmla="val 16667" name="adj"/>
+              </a:avLst>
+            </a:prstGeom>
+            <a:solidFill>
+              <a:srgbClr val="B6D7A8"/>
+            </a:solidFill>
+            <a:ln cap="flat" cmpd="sng" w="9525">
+              <a:solidFill>
+                <a:schemeClr val="dk2"/>
+              </a:solidFill>
+              <a:prstDash val="solid"/>
+              <a:round/>
+              <a:headEnd len="sm" w="sm" type="none"/>
+              <a:tailEnd len="sm" w="sm" type="none"/>
+            </a:ln>
+          </p:spPr>
+          <p:txBody>
+            <a:bodyPr anchorCtr="0" anchor="ctr" bIns="91425" lIns="91425" spcFirstLastPara="1" rIns="91425" wrap="square" tIns="91425">
+              <a:noAutofit/>
+            </a:bodyPr>
+            <a:lstStyle/>
+            <a:p>
+              <a:pPr indent="0" lvl="0" marL="0" rtl="0" algn="l">
+                <a:spcBef>
+                  <a:spcPts val="0"/>
+                </a:spcBef>
+                <a:spcAft>
+                  <a:spcPts val="0"/>
+                </a:spcAft>
+                <a:buNone/>
+              </a:pPr>
+              <a:r>
+                <a:rPr lang="en" sz="1100">
+                  <a:latin typeface="Consolas"/>
+                  <a:ea typeface="Consolas"/>
+                  <a:cs typeface="Consolas"/>
+                  <a:sym typeface="Consolas"/>
+                </a:rPr>
+                <a:t>feature/integrate_visa</a:t>
+              </a:r>
+              <a:endParaRPr sz="1100">
+                <a:latin typeface="Consolas"/>
+                <a:ea typeface="Consolas"/>
+                <a:cs typeface="Consolas"/>
+                <a:sym typeface="Consolas"/>
+              </a:endParaRPr>
+            </a:p>
+          </p:txBody>
+        </p:sp>
+        <p:sp>
+          <p:nvSpPr>
+            <p:cNvPr id="213" name="Google Shape;213;p18"/>
+            <p:cNvSpPr/>
+            <p:nvPr/>
+          </p:nvSpPr>
+          <p:spPr>
+            <a:xfrm>
+              <a:off x="873900" y="2317550"/>
+              <a:ext cx="1970400" cy="232200"/>
+            </a:xfrm>
+            <a:prstGeom prst="roundRect">
+              <a:avLst>
+                <a:gd fmla="val 16667" name="adj"/>
+              </a:avLst>
+            </a:prstGeom>
+            <a:solidFill>
+              <a:srgbClr val="B6D7A8"/>
+            </a:solidFill>
+            <a:ln cap="flat" cmpd="sng" w="9525">
+              <a:solidFill>
+                <a:schemeClr val="dk2"/>
+              </a:solidFill>
+              <a:prstDash val="solid"/>
+              <a:round/>
+              <a:headEnd len="sm" w="sm" type="none"/>
+              <a:tailEnd len="sm" w="sm" type="none"/>
+            </a:ln>
+          </p:spPr>
+          <p:txBody>
+            <a:bodyPr anchorCtr="0" anchor="ctr" bIns="91425" lIns="91425" spcFirstLastPara="1" rIns="91425" wrap="square" tIns="91425">
+              <a:noAutofit/>
+            </a:bodyPr>
+            <a:lstStyle/>
+            <a:p>
+              <a:pPr indent="0" lvl="0" marL="0" rtl="0" algn="l">
+                <a:spcBef>
+                  <a:spcPts val="0"/>
+                </a:spcBef>
+                <a:spcAft>
+                  <a:spcPts val="0"/>
+                </a:spcAft>
+                <a:buNone/>
+              </a:pPr>
+              <a:r>
+                <a:rPr lang="en" sz="1100">
+                  <a:latin typeface="Consolas"/>
+                  <a:ea typeface="Consolas"/>
+                  <a:cs typeface="Consolas"/>
+                  <a:sym typeface="Consolas"/>
+                </a:rPr>
+                <a:t>feature/integrate_amex</a:t>
+              </a:r>
+              <a:endParaRPr sz="1100">
+                <a:latin typeface="Consolas"/>
+                <a:ea typeface="Consolas"/>
+                <a:cs typeface="Consolas"/>
+                <a:sym typeface="Consolas"/>
+              </a:endParaRPr>
+            </a:p>
+          </p:txBody>
+        </p:sp>
+      </p:grpSp>
+      <p:grpSp>
+        <p:nvGrpSpPr>
+          <p:cNvPr id="227" name="Google Shape;227;p18"/>
+          <p:cNvGrpSpPr/>
+          <p:nvPr/>
+        </p:nvGrpSpPr>
+        <p:grpSpPr>
+          <a:xfrm>
+            <a:off x="873900" y="3084159"/>
+            <a:ext cx="1970400" cy="528070"/>
+            <a:chOff x="873900" y="3084159"/>
+            <a:chExt cx="1970400" cy="528070"/>
+          </a:xfrm>
+        </p:grpSpPr>
+        <p:sp>
+          <p:nvSpPr>
+            <p:cNvPr id="217" name="Google Shape;217;p18"/>
+            <p:cNvSpPr/>
+            <p:nvPr/>
+          </p:nvSpPr>
+          <p:spPr>
+            <a:xfrm>
+              <a:off x="873900" y="3084159"/>
+              <a:ext cx="1970400" cy="232200"/>
+            </a:xfrm>
+            <a:prstGeom prst="roundRect">
+              <a:avLst>
+                <a:gd fmla="val 16667" name="adj"/>
+              </a:avLst>
+            </a:prstGeom>
+            <a:solidFill>
+              <a:srgbClr val="FF0000"/>
+            </a:solidFill>
+            <a:ln cap="flat" cmpd="sng" w="9525">
+              <a:solidFill>
+                <a:schemeClr val="dk2"/>
+              </a:solidFill>
+              <a:prstDash val="solid"/>
+              <a:round/>
+              <a:headEnd len="sm" w="sm" type="none"/>
+              <a:tailEnd len="sm" w="sm" type="none"/>
+            </a:ln>
+          </p:spPr>
+          <p:txBody>
+            <a:bodyPr anchorCtr="0" anchor="ctr" bIns="91425" lIns="91425" spcFirstLastPara="1" rIns="91425" wrap="square" tIns="91425">
+              <a:noAutofit/>
+            </a:bodyPr>
+            <a:lstStyle/>
+            <a:p>
+              <a:pPr indent="0" lvl="0" marL="0" rtl="0" algn="l">
+                <a:spcBef>
+                  <a:spcPts val="0"/>
+                </a:spcBef>
+                <a:spcAft>
+                  <a:spcPts val="0"/>
+                </a:spcAft>
+                <a:buNone/>
+              </a:pPr>
+              <a:r>
+                <a:rPr lang="en" sz="1100">
+                  <a:latin typeface="Consolas"/>
+                  <a:ea typeface="Consolas"/>
+                  <a:cs typeface="Consolas"/>
+                  <a:sym typeface="Consolas"/>
+                </a:rPr>
+                <a:t>hotfix/memory_leak</a:t>
+              </a:r>
+              <a:endParaRPr sz="1100">
+                <a:latin typeface="Consolas"/>
+                <a:ea typeface="Consolas"/>
+                <a:cs typeface="Consolas"/>
+                <a:sym typeface="Consolas"/>
+              </a:endParaRPr>
+            </a:p>
+          </p:txBody>
+        </p:sp>
+        <p:sp>
+          <p:nvSpPr>
+            <p:cNvPr id="219" name="Google Shape;219;p18"/>
+            <p:cNvSpPr/>
+            <p:nvPr/>
+          </p:nvSpPr>
+          <p:spPr>
+            <a:xfrm>
+              <a:off x="873900" y="3380030"/>
+              <a:ext cx="1970400" cy="232200"/>
+            </a:xfrm>
+            <a:prstGeom prst="roundRect">
+              <a:avLst>
+                <a:gd fmla="val 16667" name="adj"/>
+              </a:avLst>
+            </a:prstGeom>
+            <a:solidFill>
+              <a:srgbClr val="FF0000"/>
+            </a:solidFill>
+            <a:ln cap="flat" cmpd="sng" w="9525">
+              <a:solidFill>
+                <a:schemeClr val="dk2"/>
+              </a:solidFill>
+              <a:prstDash val="solid"/>
+              <a:round/>
+              <a:headEnd len="sm" w="sm" type="none"/>
+              <a:tailEnd len="sm" w="sm" type="none"/>
+            </a:ln>
+          </p:spPr>
+          <p:txBody>
+            <a:bodyPr anchorCtr="0" anchor="ctr" bIns="91425" lIns="91425" spcFirstLastPara="1" rIns="91425" wrap="square" tIns="91425">
+              <a:noAutofit/>
+            </a:bodyPr>
+            <a:lstStyle/>
+            <a:p>
+              <a:pPr indent="0" lvl="0" marL="0" rtl="0" algn="l">
+                <a:spcBef>
+                  <a:spcPts val="0"/>
+                </a:spcBef>
+                <a:spcAft>
+                  <a:spcPts val="0"/>
+                </a:spcAft>
+                <a:buNone/>
+              </a:pPr>
+              <a:r>
+                <a:rPr lang="en" sz="1100">
+                  <a:latin typeface="Consolas"/>
+                  <a:ea typeface="Consolas"/>
+                  <a:cs typeface="Consolas"/>
+                  <a:sym typeface="Consolas"/>
+                </a:rPr>
+                <a:t>hotfix/wrong_calculus</a:t>
+              </a:r>
+              <a:endParaRPr sz="1100">
+                <a:latin typeface="Consolas"/>
+                <a:ea typeface="Consolas"/>
+                <a:cs typeface="Consolas"/>
+                <a:sym typeface="Consolas"/>
+              </a:endParaRPr>
+            </a:p>
+          </p:txBody>
+        </p:sp>
+      </p:grpSp>
+      <p:sp>
+        <p:nvSpPr>
+          <p:cNvPr id="228" name="Google Shape;228;p18"/>
+          <p:cNvSpPr/>
+          <p:nvPr/>
+        </p:nvSpPr>
+        <p:spPr>
+          <a:xfrm>
+            <a:off x="6578650" y="2384650"/>
+            <a:ext cx="1972500" cy="232200"/>
+          </a:xfrm>
+          <a:prstGeom prst="rect">
+            <a:avLst/>
+          </a:prstGeom>
+          <a:solidFill>
+            <a:srgbClr val="EFEFEF"/>
+          </a:solidFill>
+          <a:ln cap="flat" cmpd="sng" w="9525">
+            <a:solidFill>
+              <a:srgbClr val="CCCCCC"/>
+            </a:solidFill>
+            <a:prstDash val="dash"/>
+            <a:round/>
+            <a:headEnd len="sm" w="sm" type="none"/>
+            <a:tailEnd len="sm" w="sm" type="none"/>
+          </a:ln>
+        </p:spPr>
+        <p:txBody>
+          <a:bodyPr anchorCtr="0" anchor="ctr" bIns="91425" lIns="91425" spcFirstLastPara="1" rIns="91425" wrap="square" tIns="91425">
+            <a:noAutofit/>
+          </a:bodyPr>
+          <a:lstStyle/>
+          <a:p>
+            <a:pPr indent="0" lvl="0" marL="0" rtl="0" algn="l">
+              <a:spcBef>
+                <a:spcPts val="0"/>
+              </a:spcBef>
+              <a:spcAft>
+                <a:spcPts val="0"/>
+              </a:spcAft>
+              <a:buNone/>
+            </a:pPr>
+            <a:r>
+              <a:rPr lang="en" sz="1000">
+                <a:solidFill>
+                  <a:srgbClr val="CCCCCC"/>
+                </a:solidFill>
+              </a:rPr>
+              <a:t>test</a:t>
+            </a:r>
+            <a:r>
+              <a:rPr lang="en" sz="1000">
+                <a:solidFill>
+                  <a:srgbClr val="CCCCCC"/>
+                </a:solidFill>
+              </a:rPr>
+              <a:t>.v0.0.1.app.com</a:t>
+            </a:r>
+            <a:endParaRPr sz="1000">
+              <a:solidFill>
+                <a:srgbClr val="CCCCCC"/>
+              </a:solidFill>
+            </a:endParaRPr>
+          </a:p>
+        </p:txBody>
+      </p:sp>
+      <p:sp>
+        <p:nvSpPr>
+          <p:cNvPr id="229" name="Google Shape;229;p18"/>
+          <p:cNvSpPr/>
+          <p:nvPr/>
+        </p:nvSpPr>
+        <p:spPr>
+          <a:xfrm>
+            <a:off x="6578650" y="2689450"/>
+            <a:ext cx="1972500" cy="232200"/>
+          </a:xfrm>
+          <a:prstGeom prst="rect">
+            <a:avLst/>
+          </a:prstGeom>
+          <a:solidFill>
+            <a:srgbClr val="EFEFEF"/>
+          </a:solidFill>
+          <a:ln cap="flat" cmpd="sng" w="9525">
+            <a:solidFill>
+              <a:srgbClr val="CCCCCC"/>
+            </a:solidFill>
+            <a:prstDash val="dash"/>
+            <a:round/>
+            <a:headEnd len="sm" w="sm" type="none"/>
+            <a:tailEnd len="sm" w="sm" type="none"/>
+          </a:ln>
+        </p:spPr>
+        <p:txBody>
+          <a:bodyPr anchorCtr="0" anchor="ctr" bIns="91425" lIns="91425" spcFirstLastPara="1" rIns="91425" wrap="square" tIns="91425">
+            <a:noAutofit/>
+          </a:bodyPr>
+          <a:lstStyle/>
+          <a:p>
+            <a:pPr indent="0" lvl="0" marL="0" rtl="0" algn="l">
+              <a:spcBef>
+                <a:spcPts val="0"/>
+              </a:spcBef>
+              <a:spcAft>
+                <a:spcPts val="0"/>
+              </a:spcAft>
+              <a:buNone/>
+            </a:pPr>
+            <a:r>
+              <a:rPr lang="en" sz="1000">
+                <a:solidFill>
+                  <a:srgbClr val="CCCCCC"/>
+                </a:solidFill>
+              </a:rPr>
+              <a:t>test</a:t>
+            </a:r>
+            <a:r>
+              <a:rPr lang="en" sz="1000">
+                <a:solidFill>
+                  <a:srgbClr val="CCCCCC"/>
+                </a:solidFill>
+              </a:rPr>
+              <a:t>.v0.0.2.app.com</a:t>
+            </a:r>
+            <a:endParaRPr sz="1000">
+              <a:solidFill>
+                <a:srgbClr val="CCCCCC"/>
+              </a:solidFill>
+            </a:endParaRPr>
+          </a:p>
+        </p:txBody>
+      </p:sp>
+      <p:sp>
+        <p:nvSpPr>
+          <p:cNvPr id="230" name="Google Shape;230;p18"/>
+          <p:cNvSpPr/>
+          <p:nvPr/>
+        </p:nvSpPr>
+        <p:spPr>
+          <a:xfrm>
+            <a:off x="6578650" y="1775050"/>
+            <a:ext cx="1972500" cy="232200"/>
+          </a:xfrm>
+          <a:prstGeom prst="rect">
+            <a:avLst/>
+          </a:prstGeom>
+          <a:solidFill>
+            <a:srgbClr val="EFEFEF"/>
+          </a:solidFill>
+          <a:ln cap="flat" cmpd="sng" w="9525">
+            <a:solidFill>
+              <a:srgbClr val="CCCCCC"/>
+            </a:solidFill>
+            <a:prstDash val="dash"/>
+            <a:round/>
+            <a:headEnd len="sm" w="sm" type="none"/>
+            <a:tailEnd len="sm" w="sm" type="none"/>
+          </a:ln>
+        </p:spPr>
+        <p:txBody>
+          <a:bodyPr anchorCtr="0" anchor="ctr" bIns="91425" lIns="91425" spcFirstLastPara="1" rIns="91425" wrap="square" tIns="91425">
+            <a:noAutofit/>
+          </a:bodyPr>
+          <a:lstStyle/>
+          <a:p>
+            <a:pPr indent="0" lvl="0" marL="0" rtl="0" algn="l">
+              <a:spcBef>
+                <a:spcPts val="0"/>
+              </a:spcBef>
+              <a:spcAft>
+                <a:spcPts val="0"/>
+              </a:spcAft>
+              <a:buNone/>
+            </a:pPr>
+            <a:r>
+              <a:rPr lang="en" sz="1000">
+                <a:solidFill>
+                  <a:srgbClr val="CCCCCC"/>
+                </a:solidFill>
+              </a:rPr>
+              <a:t>test</a:t>
+            </a:r>
+            <a:r>
+              <a:rPr lang="en" sz="1000">
+                <a:solidFill>
+                  <a:srgbClr val="CCCCCC"/>
+                </a:solidFill>
+              </a:rPr>
+              <a:t>.f-integrate-amex.app.com</a:t>
+            </a:r>
+            <a:endParaRPr sz="1000">
+              <a:solidFill>
+                <a:srgbClr val="CCCCCC"/>
+              </a:solidFill>
+            </a:endParaRPr>
+          </a:p>
+        </p:txBody>
+      </p:sp>
+      <p:sp>
+        <p:nvSpPr>
+          <p:cNvPr id="231" name="Google Shape;231;p18"/>
+          <p:cNvSpPr/>
+          <p:nvPr/>
+        </p:nvSpPr>
+        <p:spPr>
+          <a:xfrm>
+            <a:off x="6578650" y="2079850"/>
+            <a:ext cx="1972500" cy="232200"/>
+          </a:xfrm>
+          <a:prstGeom prst="rect">
+            <a:avLst/>
+          </a:prstGeom>
+          <a:solidFill>
+            <a:srgbClr val="EFEFEF"/>
+          </a:solidFill>
+          <a:ln cap="flat" cmpd="sng" w="9525">
+            <a:solidFill>
+              <a:srgbClr val="CCCCCC"/>
+            </a:solidFill>
+            <a:prstDash val="dash"/>
+            <a:round/>
+            <a:headEnd len="sm" w="sm" type="none"/>
+            <a:tailEnd len="sm" w="sm" type="none"/>
+          </a:ln>
+        </p:spPr>
+        <p:txBody>
+          <a:bodyPr anchorCtr="0" anchor="ctr" bIns="91425" lIns="91425" spcFirstLastPara="1" rIns="91425" wrap="square" tIns="91425">
+            <a:noAutofit/>
+          </a:bodyPr>
+          <a:lstStyle/>
+          <a:p>
+            <a:pPr indent="0" lvl="0" marL="0" rtl="0" algn="l">
+              <a:spcBef>
+                <a:spcPts val="0"/>
+              </a:spcBef>
+              <a:spcAft>
+                <a:spcPts val="0"/>
+              </a:spcAft>
+              <a:buNone/>
+            </a:pPr>
+            <a:r>
+              <a:rPr lang="en" sz="1000">
+                <a:solidFill>
+                  <a:srgbClr val="CCCCCC"/>
+                </a:solidFill>
+              </a:rPr>
+              <a:t>test</a:t>
+            </a:r>
+            <a:r>
+              <a:rPr lang="en" sz="1000">
+                <a:solidFill>
+                  <a:srgbClr val="CCCCCC"/>
+                </a:solidFill>
+              </a:rPr>
+              <a:t>.f-integrate-visa.app.com</a:t>
+            </a:r>
+            <a:endParaRPr sz="1000">
+              <a:solidFill>
+                <a:srgbClr val="CCCCCC"/>
+              </a:solidFill>
+            </a:endParaRPr>
+          </a:p>
+        </p:txBody>
+      </p:sp>
+      <p:sp>
+        <p:nvSpPr>
+          <p:cNvPr id="232" name="Google Shape;232;p18"/>
+          <p:cNvSpPr/>
+          <p:nvPr/>
+        </p:nvSpPr>
+        <p:spPr>
+          <a:xfrm>
+            <a:off x="6578650" y="2994250"/>
+            <a:ext cx="1972500" cy="232200"/>
+          </a:xfrm>
+          <a:prstGeom prst="rect">
+            <a:avLst/>
+          </a:prstGeom>
+          <a:solidFill>
+            <a:srgbClr val="EFEFEF"/>
+          </a:solidFill>
+          <a:ln cap="flat" cmpd="sng" w="9525">
+            <a:solidFill>
+              <a:srgbClr val="B7B7B7"/>
+            </a:solidFill>
+            <a:prstDash val="dash"/>
+            <a:round/>
+            <a:headEnd len="sm" w="sm" type="none"/>
+            <a:tailEnd len="sm" w="sm" type="none"/>
+          </a:ln>
+        </p:spPr>
+        <p:txBody>
+          <a:bodyPr anchorCtr="0" anchor="ctr" bIns="91425" lIns="91425" spcFirstLastPara="1" rIns="91425" wrap="square" tIns="91425">
+            <a:noAutofit/>
+          </a:bodyPr>
+          <a:lstStyle/>
+          <a:p>
+            <a:pPr indent="0" lvl="0" marL="0" rtl="0" algn="l">
+              <a:spcBef>
+                <a:spcPts val="0"/>
+              </a:spcBef>
+              <a:spcAft>
+                <a:spcPts val="0"/>
+              </a:spcAft>
+              <a:buNone/>
+            </a:pPr>
+            <a:r>
+              <a:rPr lang="en" sz="1000">
+                <a:solidFill>
+                  <a:srgbClr val="666666"/>
+                </a:solidFill>
+              </a:rPr>
+              <a:t>test</a:t>
+            </a:r>
+            <a:r>
+              <a:rPr lang="en" sz="1000">
+                <a:solidFill>
+                  <a:srgbClr val="666666"/>
+                </a:solidFill>
+              </a:rPr>
+              <a:t>.h-memory-leak.app.com</a:t>
+            </a:r>
+            <a:endParaRPr sz="1000">
+              <a:solidFill>
+                <a:srgbClr val="666666"/>
+              </a:solidFill>
+            </a:endParaRPr>
+          </a:p>
+        </p:txBody>
+      </p:sp>
+      <p:sp>
+        <p:nvSpPr>
+          <p:cNvPr id="233" name="Google Shape;233;p18"/>
+          <p:cNvSpPr/>
+          <p:nvPr/>
+        </p:nvSpPr>
+        <p:spPr>
+          <a:xfrm>
+            <a:off x="6578650" y="3299050"/>
+            <a:ext cx="1972500" cy="232200"/>
+          </a:xfrm>
+          <a:prstGeom prst="rect">
+            <a:avLst/>
+          </a:prstGeom>
+          <a:solidFill>
+            <a:srgbClr val="EFEFEF"/>
+          </a:solidFill>
+          <a:ln cap="flat" cmpd="sng" w="9525">
+            <a:solidFill>
+              <a:srgbClr val="B7B7B7"/>
+            </a:solidFill>
+            <a:prstDash val="dash"/>
+            <a:round/>
+            <a:headEnd len="sm" w="sm" type="none"/>
+            <a:tailEnd len="sm" w="sm" type="none"/>
+          </a:ln>
+        </p:spPr>
+        <p:txBody>
+          <a:bodyPr anchorCtr="0" anchor="ctr" bIns="91425" lIns="91425" spcFirstLastPara="1" rIns="91425" wrap="square" tIns="91425">
+            <a:noAutofit/>
+          </a:bodyPr>
+          <a:lstStyle/>
+          <a:p>
+            <a:pPr indent="0" lvl="0" marL="0" rtl="0" algn="l">
+              <a:spcBef>
+                <a:spcPts val="0"/>
+              </a:spcBef>
+              <a:spcAft>
+                <a:spcPts val="0"/>
+              </a:spcAft>
+              <a:buNone/>
+            </a:pPr>
+            <a:r>
+              <a:rPr lang="en" sz="1000">
+                <a:solidFill>
+                  <a:srgbClr val="666666"/>
+                </a:solidFill>
+              </a:rPr>
+              <a:t>test</a:t>
+            </a:r>
+            <a:r>
+              <a:rPr lang="en" sz="1000">
+                <a:solidFill>
+                  <a:srgbClr val="666666"/>
+                </a:solidFill>
+              </a:rPr>
+              <a:t>.wrong-calculus.app.com</a:t>
+            </a:r>
+            <a:endParaRPr sz="1000">
+              <a:solidFill>
+                <a:srgbClr val="666666"/>
+              </a:solidFill>
+            </a:endParaRPr>
+          </a:p>
+        </p:txBody>
+      </p:sp>
+      <p:sp>
+        <p:nvSpPr>
+          <p:cNvPr id="234" name="Google Shape;234;p18"/>
+          <p:cNvSpPr/>
+          <p:nvPr/>
+        </p:nvSpPr>
+        <p:spPr>
+          <a:xfrm>
+            <a:off x="6578650" y="3603850"/>
+            <a:ext cx="1972500" cy="232200"/>
+          </a:xfrm>
+          <a:prstGeom prst="rect">
+            <a:avLst/>
+          </a:prstGeom>
+          <a:solidFill>
+            <a:srgbClr val="EFEFEF"/>
+          </a:solidFill>
+          <a:ln cap="flat" cmpd="sng" w="9525">
+            <a:solidFill>
+              <a:srgbClr val="B7B7B7"/>
+            </a:solidFill>
+            <a:prstDash val="dash"/>
+            <a:round/>
+            <a:headEnd len="sm" w="sm" type="none"/>
+            <a:tailEnd len="sm" w="sm" type="none"/>
+          </a:ln>
+        </p:spPr>
+        <p:txBody>
+          <a:bodyPr anchorCtr="0" anchor="ctr" bIns="91425" lIns="91425" spcFirstLastPara="1" rIns="91425" wrap="square" tIns="91425">
+            <a:noAutofit/>
+          </a:bodyPr>
+          <a:lstStyle/>
+          <a:p>
+            <a:pPr indent="0" lvl="0" marL="0" rtl="0" algn="l">
+              <a:spcBef>
+                <a:spcPts val="0"/>
+              </a:spcBef>
+              <a:spcAft>
+                <a:spcPts val="0"/>
+              </a:spcAft>
+              <a:buNone/>
+            </a:pPr>
+            <a:r>
+              <a:rPr lang="en" sz="1000"/>
+              <a:t>test</a:t>
+            </a:r>
+            <a:r>
+              <a:rPr lang="en" sz="1000"/>
+              <a:t>-develop.app.com</a:t>
+            </a:r>
+            <a:endParaRPr sz="1000"/>
+          </a:p>
+        </p:txBody>
+      </p:sp>
+      <p:sp>
+        <p:nvSpPr>
+          <p:cNvPr id="235" name="Google Shape;235;p18"/>
+          <p:cNvSpPr/>
+          <p:nvPr/>
+        </p:nvSpPr>
+        <p:spPr>
+          <a:xfrm>
+            <a:off x="6578650" y="3908650"/>
+            <a:ext cx="1972500" cy="232200"/>
+          </a:xfrm>
+          <a:prstGeom prst="rect">
+            <a:avLst/>
+          </a:prstGeom>
+          <a:solidFill>
+            <a:srgbClr val="EFEFEF"/>
+          </a:solidFill>
+          <a:ln cap="flat" cmpd="sng" w="9525">
+            <a:solidFill>
+              <a:srgbClr val="B7B7B7"/>
+            </a:solidFill>
+            <a:prstDash val="dash"/>
+            <a:round/>
+            <a:headEnd len="sm" w="sm" type="none"/>
+            <a:tailEnd len="sm" w="sm" type="none"/>
+          </a:ln>
+        </p:spPr>
+        <p:txBody>
+          <a:bodyPr anchorCtr="0" anchor="ctr" bIns="91425" lIns="91425" spcFirstLastPara="1" rIns="91425" wrap="square" tIns="91425">
+            <a:noAutofit/>
+          </a:bodyPr>
+          <a:lstStyle/>
+          <a:p>
+            <a:pPr indent="0" lvl="0" marL="0" rtl="0" algn="l">
+              <a:spcBef>
+                <a:spcPts val="0"/>
+              </a:spcBef>
+              <a:spcAft>
+                <a:spcPts val="0"/>
+              </a:spcAft>
+              <a:buNone/>
+            </a:pPr>
+            <a:r>
+              <a:rPr lang="en" sz="1000"/>
+              <a:t>test</a:t>
+            </a:r>
+            <a:r>
+              <a:rPr lang="en" sz="1000"/>
+              <a:t>.app.com</a:t>
+            </a:r>
+            <a:endParaRPr sz="1000"/>
+          </a:p>
+        </p:txBody>
+      </p:sp>
+      <p:cxnSp>
+        <p:nvCxnSpPr>
+          <p:cNvPr id="236" name="Google Shape;236;p18"/>
+          <p:cNvCxnSpPr>
+            <a:stCxn id="208" idx="3"/>
+            <a:endCxn id="234" idx="1"/>
+          </p:cNvCxnSpPr>
+          <p:nvPr/>
+        </p:nvCxnSpPr>
+        <p:spPr>
+          <a:xfrm>
+            <a:off x="5655550" y="3719950"/>
+            <a:ext cx="923100" cy="600"/>
+          </a:xfrm>
+          <a:prstGeom prst="curvedConnector3">
+            <a:avLst>
+              <a:gd fmla="val 50000" name="adj1"/>
+            </a:avLst>
+          </a:prstGeom>
+          <a:noFill/>
+          <a:ln cap="flat" cmpd="sng" w="9525">
+            <a:solidFill>
+              <a:schemeClr val="dk2"/>
+            </a:solidFill>
+            <a:prstDash val="solid"/>
+            <a:round/>
+            <a:headEnd len="med" w="med" type="none"/>
+            <a:tailEnd len="med" w="med" type="oval"/>
+          </a:ln>
+        </p:spPr>
+      </p:cxnSp>
+      <p:cxnSp>
+        <p:nvCxnSpPr>
+          <p:cNvPr id="237" name="Google Shape;237;p18"/>
+          <p:cNvCxnSpPr>
+            <a:stCxn id="209" idx="3"/>
+            <a:endCxn id="235" idx="1"/>
+          </p:cNvCxnSpPr>
+          <p:nvPr/>
+        </p:nvCxnSpPr>
+        <p:spPr>
+          <a:xfrm>
+            <a:off x="5655550" y="4024750"/>
+            <a:ext cx="923100" cy="600"/>
+          </a:xfrm>
+          <a:prstGeom prst="curvedConnector3">
+            <a:avLst>
+              <a:gd fmla="val 50000" name="adj1"/>
             </a:avLst>
           </a:prstGeom>
           <a:noFill/>
@@ -14080,7 +19141,7 @@
                                           </p:stCondLst>
                                         </p:cTn>
                                         <p:tgtEl>
-                                          <p:spTgt spid="141"/>
+                                          <p:spTgt spid="197"/>
                                         </p:tgtEl>
                                         <p:attrNameLst>
                                           <p:attrName>style.visibility</p:attrName>
@@ -14094,7 +19155,7 @@
                                       <p:cBhvr>
                                         <p:cTn dur="1000"/>
                                         <p:tgtEl>
-                                          <p:spTgt spid="141"/>
+                                          <p:spTgt spid="197"/>
                                         </p:tgtEl>
                                       </p:cBhvr>
                                     </p:animEffect>
@@ -14124,7 +19185,7 @@
                                           </p:stCondLst>
                                         </p:cTn>
                                         <p:tgtEl>
-                                          <p:spTgt spid="159"/>
+                                          <p:spTgt spid="226"/>
                                         </p:tgtEl>
                                         <p:attrNameLst>
                                           <p:attrName>style.visibility</p:attrName>
@@ -14138,7 +19199,139 @@
                                       <p:cBhvr>
                                         <p:cTn dur="1000"/>
                                         <p:tgtEl>
-                                          <p:spTgt spid="159"/>
+                                          <p:spTgt spid="226"/>
+                                        </p:tgtEl>
+                                      </p:cBhvr>
+                                    </p:animEffect>
+                                  </p:childTnLst>
+                                </p:cTn>
+                              </p:par>
+                            </p:childTnLst>
+                          </p:cTn>
+                        </p:par>
+                        <p:par>
+                          <p:cTn fill="hold">
+                            <p:stCondLst>
+                              <p:cond delay="2000"/>
+                            </p:stCondLst>
+                            <p:childTnLst>
+                              <p:par>
+                                <p:cTn fill="hold" nodeType="afterEffect" presetClass="entr" presetID="10" presetSubtype="0">
+                                  <p:stCondLst>
+                                    <p:cond delay="0"/>
+                                  </p:stCondLst>
+                                  <p:childTnLst>
+                                    <p:set>
+                                      <p:cBhvr>
+                                        <p:cTn dur="1" fill="hold">
+                                          <p:stCondLst>
+                                            <p:cond delay="0"/>
+                                          </p:stCondLst>
+                                        </p:cTn>
+                                        <p:tgtEl>
+                                          <p:spTgt spid="225"/>
+                                        </p:tgtEl>
+                                        <p:attrNameLst>
+                                          <p:attrName>style.visibility</p:attrName>
+                                        </p:attrNameLst>
+                                      </p:cBhvr>
+                                      <p:to>
+                                        <p:strVal val="visible"/>
+                                      </p:to>
+                                    </p:set>
+                                    <p:animEffect filter="fade" transition="in">
+                                      <p:cBhvr>
+                                        <p:cTn dur="1000"/>
+                                        <p:tgtEl>
+                                          <p:spTgt spid="225"/>
+                                        </p:tgtEl>
+                                      </p:cBhvr>
+                                    </p:animEffect>
+                                  </p:childTnLst>
+                                </p:cTn>
+                              </p:par>
+                            </p:childTnLst>
+                          </p:cTn>
+                        </p:par>
+                        <p:par>
+                          <p:cTn fill="hold">
+                            <p:stCondLst>
+                              <p:cond delay="3000"/>
+                            </p:stCondLst>
+                            <p:childTnLst>
+                              <p:par>
+                                <p:cTn fill="hold" nodeType="afterEffect" presetClass="entr" presetID="10" presetSubtype="0">
+                                  <p:stCondLst>
+                                    <p:cond delay="0"/>
+                                  </p:stCondLst>
+                                  <p:childTnLst>
+                                    <p:set>
+                                      <p:cBhvr>
+                                        <p:cTn dur="1" fill="hold">
+                                          <p:stCondLst>
+                                            <p:cond delay="0"/>
+                                          </p:stCondLst>
+                                        </p:cTn>
+                                        <p:tgtEl>
+                                          <p:spTgt spid="227"/>
+                                        </p:tgtEl>
+                                        <p:attrNameLst>
+                                          <p:attrName>style.visibility</p:attrName>
+                                        </p:attrNameLst>
+                                      </p:cBhvr>
+                                      <p:to>
+                                        <p:strVal val="visible"/>
+                                      </p:to>
+                                    </p:set>
+                                    <p:animEffect filter="fade" transition="in">
+                                      <p:cBhvr>
+                                        <p:cTn dur="1000"/>
+                                        <p:tgtEl>
+                                          <p:spTgt spid="227"/>
+                                        </p:tgtEl>
+                                      </p:cBhvr>
+                                    </p:animEffect>
+                                  </p:childTnLst>
+                                </p:cTn>
+                              </p:par>
+                            </p:childTnLst>
+                          </p:cTn>
+                        </p:par>
+                        <p:par>
+                          <p:cTn fill="hold">
+                            <p:stCondLst>
+                              <p:cond delay="4000"/>
+                            </p:stCondLst>
+                            <p:childTnLst>
+                              <p:par>
+                                <p:cTn fill="hold" nodeType="afterEffect" presetClass="entr" presetID="10" presetSubtype="0">
+                                  <p:stCondLst>
+                                    <p:cond delay="0"/>
+                                  </p:stCondLst>
+                                  <p:childTnLst>
+                                    <p:set>
+                                      <p:cBhvr>
+                                        <p:cTn dur="1" fill="hold">
+                                          <p:stCondLst>
+                                            <p:cond delay="0"/>
+                                          </p:stCondLst>
+                                        </p:cTn>
+                                        <p:tgtEl>
+                                          <p:spTgt spid="224"/>
+                                        </p:tgtEl>
+                                        <p:attrNameLst>
+                                          <p:attrName>style.visibility</p:attrName>
+                                        </p:attrNameLst>
+                                      </p:cBhvr>
+                                      <p:to>
+                                        <p:strVal val="visible"/>
+                                      </p:to>
+                                    </p:set>
+                                    <p:animEffect filter="fade" transition="in">
+                                      <p:cBhvr>
+                                        <p:cTn dur="1000"/>
+                                        <p:tgtEl>
+                                          <p:spTgt spid="224"/>
                                         </p:tgtEl>
                                       </p:cBhvr>
                                     </p:animEffect>
@@ -14177,7 +19370,7 @@
                                           </p:stCondLst>
                                         </p:cTn>
                                         <p:tgtEl>
-                                          <p:spTgt spid="143"/>
+                                          <p:spTgt spid="199"/>
                                         </p:tgtEl>
                                         <p:attrNameLst>
                                           <p:attrName>style.visibility</p:attrName>
@@ -14191,7 +19384,7 @@
                                       <p:cBhvr>
                                         <p:cTn dur="1000"/>
                                         <p:tgtEl>
-                                          <p:spTgt spid="143"/>
+                                          <p:spTgt spid="199"/>
                                         </p:tgtEl>
                                       </p:cBhvr>
                                     </p:animEffect>
@@ -14212,7 +19405,7 @@
                                           </p:stCondLst>
                                         </p:cTn>
                                         <p:tgtEl>
-                                          <p:spTgt spid="142"/>
+                                          <p:spTgt spid="198"/>
                                         </p:tgtEl>
                                         <p:attrNameLst>
                                           <p:attrName>style.visibility</p:attrName>
@@ -14226,7 +19419,7 @@
                                       <p:cBhvr>
                                         <p:cTn dur="1000"/>
                                         <p:tgtEl>
-                                          <p:spTgt spid="142"/>
+                                          <p:spTgt spid="198"/>
                                         </p:tgtEl>
                                       </p:cBhvr>
                                     </p:animEffect>
@@ -14265,7 +19458,7 @@
                                           </p:stCondLst>
                                         </p:cTn>
                                         <p:tgtEl>
-                                          <p:spTgt spid="148"/>
+                                          <p:spTgt spid="204"/>
                                         </p:tgtEl>
                                         <p:attrNameLst>
                                           <p:attrName>style.visibility</p:attrName>
@@ -14279,7 +19472,7 @@
                                       <p:cBhvr>
                                         <p:cTn dur="1000"/>
                                         <p:tgtEl>
-                                          <p:spTgt spid="148"/>
+                                          <p:spTgt spid="204"/>
                                         </p:tgtEl>
                                       </p:cBhvr>
                                     </p:animEffect>
@@ -14300,7 +19493,7 @@
                                           </p:stCondLst>
                                         </p:cTn>
                                         <p:tgtEl>
-                                          <p:spTgt spid="147"/>
+                                          <p:spTgt spid="212"/>
                                         </p:tgtEl>
                                         <p:attrNameLst>
                                           <p:attrName>style.visibility</p:attrName>
@@ -14314,7 +19507,147 @@
                                       <p:cBhvr>
                                         <p:cTn dur="1000"/>
                                         <p:tgtEl>
-                                          <p:spTgt spid="147"/>
+                                          <p:spTgt spid="212"/>
+                                        </p:tgtEl>
+                                      </p:cBhvr>
+                                    </p:animEffect>
+                                  </p:childTnLst>
+                                </p:cTn>
+                              </p:par>
+                              <p:par>
+                                <p:cTn fill="hold" nodeType="withEffect" presetClass="entr" presetID="10" presetSubtype="0">
+                                  <p:stCondLst>
+                                    <p:cond delay="0"/>
+                                  </p:stCondLst>
+                                  <p:childTnLst>
+                                    <p:set>
+                                      <p:cBhvr>
+                                        <p:cTn dur="1" fill="hold">
+                                          <p:stCondLst>
+                                            <p:cond delay="0"/>
+                                          </p:stCondLst>
+                                        </p:cTn>
+                                        <p:tgtEl>
+                                          <p:spTgt spid="230"/>
+                                        </p:tgtEl>
+                                        <p:attrNameLst>
+                                          <p:attrName>style.visibility</p:attrName>
+                                        </p:attrNameLst>
+                                      </p:cBhvr>
+                                      <p:to>
+                                        <p:strVal val="visible"/>
+                                      </p:to>
+                                    </p:set>
+                                    <p:animEffect filter="fade" transition="in">
+                                      <p:cBhvr>
+                                        <p:cTn dur="1000"/>
+                                        <p:tgtEl>
+                                          <p:spTgt spid="230"/>
+                                        </p:tgtEl>
+                                      </p:cBhvr>
+                                    </p:animEffect>
+                                  </p:childTnLst>
+                                </p:cTn>
+                              </p:par>
+                              <p:par>
+                                <p:cTn fill="hold" nodeType="withEffect" presetClass="entr" presetID="10" presetSubtype="0">
+                                  <p:stCondLst>
+                                    <p:cond delay="0"/>
+                                  </p:stCondLst>
+                                  <p:childTnLst>
+                                    <p:set>
+                                      <p:cBhvr>
+                                        <p:cTn dur="1" fill="hold">
+                                          <p:stCondLst>
+                                            <p:cond delay="0"/>
+                                          </p:stCondLst>
+                                        </p:cTn>
+                                        <p:tgtEl>
+                                          <p:spTgt spid="205"/>
+                                        </p:tgtEl>
+                                        <p:attrNameLst>
+                                          <p:attrName>style.visibility</p:attrName>
+                                        </p:attrNameLst>
+                                      </p:cBhvr>
+                                      <p:to>
+                                        <p:strVal val="visible"/>
+                                      </p:to>
+                                    </p:set>
+                                    <p:animEffect filter="fade" transition="in">
+                                      <p:cBhvr>
+                                        <p:cTn dur="1000"/>
+                                        <p:tgtEl>
+                                          <p:spTgt spid="205"/>
+                                        </p:tgtEl>
+                                      </p:cBhvr>
+                                    </p:animEffect>
+                                  </p:childTnLst>
+                                </p:cTn>
+                              </p:par>
+                              <p:par>
+                                <p:cTn fill="hold" nodeType="withEffect" presetClass="entr" presetID="10" presetSubtype="0">
+                                  <p:stCondLst>
+                                    <p:cond delay="0"/>
+                                  </p:stCondLst>
+                                  <p:childTnLst>
+                                    <p:set>
+                                      <p:cBhvr>
+                                        <p:cTn dur="1" fill="hold">
+                                          <p:stCondLst>
+                                            <p:cond delay="0"/>
+                                          </p:stCondLst>
+                                        </p:cTn>
+                                        <p:tgtEl>
+                                          <p:spTgt spid="214"/>
+                                        </p:tgtEl>
+                                        <p:attrNameLst>
+                                          <p:attrName>style.visibility</p:attrName>
+                                        </p:attrNameLst>
+                                      </p:cBhvr>
+                                      <p:to>
+                                        <p:strVal val="visible"/>
+                                      </p:to>
+                                    </p:set>
+                                    <p:animEffect filter="fade" transition="in">
+                                      <p:cBhvr>
+                                        <p:cTn dur="1000"/>
+                                        <p:tgtEl>
+                                          <p:spTgt spid="214"/>
+                                        </p:tgtEl>
+                                      </p:cBhvr>
+                                    </p:animEffect>
+                                  </p:childTnLst>
+                                </p:cTn>
+                              </p:par>
+                              <p:par>
+                                <p:cTn fill="hold" nodeType="withEffect" presetClass="entr" presetID="10" presetSubtype="0">
+                                  <p:stCondLst>
+                                    <p:cond delay="0"/>
+                                  </p:stCondLst>
+                                  <p:childTnLst>
+                                    <p:set>
+                                      <p:cBhvr>
+                                        <p:cTn dur="1" fill="hold">
+                                          <p:stCondLst>
+                                            <p:cond delay="0"/>
+                                          </p:stCondLst>
+                                        </p:cTn>
+                                        <p:tgtEl>
+                                          <p:spTgt spid="231"/>
+                                        </p:tgtEl>
+                                        <p:attrNameLst>
+                                          <p:attrName>style.visibility</p:attrName>
+                                        </p:attrNameLst>
+                                      </p:cBhvr>
+                                      <p:to>
+                                        <p:strVal val="visible"/>
+                                      </p:to>
+                                    </p:set>
+                                    <p:animEffect filter="fade" transition="in">
+                                      <p:cBhvr>
+                                        <p:cTn dur="1000"/>
+                                        <p:tgtEl>
+                                          <p:spTgt spid="231"/>
                                         </p:tgtEl>
                                       </p:cBhvr>
                                     </p:animEffect>
@@ -14353,7 +19686,7 @@
                                           </p:stCondLst>
                                         </p:cTn>
                                         <p:tgtEl>
-                                          <p:spTgt spid="144"/>
+                                          <p:spTgt spid="200"/>
                                         </p:tgtEl>
                                         <p:attrNameLst>
                                           <p:attrName>style.visibility</p:attrName>
@@ -14367,7 +19700,7 @@
                                       <p:cBhvr>
                                         <p:cTn dur="1000"/>
                                         <p:tgtEl>
-                                          <p:spTgt spid="144"/>
+                                          <p:spTgt spid="200"/>
                                         </p:tgtEl>
                                       </p:cBhvr>
                                     </p:animEffect>
@@ -14388,7 +19721,7 @@
                                           </p:stCondLst>
                                         </p:cTn>
                                         <p:tgtEl>
-                                          <p:spTgt spid="149"/>
+                                          <p:spTgt spid="201"/>
                                         </p:tgtEl>
                                         <p:attrNameLst>
                                           <p:attrName>style.visibility</p:attrName>
@@ -14402,7 +19735,147 @@
                                       <p:cBhvr>
                                         <p:cTn dur="1000"/>
                                         <p:tgtEl>
-                                          <p:spTgt spid="149"/>
+                                          <p:spTgt spid="201"/>
+                                        </p:tgtEl>
+                                      </p:cBhvr>
+                                    </p:animEffect>
+                                  </p:childTnLst>
+                                </p:cTn>
+                              </p:par>
+                              <p:par>
+                                <p:cTn fill="hold" nodeType="withEffect" presetClass="entr" presetID="10" presetSubtype="0">
+                                  <p:stCondLst>
+                                    <p:cond delay="0"/>
+                                  </p:stCondLst>
+                                  <p:childTnLst>
+                                    <p:set>
+                                      <p:cBhvr>
+                                        <p:cTn dur="1" fill="hold">
+                                          <p:stCondLst>
+                                            <p:cond delay="0"/>
+                                          </p:stCondLst>
+                                        </p:cTn>
+                                        <p:tgtEl>
+                                          <p:spTgt spid="203"/>
+                                        </p:tgtEl>
+                                        <p:attrNameLst>
+                                          <p:attrName>style.visibility</p:attrName>
+                                        </p:attrNameLst>
+                                      </p:cBhvr>
+                                      <p:to>
+                                        <p:strVal val="visible"/>
+                                      </p:to>
+                                    </p:set>
+                                    <p:animEffect filter="fade" transition="in">
+                                      <p:cBhvr>
+                                        <p:cTn dur="1000"/>
+                                        <p:tgtEl>
+                                          <p:spTgt spid="203"/>
+                                        </p:tgtEl>
+                                      </p:cBhvr>
+                                    </p:animEffect>
+                                  </p:childTnLst>
+                                </p:cTn>
+                              </p:par>
+                              <p:par>
+                                <p:cTn fill="hold" nodeType="withEffect" presetClass="entr" presetID="10" presetSubtype="0">
+                                  <p:stCondLst>
+                                    <p:cond delay="0"/>
+                                  </p:stCondLst>
+                                  <p:childTnLst>
+                                    <p:set>
+                                      <p:cBhvr>
+                                        <p:cTn dur="1" fill="hold">
+                                          <p:stCondLst>
+                                            <p:cond delay="0"/>
+                                          </p:stCondLst>
+                                        </p:cTn>
+                                        <p:tgtEl>
+                                          <p:spTgt spid="210"/>
+                                        </p:tgtEl>
+                                        <p:attrNameLst>
+                                          <p:attrName>style.visibility</p:attrName>
+                                        </p:attrNameLst>
+                                      </p:cBhvr>
+                                      <p:to>
+                                        <p:strVal val="visible"/>
+                                      </p:to>
+                                    </p:set>
+                                    <p:animEffect filter="fade" transition="in">
+                                      <p:cBhvr>
+                                        <p:cTn dur="1000"/>
+                                        <p:tgtEl>
+                                          <p:spTgt spid="210"/>
+                                        </p:tgtEl>
+                                      </p:cBhvr>
+                                    </p:animEffect>
+                                  </p:childTnLst>
+                                </p:cTn>
+                              </p:par>
+                              <p:par>
+                                <p:cTn fill="hold" nodeType="withEffect" presetClass="entr" presetID="10" presetSubtype="0">
+                                  <p:stCondLst>
+                                    <p:cond delay="0"/>
+                                  </p:stCondLst>
+                                  <p:childTnLst>
+                                    <p:set>
+                                      <p:cBhvr>
+                                        <p:cTn dur="1" fill="hold">
+                                          <p:stCondLst>
+                                            <p:cond delay="0"/>
+                                          </p:stCondLst>
+                                        </p:cTn>
+                                        <p:tgtEl>
+                                          <p:spTgt spid="228"/>
+                                        </p:tgtEl>
+                                        <p:attrNameLst>
+                                          <p:attrName>style.visibility</p:attrName>
+                                        </p:attrNameLst>
+                                      </p:cBhvr>
+                                      <p:to>
+                                        <p:strVal val="visible"/>
+                                      </p:to>
+                                    </p:set>
+                                    <p:animEffect filter="fade" transition="in">
+                                      <p:cBhvr>
+                                        <p:cTn dur="1000"/>
+                                        <p:tgtEl>
+                                          <p:spTgt spid="228"/>
+                                        </p:tgtEl>
+                                      </p:cBhvr>
+                                    </p:animEffect>
+                                  </p:childTnLst>
+                                </p:cTn>
+                              </p:par>
+                              <p:par>
+                                <p:cTn fill="hold" nodeType="withEffect" presetClass="entr" presetID="10" presetSubtype="0">
+                                  <p:stCondLst>
+                                    <p:cond delay="0"/>
+                                  </p:stCondLst>
+                                  <p:childTnLst>
+                                    <p:set>
+                                      <p:cBhvr>
+                                        <p:cTn dur="1" fill="hold">
+                                          <p:stCondLst>
+                                            <p:cond delay="0"/>
+                                          </p:stCondLst>
+                                        </p:cTn>
+                                        <p:tgtEl>
+                                          <p:spTgt spid="229"/>
+                                        </p:tgtEl>
+                                        <p:attrNameLst>
+                                          <p:attrName>style.visibility</p:attrName>
+                                        </p:attrNameLst>
+                                      </p:cBhvr>
+                                      <p:to>
+                                        <p:strVal val="visible"/>
+                                      </p:to>
+                                    </p:set>
+                                    <p:animEffect filter="fade" transition="in">
+                                      <p:cBhvr>
+                                        <p:cTn dur="1000"/>
+                                        <p:tgtEl>
+                                          <p:spTgt spid="229"/>
                                         </p:tgtEl>
                                       </p:cBhvr>
                                     </p:animEffect>
@@ -14441,7 +19914,7 @@
                                           </p:stCondLst>
                                         </p:cTn>
                                         <p:tgtEl>
-                                          <p:spTgt spid="146"/>
+                                          <p:spTgt spid="206"/>
                                         </p:tgtEl>
                                         <p:attrNameLst>
                                           <p:attrName>style.visibility</p:attrName>
@@ -14455,7 +19928,7 @@
                                       <p:cBhvr>
                                         <p:cTn dur="1000"/>
                                         <p:tgtEl>
-                                          <p:spTgt spid="146"/>
+                                          <p:spTgt spid="206"/>
                                         </p:tgtEl>
                                       </p:cBhvr>
                                     </p:animEffect>
@@ -14476,7 +19949,7 @@
                                           </p:stCondLst>
                                         </p:cTn>
                                         <p:tgtEl>
-                                          <p:spTgt spid="150"/>
+                                          <p:spTgt spid="207"/>
                                         </p:tgtEl>
                                         <p:attrNameLst>
                                           <p:attrName>style.visibility</p:attrName>
@@ -14490,7 +19963,7 @@
                                       <p:cBhvr>
                                         <p:cTn dur="1000"/>
                                         <p:tgtEl>
-                                          <p:spTgt spid="150"/>
+                                          <p:spTgt spid="207"/>
                                         </p:tgtEl>
                                       </p:cBhvr>
                                     </p:animEffect>
@@ -14511,7 +19984,7 @@
                                           </p:stCondLst>
                                         </p:cTn>
                                         <p:tgtEl>
-                                          <p:spTgt spid="151"/>
+                                          <p:spTgt spid="216"/>
                                         </p:tgtEl>
                                         <p:attrNameLst>
                                           <p:attrName>style.visibility</p:attrName>
@@ -14525,7 +19998,7 @@
                                       <p:cBhvr>
                                         <p:cTn dur="1000"/>
                                         <p:tgtEl>
-                                          <p:spTgt spid="151"/>
+                                          <p:spTgt spid="216"/>
                                         </p:tgtEl>
                                       </p:cBhvr>
                                     </p:animEffect>
@@ -14546,7 +20019,7 @@
                                           </p:stCondLst>
                                         </p:cTn>
                                         <p:tgtEl>
-                                          <p:spTgt spid="145"/>
+                                          <p:spTgt spid="218"/>
                                         </p:tgtEl>
                                         <p:attrNameLst>
                                           <p:attrName>style.visibility</p:attrName>
@@ -14560,7 +20033,77 @@
                                       <p:cBhvr>
                                         <p:cTn dur="1000"/>
                                         <p:tgtEl>
-                                          <p:spTgt spid="145"/>
+                                          <p:spTgt spid="218"/>
+                                        </p:tgtEl>
+                                      </p:cBhvr>
+                                    </p:animEffect>
+                                  </p:childTnLst>
+                                </p:cTn>
+                              </p:par>
+                              <p:par>
+                                <p:cTn fill="hold" nodeType="withEffect" presetClass="entr" presetID="10" presetSubtype="0">
+                                  <p:stCondLst>
+                                    <p:cond delay="0"/>
+                                  </p:stCondLst>
+                                  <p:childTnLst>
+                                    <p:set>
+                                      <p:cBhvr>
+                                        <p:cTn dur="1" fill="hold">
+                                          <p:stCondLst>
+                                            <p:cond delay="0"/>
+                                          </p:stCondLst>
+                                        </p:cTn>
+                                        <p:tgtEl>
+                                          <p:spTgt spid="232"/>
+                                        </p:tgtEl>
+                                        <p:attrNameLst>
+                                          <p:attrName>style.visibility</p:attrName>
+                                        </p:attrNameLst>
+                                      </p:cBhvr>
+                                      <p:to>
+                                        <p:strVal val="visible"/>
+                                      </p:to>
+                                    </p:set>
+                                    <p:animEffect filter="fade" transition="in">
+                                      <p:cBhvr>
+                                        <p:cTn dur="1000"/>
+                                        <p:tgtEl>
+                                          <p:spTgt spid="232"/>
+                                        </p:tgtEl>
+                                      </p:cBhvr>
+                                    </p:animEffect>
+                                  </p:childTnLst>
+                                </p:cTn>
+                              </p:par>
+                              <p:par>
+                                <p:cTn fill="hold" nodeType="withEffect" presetClass="entr" presetID="10" presetSubtype="0">
+                                  <p:stCondLst>
+                                    <p:cond delay="0"/>
+                                  </p:stCondLst>
+                                  <p:childTnLst>
+                                    <p:set>
+                                      <p:cBhvr>
+                                        <p:cTn dur="1" fill="hold">
+                                          <p:stCondLst>
+                                            <p:cond delay="0"/>
+                                          </p:stCondLst>
+                                        </p:cTn>
+                                        <p:tgtEl>
+                                          <p:spTgt spid="233"/>
+                                        </p:tgtEl>
+                                        <p:attrNameLst>
+                                          <p:attrName>style.visibility</p:attrName>
+                                        </p:attrNameLst>
+                                      </p:cBhvr>
+                                      <p:to>
+                                        <p:strVal val="visible"/>
+                                      </p:to>
+                                    </p:set>
+                                    <p:animEffect filter="fade" transition="in">
+                                      <p:cBhvr>
+                                        <p:cTn dur="1000"/>
+                                        <p:tgtEl>
+                                          <p:spTgt spid="233"/>
                                         </p:tgtEl>
                                       </p:cBhvr>
                                     </p:animEffect>
@@ -14599,7 +20142,7 @@
                                           </p:stCondLst>
                                         </p:cTn>
                                         <p:tgtEl>
-                                          <p:spTgt spid="152"/>
+                                          <p:spTgt spid="208"/>
                                         </p:tgtEl>
                                         <p:attrNameLst>
                                           <p:attrName>style.visibility</p:attrName>
@@ -14613,7 +20156,112 @@
                                       <p:cBhvr>
                                         <p:cTn dur="1000"/>
                                         <p:tgtEl>
-                                          <p:spTgt spid="152"/>
+                                          <p:spTgt spid="208"/>
+                                        </p:tgtEl>
+                                      </p:cBhvr>
+                                    </p:animEffect>
+                                  </p:childTnLst>
+                                </p:cTn>
+                              </p:par>
+                              <p:par>
+                                <p:cTn fill="hold" nodeType="withEffect" presetClass="entr" presetID="10" presetSubtype="0">
+                                  <p:stCondLst>
+                                    <p:cond delay="0"/>
+                                  </p:stCondLst>
+                                  <p:childTnLst>
+                                    <p:set>
+                                      <p:cBhvr>
+                                        <p:cTn dur="1" fill="hold">
+                                          <p:stCondLst>
+                                            <p:cond delay="0"/>
+                                          </p:stCondLst>
+                                        </p:cTn>
+                                        <p:tgtEl>
+                                          <p:spTgt spid="220"/>
+                                        </p:tgtEl>
+                                        <p:attrNameLst>
+                                          <p:attrName>style.visibility</p:attrName>
+                                        </p:attrNameLst>
+                                      </p:cBhvr>
+                                      <p:to>
+                                        <p:strVal val="visible"/>
+                                      </p:to>
+                                    </p:set>
+                                    <p:animEffect filter="fade" transition="in">
+                                      <p:cBhvr>
+                                        <p:cTn dur="1000"/>
+                                        <p:tgtEl>
+                                          <p:spTgt spid="220"/>
+                                        </p:tgtEl>
+                                      </p:cBhvr>
+                                    </p:animEffect>
+                                  </p:childTnLst>
+                                </p:cTn>
+                              </p:par>
+                              <p:par>
+                                <p:cTn fill="hold" nodeType="withEffect" presetClass="entr" presetID="10" presetSubtype="0">
+                                  <p:stCondLst>
+                                    <p:cond delay="0"/>
+                                  </p:stCondLst>
+                                  <p:childTnLst>
+                                    <p:set>
+                                      <p:cBhvr>
+                                        <p:cTn dur="1" fill="hold">
+                                          <p:stCondLst>
+                                            <p:cond delay="0"/>
+                                          </p:stCondLst>
+                                        </p:cTn>
+                                        <p:tgtEl>
+                                          <p:spTgt spid="236"/>
+                                        </p:tgtEl>
+                                        <p:attrNameLst>
+                                          <p:attrName>style.visibility</p:attrName>
+                                        </p:attrNameLst>
+                                      </p:cBhvr>
+                                      <p:to>
+                                        <p:strVal val="visible"/>
+                                      </p:to>
+                                    </p:set>
+                                    <p:animEffect filter="fade" transition="in">
+                                      <p:cBhvr>
+                                        <p:cTn dur="1000"/>
+                                        <p:tgtEl>
+                                          <p:spTgt spid="236"/>
+                                        </p:tgtEl>
+                                      </p:cBhvr>
+                                    </p:animEffect>
+                                  </p:childTnLst>
+                                </p:cTn>
+                              </p:par>
+                              <p:par>
+                                <p:cTn fill="hold" nodeType="withEffect" presetClass="entr" presetID="10" presetSubtype="0">
+                                  <p:stCondLst>
+                                    <p:cond delay="0"/>
+                                  </p:stCondLst>
+                                  <p:childTnLst>
+                                    <p:set>
+                                      <p:cBhvr>
+                                        <p:cTn dur="1" fill="hold">
+                                          <p:stCondLst>
+                                            <p:cond delay="0"/>
+                                          </p:stCondLst>
+                                        </p:cTn>
+                                        <p:tgtEl>
+                                          <p:spTgt spid="234"/>
+                                        </p:tgtEl>
+                                        <p:attrNameLst>
+                                          <p:attrName>style.visibility</p:attrName>
+                                        </p:attrNameLst>
+                                      </p:cBhvr>
+                                      <p:to>
+                                        <p:strVal val="visible"/>
+                                      </p:to>
+                                    </p:set>
+                                    <p:animEffect filter="fade" transition="in">
+                                      <p:cBhvr>
+                                        <p:cTn dur="1000"/>
+                                        <p:tgtEl>
+                                          <p:spTgt spid="234"/>
                                         </p:tgtEl>
                                       </p:cBhvr>
                                     </p:animEffect>
@@ -14652,7 +20300,7 @@
                                           </p:stCondLst>
                                         </p:cTn>
                                         <p:tgtEl>
-                                          <p:spTgt spid="157"/>
+                                          <p:spTgt spid="209"/>
                                         </p:tgtEl>
                                         <p:attrNameLst>
                                           <p:attrName>style.visibility</p:attrName>
@@ -14666,60 +20314,7 @@
                                       <p:cBhvr>
                                         <p:cTn dur="1000"/>
                                         <p:tgtEl>
-                                          <p:spTgt spid="157"/>
-                                        </p:tgtEl>
-                                      </p:cBhvr>
-                                    </p:animEffect>
-                                  </p:childTnLst>
-                                </p:cTn>
-                              </p:par>
-                            </p:childTnLst>
-                          </p:cTn>
-                        </p:par>
-                      </p:childTnLst>
-                    </p:cTn>
-                  </p:par>
-                  <p:par>
-                    <p:cTn fill="hold">
-                      <p:stCondLst>
-                        <p:cond delay="indefinite"/>
-                      </p:stCondLst>
-                      <p:childTnLst>
-                        <p:par>
-                          <p:cTn fill="hold">
-                            <p:stCondLst>
-                              <p:cond delay="0"/>
-                            </p:stCondLst>
-                            <p:childTnLst>
-                              <p:par>
-                                <p:cTn fill="hold" nodeType="clickEffect" presetClass="entr" presetID="10" presetSubtype="0">
-                                  <p:stCondLst>
-                                    <p:cond delay="0"/>
-                                  </p:stCondLst>
-                                  <p:childTnLst>
-                                    <p:set>
-                                      <p:cBhvr>
-                                        <p:cTn dur="1" fill="hold">
-                                          <p:stCondLst>
-                                            <p:cond delay="0"/>
-                                          </p:stCondLst>
-                                        </p:cTn>
-                                        <p:tgtEl>
-                                          <p:spTgt spid="155"/>
-                                        </p:tgtEl>
-                                        <p:attrNameLst>
-                                          <p:attrName>style.visibility</p:attrName>
-                                        </p:attrNameLst>
-                                      </p:cBhvr>
-                                      <p:to>
-                                        <p:strVal val="visible"/>
-                                      </p:to>
-                                    </p:set>
-                                    <p:animEffect filter="fade" transition="in">
-                                      <p:cBhvr>
-                                        <p:cTn dur="1000"/>
-                                        <p:tgtEl>
-                                          <p:spTgt spid="155"/>
+                                          <p:spTgt spid="209"/>
                                         </p:tgtEl>
                                       </p:cBhvr>
                                     </p:animEffect>
@@ -14740,7 +20335,7 @@
                                           </p:stCondLst>
                                         </p:cTn>
                                         <p:tgtEl>
-                                          <p:spTgt spid="156"/>
+                                          <p:spTgt spid="222"/>
                                         </p:tgtEl>
                                         <p:attrNameLst>
                                           <p:attrName>style.visibility</p:attrName>
@@ -14754,7 +20349,7 @@
                                       <p:cBhvr>
                                         <p:cTn dur="1000"/>
                                         <p:tgtEl>
-                                          <p:spTgt spid="156"/>
+                                          <p:spTgt spid="222"/>
                                         </p:tgtEl>
                                       </p:cBhvr>
                                     </p:animEffect>
@@ -14775,7 +20370,7 @@
                                           </p:stCondLst>
                                         </p:cTn>
                                         <p:tgtEl>
-                                          <p:spTgt spid="165"/>
+                                          <p:spTgt spid="237"/>
                                         </p:tgtEl>
                                         <p:attrNameLst>
                                           <p:attrName>style.visibility</p:attrName>
@@ -14789,60 +20384,7 @@
                                       <p:cBhvr>
                                         <p:cTn dur="1000"/>
                                         <p:tgtEl>
-                                          <p:spTgt spid="165"/>
-                                        </p:tgtEl>
-                                      </p:cBhvr>
-                                    </p:animEffect>
-                                  </p:childTnLst>
-                                </p:cTn>
-                              </p:par>
-                            </p:childTnLst>
-                          </p:cTn>
-                        </p:par>
-                      </p:childTnLst>
-                    </p:cTn>
-                  </p:par>
-                  <p:par>
-                    <p:cTn fill="hold">
-                      <p:stCondLst>
-                        <p:cond delay="indefinite"/>
-                      </p:stCondLst>
-                      <p:childTnLst>
-                        <p:par>
-                          <p:cTn fill="hold">
-                            <p:stCondLst>
-                              <p:cond delay="0"/>
-                            </p:stCondLst>
-                            <p:childTnLst>
-                              <p:par>
-                                <p:cTn fill="hold" nodeType="clickEffect" presetClass="entr" presetID="10" presetSubtype="0">
-                                  <p:stCondLst>
-                                    <p:cond delay="0"/>
-                                  </p:stCondLst>
-                                  <p:childTnLst>
-                                    <p:set>
-                                      <p:cBhvr>
-                                        <p:cTn dur="1" fill="hold">
-                                          <p:stCondLst>
-                                            <p:cond delay="0"/>
-                                          </p:stCondLst>
-                                        </p:cTn>
-                                        <p:tgtEl>
-                                          <p:spTgt spid="171"/>
-                                        </p:tgtEl>
-                                        <p:attrNameLst>
-                                          <p:attrName>style.visibility</p:attrName>
-                                        </p:attrNameLst>
-                                      </p:cBhvr>
-                                      <p:to>
-                                        <p:strVal val="visible"/>
-                                      </p:to>
-                                    </p:set>
-                                    <p:animEffect filter="fade" transition="in">
-                                      <p:cBhvr>
-                                        <p:cTn dur="1000"/>
-                                        <p:tgtEl>
-                                          <p:spTgt spid="171"/>
+                                          <p:spTgt spid="237"/>
                                         </p:tgtEl>
                                       </p:cBhvr>
                                     </p:animEffect>
@@ -14863,7 +20405,7 @@
                                           </p:stCondLst>
                                         </p:cTn>
                                         <p:tgtEl>
-                                          <p:spTgt spid="166"/>
+                                          <p:spTgt spid="235"/>
                                         </p:tgtEl>
                                         <p:attrNameLst>
                                           <p:attrName>style.visibility</p:attrName>
@@ -14877,183 +20419,7 @@
                                       <p:cBhvr>
                                         <p:cTn dur="1000"/>
                                         <p:tgtEl>
-                                          <p:spTgt spid="166"/>
-                                        </p:tgtEl>
-                                      </p:cBhvr>
-                                    </p:animEffect>
-                                  </p:childTnLst>
-                                </p:cTn>
-                              </p:par>
-                            </p:childTnLst>
-                          </p:cTn>
-                        </p:par>
-                      </p:childTnLst>
-                    </p:cTn>
-                  </p:par>
-                  <p:par>
-                    <p:cTn fill="hold">
-                      <p:stCondLst>
-                        <p:cond delay="indefinite"/>
-                      </p:stCondLst>
-                      <p:childTnLst>
-                        <p:par>
-                          <p:cTn fill="hold">
-                            <p:stCondLst>
-                              <p:cond delay="0"/>
-                            </p:stCondLst>
-                            <p:childTnLst>
-                              <p:par>
-                                <p:cTn fill="hold" nodeType="clickEffect" presetClass="entr" presetID="10" presetSubtype="0">
-                                  <p:stCondLst>
-                                    <p:cond delay="0"/>
-                                  </p:stCondLst>
-                                  <p:childTnLst>
-                                    <p:set>
-                                      <p:cBhvr>
-                                        <p:cTn dur="1" fill="hold">
-                                          <p:stCondLst>
-                                            <p:cond delay="0"/>
-                                          </p:stCondLst>
-                                        </p:cTn>
-                                        <p:tgtEl>
-                                          <p:spTgt spid="168"/>
-                                        </p:tgtEl>
-                                        <p:attrNameLst>
-                                          <p:attrName>style.visibility</p:attrName>
-                                        </p:attrNameLst>
-                                      </p:cBhvr>
-                                      <p:to>
-                                        <p:strVal val="visible"/>
-                                      </p:to>
-                                    </p:set>
-                                    <p:animEffect filter="fade" transition="in">
-                                      <p:cBhvr>
-                                        <p:cTn dur="1000"/>
-                                        <p:tgtEl>
-                                          <p:spTgt spid="168"/>
-                                        </p:tgtEl>
-                                      </p:cBhvr>
-                                    </p:animEffect>
-                                  </p:childTnLst>
-                                </p:cTn>
-                              </p:par>
-                            </p:childTnLst>
-                          </p:cTn>
-                        </p:par>
-                      </p:childTnLst>
-                    </p:cTn>
-                  </p:par>
-                  <p:par>
-                    <p:cTn fill="hold">
-                      <p:stCondLst>
-                        <p:cond delay="indefinite"/>
-                      </p:stCondLst>
-                      <p:childTnLst>
-                        <p:par>
-                          <p:cTn fill="hold">
-                            <p:stCondLst>
-                              <p:cond delay="0"/>
-                            </p:stCondLst>
-                            <p:childTnLst>
-                              <p:par>
-                                <p:cTn fill="hold" nodeType="clickEffect" presetClass="entr" presetID="10" presetSubtype="0">
-                                  <p:stCondLst>
-                                    <p:cond delay="0"/>
-                                  </p:stCondLst>
-                                  <p:childTnLst>
-                                    <p:set>
-                                      <p:cBhvr>
-                                        <p:cTn dur="1" fill="hold">
-                                          <p:stCondLst>
-                                            <p:cond delay="0"/>
-                                          </p:stCondLst>
-                                        </p:cTn>
-                                        <p:tgtEl>
-                                          <p:spTgt spid="167"/>
-                                        </p:tgtEl>
-                                        <p:attrNameLst>
-                                          <p:attrName>style.visibility</p:attrName>
-                                        </p:attrNameLst>
-                                      </p:cBhvr>
-                                      <p:to>
-                                        <p:strVal val="visible"/>
-                                      </p:to>
-                                    </p:set>
-                                    <p:animEffect filter="fade" transition="in">
-                                      <p:cBhvr>
-                                        <p:cTn dur="1000"/>
-                                        <p:tgtEl>
-                                          <p:spTgt spid="167"/>
-                                        </p:tgtEl>
-                                      </p:cBhvr>
-                                    </p:animEffect>
-                                  </p:childTnLst>
-                                </p:cTn>
-                              </p:par>
-                              <p:par>
-                                <p:cTn fill="hold" nodeType="withEffect" presetClass="entr" presetID="10" presetSubtype="0">
-                                  <p:stCondLst>
-                                    <p:cond delay="0"/>
-                                  </p:stCondLst>
-                                  <p:childTnLst>
-                                    <p:set>
-                                      <p:cBhvr>
-                                        <p:cTn dur="1" fill="hold">
-                                          <p:stCondLst>
-                                            <p:cond delay="0"/>
-                                          </p:stCondLst>
-                                        </p:cTn>
-                                        <p:tgtEl>
-                                          <p:spTgt spid="170"/>
-                                        </p:tgtEl>
-                                        <p:attrNameLst>
-                                          <p:attrName>style.visibility</p:attrName>
-                                        </p:attrNameLst>
-                                      </p:cBhvr>
-                                      <p:to>
-                                        <p:strVal val="visible"/>
-                                      </p:to>
-                                    </p:set>
-                                    <p:animEffect filter="fade" transition="in">
-                                      <p:cBhvr>
-                                        <p:cTn dur="1000"/>
-                                        <p:tgtEl>
-                                          <p:spTgt spid="170"/>
-                                        </p:tgtEl>
-                                      </p:cBhvr>
-                                    </p:animEffect>
-                                  </p:childTnLst>
-                                </p:cTn>
-                              </p:par>
-                              <p:par>
-                                <p:cTn fill="hold" nodeType="withEffect" presetClass="entr" presetID="10" presetSubtype="0">
-                                  <p:stCondLst>
-                                    <p:cond delay="0"/>
-                                  </p:stCondLst>
-                                  <p:childTnLst>
-                                    <p:set>
-                                      <p:cBhvr>
-                                        <p:cTn dur="1" fill="hold">
-                                          <p:stCondLst>
-                                            <p:cond delay="0"/>
-                                          </p:stCondLst>
-                                        </p:cTn>
-                                        <p:tgtEl>
-                                          <p:spTgt spid="169"/>
-                                        </p:tgtEl>
-                                        <p:attrNameLst>
-                                          <p:attrName>style.visibility</p:attrName>
-                                        </p:attrNameLst>
-                                      </p:cBhvr>
-                                      <p:to>
-                                        <p:strVal val="visible"/>
-                                      </p:to>
-                                    </p:set>
-                                    <p:animEffect filter="fade" transition="in">
-                                      <p:cBhvr>
-                                        <p:cTn dur="1000"/>
-                                        <p:tgtEl>
-                                          <p:spTgt spid="169"/>
+                                          <p:spTgt spid="235"/>
                                         </p:tgtEl>
                                       </p:cBhvr>
                                     </p:animEffect>
@@ -15088,316 +20454,6 @@
       </p:par>
     </p:tnLst>
   </p:timing>
-</p:sld>
-</file>
-
-<file path=ppt/slides/slide5.xml><?xml version="1.0" encoding="utf-8"?>
-<p:sld xmlns:a="http://schemas.openxmlformats.org/drawingml/2006/main" xmlns:r="http://schemas.openxmlformats.org/officeDocument/2006/relationships" xmlns:mc="http://schemas.openxmlformats.org/markup-compatibility/2006" xmlns:mv="urn:schemas-microsoft-com:mac:vml" xmlns:p="http://schemas.openxmlformats.org/presentationml/2006/main" xmlns:c="http://schemas.openxmlformats.org/drawingml/2006/chart" xmlns:dgm="http://schemas.openxmlformats.org/drawingml/2006/diagram" xmlns:o="urn:schemas-microsoft-com:office:office" xmlns:v="urn:schemas-microsoft-com:vml" xmlns:pvml="urn:schemas-microsoft-com:office:powerpoint" xmlns:com="http://schemas.openxmlformats.org/drawingml/2006/compatibility" xmlns:p14="http://schemas.microsoft.com/office/powerpoint/2010/main" xmlns:p15="http://schemas.microsoft.com/office/powerpoint/2012/main" xmlns:ahyp="http://schemas.microsoft.com/office/drawing/2018/hyperlinkcolor">
-  <p:cSld>
-    <p:spTree>
-      <p:nvGrpSpPr>
-        <p:cNvPr id="175" name="Shape 175"/>
-        <p:cNvGrpSpPr/>
-        <p:nvPr/>
-      </p:nvGrpSpPr>
-      <p:grpSpPr>
-        <a:xfrm>
-          <a:off x="0" y="0"/>
-          <a:ext cx="0" cy="0"/>
-          <a:chOff x="0" y="0"/>
-          <a:chExt cx="0" cy="0"/>
-        </a:xfrm>
-      </p:grpSpPr>
-      <p:sp>
-        <p:nvSpPr>
-          <p:cNvPr id="176" name="Google Shape;176;p17"/>
-          <p:cNvSpPr txBox="1"/>
-          <p:nvPr>
-            <p:ph type="title"/>
-          </p:nvPr>
-        </p:nvSpPr>
-        <p:spPr>
-          <a:xfrm>
-            <a:off x="311700" y="410000"/>
-            <a:ext cx="8520600" cy="607800"/>
-          </a:xfrm>
-          <a:prstGeom prst="rect">
-            <a:avLst/>
-          </a:prstGeom>
-        </p:spPr>
-        <p:txBody>
-          <a:bodyPr anchorCtr="0" anchor="t" bIns="91425" lIns="91425" spcFirstLastPara="1" rIns="91425" wrap="square" tIns="91425">
-            <a:noAutofit/>
-          </a:bodyPr>
-          <a:lstStyle/>
-          <a:p>
-            <a:pPr indent="0" lvl="0" marL="0" rtl="0" algn="l">
-              <a:spcBef>
-                <a:spcPts val="0"/>
-              </a:spcBef>
-              <a:spcAft>
-                <a:spcPts val="0"/>
-              </a:spcAft>
-              <a:buNone/>
-            </a:pPr>
-            <a:r>
-              <a:t/>
-            </a:r>
-            <a:endParaRPr/>
-          </a:p>
-        </p:txBody>
-      </p:sp>
-      <p:sp>
-        <p:nvSpPr>
-          <p:cNvPr id="177" name="Google Shape;177;p17"/>
-          <p:cNvSpPr txBox="1"/>
-          <p:nvPr>
-            <p:ph idx="1" type="body"/>
-          </p:nvPr>
-        </p:nvSpPr>
-        <p:spPr>
-          <a:xfrm>
-            <a:off x="311700" y="1229875"/>
-            <a:ext cx="8520600" cy="3339000"/>
-          </a:xfrm>
-          <a:prstGeom prst="rect">
-            <a:avLst/>
-          </a:prstGeom>
-        </p:spPr>
-        <p:txBody>
-          <a:bodyPr anchorCtr="0" anchor="t" bIns="91425" lIns="91425" spcFirstLastPara="1" rIns="91425" wrap="square" tIns="91425">
-            <a:noAutofit/>
-          </a:bodyPr>
-          <a:lstStyle/>
-          <a:p>
-            <a:pPr indent="0" lvl="0" marL="0" rtl="0" algn="l">
-              <a:spcBef>
-                <a:spcPts val="0"/>
-              </a:spcBef>
-              <a:spcAft>
-                <a:spcPts val="1600"/>
-              </a:spcAft>
-              <a:buNone/>
-            </a:pPr>
-            <a:r>
-              <a:rPr lang="en"/>
-              <a:t>ssd</a:t>
-            </a:r>
-            <a:endParaRPr/>
-          </a:p>
-        </p:txBody>
-      </p:sp>
-    </p:spTree>
-  </p:cSld>
-  <p:clrMapOvr>
-    <a:masterClrMapping/>
-  </p:clrMapOvr>
-</p:sld>
-</file>
-
-<file path=ppt/slides/slide6.xml><?xml version="1.0" encoding="utf-8"?>
-<p:sld xmlns:a="http://schemas.openxmlformats.org/drawingml/2006/main" xmlns:r="http://schemas.openxmlformats.org/officeDocument/2006/relationships" xmlns:mc="http://schemas.openxmlformats.org/markup-compatibility/2006" xmlns:mv="urn:schemas-microsoft-com:mac:vml" xmlns:p="http://schemas.openxmlformats.org/presentationml/2006/main" xmlns:c="http://schemas.openxmlformats.org/drawingml/2006/chart" xmlns:dgm="http://schemas.openxmlformats.org/drawingml/2006/diagram" xmlns:o="urn:schemas-microsoft-com:office:office" xmlns:v="urn:schemas-microsoft-com:vml" xmlns:pvml="urn:schemas-microsoft-com:office:powerpoint" xmlns:com="http://schemas.openxmlformats.org/drawingml/2006/compatibility" xmlns:p14="http://schemas.microsoft.com/office/powerpoint/2010/main" xmlns:p15="http://schemas.microsoft.com/office/powerpoint/2012/main" xmlns:ahyp="http://schemas.microsoft.com/office/drawing/2018/hyperlinkcolor">
-  <p:cSld>
-    <p:spTree>
-      <p:nvGrpSpPr>
-        <p:cNvPr id="181" name="Shape 181"/>
-        <p:cNvGrpSpPr/>
-        <p:nvPr/>
-      </p:nvGrpSpPr>
-      <p:grpSpPr>
-        <a:xfrm>
-          <a:off x="0" y="0"/>
-          <a:ext cx="0" cy="0"/>
-          <a:chOff x="0" y="0"/>
-          <a:chExt cx="0" cy="0"/>
-        </a:xfrm>
-      </p:grpSpPr>
-      <p:sp>
-        <p:nvSpPr>
-          <p:cNvPr id="182" name="Google Shape;182;p18"/>
-          <p:cNvSpPr txBox="1"/>
-          <p:nvPr>
-            <p:ph type="title"/>
-          </p:nvPr>
-        </p:nvSpPr>
-        <p:spPr>
-          <a:xfrm>
-            <a:off x="490250" y="526350"/>
-            <a:ext cx="5618700" cy="4090800"/>
-          </a:xfrm>
-          <a:prstGeom prst="rect">
-            <a:avLst/>
-          </a:prstGeom>
-        </p:spPr>
-        <p:txBody>
-          <a:bodyPr anchorCtr="0" anchor="ctr" bIns="91425" lIns="91425" spcFirstLastPara="1" rIns="91425" wrap="square" tIns="91425">
-            <a:noAutofit/>
-          </a:bodyPr>
-          <a:lstStyle/>
-          <a:p>
-            <a:pPr indent="0" lvl="0" marL="0" rtl="0" algn="l">
-              <a:spcBef>
-                <a:spcPts val="0"/>
-              </a:spcBef>
-              <a:spcAft>
-                <a:spcPts val="0"/>
-              </a:spcAft>
-              <a:buNone/>
-            </a:pPr>
-            <a:r>
-              <a:t/>
-            </a:r>
-            <a:endParaRPr/>
-          </a:p>
-        </p:txBody>
-      </p:sp>
-    </p:spTree>
-  </p:cSld>
-  <p:clrMapOvr>
-    <a:masterClrMapping/>
-  </p:clrMapOvr>
-</p:sld>
-</file>
-
-<file path=ppt/slides/slide7.xml><?xml version="1.0" encoding="utf-8"?>
-<p:sld xmlns:a="http://schemas.openxmlformats.org/drawingml/2006/main" xmlns:r="http://schemas.openxmlformats.org/officeDocument/2006/relationships" xmlns:mc="http://schemas.openxmlformats.org/markup-compatibility/2006" xmlns:mv="urn:schemas-microsoft-com:mac:vml" xmlns:p="http://schemas.openxmlformats.org/presentationml/2006/main" xmlns:c="http://schemas.openxmlformats.org/drawingml/2006/chart" xmlns:dgm="http://schemas.openxmlformats.org/drawingml/2006/diagram" xmlns:o="urn:schemas-microsoft-com:office:office" xmlns:v="urn:schemas-microsoft-com:vml" xmlns:pvml="urn:schemas-microsoft-com:office:powerpoint" xmlns:com="http://schemas.openxmlformats.org/drawingml/2006/compatibility" xmlns:p14="http://schemas.microsoft.com/office/powerpoint/2010/main" xmlns:p15="http://schemas.microsoft.com/office/powerpoint/2012/main" xmlns:ahyp="http://schemas.microsoft.com/office/drawing/2018/hyperlinkcolor">
-  <p:cSld>
-    <p:spTree>
-      <p:nvGrpSpPr>
-        <p:cNvPr id="186" name="Shape 186"/>
-        <p:cNvGrpSpPr/>
-        <p:nvPr/>
-      </p:nvGrpSpPr>
-      <p:grpSpPr>
-        <a:xfrm>
-          <a:off x="0" y="0"/>
-          <a:ext cx="0" cy="0"/>
-          <a:chOff x="0" y="0"/>
-          <a:chExt cx="0" cy="0"/>
-        </a:xfrm>
-      </p:grpSpPr>
-      <p:sp>
-        <p:nvSpPr>
-          <p:cNvPr id="187" name="Google Shape;187;p19"/>
-          <p:cNvSpPr txBox="1"/>
-          <p:nvPr>
-            <p:ph type="title"/>
-          </p:nvPr>
-        </p:nvSpPr>
-        <p:spPr>
-          <a:xfrm>
-            <a:off x="265500" y="1151100"/>
-            <a:ext cx="4045200" cy="1564500"/>
-          </a:xfrm>
-          <a:prstGeom prst="rect">
-            <a:avLst/>
-          </a:prstGeom>
-        </p:spPr>
-        <p:txBody>
-          <a:bodyPr anchorCtr="0" anchor="b" bIns="91425" lIns="91425" spcFirstLastPara="1" rIns="91425" wrap="square" tIns="91425">
-            <a:noAutofit/>
-          </a:bodyPr>
-          <a:lstStyle/>
-          <a:p>
-            <a:pPr indent="0" lvl="0" marL="0" rtl="0" algn="ctr">
-              <a:spcBef>
-                <a:spcPts val="0"/>
-              </a:spcBef>
-              <a:spcAft>
-                <a:spcPts val="0"/>
-              </a:spcAft>
-              <a:buNone/>
-            </a:pPr>
-            <a:r>
-              <a:t/>
-            </a:r>
-            <a:endParaRPr/>
-          </a:p>
-        </p:txBody>
-      </p:sp>
-      <p:sp>
-        <p:nvSpPr>
-          <p:cNvPr id="188" name="Google Shape;188;p19"/>
-          <p:cNvSpPr txBox="1"/>
-          <p:nvPr>
-            <p:ph idx="1" type="subTitle"/>
-          </p:nvPr>
-        </p:nvSpPr>
-        <p:spPr>
-          <a:xfrm>
-            <a:off x="265500" y="2769001"/>
-            <a:ext cx="4045200" cy="1269300"/>
-          </a:xfrm>
-          <a:prstGeom prst="rect">
-            <a:avLst/>
-          </a:prstGeom>
-        </p:spPr>
-        <p:txBody>
-          <a:bodyPr anchorCtr="0" anchor="t" bIns="91425" lIns="91425" spcFirstLastPara="1" rIns="91425" wrap="square" tIns="91425">
-            <a:noAutofit/>
-          </a:bodyPr>
-          <a:lstStyle/>
-          <a:p>
-            <a:pPr indent="0" lvl="0" marL="0" rtl="0" algn="ctr">
-              <a:spcBef>
-                <a:spcPts val="0"/>
-              </a:spcBef>
-              <a:spcAft>
-                <a:spcPts val="0"/>
-              </a:spcAft>
-              <a:buNone/>
-            </a:pPr>
-            <a:r>
-              <a:t/>
-            </a:r>
-            <a:endParaRPr/>
-          </a:p>
-        </p:txBody>
-      </p:sp>
-      <p:sp>
-        <p:nvSpPr>
-          <p:cNvPr id="189" name="Google Shape;189;p19"/>
-          <p:cNvSpPr txBox="1"/>
-          <p:nvPr>
-            <p:ph idx="2" type="body"/>
-          </p:nvPr>
-        </p:nvSpPr>
-        <p:spPr>
-          <a:xfrm>
-            <a:off x="4939500" y="724200"/>
-            <a:ext cx="3837000" cy="3695100"/>
-          </a:xfrm>
-          <a:prstGeom prst="rect">
-            <a:avLst/>
-          </a:prstGeom>
-        </p:spPr>
-        <p:txBody>
-          <a:bodyPr anchorCtr="0" anchor="ctr" bIns="91425" lIns="91425" spcFirstLastPara="1" rIns="91425" wrap="square" tIns="91425">
-            <a:noAutofit/>
-          </a:bodyPr>
-          <a:lstStyle/>
-          <a:p>
-            <a:pPr indent="0" lvl="0" marL="0" rtl="0" algn="l">
-              <a:spcBef>
-                <a:spcPts val="0"/>
-              </a:spcBef>
-              <a:spcAft>
-                <a:spcPts val="1600"/>
-              </a:spcAft>
-              <a:buNone/>
-            </a:pPr>
-            <a:r>
-              <a:t/>
-            </a:r>
-            <a:endParaRPr/>
-          </a:p>
-        </p:txBody>
-      </p:sp>
-    </p:spTree>
-  </p:cSld>
-  <p:clrMapOvr>
-    <a:masterClrMapping/>
-  </p:clrMapOvr>
 </p:sld>
 </file>
 
